--- a/HW2/LBP_HW2.pptx
+++ b/HW2/LBP_HW2.pptx
@@ -272,7 +272,7 @@
               <a:rPr lang="zh-TW" altLang="en-US" smtClean="0">
                 <a:ea typeface="標楷體" panose="03000509000000000000" pitchFamily="65" charset="-120"/>
               </a:rPr>
-              <a:t>2023/3/21</a:t>
+              <a:t>2023/3/22</a:t>
             </a:fld>
             <a:endParaRPr lang="zh-TW" altLang="en-US" dirty="0">
               <a:ea typeface="標楷體" panose="03000509000000000000" pitchFamily="65" charset="-120"/>
@@ -450,7 +450,7 @@
             <a:fld id="{2CB905C5-9D54-40E2-B40C-7996280CAB02}" type="datetimeFigureOut">
               <a:rPr lang="zh-TW" altLang="en-US" smtClean="0"/>
               <a:pPr/>
-              <a:t>2023/3/21</a:t>
+              <a:t>2023/3/22</a:t>
             </a:fld>
             <a:endParaRPr lang="zh-TW" altLang="en-US" dirty="0"/>
           </a:p>
@@ -1276,7 +1276,7 @@
           <a:p>
             <a:fld id="{0C0CC965-A63A-473D-BEFB-C8F9714D5269}" type="datetimeFigureOut">
               <a:rPr lang="zh-TW" altLang="en-US" smtClean="0"/>
-              <a:t>2023/3/21</a:t>
+              <a:t>2023/3/22</a:t>
             </a:fld>
             <a:endParaRPr lang="zh-TW" altLang="en-US"/>
           </a:p>
@@ -1444,7 +1444,7 @@
           <a:p>
             <a:fld id="{0C0CC965-A63A-473D-BEFB-C8F9714D5269}" type="datetimeFigureOut">
               <a:rPr lang="zh-TW" altLang="en-US" smtClean="0"/>
-              <a:t>2023/3/21</a:t>
+              <a:t>2023/3/22</a:t>
             </a:fld>
             <a:endParaRPr lang="zh-TW" altLang="en-US"/>
           </a:p>
@@ -1622,7 +1622,7 @@
           <a:p>
             <a:fld id="{0C0CC965-A63A-473D-BEFB-C8F9714D5269}" type="datetimeFigureOut">
               <a:rPr lang="zh-TW" altLang="en-US" smtClean="0"/>
-              <a:t>2023/3/21</a:t>
+              <a:t>2023/3/22</a:t>
             </a:fld>
             <a:endParaRPr lang="zh-TW" altLang="en-US"/>
           </a:p>
@@ -1844,7 +1844,7 @@
           <a:p>
             <a:fld id="{0C0CC965-A63A-473D-BEFB-C8F9714D5269}" type="datetimeFigureOut">
               <a:rPr lang="zh-TW" altLang="en-US" smtClean="0"/>
-              <a:t>2023/3/21</a:t>
+              <a:t>2023/3/22</a:t>
             </a:fld>
             <a:endParaRPr lang="zh-TW" altLang="en-US"/>
           </a:p>
@@ -2039,7 +2039,7 @@
           <a:p>
             <a:fld id="{0C0CC965-A63A-473D-BEFB-C8F9714D5269}" type="datetimeFigureOut">
               <a:rPr lang="zh-TW" altLang="en-US" smtClean="0"/>
-              <a:t>2023/3/21</a:t>
+              <a:t>2023/3/22</a:t>
             </a:fld>
             <a:endParaRPr lang="zh-TW" altLang="en-US"/>
           </a:p>
@@ -2284,7 +2284,7 @@
           <a:p>
             <a:fld id="{0C0CC965-A63A-473D-BEFB-C8F9714D5269}" type="datetimeFigureOut">
               <a:rPr lang="zh-TW" altLang="en-US" smtClean="0"/>
-              <a:t>2023/3/21</a:t>
+              <a:t>2023/3/22</a:t>
             </a:fld>
             <a:endParaRPr lang="zh-TW" altLang="en-US"/>
           </a:p>
@@ -2513,7 +2513,7 @@
           <a:p>
             <a:fld id="{0C0CC965-A63A-473D-BEFB-C8F9714D5269}" type="datetimeFigureOut">
               <a:rPr lang="zh-TW" altLang="en-US" smtClean="0"/>
-              <a:t>2023/3/21</a:t>
+              <a:t>2023/3/22</a:t>
             </a:fld>
             <a:endParaRPr lang="zh-TW" altLang="en-US"/>
           </a:p>
@@ -2877,7 +2877,7 @@
           <a:p>
             <a:fld id="{0C0CC965-A63A-473D-BEFB-C8F9714D5269}" type="datetimeFigureOut">
               <a:rPr lang="zh-TW" altLang="en-US" smtClean="0"/>
-              <a:t>2023/3/21</a:t>
+              <a:t>2023/3/22</a:t>
             </a:fld>
             <a:endParaRPr lang="zh-TW" altLang="en-US"/>
           </a:p>
@@ -2994,7 +2994,7 @@
           <a:p>
             <a:fld id="{0C0CC965-A63A-473D-BEFB-C8F9714D5269}" type="datetimeFigureOut">
               <a:rPr lang="zh-TW" altLang="en-US" smtClean="0"/>
-              <a:t>2023/3/21</a:t>
+              <a:t>2023/3/22</a:t>
             </a:fld>
             <a:endParaRPr lang="zh-TW" altLang="en-US"/>
           </a:p>
@@ -3089,7 +3089,7 @@
           <a:p>
             <a:fld id="{0C0CC965-A63A-473D-BEFB-C8F9714D5269}" type="datetimeFigureOut">
               <a:rPr lang="zh-TW" altLang="en-US" smtClean="0"/>
-              <a:t>2023/3/21</a:t>
+              <a:t>2023/3/22</a:t>
             </a:fld>
             <a:endParaRPr lang="zh-TW" altLang="en-US"/>
           </a:p>
@@ -3364,7 +3364,7 @@
           <a:p>
             <a:fld id="{0C0CC965-A63A-473D-BEFB-C8F9714D5269}" type="datetimeFigureOut">
               <a:rPr lang="zh-TW" altLang="en-US" smtClean="0"/>
-              <a:t>2023/3/21</a:t>
+              <a:t>2023/3/22</a:t>
             </a:fld>
             <a:endParaRPr lang="zh-TW" altLang="en-US"/>
           </a:p>
@@ -3616,7 +3616,7 @@
           <a:p>
             <a:fld id="{0C0CC965-A63A-473D-BEFB-C8F9714D5269}" type="datetimeFigureOut">
               <a:rPr lang="zh-TW" altLang="en-US" smtClean="0"/>
-              <a:t>2023/3/21</a:t>
+              <a:t>2023/3/22</a:t>
             </a:fld>
             <a:endParaRPr lang="zh-TW" altLang="en-US"/>
           </a:p>
@@ -3830,7 +3830,7 @@
             <a:fld id="{0C0CC965-A63A-473D-BEFB-C8F9714D5269}" type="datetimeFigureOut">
               <a:rPr lang="zh-TW" altLang="en-US" smtClean="0"/>
               <a:pPr/>
-              <a:t>2023/3/21</a:t>
+              <a:t>2023/3/22</a:t>
             </a:fld>
             <a:endParaRPr lang="zh-TW" altLang="en-US"/>
           </a:p>
@@ -5238,6 +5238,36 @@
           </a:p>
         </p:txBody>
       </p:sp>
+      <p:pic>
+        <p:nvPicPr>
+          <p:cNvPr id="3" name="圖片 2">
+            <a:extLst>
+              <a:ext uri="{FF2B5EF4-FFF2-40B4-BE49-F238E27FC236}">
+                <a16:creationId xmlns:a16="http://schemas.microsoft.com/office/drawing/2014/main" id="{133CAD04-5115-4634-99AB-5A156923B615}"/>
+              </a:ext>
+            </a:extLst>
+          </p:cNvPr>
+          <p:cNvPicPr>
+            <a:picLocks noChangeAspect="1"/>
+          </p:cNvPicPr>
+          <p:nvPr/>
+        </p:nvPicPr>
+        <p:blipFill>
+          <a:blip r:embed="rId2"/>
+          <a:stretch>
+            <a:fillRect/>
+          </a:stretch>
+        </p:blipFill>
+        <p:spPr>
+          <a:xfrm>
+            <a:off x="3480664" y="1163461"/>
+            <a:ext cx="5230671" cy="5152516"/>
+          </a:xfrm>
+          <a:prstGeom prst="rect">
+            <a:avLst/>
+          </a:prstGeom>
+        </p:spPr>
+      </p:pic>
     </p:spTree>
     <p:extLst>
       <p:ext uri="{BB962C8B-B14F-4D97-AF65-F5344CB8AC3E}">

--- a/HW2/LBP_HW2.pptx
+++ b/HW2/LBP_HW2.pptx
@@ -272,7 +272,7 @@
               <a:rPr lang="zh-TW" altLang="en-US" smtClean="0">
                 <a:ea typeface="標楷體" panose="03000509000000000000" pitchFamily="65" charset="-120"/>
               </a:rPr>
-              <a:t>2023/3/22</a:t>
+              <a:t>2023/3/24</a:t>
             </a:fld>
             <a:endParaRPr lang="zh-TW" altLang="en-US" dirty="0">
               <a:ea typeface="標楷體" panose="03000509000000000000" pitchFamily="65" charset="-120"/>
@@ -450,7 +450,7 @@
             <a:fld id="{2CB905C5-9D54-40E2-B40C-7996280CAB02}" type="datetimeFigureOut">
               <a:rPr lang="zh-TW" altLang="en-US" smtClean="0"/>
               <a:pPr/>
-              <a:t>2023/3/22</a:t>
+              <a:t>2023/3/24</a:t>
             </a:fld>
             <a:endParaRPr lang="zh-TW" altLang="en-US" dirty="0"/>
           </a:p>
@@ -1276,7 +1276,7 @@
           <a:p>
             <a:fld id="{0C0CC965-A63A-473D-BEFB-C8F9714D5269}" type="datetimeFigureOut">
               <a:rPr lang="zh-TW" altLang="en-US" smtClean="0"/>
-              <a:t>2023/3/22</a:t>
+              <a:t>2023/3/24</a:t>
             </a:fld>
             <a:endParaRPr lang="zh-TW" altLang="en-US"/>
           </a:p>
@@ -1444,7 +1444,7 @@
           <a:p>
             <a:fld id="{0C0CC965-A63A-473D-BEFB-C8F9714D5269}" type="datetimeFigureOut">
               <a:rPr lang="zh-TW" altLang="en-US" smtClean="0"/>
-              <a:t>2023/3/22</a:t>
+              <a:t>2023/3/24</a:t>
             </a:fld>
             <a:endParaRPr lang="zh-TW" altLang="en-US"/>
           </a:p>
@@ -1622,7 +1622,7 @@
           <a:p>
             <a:fld id="{0C0CC965-A63A-473D-BEFB-C8F9714D5269}" type="datetimeFigureOut">
               <a:rPr lang="zh-TW" altLang="en-US" smtClean="0"/>
-              <a:t>2023/3/22</a:t>
+              <a:t>2023/3/24</a:t>
             </a:fld>
             <a:endParaRPr lang="zh-TW" altLang="en-US"/>
           </a:p>
@@ -1844,7 +1844,7 @@
           <a:p>
             <a:fld id="{0C0CC965-A63A-473D-BEFB-C8F9714D5269}" type="datetimeFigureOut">
               <a:rPr lang="zh-TW" altLang="en-US" smtClean="0"/>
-              <a:t>2023/3/22</a:t>
+              <a:t>2023/3/24</a:t>
             </a:fld>
             <a:endParaRPr lang="zh-TW" altLang="en-US"/>
           </a:p>
@@ -2039,7 +2039,7 @@
           <a:p>
             <a:fld id="{0C0CC965-A63A-473D-BEFB-C8F9714D5269}" type="datetimeFigureOut">
               <a:rPr lang="zh-TW" altLang="en-US" smtClean="0"/>
-              <a:t>2023/3/22</a:t>
+              <a:t>2023/3/24</a:t>
             </a:fld>
             <a:endParaRPr lang="zh-TW" altLang="en-US"/>
           </a:p>
@@ -2284,7 +2284,7 @@
           <a:p>
             <a:fld id="{0C0CC965-A63A-473D-BEFB-C8F9714D5269}" type="datetimeFigureOut">
               <a:rPr lang="zh-TW" altLang="en-US" smtClean="0"/>
-              <a:t>2023/3/22</a:t>
+              <a:t>2023/3/24</a:t>
             </a:fld>
             <a:endParaRPr lang="zh-TW" altLang="en-US"/>
           </a:p>
@@ -2513,7 +2513,7 @@
           <a:p>
             <a:fld id="{0C0CC965-A63A-473D-BEFB-C8F9714D5269}" type="datetimeFigureOut">
               <a:rPr lang="zh-TW" altLang="en-US" smtClean="0"/>
-              <a:t>2023/3/22</a:t>
+              <a:t>2023/3/24</a:t>
             </a:fld>
             <a:endParaRPr lang="zh-TW" altLang="en-US"/>
           </a:p>
@@ -2877,7 +2877,7 @@
           <a:p>
             <a:fld id="{0C0CC965-A63A-473D-BEFB-C8F9714D5269}" type="datetimeFigureOut">
               <a:rPr lang="zh-TW" altLang="en-US" smtClean="0"/>
-              <a:t>2023/3/22</a:t>
+              <a:t>2023/3/24</a:t>
             </a:fld>
             <a:endParaRPr lang="zh-TW" altLang="en-US"/>
           </a:p>
@@ -2994,7 +2994,7 @@
           <a:p>
             <a:fld id="{0C0CC965-A63A-473D-BEFB-C8F9714D5269}" type="datetimeFigureOut">
               <a:rPr lang="zh-TW" altLang="en-US" smtClean="0"/>
-              <a:t>2023/3/22</a:t>
+              <a:t>2023/3/24</a:t>
             </a:fld>
             <a:endParaRPr lang="zh-TW" altLang="en-US"/>
           </a:p>
@@ -3089,7 +3089,7 @@
           <a:p>
             <a:fld id="{0C0CC965-A63A-473D-BEFB-C8F9714D5269}" type="datetimeFigureOut">
               <a:rPr lang="zh-TW" altLang="en-US" smtClean="0"/>
-              <a:t>2023/3/22</a:t>
+              <a:t>2023/3/24</a:t>
             </a:fld>
             <a:endParaRPr lang="zh-TW" altLang="en-US"/>
           </a:p>
@@ -3364,7 +3364,7 @@
           <a:p>
             <a:fld id="{0C0CC965-A63A-473D-BEFB-C8F9714D5269}" type="datetimeFigureOut">
               <a:rPr lang="zh-TW" altLang="en-US" smtClean="0"/>
-              <a:t>2023/3/22</a:t>
+              <a:t>2023/3/24</a:t>
             </a:fld>
             <a:endParaRPr lang="zh-TW" altLang="en-US"/>
           </a:p>
@@ -3616,7 +3616,7 @@
           <a:p>
             <a:fld id="{0C0CC965-A63A-473D-BEFB-C8F9714D5269}" type="datetimeFigureOut">
               <a:rPr lang="zh-TW" altLang="en-US" smtClean="0"/>
-              <a:t>2023/3/22</a:t>
+              <a:t>2023/3/24</a:t>
             </a:fld>
             <a:endParaRPr lang="zh-TW" altLang="en-US"/>
           </a:p>
@@ -3830,7 +3830,7 @@
             <a:fld id="{0C0CC965-A63A-473D-BEFB-C8F9714D5269}" type="datetimeFigureOut">
               <a:rPr lang="zh-TW" altLang="en-US" smtClean="0"/>
               <a:pPr/>
-              <a:t>2023/3/22</a:t>
+              <a:t>2023/3/24</a:t>
             </a:fld>
             <a:endParaRPr lang="zh-TW" altLang="en-US"/>
           </a:p>
@@ -4428,9 +4428,10 @@
               <a:t>開始日期：</a:t>
             </a:r>
             <a:r>
-              <a:rPr lang="en-US" altLang="zh-TW" dirty="0"/>
-              <a:t>2023/3/18</a:t>
-            </a:r>
+              <a:rPr lang="en-US" altLang="zh-TW"/>
+              <a:t>2023/3/16</a:t>
+            </a:r>
+            <a:endParaRPr lang="en-US" altLang="zh-TW" dirty="0"/>
           </a:p>
           <a:p>
             <a:pPr algn="l"/>
@@ -4547,15 +4548,7 @@
             </a:r>
             <a:r>
               <a:rPr lang="zh-TW" altLang="en-US" sz="3200" dirty="0"/>
-              <a:t> </a:t>
-            </a:r>
-            <a:r>
-              <a:rPr lang="zh-TW" altLang="en-US" sz="3200" dirty="0">
-                <a:solidFill>
-                  <a:srgbClr val="FF0000"/>
-                </a:solidFill>
-              </a:rPr>
-              <a:t>特徵向量比較</a:t>
+              <a:t> 依特徵向量上色 </a:t>
             </a:r>
             <a:r>
               <a:rPr lang="en-US" altLang="zh-TW" sz="3200" dirty="0"/>
@@ -8372,19 +8365,7 @@
             </a:r>
             <a:r>
               <a:rPr lang="zh-TW" altLang="en-US" sz="3200" dirty="0"/>
-              <a:t> </a:t>
-            </a:r>
-            <a:r>
-              <a:rPr lang="zh-TW" altLang="en-US" sz="3200" dirty="0">
-                <a:solidFill>
-                  <a:srgbClr val="FF0000"/>
-                </a:solidFill>
-              </a:rPr>
-              <a:t>週進度項目</a:t>
-            </a:r>
-            <a:r>
-              <a:rPr lang="zh-TW" altLang="en-US" sz="3200" dirty="0"/>
-              <a:t> </a:t>
+              <a:t> 全圖直方圖 </a:t>
             </a:r>
             <a:r>
               <a:rPr lang="en-US" altLang="zh-TW" sz="3200" dirty="0"/>
@@ -8634,19 +8615,7 @@
             </a:r>
             <a:r>
               <a:rPr lang="zh-TW" altLang="en-US" sz="3200" dirty="0"/>
-              <a:t> </a:t>
-            </a:r>
-            <a:r>
-              <a:rPr lang="zh-TW" altLang="en-US" sz="3200" dirty="0">
-                <a:solidFill>
-                  <a:srgbClr val="FF0000"/>
-                </a:solidFill>
-              </a:rPr>
-              <a:t>週進度項目</a:t>
-            </a:r>
-            <a:r>
-              <a:rPr lang="zh-TW" altLang="en-US" sz="3200" dirty="0"/>
-              <a:t> </a:t>
+              <a:t> 區塊切割</a:t>
             </a:r>
             <a:r>
               <a:rPr lang="en-US" altLang="zh-TW" sz="3200" dirty="0"/>
@@ -8923,19 +8892,7 @@
             </a:r>
             <a:r>
               <a:rPr lang="zh-TW" altLang="en-US" sz="3200" dirty="0"/>
-              <a:t> </a:t>
-            </a:r>
-            <a:r>
-              <a:rPr lang="zh-TW" altLang="en-US" sz="3200" dirty="0">
-                <a:solidFill>
-                  <a:srgbClr val="FF0000"/>
-                </a:solidFill>
-              </a:rPr>
-              <a:t>週進度項目</a:t>
-            </a:r>
-            <a:r>
-              <a:rPr lang="zh-TW" altLang="en-US" sz="3200" dirty="0"/>
-              <a:t> </a:t>
+              <a:t> 區塊特徵向量</a:t>
             </a:r>
             <a:r>
               <a:rPr lang="en-US" altLang="zh-TW" sz="3200" dirty="0"/>

--- a/HW2/LBP_HW2.pptx
+++ b/HW2/LBP_HW2.pptx
@@ -5,23 +5,25 @@
     <p:sldMasterId id="2147483648" r:id="rId1"/>
   </p:sldMasterIdLst>
   <p:notesMasterIdLst>
-    <p:notesMasterId r:id="rId13"/>
+    <p:notesMasterId r:id="rId15"/>
   </p:notesMasterIdLst>
   <p:handoutMasterIdLst>
-    <p:handoutMasterId r:id="rId14"/>
+    <p:handoutMasterId r:id="rId16"/>
   </p:handoutMasterIdLst>
   <p:sldIdLst>
     <p:sldId id="259" r:id="rId2"/>
     <p:sldId id="1255" r:id="rId3"/>
-    <p:sldId id="1254" r:id="rId4"/>
-    <p:sldId id="614" r:id="rId5"/>
-    <p:sldId id="1250" r:id="rId6"/>
-    <p:sldId id="1253" r:id="rId7"/>
-    <p:sldId id="1143" r:id="rId8"/>
-    <p:sldId id="1251" r:id="rId9"/>
-    <p:sldId id="1252" r:id="rId10"/>
-    <p:sldId id="1256" r:id="rId11"/>
-    <p:sldId id="271" r:id="rId12"/>
+    <p:sldId id="1258" r:id="rId4"/>
+    <p:sldId id="1257" r:id="rId5"/>
+    <p:sldId id="1254" r:id="rId6"/>
+    <p:sldId id="614" r:id="rId7"/>
+    <p:sldId id="1250" r:id="rId8"/>
+    <p:sldId id="1253" r:id="rId9"/>
+    <p:sldId id="1143" r:id="rId10"/>
+    <p:sldId id="1251" r:id="rId11"/>
+    <p:sldId id="1252" r:id="rId12"/>
+    <p:sldId id="1256" r:id="rId13"/>
+    <p:sldId id="271" r:id="rId14"/>
   </p:sldIdLst>
   <p:sldSz cx="12192000" cy="6858000"/>
   <p:notesSz cx="6858000" cy="9144000"/>
@@ -137,7 +139,10 @@
           </p14:sldIdLst>
         </p14:section>
         <p14:section name="進度統整" id="{9DD50ACF-4175-4751-9D6B-498445AED633}">
-          <p14:sldIdLst/>
+          <p14:sldIdLst>
+            <p14:sldId id="1258"/>
+            <p14:sldId id="1257"/>
+          </p14:sldIdLst>
         </p14:section>
         <p14:section name="需求列表" id="{DE023DAD-9EED-426D-8EB3-17248E4D00C3}">
           <p14:sldIdLst>
@@ -871,7 +876,7 @@
           <a:p>
             <a:fld id="{EF8A6B0B-A5FB-4629-B823-69B1A9EB3A43}" type="slidenum">
               <a:rPr lang="zh-TW" altLang="en-US" smtClean="0"/>
-              <a:t>7</a:t>
+              <a:t>9</a:t>
             </a:fld>
             <a:endParaRPr lang="zh-TW" altLang="en-US"/>
           </a:p>
@@ -955,7 +960,7 @@
           <a:p>
             <a:fld id="{EF8A6B0B-A5FB-4629-B823-69B1A9EB3A43}" type="slidenum">
               <a:rPr lang="zh-TW" altLang="en-US" smtClean="0"/>
-              <a:t>8</a:t>
+              <a:t>10</a:t>
             </a:fld>
             <a:endParaRPr lang="zh-TW" altLang="en-US"/>
           </a:p>
@@ -1039,7 +1044,7 @@
           <a:p>
             <a:fld id="{EF8A6B0B-A5FB-4629-B823-69B1A9EB3A43}" type="slidenum">
               <a:rPr lang="zh-TW" altLang="en-US" smtClean="0"/>
-              <a:t>9</a:t>
+              <a:t>11</a:t>
             </a:fld>
             <a:endParaRPr lang="zh-TW" altLang="en-US"/>
           </a:p>
@@ -1123,7 +1128,7 @@
           <a:p>
             <a:fld id="{EF8A6B0B-A5FB-4629-B823-69B1A9EB3A43}" type="slidenum">
               <a:rPr lang="zh-TW" altLang="en-US" smtClean="0"/>
-              <a:t>10</a:t>
+              <a:t>12</a:t>
             </a:fld>
             <a:endParaRPr lang="zh-TW" altLang="en-US"/>
           </a:p>
@@ -4485,4079 +4490,6 @@
           <p:cNvPr id="4" name="圖片 3">
             <a:extLst>
               <a:ext uri="{FF2B5EF4-FFF2-40B4-BE49-F238E27FC236}">
-                <a16:creationId xmlns:a16="http://schemas.microsoft.com/office/drawing/2014/main" id="{B1648CED-DA25-4333-954B-E087C091EEED}"/>
-              </a:ext>
-            </a:extLst>
-          </p:cNvPr>
-          <p:cNvPicPr>
-            <a:picLocks noChangeAspect="1"/>
-          </p:cNvPicPr>
-          <p:nvPr/>
-        </p:nvPicPr>
-        <p:blipFill>
-          <a:blip r:embed="rId3">
-            <a:extLst>
-              <a:ext uri="{28A0092B-C50C-407E-A947-70E740481C1C}">
-                <a14:useLocalDpi xmlns:a14="http://schemas.microsoft.com/office/drawing/2010/main" val="0"/>
-              </a:ext>
-            </a:extLst>
-          </a:blip>
-          <a:stretch>
-            <a:fillRect/>
-          </a:stretch>
-        </p:blipFill>
-        <p:spPr>
-          <a:xfrm>
-            <a:off x="1159501" y="2486585"/>
-            <a:ext cx="4942857" cy="3295238"/>
-          </a:xfrm>
-          <a:prstGeom prst="rect">
-            <a:avLst/>
-          </a:prstGeom>
-        </p:spPr>
-      </p:pic>
-      <p:sp>
-        <p:nvSpPr>
-          <p:cNvPr id="3" name="標題 2"/>
-          <p:cNvSpPr>
-            <a:spLocks noGrp="1"/>
-          </p:cNvSpPr>
-          <p:nvPr>
-            <p:ph type="title"/>
-          </p:nvPr>
-        </p:nvSpPr>
-        <p:spPr>
-          <a:xfrm>
-            <a:off x="838200" y="415010"/>
-            <a:ext cx="10515600" cy="720000"/>
-          </a:xfrm>
-        </p:spPr>
-        <p:txBody>
-          <a:bodyPr>
-            <a:noAutofit/>
-          </a:bodyPr>
-          <a:lstStyle/>
-          <a:p>
-            <a:r>
-              <a:rPr lang="zh-TW" altLang="en-US" sz="3200" dirty="0"/>
-              <a:t>成果展示 </a:t>
-            </a:r>
-            <a:r>
-              <a:rPr lang="en-US" altLang="zh-TW" sz="3200" dirty="0"/>
-              <a:t>–</a:t>
-            </a:r>
-            <a:r>
-              <a:rPr lang="zh-TW" altLang="en-US" sz="3200" dirty="0"/>
-              <a:t> 依特徵向量上色 </a:t>
-            </a:r>
-            <a:r>
-              <a:rPr lang="en-US" altLang="zh-TW" sz="3200" dirty="0"/>
-              <a:t>(</a:t>
-            </a:r>
-            <a:r>
-              <a:rPr lang="en-US" altLang="zh-TW" sz="3200" dirty="0">
-                <a:solidFill>
-                  <a:srgbClr val="FF0000"/>
-                </a:solidFill>
-              </a:rPr>
-              <a:t>2023/3/18</a:t>
-            </a:r>
-            <a:r>
-              <a:rPr lang="en-US" altLang="zh-TW" sz="3200" dirty="0"/>
-              <a:t>)</a:t>
-            </a:r>
-            <a:endParaRPr lang="zh-TW" altLang="en-US" sz="3200" dirty="0"/>
-          </a:p>
-        </p:txBody>
-      </p:sp>
-      <p:sp>
-        <p:nvSpPr>
-          <p:cNvPr id="15" name="文字方塊 14">
-            <a:extLst>
-              <a:ext uri="{FF2B5EF4-FFF2-40B4-BE49-F238E27FC236}">
-                <a16:creationId xmlns:a16="http://schemas.microsoft.com/office/drawing/2014/main" id="{70B178B6-F7EA-47F2-9F22-1268764DE268}"/>
-              </a:ext>
-            </a:extLst>
-          </p:cNvPr>
-          <p:cNvSpPr txBox="1"/>
-          <p:nvPr/>
-        </p:nvSpPr>
-        <p:spPr>
-          <a:xfrm>
-            <a:off x="1464135" y="1487632"/>
-            <a:ext cx="9276447" cy="646331"/>
-          </a:xfrm>
-          <a:prstGeom prst="rect">
-            <a:avLst/>
-          </a:prstGeom>
-          <a:noFill/>
-        </p:spPr>
-        <p:txBody>
-          <a:bodyPr wrap="square">
-            <a:spAutoFit/>
-          </a:bodyPr>
-          <a:lstStyle/>
-          <a:p>
-            <a:pPr marL="285750" indent="-285750">
-              <a:buFont typeface="Arial" panose="020B0604020202020204" pitchFamily="34" charset="0"/>
-              <a:buChar char="•"/>
-            </a:pPr>
-            <a:r>
-              <a:rPr lang="zh-TW" altLang="en-US" dirty="0">
-                <a:latin typeface="標楷體" panose="03000509000000000000" pitchFamily="65" charset="-120"/>
-                <a:ea typeface="標楷體" panose="03000509000000000000" pitchFamily="65" charset="-120"/>
-              </a:rPr>
-              <a:t>以標本比較各區塊的特徵向量，則塗綠相似的區塊</a:t>
-            </a:r>
-            <a:endParaRPr lang="en-US" altLang="zh-TW" dirty="0">
-              <a:latin typeface="標楷體" panose="03000509000000000000" pitchFamily="65" charset="-120"/>
-              <a:ea typeface="標楷體" panose="03000509000000000000" pitchFamily="65" charset="-120"/>
-            </a:endParaRPr>
-          </a:p>
-          <a:p>
-            <a:pPr marL="285750" indent="-285750">
-              <a:buFont typeface="Arial" panose="020B0604020202020204" pitchFamily="34" charset="0"/>
-              <a:buChar char="•"/>
-            </a:pPr>
-            <a:r>
-              <a:rPr lang="zh-TW" altLang="en-US" dirty="0">
-                <a:latin typeface="標楷體" panose="03000509000000000000" pitchFamily="65" charset="-120"/>
-                <a:ea typeface="標楷體" panose="03000509000000000000" pitchFamily="65" charset="-120"/>
-              </a:rPr>
-              <a:t>標本大小</a:t>
-            </a:r>
-            <a:r>
-              <a:rPr lang="en-US" altLang="zh-TW" dirty="0">
-                <a:latin typeface="標楷體" panose="03000509000000000000" pitchFamily="65" charset="-120"/>
-                <a:ea typeface="標楷體" panose="03000509000000000000" pitchFamily="65" charset="-120"/>
-              </a:rPr>
-              <a:t>:17x17</a:t>
-            </a:r>
-            <a:r>
-              <a:rPr lang="zh-TW" altLang="en-US" dirty="0">
-                <a:latin typeface="標楷體" panose="03000509000000000000" pitchFamily="65" charset="-120"/>
-                <a:ea typeface="標楷體" panose="03000509000000000000" pitchFamily="65" charset="-120"/>
-              </a:rPr>
-              <a:t>，</a:t>
-            </a:r>
-            <a:r>
-              <a:rPr lang="en-US" altLang="zh-TW" dirty="0"/>
-              <a:t>compare method = Bhattacharyya</a:t>
-            </a:r>
-            <a:endParaRPr lang="en-US" altLang="zh-TW" dirty="0">
-              <a:latin typeface="標楷體" panose="03000509000000000000" pitchFamily="65" charset="-120"/>
-              <a:ea typeface="標楷體" panose="03000509000000000000" pitchFamily="65" charset="-120"/>
-            </a:endParaRPr>
-          </a:p>
-        </p:txBody>
-      </p:sp>
-      <p:cxnSp>
-        <p:nvCxnSpPr>
-          <p:cNvPr id="11" name="直線單箭頭接點 10">
-            <a:extLst>
-              <a:ext uri="{FF2B5EF4-FFF2-40B4-BE49-F238E27FC236}">
-                <a16:creationId xmlns:a16="http://schemas.microsoft.com/office/drawing/2014/main" id="{9C165FB3-EE01-4D8F-B80A-E92DAFE8CC8C}"/>
-              </a:ext>
-            </a:extLst>
-          </p:cNvPr>
-          <p:cNvCxnSpPr>
-            <a:cxnSpLocks/>
-          </p:cNvCxnSpPr>
-          <p:nvPr/>
-        </p:nvCxnSpPr>
-        <p:spPr>
-          <a:xfrm>
-            <a:off x="2104008" y="2133963"/>
-            <a:ext cx="1695635" cy="2979575"/>
-          </a:xfrm>
-          <a:prstGeom prst="straightConnector1">
-            <a:avLst/>
-          </a:prstGeom>
-          <a:ln w="19050">
-            <a:tailEnd type="triangle"/>
-          </a:ln>
-        </p:spPr>
-        <p:style>
-          <a:lnRef idx="1">
-            <a:schemeClr val="accent1"/>
-          </a:lnRef>
-          <a:fillRef idx="0">
-            <a:schemeClr val="accent1"/>
-          </a:fillRef>
-          <a:effectRef idx="0">
-            <a:schemeClr val="accent1"/>
-          </a:effectRef>
-          <a:fontRef idx="minor">
-            <a:schemeClr val="tx1"/>
-          </a:fontRef>
-        </p:style>
-      </p:cxnSp>
-      <p:sp>
-        <p:nvSpPr>
-          <p:cNvPr id="8" name="文字方塊 7">
-            <a:extLst>
-              <a:ext uri="{FF2B5EF4-FFF2-40B4-BE49-F238E27FC236}">
-                <a16:creationId xmlns:a16="http://schemas.microsoft.com/office/drawing/2014/main" id="{04775546-7037-465A-AE23-CA6C4238148E}"/>
-              </a:ext>
-            </a:extLst>
-          </p:cNvPr>
-          <p:cNvSpPr txBox="1"/>
-          <p:nvPr/>
-        </p:nvSpPr>
-        <p:spPr>
-          <a:xfrm>
-            <a:off x="1828609" y="5877526"/>
-            <a:ext cx="3771902" cy="369332"/>
-          </a:xfrm>
-          <a:prstGeom prst="rect">
-            <a:avLst/>
-          </a:prstGeom>
-          <a:noFill/>
-        </p:spPr>
-        <p:txBody>
-          <a:bodyPr wrap="square">
-            <a:spAutoFit/>
-          </a:bodyPr>
-          <a:lstStyle/>
-          <a:p>
-            <a:pPr marL="285750" indent="-285750">
-              <a:buFont typeface="Arial" panose="020B0604020202020204" pitchFamily="34" charset="0"/>
-              <a:buChar char="•"/>
-            </a:pPr>
-            <a:r>
-              <a:rPr lang="zh-TW" altLang="en-US" dirty="0">
-                <a:latin typeface="標楷體" panose="03000509000000000000" pitchFamily="65" charset="-120"/>
-                <a:ea typeface="標楷體" panose="03000509000000000000" pitchFamily="65" charset="-120"/>
-              </a:rPr>
-              <a:t>向量差距 </a:t>
-            </a:r>
-            <a:r>
-              <a:rPr lang="en-US" altLang="zh-TW" dirty="0">
-                <a:latin typeface="標楷體" panose="03000509000000000000" pitchFamily="65" charset="-120"/>
-                <a:ea typeface="標楷體" panose="03000509000000000000" pitchFamily="65" charset="-120"/>
-              </a:rPr>
-              <a:t>&lt;= 0.46517225317052</a:t>
-            </a:r>
-          </a:p>
-        </p:txBody>
-      </p:sp>
-      <p:pic>
-        <p:nvPicPr>
-          <p:cNvPr id="7" name="圖片 6">
-            <a:extLst>
-              <a:ext uri="{FF2B5EF4-FFF2-40B4-BE49-F238E27FC236}">
-                <a16:creationId xmlns:a16="http://schemas.microsoft.com/office/drawing/2014/main" id="{4D8D8101-03A1-430C-A749-A165AC04CCF3}"/>
-              </a:ext>
-            </a:extLst>
-          </p:cNvPr>
-          <p:cNvPicPr>
-            <a:picLocks noChangeAspect="1"/>
-          </p:cNvPicPr>
-          <p:nvPr/>
-        </p:nvPicPr>
-        <p:blipFill>
-          <a:blip r:embed="rId4">
-            <a:extLst>
-              <a:ext uri="{28A0092B-C50C-407E-A947-70E740481C1C}">
-                <a14:useLocalDpi xmlns:a14="http://schemas.microsoft.com/office/drawing/2010/main" val="0"/>
-              </a:ext>
-            </a:extLst>
-          </a:blip>
-          <a:stretch>
-            <a:fillRect/>
-          </a:stretch>
-        </p:blipFill>
-        <p:spPr>
-          <a:xfrm>
-            <a:off x="6591490" y="2486585"/>
-            <a:ext cx="4942857" cy="3295238"/>
-          </a:xfrm>
-          <a:prstGeom prst="rect">
-            <a:avLst/>
-          </a:prstGeom>
-        </p:spPr>
-      </p:pic>
-      <p:sp>
-        <p:nvSpPr>
-          <p:cNvPr id="12" name="文字方塊 11">
-            <a:extLst>
-              <a:ext uri="{FF2B5EF4-FFF2-40B4-BE49-F238E27FC236}">
-                <a16:creationId xmlns:a16="http://schemas.microsoft.com/office/drawing/2014/main" id="{3ADBBD73-D3E4-49E2-91EC-38934B3821CC}"/>
-              </a:ext>
-            </a:extLst>
-          </p:cNvPr>
-          <p:cNvSpPr txBox="1"/>
-          <p:nvPr/>
-        </p:nvSpPr>
-        <p:spPr>
-          <a:xfrm>
-            <a:off x="6988372" y="5879773"/>
-            <a:ext cx="4149092" cy="364837"/>
-          </a:xfrm>
-          <a:prstGeom prst="rect">
-            <a:avLst/>
-          </a:prstGeom>
-          <a:noFill/>
-        </p:spPr>
-        <p:txBody>
-          <a:bodyPr wrap="square">
-            <a:spAutoFit/>
-          </a:bodyPr>
-          <a:lstStyle/>
-          <a:p>
-            <a:pPr marL="285750" indent="-285750">
-              <a:buFont typeface="Arial" panose="020B0604020202020204" pitchFamily="34" charset="0"/>
-              <a:buChar char="•"/>
-            </a:pPr>
-            <a:r>
-              <a:rPr lang="zh-TW" altLang="en-US" dirty="0">
-                <a:latin typeface="標楷體" panose="03000509000000000000" pitchFamily="65" charset="-120"/>
-                <a:ea typeface="標楷體" panose="03000509000000000000" pitchFamily="65" charset="-120"/>
-              </a:rPr>
-              <a:t>向量差距 </a:t>
-            </a:r>
-            <a:r>
-              <a:rPr lang="en-US" altLang="zh-TW" dirty="0">
-                <a:latin typeface="標楷體" panose="03000509000000000000" pitchFamily="65" charset="-120"/>
-                <a:ea typeface="標楷體" panose="03000509000000000000" pitchFamily="65" charset="-120"/>
-              </a:rPr>
-              <a:t>&lt;= 0.46524704188134297</a:t>
-            </a:r>
-            <a:r>
-              <a:rPr lang="zh-TW" altLang="en-US" dirty="0">
-                <a:latin typeface="標楷體" panose="03000509000000000000" pitchFamily="65" charset="-120"/>
-                <a:ea typeface="標楷體" panose="03000509000000000000" pitchFamily="65" charset="-120"/>
-              </a:rPr>
-              <a:t> </a:t>
-            </a:r>
-            <a:endParaRPr lang="en-US" altLang="zh-TW" dirty="0">
-              <a:latin typeface="標楷體" panose="03000509000000000000" pitchFamily="65" charset="-120"/>
-              <a:ea typeface="標楷體" panose="03000509000000000000" pitchFamily="65" charset="-120"/>
-            </a:endParaRPr>
-          </a:p>
-        </p:txBody>
-      </p:sp>
-    </p:spTree>
-    <p:extLst>
-      <p:ext uri="{BB962C8B-B14F-4D97-AF65-F5344CB8AC3E}">
-        <p14:creationId xmlns:p14="http://schemas.microsoft.com/office/powerpoint/2010/main" val="1904641623"/>
-      </p:ext>
-    </p:extLst>
-  </p:cSld>
-  <p:clrMapOvr>
-    <a:masterClrMapping/>
-  </p:clrMapOvr>
-</p:sld>
-</file>
-
-<file path=ppt/slides/slide11.xml><?xml version="1.0" encoding="utf-8"?>
-<p:sld xmlns:a="http://schemas.openxmlformats.org/drawingml/2006/main" xmlns:r="http://schemas.openxmlformats.org/officeDocument/2006/relationships" xmlns:p="http://schemas.openxmlformats.org/presentationml/2006/main">
-  <p:cSld>
-    <p:spTree>
-      <p:nvGrpSpPr>
-        <p:cNvPr id="1" name=""/>
-        <p:cNvGrpSpPr/>
-        <p:nvPr/>
-      </p:nvGrpSpPr>
-      <p:grpSpPr>
-        <a:xfrm>
-          <a:off x="0" y="0"/>
-          <a:ext cx="0" cy="0"/>
-          <a:chOff x="0" y="0"/>
-          <a:chExt cx="0" cy="0"/>
-        </a:xfrm>
-      </p:grpSpPr>
-      <p:sp>
-        <p:nvSpPr>
-          <p:cNvPr id="2" name="內容版面配置區 1"/>
-          <p:cNvSpPr>
-            <a:spLocks noGrp="1"/>
-          </p:cNvSpPr>
-          <p:nvPr>
-            <p:ph idx="1"/>
-          </p:nvPr>
-        </p:nvSpPr>
-        <p:spPr>
-          <a:xfrm>
-            <a:off x="838200" y="1201850"/>
-            <a:ext cx="10515600" cy="5037776"/>
-          </a:xfrm>
-        </p:spPr>
-        <p:txBody>
-          <a:bodyPr/>
-          <a:lstStyle/>
-          <a:p>
-            <a:r>
-              <a:rPr lang="en-US" altLang="zh-TW" dirty="0">
-                <a:cs typeface="Times New Roman" panose="02020603050405020304" pitchFamily="18" charset="0"/>
-              </a:rPr>
-              <a:t>LBP at </a:t>
-            </a:r>
-            <a:r>
-              <a:rPr lang="en-US" altLang="zh-TW" dirty="0" err="1">
-                <a:cs typeface="Times New Roman" panose="02020603050405020304" pitchFamily="18" charset="0"/>
-              </a:rPr>
-              <a:t>github</a:t>
-            </a:r>
-            <a:r>
-              <a:rPr lang="en-US" altLang="zh-TW" dirty="0">
-                <a:cs typeface="Times New Roman" panose="02020603050405020304" pitchFamily="18" charset="0"/>
-              </a:rPr>
-              <a:t> by </a:t>
-            </a:r>
-            <a:r>
-              <a:rPr lang="en-US" altLang="zh-TW" dirty="0" err="1">
-                <a:cs typeface="Times New Roman" panose="02020603050405020304" pitchFamily="18" charset="0"/>
-              </a:rPr>
-              <a:t>Arsho</a:t>
-            </a:r>
-            <a:r>
-              <a:rPr lang="en-US" altLang="zh-TW" dirty="0">
-                <a:cs typeface="Times New Roman" panose="02020603050405020304" pitchFamily="18" charset="0"/>
-              </a:rPr>
-              <a:t>: </a:t>
-            </a:r>
-            <a:r>
-              <a:rPr lang="en-US" altLang="zh-TW" dirty="0">
-                <a:hlinkClick r:id="rId2"/>
-              </a:rPr>
-              <a:t>GitHub - </a:t>
-            </a:r>
-            <a:r>
-              <a:rPr lang="en-US" altLang="zh-TW" dirty="0" err="1">
-                <a:hlinkClick r:id="rId2"/>
-              </a:rPr>
-              <a:t>arsho</a:t>
-            </a:r>
-            <a:r>
-              <a:rPr lang="en-US" altLang="zh-TW" dirty="0">
-                <a:hlinkClick r:id="rId2"/>
-              </a:rPr>
-              <a:t>/</a:t>
-            </a:r>
-            <a:r>
-              <a:rPr lang="en-US" altLang="zh-TW" dirty="0" err="1">
-                <a:hlinkClick r:id="rId2"/>
-              </a:rPr>
-              <a:t>local_binary_patterns</a:t>
-            </a:r>
-            <a:r>
-              <a:rPr lang="en-US" altLang="zh-TW" dirty="0">
-                <a:hlinkClick r:id="rId2"/>
-              </a:rPr>
-              <a:t>: Local Binary Patterns implementation using Python3 and OpenCV</a:t>
-            </a:r>
-            <a:endParaRPr lang="en-US" altLang="zh-TW" dirty="0"/>
-          </a:p>
-          <a:p>
-            <a:endParaRPr lang="en-US" altLang="zh-TW" dirty="0">
-              <a:cs typeface="Times New Roman" panose="02020603050405020304" pitchFamily="18" charset="0"/>
-            </a:endParaRPr>
-          </a:p>
-          <a:p>
-            <a:r>
-              <a:rPr lang="zh-TW" altLang="en-US" b="1" dirty="0"/>
-              <a:t>圖形遮罩</a:t>
-            </a:r>
-            <a:r>
-              <a:rPr lang="en-US" altLang="zh-TW" b="1" dirty="0"/>
-              <a:t>: </a:t>
-            </a:r>
-            <a:r>
-              <a:rPr lang="en-US" altLang="zh-TW" dirty="0">
-                <a:hlinkClick r:id="rId3"/>
-              </a:rPr>
-              <a:t>https://blog.gtwang.org/programming/python-opencv-matplotlib-plot-histogram-tutorial/</a:t>
-            </a:r>
-            <a:endParaRPr lang="en-US" altLang="zh-TW" b="1" dirty="0"/>
-          </a:p>
-          <a:p>
-            <a:endParaRPr lang="en-US" altLang="zh-TW" b="1" dirty="0"/>
-          </a:p>
-          <a:p>
-            <a:r>
-              <a:rPr lang="en-US" altLang="zh-TW" b="1" dirty="0"/>
-              <a:t>Histogram</a:t>
-            </a:r>
-          </a:p>
-          <a:p>
-            <a:pPr lvl="1"/>
-            <a:r>
-              <a:rPr lang="en-US" altLang="zh-TW" b="1" dirty="0"/>
-              <a:t>Histogram Comparison: </a:t>
-            </a:r>
-            <a:r>
-              <a:rPr lang="en-US" altLang="zh-TW" dirty="0">
-                <a:hlinkClick r:id="rId4"/>
-              </a:rPr>
-              <a:t>https://itecnote.com/tecnote/tensorflow-how-to-downgrade-cuda-and-cudnn-version-in-google-colab/</a:t>
-            </a:r>
-            <a:endParaRPr lang="en-US" altLang="zh-TW" b="1" dirty="0"/>
-          </a:p>
-          <a:p>
-            <a:pPr lvl="1"/>
-            <a:r>
-              <a:rPr lang="en-US" altLang="zh-TW" dirty="0">
-                <a:cs typeface="Times New Roman" panose="02020603050405020304" pitchFamily="18" charset="0"/>
-              </a:rPr>
-              <a:t>histogram y-axis in 0~1: </a:t>
-            </a:r>
-            <a:r>
-              <a:rPr lang="en-US" altLang="zh-TW" dirty="0">
-                <a:cs typeface="Times New Roman" panose="02020603050405020304" pitchFamily="18" charset="0"/>
-                <a:hlinkClick r:id="rId5"/>
-              </a:rPr>
-              <a:t>https://zj-image-processing.readthedocs.io/zh_CN/latest/opencv/code/[normalize]%E6%A0%87%E5%87%86%E5%8C%96%E6%95%B0%E6%8D%AE/#:~:text=0.77%20%20%20%20(10/%2012.96)-,%E5%BD%93normType%3DNORM_MINMAX%E6%97%B6%EF%BC%8C%E5%B0%86%E6%95%B0%E6%8D%AE%E7%BC%A9%E6%94%BE%E5%88%B0%5Balpha%2C%20beta%5D%E5%A4%A7%E5%B0%8F,-%EF%BC%8C%E6%AF%94%E5%A6%82</a:t>
-            </a:r>
-            <a:endParaRPr lang="en-US" altLang="zh-TW" dirty="0">
-              <a:cs typeface="Times New Roman" panose="02020603050405020304" pitchFamily="18" charset="0"/>
-            </a:endParaRPr>
-          </a:p>
-          <a:p>
-            <a:endParaRPr lang="en-US" altLang="zh-TW" dirty="0">
-              <a:cs typeface="Times New Roman" panose="02020603050405020304" pitchFamily="18" charset="0"/>
-            </a:endParaRPr>
-          </a:p>
-          <a:p>
-            <a:endParaRPr lang="en-US" altLang="zh-TW" dirty="0">
-              <a:cs typeface="Times New Roman" panose="02020603050405020304" pitchFamily="18" charset="0"/>
-            </a:endParaRPr>
-          </a:p>
-          <a:p>
-            <a:r>
-              <a:rPr lang="en-US" altLang="zh-TW" b="1" dirty="0"/>
-              <a:t>CLAHE </a:t>
-            </a:r>
-            <a:r>
-              <a:rPr lang="zh-TW" altLang="en-US" b="1" dirty="0"/>
-              <a:t>有限對比適應性長條圖均衡化</a:t>
-            </a:r>
-            <a:r>
-              <a:rPr lang="en-US" altLang="zh-TW" b="1" dirty="0">
-                <a:cs typeface="Times New Roman" panose="02020603050405020304" pitchFamily="18" charset="0"/>
-              </a:rPr>
-              <a:t>:	</a:t>
-            </a:r>
-            <a:r>
-              <a:rPr lang="zh-TW" altLang="en-US" b="1" dirty="0">
-                <a:cs typeface="Times New Roman" panose="02020603050405020304" pitchFamily="18" charset="0"/>
-              </a:rPr>
-              <a:t>    </a:t>
-            </a:r>
-            <a:r>
-              <a:rPr lang="en-US" altLang="zh-TW" dirty="0">
-                <a:cs typeface="Times New Roman" panose="02020603050405020304" pitchFamily="18" charset="0"/>
-              </a:rPr>
-              <a:t>#</a:t>
-            </a:r>
-            <a:r>
-              <a:rPr lang="zh-TW" altLang="en-US" dirty="0">
-                <a:cs typeface="Times New Roman" panose="02020603050405020304" pitchFamily="18" charset="0"/>
-              </a:rPr>
-              <a:t>未使用</a:t>
-            </a:r>
-            <a:endParaRPr lang="en-US" altLang="zh-TW" b="1" dirty="0">
-              <a:cs typeface="Times New Roman" panose="02020603050405020304" pitchFamily="18" charset="0"/>
-            </a:endParaRPr>
-          </a:p>
-          <a:p>
-            <a:pPr lvl="1"/>
-            <a:r>
-              <a:rPr lang="zh-TW" altLang="en-US" b="1" dirty="0"/>
-              <a:t>範例</a:t>
-            </a:r>
-            <a:r>
-              <a:rPr lang="en-US" altLang="zh-TW" b="1" dirty="0"/>
-              <a:t>:</a:t>
-            </a:r>
-            <a:r>
-              <a:rPr lang="zh-TW" altLang="en-US" b="1" dirty="0"/>
-              <a:t> </a:t>
-            </a:r>
-            <a:r>
-              <a:rPr lang="en-US" altLang="zh-TW" dirty="0">
-                <a:hlinkClick r:id="rId6"/>
-              </a:rPr>
-              <a:t>https://arbu00.blogspot.com/2016/11/opencv8-histogram-histograms.html</a:t>
-            </a:r>
-            <a:endParaRPr lang="en-US" altLang="zh-TW" dirty="0"/>
-          </a:p>
-          <a:p>
-            <a:pPr lvl="1"/>
-            <a:r>
-              <a:rPr lang="en-US" altLang="zh-TW" dirty="0" err="1">
-                <a:cs typeface="Times New Roman" panose="02020603050405020304" pitchFamily="18" charset="0"/>
-              </a:rPr>
-              <a:t>clahe.apply</a:t>
-            </a:r>
-            <a:r>
-              <a:rPr lang="en-US" altLang="zh-TW" dirty="0">
-                <a:cs typeface="Times New Roman" panose="02020603050405020304" pitchFamily="18" charset="0"/>
-              </a:rPr>
-              <a:t>(</a:t>
-            </a:r>
-            <a:r>
-              <a:rPr lang="zh-TW" altLang="en-US" dirty="0">
-                <a:cs typeface="Times New Roman" panose="02020603050405020304" pitchFamily="18" charset="0"/>
-              </a:rPr>
-              <a:t> </a:t>
-            </a:r>
-            <a:r>
-              <a:rPr lang="en-US" altLang="zh-TW" dirty="0">
-                <a:cs typeface="Times New Roman" panose="02020603050405020304" pitchFamily="18" charset="0"/>
-              </a:rPr>
-              <a:t>)error: </a:t>
-            </a:r>
-            <a:r>
-              <a:rPr lang="en-US" altLang="zh-TW" dirty="0">
-                <a:hlinkClick r:id="rId7"/>
-              </a:rPr>
-              <a:t>https://forums.fast.ai/t/custom-transforms-with-cv2/56589</a:t>
-            </a:r>
-            <a:endParaRPr lang="en-US" altLang="zh-TW" dirty="0">
-              <a:cs typeface="Times New Roman" panose="02020603050405020304" pitchFamily="18" charset="0"/>
-            </a:endParaRPr>
-          </a:p>
-          <a:p>
-            <a:endParaRPr lang="en-US" altLang="zh-TW" dirty="0">
-              <a:cs typeface="Times New Roman" panose="02020603050405020304" pitchFamily="18" charset="0"/>
-            </a:endParaRPr>
-          </a:p>
-        </p:txBody>
-      </p:sp>
-      <p:sp>
-        <p:nvSpPr>
-          <p:cNvPr id="3" name="標題 2"/>
-          <p:cNvSpPr>
-            <a:spLocks noGrp="1"/>
-          </p:cNvSpPr>
-          <p:nvPr>
-            <p:ph type="title"/>
-          </p:nvPr>
-        </p:nvSpPr>
-        <p:spPr/>
-        <p:txBody>
-          <a:bodyPr/>
-          <a:lstStyle/>
-          <a:p>
-            <a:r>
-              <a:rPr lang="zh-TW" altLang="en-US" dirty="0"/>
-              <a:t>參考資料</a:t>
-            </a:r>
-          </a:p>
-        </p:txBody>
-      </p:sp>
-    </p:spTree>
-    <p:extLst>
-      <p:ext uri="{BB962C8B-B14F-4D97-AF65-F5344CB8AC3E}">
-        <p14:creationId xmlns:p14="http://schemas.microsoft.com/office/powerpoint/2010/main" val="1759100234"/>
-      </p:ext>
-    </p:extLst>
-  </p:cSld>
-  <p:clrMapOvr>
-    <a:masterClrMapping/>
-  </p:clrMapOvr>
-</p:sld>
-</file>
-
-<file path=ppt/slides/slide2.xml><?xml version="1.0" encoding="utf-8"?>
-<p:sld xmlns:a="http://schemas.openxmlformats.org/drawingml/2006/main" xmlns:r="http://schemas.openxmlformats.org/officeDocument/2006/relationships" xmlns:p="http://schemas.openxmlformats.org/presentationml/2006/main">
-  <p:cSld>
-    <p:spTree>
-      <p:nvGrpSpPr>
-        <p:cNvPr id="1" name=""/>
-        <p:cNvGrpSpPr/>
-        <p:nvPr/>
-      </p:nvGrpSpPr>
-      <p:grpSpPr>
-        <a:xfrm>
-          <a:off x="0" y="0"/>
-          <a:ext cx="0" cy="0"/>
-          <a:chOff x="0" y="0"/>
-          <a:chExt cx="0" cy="0"/>
-        </a:xfrm>
-      </p:grpSpPr>
-      <p:sp>
-        <p:nvSpPr>
-          <p:cNvPr id="4" name="標題 2">
-            <a:extLst>
-              <a:ext uri="{FF2B5EF4-FFF2-40B4-BE49-F238E27FC236}">
-                <a16:creationId xmlns:a16="http://schemas.microsoft.com/office/drawing/2014/main" id="{285260DE-0C6A-4898-B343-67FA97F7243B}"/>
-              </a:ext>
-            </a:extLst>
-          </p:cNvPr>
-          <p:cNvSpPr>
-            <a:spLocks noGrp="1"/>
-          </p:cNvSpPr>
-          <p:nvPr>
-            <p:ph type="title"/>
-          </p:nvPr>
-        </p:nvSpPr>
-        <p:spPr>
-          <a:xfrm>
-            <a:off x="838200" y="365125"/>
-            <a:ext cx="10515600" cy="720000"/>
-          </a:xfrm>
-        </p:spPr>
-        <p:txBody>
-          <a:bodyPr/>
-          <a:lstStyle/>
-          <a:p>
-            <a:r>
-              <a:rPr lang="zh-TW" altLang="en-US" dirty="0"/>
-              <a:t>控管記錄 </a:t>
-            </a:r>
-            <a:r>
-              <a:rPr lang="en-US" altLang="zh-TW" dirty="0"/>
-              <a:t>-</a:t>
-            </a:r>
-            <a:r>
-              <a:rPr lang="zh-TW" altLang="en-US" dirty="0"/>
-              <a:t> </a:t>
-            </a:r>
-            <a:r>
-              <a:rPr lang="en-US" altLang="zh-TW" dirty="0"/>
-              <a:t>Git (</a:t>
-            </a:r>
-            <a:r>
-              <a:rPr lang="en-US" altLang="zh-TW" sz="4400" dirty="0"/>
-              <a:t>2023/3/24</a:t>
-            </a:r>
-            <a:r>
-              <a:rPr lang="en-US" altLang="zh-TW" dirty="0"/>
-              <a:t>)</a:t>
-            </a:r>
-            <a:endParaRPr lang="zh-TW" altLang="en-US" dirty="0"/>
-          </a:p>
-        </p:txBody>
-      </p:sp>
-      <p:pic>
-        <p:nvPicPr>
-          <p:cNvPr id="3" name="圖片 2">
-            <a:extLst>
-              <a:ext uri="{FF2B5EF4-FFF2-40B4-BE49-F238E27FC236}">
-                <a16:creationId xmlns:a16="http://schemas.microsoft.com/office/drawing/2014/main" id="{133CAD04-5115-4634-99AB-5A156923B615}"/>
-              </a:ext>
-            </a:extLst>
-          </p:cNvPr>
-          <p:cNvPicPr>
-            <a:picLocks noChangeAspect="1"/>
-          </p:cNvPicPr>
-          <p:nvPr/>
-        </p:nvPicPr>
-        <p:blipFill>
-          <a:blip r:embed="rId2"/>
-          <a:stretch>
-            <a:fillRect/>
-          </a:stretch>
-        </p:blipFill>
-        <p:spPr>
-          <a:xfrm>
-            <a:off x="3480664" y="1163461"/>
-            <a:ext cx="5230671" cy="5152516"/>
-          </a:xfrm>
-          <a:prstGeom prst="rect">
-            <a:avLst/>
-          </a:prstGeom>
-        </p:spPr>
-      </p:pic>
-    </p:spTree>
-    <p:extLst>
-      <p:ext uri="{BB962C8B-B14F-4D97-AF65-F5344CB8AC3E}">
-        <p14:creationId xmlns:p14="http://schemas.microsoft.com/office/powerpoint/2010/main" val="330639607"/>
-      </p:ext>
-    </p:extLst>
-  </p:cSld>
-  <p:clrMapOvr>
-    <a:masterClrMapping/>
-  </p:clrMapOvr>
-</p:sld>
-</file>
-
-<file path=ppt/slides/slide3.xml><?xml version="1.0" encoding="utf-8"?>
-<p:sld xmlns:a="http://schemas.openxmlformats.org/drawingml/2006/main" xmlns:r="http://schemas.openxmlformats.org/officeDocument/2006/relationships" xmlns:p="http://schemas.openxmlformats.org/presentationml/2006/main">
-  <p:cSld>
-    <p:spTree>
-      <p:nvGrpSpPr>
-        <p:cNvPr id="1" name=""/>
-        <p:cNvGrpSpPr/>
-        <p:nvPr/>
-      </p:nvGrpSpPr>
-      <p:grpSpPr>
-        <a:xfrm>
-          <a:off x="0" y="0"/>
-          <a:ext cx="0" cy="0"/>
-          <a:chOff x="0" y="0"/>
-          <a:chExt cx="0" cy="0"/>
-        </a:xfrm>
-      </p:grpSpPr>
-      <p:sp>
-        <p:nvSpPr>
-          <p:cNvPr id="4" name="標題 2">
-            <a:extLst>
-              <a:ext uri="{FF2B5EF4-FFF2-40B4-BE49-F238E27FC236}">
-                <a16:creationId xmlns:a16="http://schemas.microsoft.com/office/drawing/2014/main" id="{4F40BFA3-305F-4131-B4C5-3D1EAE8B2854}"/>
-              </a:ext>
-            </a:extLst>
-          </p:cNvPr>
-          <p:cNvSpPr>
-            <a:spLocks noGrp="1"/>
-          </p:cNvSpPr>
-          <p:nvPr>
-            <p:ph type="title"/>
-          </p:nvPr>
-        </p:nvSpPr>
-        <p:spPr>
-          <a:xfrm>
-            <a:off x="838200" y="329614"/>
-            <a:ext cx="10515600" cy="720000"/>
-          </a:xfrm>
-        </p:spPr>
-        <p:txBody>
-          <a:bodyPr>
-            <a:noAutofit/>
-          </a:bodyPr>
-          <a:lstStyle/>
-          <a:p>
-            <a:r>
-              <a:rPr lang="zh-TW" altLang="en-US" sz="3600" dirty="0"/>
-              <a:t>需求列表 </a:t>
-            </a:r>
-            <a:r>
-              <a:rPr lang="en-US" altLang="zh-TW" sz="3600" dirty="0"/>
-              <a:t>– </a:t>
-            </a:r>
-            <a:r>
-              <a:rPr lang="zh-TW" altLang="en-US" sz="3600" dirty="0"/>
-              <a:t>硬體與環境需求 </a:t>
-            </a:r>
-            <a:r>
-              <a:rPr lang="en-US" altLang="zh-TW" sz="3600" dirty="0"/>
-              <a:t>(2023/3/18</a:t>
-            </a:r>
-            <a:r>
-              <a:rPr lang="zh-TW" altLang="en-US" sz="3600" dirty="0"/>
-              <a:t>更新</a:t>
-            </a:r>
-            <a:r>
-              <a:rPr lang="en-US" altLang="zh-TW" sz="3600" dirty="0"/>
-              <a:t>)</a:t>
-            </a:r>
-            <a:endParaRPr lang="zh-TW" altLang="en-US" sz="3600" dirty="0"/>
-          </a:p>
-        </p:txBody>
-      </p:sp>
-      <p:sp>
-        <p:nvSpPr>
-          <p:cNvPr id="5" name="內容版面配置區 1">
-            <a:extLst>
-              <a:ext uri="{FF2B5EF4-FFF2-40B4-BE49-F238E27FC236}">
-                <a16:creationId xmlns:a16="http://schemas.microsoft.com/office/drawing/2014/main" id="{6D844ED4-E8CD-4885-AB8D-34F97BC4FD59}"/>
-              </a:ext>
-            </a:extLst>
-          </p:cNvPr>
-          <p:cNvSpPr txBox="1">
-            <a:spLocks/>
-          </p:cNvSpPr>
-          <p:nvPr/>
-        </p:nvSpPr>
-        <p:spPr>
-          <a:xfrm>
-            <a:off x="826698" y="1204074"/>
-            <a:ext cx="5496464" cy="4997550"/>
-          </a:xfrm>
-          <a:prstGeom prst="rect">
-            <a:avLst/>
-          </a:prstGeom>
-        </p:spPr>
-        <p:txBody>
-          <a:bodyPr vert="horz" lIns="91440" tIns="45720" rIns="91440" bIns="45720" numCol="1" rtlCol="0">
-            <a:normAutofit/>
-          </a:bodyPr>
-          <a:lstStyle>
-            <a:lvl1pPr marL="144000" indent="-144000" algn="l" defTabSz="914400" rtl="0" eaLnBrk="1" latinLnBrk="0" hangingPunct="0">
-              <a:lnSpc>
-                <a:spcPct val="90000"/>
-              </a:lnSpc>
-              <a:spcBef>
-                <a:spcPts val="300"/>
-              </a:spcBef>
-              <a:buFont typeface="Arial" panose="020B0604020202020204" pitchFamily="34" charset="0"/>
-              <a:buChar char="•"/>
-              <a:defRPr sz="1600" kern="1200" baseline="0">
-                <a:solidFill>
-                  <a:schemeClr val="tx1"/>
-                </a:solidFill>
-                <a:latin typeface="Times New Roman" panose="02020603050405020304" pitchFamily="18" charset="0"/>
-                <a:ea typeface="標楷體" panose="03000509000000000000" pitchFamily="65" charset="-120"/>
-                <a:cs typeface="+mn-cs"/>
-              </a:defRPr>
-            </a:lvl1pPr>
-            <a:lvl2pPr marL="685800" indent="-228600" algn="l" defTabSz="914400" rtl="0" eaLnBrk="1" latinLnBrk="0" hangingPunct="0">
-              <a:lnSpc>
-                <a:spcPct val="90000"/>
-              </a:lnSpc>
-              <a:spcBef>
-                <a:spcPts val="300"/>
-              </a:spcBef>
-              <a:buFont typeface="Arial" panose="020B0604020202020204" pitchFamily="34" charset="0"/>
-              <a:buChar char="•"/>
-              <a:defRPr sz="1600" kern="1200" baseline="0">
-                <a:solidFill>
-                  <a:schemeClr val="tx1"/>
-                </a:solidFill>
-                <a:latin typeface="Times New Roman" panose="02020603050405020304" pitchFamily="18" charset="0"/>
-                <a:ea typeface="標楷體" panose="03000509000000000000" pitchFamily="65" charset="-120"/>
-                <a:cs typeface="+mn-cs"/>
-              </a:defRPr>
-            </a:lvl2pPr>
-            <a:lvl3pPr marL="1143000" indent="-228600" algn="l" defTabSz="914400" rtl="0" eaLnBrk="1" latinLnBrk="0" hangingPunct="0">
-              <a:lnSpc>
-                <a:spcPct val="90000"/>
-              </a:lnSpc>
-              <a:spcBef>
-                <a:spcPts val="300"/>
-              </a:spcBef>
-              <a:buFont typeface="Arial" panose="020B0604020202020204" pitchFamily="34" charset="0"/>
-              <a:buChar char="•"/>
-              <a:defRPr sz="1600" kern="1200" baseline="0">
-                <a:solidFill>
-                  <a:schemeClr val="tx1"/>
-                </a:solidFill>
-                <a:latin typeface="Times New Roman" panose="02020603050405020304" pitchFamily="18" charset="0"/>
-                <a:ea typeface="標楷體" panose="03000509000000000000" pitchFamily="65" charset="-120"/>
-                <a:cs typeface="+mn-cs"/>
-              </a:defRPr>
-            </a:lvl3pPr>
-            <a:lvl4pPr marL="1600200" indent="-228600" algn="l" defTabSz="914400" rtl="0" eaLnBrk="1" latinLnBrk="0" hangingPunct="0">
-              <a:lnSpc>
-                <a:spcPct val="90000"/>
-              </a:lnSpc>
-              <a:spcBef>
-                <a:spcPts val="300"/>
-              </a:spcBef>
-              <a:buFont typeface="Arial" panose="020B0604020202020204" pitchFamily="34" charset="0"/>
-              <a:buChar char="•"/>
-              <a:defRPr sz="1600" kern="1200" baseline="0">
-                <a:solidFill>
-                  <a:schemeClr val="tx1"/>
-                </a:solidFill>
-                <a:latin typeface="Times New Roman" panose="02020603050405020304" pitchFamily="18" charset="0"/>
-                <a:ea typeface="標楷體" panose="03000509000000000000" pitchFamily="65" charset="-120"/>
-                <a:cs typeface="+mn-cs"/>
-              </a:defRPr>
-            </a:lvl4pPr>
-            <a:lvl5pPr marL="2057400" indent="-228600" algn="l" defTabSz="914400" rtl="0" eaLnBrk="1" latinLnBrk="0" hangingPunct="0">
-              <a:lnSpc>
-                <a:spcPct val="90000"/>
-              </a:lnSpc>
-              <a:spcBef>
-                <a:spcPts val="300"/>
-              </a:spcBef>
-              <a:buFont typeface="Arial" panose="020B0604020202020204" pitchFamily="34" charset="0"/>
-              <a:buChar char="•"/>
-              <a:defRPr sz="1600" kern="1200" baseline="0">
-                <a:solidFill>
-                  <a:schemeClr val="tx1"/>
-                </a:solidFill>
-                <a:latin typeface="Times New Roman" panose="02020603050405020304" pitchFamily="18" charset="0"/>
-                <a:ea typeface="標楷體" panose="03000509000000000000" pitchFamily="65" charset="-120"/>
-                <a:cs typeface="+mn-cs"/>
-              </a:defRPr>
-            </a:lvl5pPr>
-            <a:lvl6pPr marL="2514600" indent="-228600" algn="l" defTabSz="914400" rtl="0" eaLnBrk="1" latinLnBrk="0" hangingPunct="1">
-              <a:lnSpc>
-                <a:spcPct val="90000"/>
-              </a:lnSpc>
-              <a:spcBef>
-                <a:spcPts val="500"/>
-              </a:spcBef>
-              <a:buFont typeface="Arial" panose="020B0604020202020204" pitchFamily="34" charset="0"/>
-              <a:buChar char="•"/>
-              <a:defRPr sz="1800" kern="1200">
-                <a:solidFill>
-                  <a:schemeClr val="tx1"/>
-                </a:solidFill>
-                <a:latin typeface="+mn-lt"/>
-                <a:ea typeface="+mn-ea"/>
-                <a:cs typeface="+mn-cs"/>
-              </a:defRPr>
-            </a:lvl6pPr>
-            <a:lvl7pPr marL="2971800" indent="-228600" algn="l" defTabSz="914400" rtl="0" eaLnBrk="1" latinLnBrk="0" hangingPunct="1">
-              <a:lnSpc>
-                <a:spcPct val="90000"/>
-              </a:lnSpc>
-              <a:spcBef>
-                <a:spcPts val="500"/>
-              </a:spcBef>
-              <a:buFont typeface="Arial" panose="020B0604020202020204" pitchFamily="34" charset="0"/>
-              <a:buChar char="•"/>
-              <a:defRPr sz="1800" kern="1200">
-                <a:solidFill>
-                  <a:schemeClr val="tx1"/>
-                </a:solidFill>
-                <a:latin typeface="+mn-lt"/>
-                <a:ea typeface="+mn-ea"/>
-                <a:cs typeface="+mn-cs"/>
-              </a:defRPr>
-            </a:lvl7pPr>
-            <a:lvl8pPr marL="3429000" indent="-228600" algn="l" defTabSz="914400" rtl="0" eaLnBrk="1" latinLnBrk="0" hangingPunct="1">
-              <a:lnSpc>
-                <a:spcPct val="90000"/>
-              </a:lnSpc>
-              <a:spcBef>
-                <a:spcPts val="500"/>
-              </a:spcBef>
-              <a:buFont typeface="Arial" panose="020B0604020202020204" pitchFamily="34" charset="0"/>
-              <a:buChar char="•"/>
-              <a:defRPr sz="1800" kern="1200">
-                <a:solidFill>
-                  <a:schemeClr val="tx1"/>
-                </a:solidFill>
-                <a:latin typeface="+mn-lt"/>
-                <a:ea typeface="+mn-ea"/>
-                <a:cs typeface="+mn-cs"/>
-              </a:defRPr>
-            </a:lvl8pPr>
-            <a:lvl9pPr marL="3886200" indent="-228600" algn="l" defTabSz="914400" rtl="0" eaLnBrk="1" latinLnBrk="0" hangingPunct="1">
-              <a:lnSpc>
-                <a:spcPct val="90000"/>
-              </a:lnSpc>
-              <a:spcBef>
-                <a:spcPts val="500"/>
-              </a:spcBef>
-              <a:buFont typeface="Arial" panose="020B0604020202020204" pitchFamily="34" charset="0"/>
-              <a:buChar char="•"/>
-              <a:defRPr sz="1800" kern="1200">
-                <a:solidFill>
-                  <a:schemeClr val="tx1"/>
-                </a:solidFill>
-                <a:latin typeface="+mn-lt"/>
-                <a:ea typeface="+mn-ea"/>
-                <a:cs typeface="+mn-cs"/>
-              </a:defRPr>
-            </a:lvl9pPr>
-          </a:lstStyle>
-          <a:p>
-            <a:pPr marL="0" indent="0">
-              <a:buNone/>
-            </a:pPr>
-            <a:r>
-              <a:rPr lang="zh-TW" altLang="en-US" dirty="0">
-                <a:solidFill>
-                  <a:srgbClr val="FF0000"/>
-                </a:solidFill>
-              </a:rPr>
-              <a:t>硬體列表：</a:t>
-            </a:r>
-            <a:endParaRPr lang="en-US" altLang="zh-TW" dirty="0">
-              <a:solidFill>
-                <a:srgbClr val="FF0000"/>
-              </a:solidFill>
-            </a:endParaRPr>
-          </a:p>
-          <a:p>
-            <a:pPr marL="0" indent="0">
-              <a:buNone/>
-            </a:pPr>
-            <a:r>
-              <a:rPr lang="en-US" altLang="zh-TW" dirty="0">
-                <a:solidFill>
-                  <a:srgbClr val="FF0000"/>
-                </a:solidFill>
-              </a:rPr>
-              <a:t>	</a:t>
-            </a:r>
-            <a:r>
-              <a:rPr lang="en-US" altLang="zh-TW" dirty="0"/>
-              <a:t>CPU: 11th Gen Intel(R) Core(TM) i5-1135G7 @ 2.40GHz   2.42 GHz</a:t>
-            </a:r>
-          </a:p>
-          <a:p>
-            <a:pPr marL="0" indent="0">
-              <a:buNone/>
-            </a:pPr>
-            <a:endParaRPr lang="en-US" altLang="zh-TW" dirty="0">
-              <a:solidFill>
-                <a:srgbClr val="FF0000"/>
-              </a:solidFill>
-            </a:endParaRPr>
-          </a:p>
-          <a:p>
-            <a:pPr marL="0" indent="0">
-              <a:buNone/>
-            </a:pPr>
-            <a:endParaRPr lang="en-US" altLang="zh-TW" dirty="0">
-              <a:solidFill>
-                <a:srgbClr val="FF0000"/>
-              </a:solidFill>
-            </a:endParaRPr>
-          </a:p>
-          <a:p>
-            <a:pPr marL="884700" lvl="1" indent="-342900">
-              <a:buFont typeface="+mj-lt"/>
-              <a:buAutoNum type="arabicPeriod"/>
-            </a:pPr>
-            <a:endParaRPr lang="en-US" altLang="zh-TW" dirty="0">
-              <a:solidFill>
-                <a:srgbClr val="FF0000"/>
-              </a:solidFill>
-            </a:endParaRPr>
-          </a:p>
-        </p:txBody>
-      </p:sp>
-      <p:sp>
-        <p:nvSpPr>
-          <p:cNvPr id="6" name="內容版面配置區 1">
-            <a:extLst>
-              <a:ext uri="{FF2B5EF4-FFF2-40B4-BE49-F238E27FC236}">
-                <a16:creationId xmlns:a16="http://schemas.microsoft.com/office/drawing/2014/main" id="{81B0CF6F-B3F9-4D1A-B404-B5F0E623425B}"/>
-              </a:ext>
-            </a:extLst>
-          </p:cNvPr>
-          <p:cNvSpPr txBox="1">
-            <a:spLocks/>
-          </p:cNvSpPr>
-          <p:nvPr/>
-        </p:nvSpPr>
-        <p:spPr>
-          <a:xfrm>
-            <a:off x="6323162" y="1204074"/>
-            <a:ext cx="5868838" cy="4997550"/>
-          </a:xfrm>
-          <a:prstGeom prst="rect">
-            <a:avLst/>
-          </a:prstGeom>
-        </p:spPr>
-        <p:txBody>
-          <a:bodyPr vert="horz" lIns="91440" tIns="45720" rIns="91440" bIns="45720" numCol="1" rtlCol="0">
-            <a:normAutofit/>
-          </a:bodyPr>
-          <a:lstStyle>
-            <a:lvl1pPr marL="144000" indent="-144000" algn="l" defTabSz="914400" rtl="0" eaLnBrk="1" latinLnBrk="0" hangingPunct="0">
-              <a:lnSpc>
-                <a:spcPct val="90000"/>
-              </a:lnSpc>
-              <a:spcBef>
-                <a:spcPts val="300"/>
-              </a:spcBef>
-              <a:buFont typeface="Arial" panose="020B0604020202020204" pitchFamily="34" charset="0"/>
-              <a:buChar char="•"/>
-              <a:defRPr sz="1600" kern="1200" baseline="0">
-                <a:solidFill>
-                  <a:schemeClr val="tx1"/>
-                </a:solidFill>
-                <a:latin typeface="Times New Roman" panose="02020603050405020304" pitchFamily="18" charset="0"/>
-                <a:ea typeface="標楷體" panose="03000509000000000000" pitchFamily="65" charset="-120"/>
-                <a:cs typeface="+mn-cs"/>
-              </a:defRPr>
-            </a:lvl1pPr>
-            <a:lvl2pPr marL="685800" indent="-228600" algn="l" defTabSz="914400" rtl="0" eaLnBrk="1" latinLnBrk="0" hangingPunct="0">
-              <a:lnSpc>
-                <a:spcPct val="90000"/>
-              </a:lnSpc>
-              <a:spcBef>
-                <a:spcPts val="300"/>
-              </a:spcBef>
-              <a:buFont typeface="Arial" panose="020B0604020202020204" pitchFamily="34" charset="0"/>
-              <a:buChar char="•"/>
-              <a:defRPr sz="1600" kern="1200" baseline="0">
-                <a:solidFill>
-                  <a:schemeClr val="tx1"/>
-                </a:solidFill>
-                <a:latin typeface="Times New Roman" panose="02020603050405020304" pitchFamily="18" charset="0"/>
-                <a:ea typeface="標楷體" panose="03000509000000000000" pitchFamily="65" charset="-120"/>
-                <a:cs typeface="+mn-cs"/>
-              </a:defRPr>
-            </a:lvl2pPr>
-            <a:lvl3pPr marL="1143000" indent="-228600" algn="l" defTabSz="914400" rtl="0" eaLnBrk="1" latinLnBrk="0" hangingPunct="0">
-              <a:lnSpc>
-                <a:spcPct val="90000"/>
-              </a:lnSpc>
-              <a:spcBef>
-                <a:spcPts val="300"/>
-              </a:spcBef>
-              <a:buFont typeface="Arial" panose="020B0604020202020204" pitchFamily="34" charset="0"/>
-              <a:buChar char="•"/>
-              <a:defRPr sz="1600" kern="1200" baseline="0">
-                <a:solidFill>
-                  <a:schemeClr val="tx1"/>
-                </a:solidFill>
-                <a:latin typeface="Times New Roman" panose="02020603050405020304" pitchFamily="18" charset="0"/>
-                <a:ea typeface="標楷體" panose="03000509000000000000" pitchFamily="65" charset="-120"/>
-                <a:cs typeface="+mn-cs"/>
-              </a:defRPr>
-            </a:lvl3pPr>
-            <a:lvl4pPr marL="1600200" indent="-228600" algn="l" defTabSz="914400" rtl="0" eaLnBrk="1" latinLnBrk="0" hangingPunct="0">
-              <a:lnSpc>
-                <a:spcPct val="90000"/>
-              </a:lnSpc>
-              <a:spcBef>
-                <a:spcPts val="300"/>
-              </a:spcBef>
-              <a:buFont typeface="Arial" panose="020B0604020202020204" pitchFamily="34" charset="0"/>
-              <a:buChar char="•"/>
-              <a:defRPr sz="1600" kern="1200" baseline="0">
-                <a:solidFill>
-                  <a:schemeClr val="tx1"/>
-                </a:solidFill>
-                <a:latin typeface="Times New Roman" panose="02020603050405020304" pitchFamily="18" charset="0"/>
-                <a:ea typeface="標楷體" panose="03000509000000000000" pitchFamily="65" charset="-120"/>
-                <a:cs typeface="+mn-cs"/>
-              </a:defRPr>
-            </a:lvl4pPr>
-            <a:lvl5pPr marL="2057400" indent="-228600" algn="l" defTabSz="914400" rtl="0" eaLnBrk="1" latinLnBrk="0" hangingPunct="0">
-              <a:lnSpc>
-                <a:spcPct val="90000"/>
-              </a:lnSpc>
-              <a:spcBef>
-                <a:spcPts val="300"/>
-              </a:spcBef>
-              <a:buFont typeface="Arial" panose="020B0604020202020204" pitchFamily="34" charset="0"/>
-              <a:buChar char="•"/>
-              <a:defRPr sz="1600" kern="1200" baseline="0">
-                <a:solidFill>
-                  <a:schemeClr val="tx1"/>
-                </a:solidFill>
-                <a:latin typeface="Times New Roman" panose="02020603050405020304" pitchFamily="18" charset="0"/>
-                <a:ea typeface="標楷體" panose="03000509000000000000" pitchFamily="65" charset="-120"/>
-                <a:cs typeface="+mn-cs"/>
-              </a:defRPr>
-            </a:lvl5pPr>
-            <a:lvl6pPr marL="2514600" indent="-228600" algn="l" defTabSz="914400" rtl="0" eaLnBrk="1" latinLnBrk="0" hangingPunct="1">
-              <a:lnSpc>
-                <a:spcPct val="90000"/>
-              </a:lnSpc>
-              <a:spcBef>
-                <a:spcPts val="500"/>
-              </a:spcBef>
-              <a:buFont typeface="Arial" panose="020B0604020202020204" pitchFamily="34" charset="0"/>
-              <a:buChar char="•"/>
-              <a:defRPr sz="1800" kern="1200">
-                <a:solidFill>
-                  <a:schemeClr val="tx1"/>
-                </a:solidFill>
-                <a:latin typeface="+mn-lt"/>
-                <a:ea typeface="+mn-ea"/>
-                <a:cs typeface="+mn-cs"/>
-              </a:defRPr>
-            </a:lvl6pPr>
-            <a:lvl7pPr marL="2971800" indent="-228600" algn="l" defTabSz="914400" rtl="0" eaLnBrk="1" latinLnBrk="0" hangingPunct="1">
-              <a:lnSpc>
-                <a:spcPct val="90000"/>
-              </a:lnSpc>
-              <a:spcBef>
-                <a:spcPts val="500"/>
-              </a:spcBef>
-              <a:buFont typeface="Arial" panose="020B0604020202020204" pitchFamily="34" charset="0"/>
-              <a:buChar char="•"/>
-              <a:defRPr sz="1800" kern="1200">
-                <a:solidFill>
-                  <a:schemeClr val="tx1"/>
-                </a:solidFill>
-                <a:latin typeface="+mn-lt"/>
-                <a:ea typeface="+mn-ea"/>
-                <a:cs typeface="+mn-cs"/>
-              </a:defRPr>
-            </a:lvl7pPr>
-            <a:lvl8pPr marL="3429000" indent="-228600" algn="l" defTabSz="914400" rtl="0" eaLnBrk="1" latinLnBrk="0" hangingPunct="1">
-              <a:lnSpc>
-                <a:spcPct val="90000"/>
-              </a:lnSpc>
-              <a:spcBef>
-                <a:spcPts val="500"/>
-              </a:spcBef>
-              <a:buFont typeface="Arial" panose="020B0604020202020204" pitchFamily="34" charset="0"/>
-              <a:buChar char="•"/>
-              <a:defRPr sz="1800" kern="1200">
-                <a:solidFill>
-                  <a:schemeClr val="tx1"/>
-                </a:solidFill>
-                <a:latin typeface="+mn-lt"/>
-                <a:ea typeface="+mn-ea"/>
-                <a:cs typeface="+mn-cs"/>
-              </a:defRPr>
-            </a:lvl8pPr>
-            <a:lvl9pPr marL="3886200" indent="-228600" algn="l" defTabSz="914400" rtl="0" eaLnBrk="1" latinLnBrk="0" hangingPunct="1">
-              <a:lnSpc>
-                <a:spcPct val="90000"/>
-              </a:lnSpc>
-              <a:spcBef>
-                <a:spcPts val="500"/>
-              </a:spcBef>
-              <a:buFont typeface="Arial" panose="020B0604020202020204" pitchFamily="34" charset="0"/>
-              <a:buChar char="•"/>
-              <a:defRPr sz="1800" kern="1200">
-                <a:solidFill>
-                  <a:schemeClr val="tx1"/>
-                </a:solidFill>
-                <a:latin typeface="+mn-lt"/>
-                <a:ea typeface="+mn-ea"/>
-                <a:cs typeface="+mn-cs"/>
-              </a:defRPr>
-            </a:lvl9pPr>
-          </a:lstStyle>
-          <a:p>
-            <a:pPr marL="0" indent="0">
-              <a:buNone/>
-            </a:pPr>
-            <a:r>
-              <a:rPr lang="zh-TW" altLang="en-US" dirty="0">
-                <a:solidFill>
-                  <a:srgbClr val="FF0000"/>
-                </a:solidFill>
-              </a:rPr>
-              <a:t>作業系統： </a:t>
-            </a:r>
-            <a:r>
-              <a:rPr lang="en-US" altLang="zh-TW" dirty="0"/>
-              <a:t>Win10</a:t>
-            </a:r>
-          </a:p>
-          <a:p>
-            <a:pPr lvl="1"/>
-            <a:endParaRPr lang="en-US" altLang="zh-TW" dirty="0">
-              <a:solidFill>
-                <a:srgbClr val="FF0000"/>
-              </a:solidFill>
-            </a:endParaRPr>
-          </a:p>
-          <a:p>
-            <a:pPr marL="0" indent="0">
-              <a:buNone/>
-            </a:pPr>
-            <a:endParaRPr lang="en-US" altLang="zh-TW" dirty="0">
-              <a:solidFill>
-                <a:srgbClr val="FF0000"/>
-              </a:solidFill>
-            </a:endParaRPr>
-          </a:p>
-          <a:p>
-            <a:pPr marL="0" indent="0">
-              <a:buNone/>
-            </a:pPr>
-            <a:endParaRPr lang="en-US" altLang="zh-TW" dirty="0">
-              <a:solidFill>
-                <a:srgbClr val="FF0000"/>
-              </a:solidFill>
-            </a:endParaRPr>
-          </a:p>
-          <a:p>
-            <a:pPr marL="0" indent="0">
-              <a:buNone/>
-            </a:pPr>
-            <a:r>
-              <a:rPr lang="zh-TW" altLang="en-US" dirty="0">
-                <a:solidFill>
-                  <a:srgbClr val="FF0000"/>
-                </a:solidFill>
-              </a:rPr>
-              <a:t>環境設定：</a:t>
-            </a:r>
-            <a:r>
-              <a:rPr lang="en-US" altLang="zh-TW" dirty="0"/>
-              <a:t>Python 3.10.4(anaconda)</a:t>
-            </a:r>
-            <a:endParaRPr lang="en-US" altLang="zh-TW" dirty="0">
-              <a:solidFill>
-                <a:srgbClr val="FF0000"/>
-              </a:solidFill>
-            </a:endParaRPr>
-          </a:p>
-          <a:p>
-            <a:pPr marL="884700" lvl="1" indent="-342900"/>
-            <a:endParaRPr lang="en-US" altLang="zh-TW" dirty="0">
-              <a:solidFill>
-                <a:srgbClr val="FF0000"/>
-              </a:solidFill>
-            </a:endParaRPr>
-          </a:p>
-          <a:p>
-            <a:pPr marL="884700" lvl="1" indent="-342900"/>
-            <a:endParaRPr lang="en-US" altLang="zh-TW" dirty="0">
-              <a:solidFill>
-                <a:srgbClr val="FF0000"/>
-              </a:solidFill>
-            </a:endParaRPr>
-          </a:p>
-          <a:p>
-            <a:pPr marL="0" indent="0">
-              <a:buNone/>
-            </a:pPr>
-            <a:r>
-              <a:rPr lang="zh-TW" altLang="en-US" dirty="0">
-                <a:solidFill>
-                  <a:srgbClr val="FF0000"/>
-                </a:solidFill>
-              </a:rPr>
-              <a:t>其他工具：</a:t>
-            </a:r>
-            <a:endParaRPr lang="en-US" altLang="zh-TW" dirty="0">
-              <a:solidFill>
-                <a:srgbClr val="FF0000"/>
-              </a:solidFill>
-            </a:endParaRPr>
-          </a:p>
-          <a:p>
-            <a:pPr lvl="1"/>
-            <a:endParaRPr lang="en-US" altLang="zh-TW" dirty="0">
-              <a:solidFill>
-                <a:srgbClr val="FF0000"/>
-              </a:solidFill>
-            </a:endParaRPr>
-          </a:p>
-        </p:txBody>
-      </p:sp>
-    </p:spTree>
-    <p:extLst>
-      <p:ext uri="{BB962C8B-B14F-4D97-AF65-F5344CB8AC3E}">
-        <p14:creationId xmlns:p14="http://schemas.microsoft.com/office/powerpoint/2010/main" val="1446253562"/>
-      </p:ext>
-    </p:extLst>
-  </p:cSld>
-  <p:clrMapOvr>
-    <a:masterClrMapping/>
-  </p:clrMapOvr>
-</p:sld>
-</file>
-
-<file path=ppt/slides/slide4.xml><?xml version="1.0" encoding="utf-8"?>
-<p:sld xmlns:a="http://schemas.openxmlformats.org/drawingml/2006/main" xmlns:r="http://schemas.openxmlformats.org/officeDocument/2006/relationships" xmlns:p="http://schemas.openxmlformats.org/presentationml/2006/main">
-  <p:cSld>
-    <p:spTree>
-      <p:nvGrpSpPr>
-        <p:cNvPr id="1" name=""/>
-        <p:cNvGrpSpPr/>
-        <p:nvPr/>
-      </p:nvGrpSpPr>
-      <p:grpSpPr>
-        <a:xfrm>
-          <a:off x="0" y="0"/>
-          <a:ext cx="0" cy="0"/>
-          <a:chOff x="0" y="0"/>
-          <a:chExt cx="0" cy="0"/>
-        </a:xfrm>
-      </p:grpSpPr>
-      <p:sp>
-        <p:nvSpPr>
-          <p:cNvPr id="3" name="標題 2"/>
-          <p:cNvSpPr>
-            <a:spLocks noGrp="1"/>
-          </p:cNvSpPr>
-          <p:nvPr>
-            <p:ph type="title"/>
-          </p:nvPr>
-        </p:nvSpPr>
-        <p:spPr/>
-        <p:txBody>
-          <a:bodyPr>
-            <a:normAutofit/>
-          </a:bodyPr>
-          <a:lstStyle/>
-          <a:p>
-            <a:r>
-              <a:rPr lang="zh-TW" altLang="en-US" sz="4000" dirty="0"/>
-              <a:t>模組列表 </a:t>
-            </a:r>
-            <a:r>
-              <a:rPr lang="en-US" altLang="zh-TW" sz="4000" dirty="0"/>
-              <a:t>(</a:t>
-            </a:r>
-            <a:r>
-              <a:rPr lang="en-US" altLang="zh-TW" sz="4000" dirty="0">
-                <a:solidFill>
-                  <a:srgbClr val="FF0000"/>
-                </a:solidFill>
-              </a:rPr>
-              <a:t>2023/3/18</a:t>
-            </a:r>
-            <a:r>
-              <a:rPr lang="zh-TW" altLang="en-US" sz="4000" dirty="0">
-                <a:solidFill>
-                  <a:srgbClr val="FF0000"/>
-                </a:solidFill>
-              </a:rPr>
-              <a:t>更新</a:t>
-            </a:r>
-            <a:r>
-              <a:rPr lang="en-US" altLang="zh-TW" sz="4000" dirty="0"/>
-              <a:t>)</a:t>
-            </a:r>
-            <a:endParaRPr lang="zh-TW" altLang="en-US" sz="4000" dirty="0"/>
-          </a:p>
-        </p:txBody>
-      </p:sp>
-      <p:sp>
-        <p:nvSpPr>
-          <p:cNvPr id="4" name="內容版面配置區 1"/>
-          <p:cNvSpPr>
-            <a:spLocks noGrp="1"/>
-          </p:cNvSpPr>
-          <p:nvPr>
-            <p:ph idx="1"/>
-          </p:nvPr>
-        </p:nvSpPr>
-        <p:spPr>
-          <a:xfrm>
-            <a:off x="838200" y="1228483"/>
-            <a:ext cx="10515600" cy="5037776"/>
-          </a:xfrm>
-        </p:spPr>
-        <p:txBody>
-          <a:bodyPr>
-            <a:normAutofit/>
-          </a:bodyPr>
-          <a:lstStyle/>
-          <a:p>
-            <a:r>
-              <a:rPr lang="zh-TW" altLang="en-US" dirty="0">
-                <a:solidFill>
-                  <a:srgbClr val="FF0000"/>
-                </a:solidFill>
-              </a:rPr>
-              <a:t>使用到之模組條列，可能包括開源</a:t>
-            </a:r>
-            <a:r>
-              <a:rPr lang="en-US" altLang="zh-TW" dirty="0">
-                <a:solidFill>
-                  <a:srgbClr val="FF0000"/>
-                </a:solidFill>
-              </a:rPr>
-              <a:t>library</a:t>
-            </a:r>
-            <a:r>
-              <a:rPr lang="zh-TW" altLang="en-US" dirty="0">
-                <a:solidFill>
-                  <a:srgbClr val="FF0000"/>
-                </a:solidFill>
-              </a:rPr>
-              <a:t>、自己寫的</a:t>
-            </a:r>
-            <a:r>
-              <a:rPr lang="en-US" altLang="zh-TW" dirty="0">
-                <a:solidFill>
-                  <a:srgbClr val="FF0000"/>
-                </a:solidFill>
-              </a:rPr>
-              <a:t>library</a:t>
-            </a:r>
-            <a:r>
-              <a:rPr lang="zh-TW" altLang="en-US" dirty="0">
-                <a:solidFill>
-                  <a:srgbClr val="FF0000"/>
-                </a:solidFill>
-              </a:rPr>
-              <a:t>等等</a:t>
-            </a:r>
-            <a:endParaRPr lang="en-US" altLang="zh-TW" dirty="0">
-              <a:solidFill>
-                <a:srgbClr val="FF0000"/>
-              </a:solidFill>
-            </a:endParaRPr>
-          </a:p>
-        </p:txBody>
-      </p:sp>
-      <p:sp>
-        <p:nvSpPr>
-          <p:cNvPr id="5" name="內容版面配置區 1">
-            <a:extLst>
-              <a:ext uri="{FF2B5EF4-FFF2-40B4-BE49-F238E27FC236}">
-                <a16:creationId xmlns:a16="http://schemas.microsoft.com/office/drawing/2014/main" id="{2316A834-2667-4ABC-A5BA-D24910490852}"/>
-              </a:ext>
-            </a:extLst>
-          </p:cNvPr>
-          <p:cNvSpPr txBox="1">
-            <a:spLocks/>
-          </p:cNvSpPr>
-          <p:nvPr/>
-        </p:nvSpPr>
-        <p:spPr>
-          <a:xfrm>
-            <a:off x="4183128" y="2623489"/>
-            <a:ext cx="6705600" cy="2523874"/>
-          </a:xfrm>
-          <a:prstGeom prst="rect">
-            <a:avLst/>
-          </a:prstGeom>
-        </p:spPr>
-        <p:txBody>
-          <a:bodyPr vert="horz" lIns="91440" tIns="45720" rIns="91440" bIns="45720" numCol="2" rtlCol="0">
-            <a:normAutofit/>
-          </a:bodyPr>
-          <a:lstStyle>
-            <a:lvl1pPr marL="144000" indent="-144000" algn="l" defTabSz="914400" rtl="0" eaLnBrk="1" latinLnBrk="0" hangingPunct="0">
-              <a:lnSpc>
-                <a:spcPct val="90000"/>
-              </a:lnSpc>
-              <a:spcBef>
-                <a:spcPts val="300"/>
-              </a:spcBef>
-              <a:buFont typeface="Arial" panose="020B0604020202020204" pitchFamily="34" charset="0"/>
-              <a:buChar char="•"/>
-              <a:defRPr sz="1600" kern="1200" baseline="0">
-                <a:solidFill>
-                  <a:schemeClr val="tx1"/>
-                </a:solidFill>
-                <a:latin typeface="Times New Roman" panose="02020603050405020304" pitchFamily="18" charset="0"/>
-                <a:ea typeface="標楷體" panose="03000509000000000000" pitchFamily="65" charset="-120"/>
-                <a:cs typeface="+mn-cs"/>
-              </a:defRPr>
-            </a:lvl1pPr>
-            <a:lvl2pPr marL="685800" indent="-228600" algn="l" defTabSz="914400" rtl="0" eaLnBrk="1" latinLnBrk="0" hangingPunct="0">
-              <a:lnSpc>
-                <a:spcPct val="90000"/>
-              </a:lnSpc>
-              <a:spcBef>
-                <a:spcPts val="300"/>
-              </a:spcBef>
-              <a:buFont typeface="Arial" panose="020B0604020202020204" pitchFamily="34" charset="0"/>
-              <a:buChar char="•"/>
-              <a:defRPr sz="1600" kern="1200" baseline="0">
-                <a:solidFill>
-                  <a:schemeClr val="tx1"/>
-                </a:solidFill>
-                <a:latin typeface="Times New Roman" panose="02020603050405020304" pitchFamily="18" charset="0"/>
-                <a:ea typeface="標楷體" panose="03000509000000000000" pitchFamily="65" charset="-120"/>
-                <a:cs typeface="+mn-cs"/>
-              </a:defRPr>
-            </a:lvl2pPr>
-            <a:lvl3pPr marL="1143000" indent="-228600" algn="l" defTabSz="914400" rtl="0" eaLnBrk="1" latinLnBrk="0" hangingPunct="0">
-              <a:lnSpc>
-                <a:spcPct val="90000"/>
-              </a:lnSpc>
-              <a:spcBef>
-                <a:spcPts val="300"/>
-              </a:spcBef>
-              <a:buFont typeface="Arial" panose="020B0604020202020204" pitchFamily="34" charset="0"/>
-              <a:buChar char="•"/>
-              <a:defRPr sz="1600" kern="1200" baseline="0">
-                <a:solidFill>
-                  <a:schemeClr val="tx1"/>
-                </a:solidFill>
-                <a:latin typeface="Times New Roman" panose="02020603050405020304" pitchFamily="18" charset="0"/>
-                <a:ea typeface="標楷體" panose="03000509000000000000" pitchFamily="65" charset="-120"/>
-                <a:cs typeface="+mn-cs"/>
-              </a:defRPr>
-            </a:lvl3pPr>
-            <a:lvl4pPr marL="1600200" indent="-228600" algn="l" defTabSz="914400" rtl="0" eaLnBrk="1" latinLnBrk="0" hangingPunct="0">
-              <a:lnSpc>
-                <a:spcPct val="90000"/>
-              </a:lnSpc>
-              <a:spcBef>
-                <a:spcPts val="300"/>
-              </a:spcBef>
-              <a:buFont typeface="Arial" panose="020B0604020202020204" pitchFamily="34" charset="0"/>
-              <a:buChar char="•"/>
-              <a:defRPr sz="1600" kern="1200" baseline="0">
-                <a:solidFill>
-                  <a:schemeClr val="tx1"/>
-                </a:solidFill>
-                <a:latin typeface="Times New Roman" panose="02020603050405020304" pitchFamily="18" charset="0"/>
-                <a:ea typeface="標楷體" panose="03000509000000000000" pitchFamily="65" charset="-120"/>
-                <a:cs typeface="+mn-cs"/>
-              </a:defRPr>
-            </a:lvl4pPr>
-            <a:lvl5pPr marL="2057400" indent="-228600" algn="l" defTabSz="914400" rtl="0" eaLnBrk="1" latinLnBrk="0" hangingPunct="0">
-              <a:lnSpc>
-                <a:spcPct val="90000"/>
-              </a:lnSpc>
-              <a:spcBef>
-                <a:spcPts val="300"/>
-              </a:spcBef>
-              <a:buFont typeface="Arial" panose="020B0604020202020204" pitchFamily="34" charset="0"/>
-              <a:buChar char="•"/>
-              <a:defRPr sz="1600" kern="1200" baseline="0">
-                <a:solidFill>
-                  <a:schemeClr val="tx1"/>
-                </a:solidFill>
-                <a:latin typeface="Times New Roman" panose="02020603050405020304" pitchFamily="18" charset="0"/>
-                <a:ea typeface="標楷體" panose="03000509000000000000" pitchFamily="65" charset="-120"/>
-                <a:cs typeface="+mn-cs"/>
-              </a:defRPr>
-            </a:lvl5pPr>
-            <a:lvl6pPr marL="2514600" indent="-228600" algn="l" defTabSz="914400" rtl="0" eaLnBrk="1" latinLnBrk="0" hangingPunct="1">
-              <a:lnSpc>
-                <a:spcPct val="90000"/>
-              </a:lnSpc>
-              <a:spcBef>
-                <a:spcPts val="500"/>
-              </a:spcBef>
-              <a:buFont typeface="Arial" panose="020B0604020202020204" pitchFamily="34" charset="0"/>
-              <a:buChar char="•"/>
-              <a:defRPr sz="1800" kern="1200">
-                <a:solidFill>
-                  <a:schemeClr val="tx1"/>
-                </a:solidFill>
-                <a:latin typeface="+mn-lt"/>
-                <a:ea typeface="+mn-ea"/>
-                <a:cs typeface="+mn-cs"/>
-              </a:defRPr>
-            </a:lvl6pPr>
-            <a:lvl7pPr marL="2971800" indent="-228600" algn="l" defTabSz="914400" rtl="0" eaLnBrk="1" latinLnBrk="0" hangingPunct="1">
-              <a:lnSpc>
-                <a:spcPct val="90000"/>
-              </a:lnSpc>
-              <a:spcBef>
-                <a:spcPts val="500"/>
-              </a:spcBef>
-              <a:buFont typeface="Arial" panose="020B0604020202020204" pitchFamily="34" charset="0"/>
-              <a:buChar char="•"/>
-              <a:defRPr sz="1800" kern="1200">
-                <a:solidFill>
-                  <a:schemeClr val="tx1"/>
-                </a:solidFill>
-                <a:latin typeface="+mn-lt"/>
-                <a:ea typeface="+mn-ea"/>
-                <a:cs typeface="+mn-cs"/>
-              </a:defRPr>
-            </a:lvl7pPr>
-            <a:lvl8pPr marL="3429000" indent="-228600" algn="l" defTabSz="914400" rtl="0" eaLnBrk="1" latinLnBrk="0" hangingPunct="1">
-              <a:lnSpc>
-                <a:spcPct val="90000"/>
-              </a:lnSpc>
-              <a:spcBef>
-                <a:spcPts val="500"/>
-              </a:spcBef>
-              <a:buFont typeface="Arial" panose="020B0604020202020204" pitchFamily="34" charset="0"/>
-              <a:buChar char="•"/>
-              <a:defRPr sz="1800" kern="1200">
-                <a:solidFill>
-                  <a:schemeClr val="tx1"/>
-                </a:solidFill>
-                <a:latin typeface="+mn-lt"/>
-                <a:ea typeface="+mn-ea"/>
-                <a:cs typeface="+mn-cs"/>
-              </a:defRPr>
-            </a:lvl8pPr>
-            <a:lvl9pPr marL="3886200" indent="-228600" algn="l" defTabSz="914400" rtl="0" eaLnBrk="1" latinLnBrk="0" hangingPunct="1">
-              <a:lnSpc>
-                <a:spcPct val="90000"/>
-              </a:lnSpc>
-              <a:spcBef>
-                <a:spcPts val="500"/>
-              </a:spcBef>
-              <a:buFont typeface="Arial" panose="020B0604020202020204" pitchFamily="34" charset="0"/>
-              <a:buChar char="•"/>
-              <a:defRPr sz="1800" kern="1200">
-                <a:solidFill>
-                  <a:schemeClr val="tx1"/>
-                </a:solidFill>
-                <a:latin typeface="+mn-lt"/>
-                <a:ea typeface="+mn-ea"/>
-                <a:cs typeface="+mn-cs"/>
-              </a:defRPr>
-            </a:lvl9pPr>
-          </a:lstStyle>
-          <a:p>
-            <a:pPr marL="285750" lvl="1" indent="-285750"/>
-            <a:r>
-              <a:rPr lang="en-US" altLang="zh-TW" dirty="0"/>
-              <a:t>import cv2</a:t>
-            </a:r>
-          </a:p>
-          <a:p>
-            <a:pPr marL="285750" lvl="1" indent="-285750"/>
-            <a:r>
-              <a:rPr lang="en-US" altLang="zh-TW" dirty="0"/>
-              <a:t>import </a:t>
-            </a:r>
-            <a:r>
-              <a:rPr lang="en-US" altLang="zh-TW" dirty="0" err="1"/>
-              <a:t>numpy</a:t>
-            </a:r>
-            <a:r>
-              <a:rPr lang="en-US" altLang="zh-TW" dirty="0"/>
-              <a:t> as np</a:t>
-            </a:r>
-          </a:p>
-          <a:p>
-            <a:pPr marL="285750" lvl="1" indent="-285750"/>
-            <a:r>
-              <a:rPr lang="en-US" altLang="zh-TW" dirty="0"/>
-              <a:t>from matplotlib import </a:t>
-            </a:r>
-            <a:r>
-              <a:rPr lang="en-US" altLang="zh-TW" dirty="0" err="1"/>
-              <a:t>pyplot</a:t>
-            </a:r>
-            <a:r>
-              <a:rPr lang="en-US" altLang="zh-TW" dirty="0"/>
-              <a:t> as </a:t>
-            </a:r>
-            <a:r>
-              <a:rPr lang="en-US" altLang="zh-TW" dirty="0" err="1"/>
-              <a:t>plt</a:t>
-            </a:r>
-            <a:endParaRPr lang="en-US" altLang="zh-TW" dirty="0"/>
-          </a:p>
-        </p:txBody>
-      </p:sp>
-    </p:spTree>
-    <p:extLst>
-      <p:ext uri="{BB962C8B-B14F-4D97-AF65-F5344CB8AC3E}">
-        <p14:creationId xmlns:p14="http://schemas.microsoft.com/office/powerpoint/2010/main" val="1406203448"/>
-      </p:ext>
-    </p:extLst>
-  </p:cSld>
-  <p:clrMapOvr>
-    <a:masterClrMapping/>
-  </p:clrMapOvr>
-</p:sld>
-</file>
-
-<file path=ppt/slides/slide5.xml><?xml version="1.0" encoding="utf-8"?>
-<p:sld xmlns:a="http://schemas.openxmlformats.org/drawingml/2006/main" xmlns:r="http://schemas.openxmlformats.org/officeDocument/2006/relationships" xmlns:p="http://schemas.openxmlformats.org/presentationml/2006/main">
-  <p:cSld>
-    <p:spTree>
-      <p:nvGrpSpPr>
-        <p:cNvPr id="1" name=""/>
-        <p:cNvGrpSpPr/>
-        <p:nvPr/>
-      </p:nvGrpSpPr>
-      <p:grpSpPr>
-        <a:xfrm>
-          <a:off x="0" y="0"/>
-          <a:ext cx="0" cy="0"/>
-          <a:chOff x="0" y="0"/>
-          <a:chExt cx="0" cy="0"/>
-        </a:xfrm>
-      </p:grpSpPr>
-      <p:sp>
-        <p:nvSpPr>
-          <p:cNvPr id="4" name="標題 3"/>
-          <p:cNvSpPr>
-            <a:spLocks noGrp="1"/>
-          </p:cNvSpPr>
-          <p:nvPr>
-            <p:ph type="title"/>
-          </p:nvPr>
-        </p:nvSpPr>
-        <p:spPr/>
-        <p:txBody>
-          <a:bodyPr/>
-          <a:lstStyle/>
-          <a:p>
-            <a:r>
-              <a:rPr lang="zh-TW" altLang="en-US" dirty="0"/>
-              <a:t>系統分析 </a:t>
-            </a:r>
-            <a:r>
-              <a:rPr lang="en-US" altLang="zh-TW" dirty="0"/>
-              <a:t>–</a:t>
-            </a:r>
-            <a:r>
-              <a:rPr lang="zh-TW" altLang="en-US" dirty="0"/>
-              <a:t> 系統流程圖 </a:t>
-            </a:r>
-            <a:r>
-              <a:rPr lang="en-US" altLang="zh-TW" dirty="0"/>
-              <a:t>(</a:t>
-            </a:r>
-            <a:r>
-              <a:rPr lang="en-US" altLang="zh-TW" dirty="0">
-                <a:solidFill>
-                  <a:srgbClr val="FF0000"/>
-                </a:solidFill>
-              </a:rPr>
-              <a:t>2023/3/18</a:t>
-            </a:r>
-            <a:r>
-              <a:rPr lang="zh-TW" altLang="en-US" dirty="0">
-                <a:solidFill>
-                  <a:srgbClr val="FF0000"/>
-                </a:solidFill>
-              </a:rPr>
-              <a:t>更新</a:t>
-            </a:r>
-            <a:r>
-              <a:rPr lang="en-US" altLang="zh-TW" dirty="0"/>
-              <a:t>)</a:t>
-            </a:r>
-            <a:endParaRPr lang="zh-TW" altLang="en-US" dirty="0"/>
-          </a:p>
-        </p:txBody>
-      </p:sp>
-      <p:sp>
-        <p:nvSpPr>
-          <p:cNvPr id="6" name="文字方塊 5">
-            <a:extLst>
-              <a:ext uri="{FF2B5EF4-FFF2-40B4-BE49-F238E27FC236}">
-                <a16:creationId xmlns:a16="http://schemas.microsoft.com/office/drawing/2014/main" id="{B65B7D2E-054F-49A2-9A43-BBF97CA689BD}"/>
-              </a:ext>
-            </a:extLst>
-          </p:cNvPr>
-          <p:cNvSpPr txBox="1"/>
-          <p:nvPr/>
-        </p:nvSpPr>
-        <p:spPr>
-          <a:xfrm>
-            <a:off x="1979720" y="1438341"/>
-            <a:ext cx="6977848" cy="369332"/>
-          </a:xfrm>
-          <a:prstGeom prst="rect">
-            <a:avLst/>
-          </a:prstGeom>
-          <a:noFill/>
-        </p:spPr>
-        <p:txBody>
-          <a:bodyPr wrap="square" rtlCol="0">
-            <a:spAutoFit/>
-          </a:bodyPr>
-          <a:lstStyle/>
-          <a:p>
-            <a:pPr marL="285750" indent="-285750">
-              <a:buFont typeface="Arial" panose="020B0604020202020204" pitchFamily="34" charset="0"/>
-              <a:buChar char="•"/>
-            </a:pPr>
-            <a:r>
-              <a:rPr lang="en-US" altLang="zh-TW" dirty="0">
-                <a:latin typeface="Times New Roman" panose="02020603050405020304" pitchFamily="18" charset="0"/>
-                <a:ea typeface="標楷體" panose="03000509000000000000" pitchFamily="65" charset="-120"/>
-              </a:rPr>
-              <a:t>Histogram generated by LBP(local binary pattern)</a:t>
-            </a:r>
-            <a:endParaRPr lang="zh-TW" altLang="en-US" dirty="0">
-              <a:latin typeface="Times New Roman" panose="02020603050405020304" pitchFamily="18" charset="0"/>
-              <a:ea typeface="標楷體" panose="03000509000000000000" pitchFamily="65" charset="-120"/>
-            </a:endParaRPr>
-          </a:p>
-        </p:txBody>
-      </p:sp>
-      <p:sp>
-        <p:nvSpPr>
-          <p:cNvPr id="5" name="矩形: 圓角 4">
-            <a:extLst>
-              <a:ext uri="{FF2B5EF4-FFF2-40B4-BE49-F238E27FC236}">
-                <a16:creationId xmlns:a16="http://schemas.microsoft.com/office/drawing/2014/main" id="{048CC75B-2FDF-43A0-A40C-D6E082F092A1}"/>
-              </a:ext>
-            </a:extLst>
-          </p:cNvPr>
-          <p:cNvSpPr/>
-          <p:nvPr/>
-        </p:nvSpPr>
-        <p:spPr>
-          <a:xfrm>
-            <a:off x="1505056" y="2080580"/>
-            <a:ext cx="2173385" cy="545722"/>
-          </a:xfrm>
-          <a:prstGeom prst="roundRect">
-            <a:avLst/>
-          </a:prstGeom>
-        </p:spPr>
-        <p:style>
-          <a:lnRef idx="2">
-            <a:schemeClr val="accent6"/>
-          </a:lnRef>
-          <a:fillRef idx="1">
-            <a:schemeClr val="lt1"/>
-          </a:fillRef>
-          <a:effectRef idx="0">
-            <a:schemeClr val="accent6"/>
-          </a:effectRef>
-          <a:fontRef idx="minor">
-            <a:schemeClr val="dk1"/>
-          </a:fontRef>
-        </p:style>
-        <p:txBody>
-          <a:bodyPr rtlCol="0" anchor="ctr"/>
-          <a:lstStyle/>
-          <a:p>
-            <a:pPr algn="ctr"/>
-            <a:r>
-              <a:rPr lang="zh-TW" altLang="en-US" dirty="0">
-                <a:ea typeface="標楷體" panose="03000509000000000000" pitchFamily="65" charset="-120"/>
-              </a:rPr>
-              <a:t>原圖片轉灰階</a:t>
-            </a:r>
-          </a:p>
-        </p:txBody>
-      </p:sp>
-      <p:sp>
-        <p:nvSpPr>
-          <p:cNvPr id="7" name="矩形: 圓角 6">
-            <a:extLst>
-              <a:ext uri="{FF2B5EF4-FFF2-40B4-BE49-F238E27FC236}">
-                <a16:creationId xmlns:a16="http://schemas.microsoft.com/office/drawing/2014/main" id="{AED6DC43-4EBA-465C-B85D-9AF7C75C7E1C}"/>
-              </a:ext>
-            </a:extLst>
-          </p:cNvPr>
-          <p:cNvSpPr/>
-          <p:nvPr/>
-        </p:nvSpPr>
-        <p:spPr>
-          <a:xfrm>
-            <a:off x="4053834" y="2027785"/>
-            <a:ext cx="1626264" cy="645454"/>
-          </a:xfrm>
-          <a:prstGeom prst="roundRect">
-            <a:avLst/>
-          </a:prstGeom>
-        </p:spPr>
-        <p:style>
-          <a:lnRef idx="2">
-            <a:schemeClr val="accent6"/>
-          </a:lnRef>
-          <a:fillRef idx="1">
-            <a:schemeClr val="lt1"/>
-          </a:fillRef>
-          <a:effectRef idx="0">
-            <a:schemeClr val="accent6"/>
-          </a:effectRef>
-          <a:fontRef idx="minor">
-            <a:schemeClr val="dk1"/>
-          </a:fontRef>
-        </p:style>
-        <p:txBody>
-          <a:bodyPr rtlCol="0" anchor="ctr"/>
-          <a:lstStyle/>
-          <a:p>
-            <a:pPr algn="ctr"/>
-            <a:r>
-              <a:rPr lang="zh-TW" altLang="en-US" dirty="0">
-                <a:ea typeface="標楷體" panose="03000509000000000000" pitchFamily="65" charset="-120"/>
-              </a:rPr>
-              <a:t>依行列掃描</a:t>
-            </a:r>
-          </a:p>
-        </p:txBody>
-      </p:sp>
-      <p:sp>
-        <p:nvSpPr>
-          <p:cNvPr id="8" name="矩形: 圓角 7">
-            <a:extLst>
-              <a:ext uri="{FF2B5EF4-FFF2-40B4-BE49-F238E27FC236}">
-                <a16:creationId xmlns:a16="http://schemas.microsoft.com/office/drawing/2014/main" id="{CCD8D571-EF36-45AB-A864-034B67F55F41}"/>
-              </a:ext>
-            </a:extLst>
-          </p:cNvPr>
-          <p:cNvSpPr/>
-          <p:nvPr/>
-        </p:nvSpPr>
-        <p:spPr>
-          <a:xfrm>
-            <a:off x="3776264" y="5114290"/>
-            <a:ext cx="2173385" cy="545722"/>
-          </a:xfrm>
-          <a:prstGeom prst="roundRect">
-            <a:avLst/>
-          </a:prstGeom>
-        </p:spPr>
-        <p:style>
-          <a:lnRef idx="2">
-            <a:schemeClr val="accent6"/>
-          </a:lnRef>
-          <a:fillRef idx="1">
-            <a:schemeClr val="lt1"/>
-          </a:fillRef>
-          <a:effectRef idx="0">
-            <a:schemeClr val="accent6"/>
-          </a:effectRef>
-          <a:fontRef idx="minor">
-            <a:schemeClr val="dk1"/>
-          </a:fontRef>
-        </p:style>
-        <p:txBody>
-          <a:bodyPr rtlCol="0" anchor="ctr"/>
-          <a:lstStyle/>
-          <a:p>
-            <a:pPr algn="ctr"/>
-            <a:r>
-              <a:rPr lang="zh-TW" altLang="en-US" dirty="0">
-                <a:ea typeface="標楷體" panose="03000509000000000000" pitchFamily="65" charset="-120"/>
-              </a:rPr>
-              <a:t>將</a:t>
-            </a:r>
-            <a:r>
-              <a:rPr lang="en-US" altLang="zh-TW" dirty="0">
-                <a:ea typeface="標楷體" panose="03000509000000000000" pitchFamily="65" charset="-120"/>
-              </a:rPr>
-              <a:t>kernel</a:t>
-            </a:r>
-            <a:r>
-              <a:rPr lang="zh-TW" altLang="en-US" dirty="0">
-                <a:ea typeface="標楷體" panose="03000509000000000000" pitchFamily="65" charset="-120"/>
-              </a:rPr>
-              <a:t>值存在</a:t>
-            </a:r>
-            <a:r>
-              <a:rPr lang="en-US" altLang="zh-TW" dirty="0" err="1">
-                <a:ea typeface="標楷體" panose="03000509000000000000" pitchFamily="65" charset="-120"/>
-              </a:rPr>
-              <a:t>img_LBP</a:t>
-            </a:r>
-            <a:r>
-              <a:rPr lang="en-US" altLang="zh-TW" dirty="0">
-                <a:ea typeface="標楷體" panose="03000509000000000000" pitchFamily="65" charset="-120"/>
-              </a:rPr>
-              <a:t>[I,</a:t>
-            </a:r>
-            <a:r>
-              <a:rPr lang="zh-TW" altLang="en-US" dirty="0">
-                <a:ea typeface="標楷體" panose="03000509000000000000" pitchFamily="65" charset="-120"/>
-              </a:rPr>
-              <a:t> </a:t>
-            </a:r>
-            <a:r>
-              <a:rPr lang="en-US" altLang="zh-TW" dirty="0">
-                <a:ea typeface="標楷體" panose="03000509000000000000" pitchFamily="65" charset="-120"/>
-              </a:rPr>
-              <a:t>j]</a:t>
-            </a:r>
-          </a:p>
-        </p:txBody>
-      </p:sp>
-      <p:sp>
-        <p:nvSpPr>
-          <p:cNvPr id="9" name="矩形: 圓角 8">
-            <a:extLst>
-              <a:ext uri="{FF2B5EF4-FFF2-40B4-BE49-F238E27FC236}">
-                <a16:creationId xmlns:a16="http://schemas.microsoft.com/office/drawing/2014/main" id="{88AC6F6D-E874-484C-AC6B-CD035E482C55}"/>
-              </a:ext>
-            </a:extLst>
-          </p:cNvPr>
-          <p:cNvSpPr/>
-          <p:nvPr/>
-        </p:nvSpPr>
-        <p:spPr>
-          <a:xfrm>
-            <a:off x="6636181" y="3499934"/>
-            <a:ext cx="2640272" cy="956508"/>
-          </a:xfrm>
-          <a:prstGeom prst="roundRect">
-            <a:avLst/>
-          </a:prstGeom>
-        </p:spPr>
-        <p:style>
-          <a:lnRef idx="2">
-            <a:schemeClr val="accent6"/>
-          </a:lnRef>
-          <a:fillRef idx="1">
-            <a:schemeClr val="lt1"/>
-          </a:fillRef>
-          <a:effectRef idx="0">
-            <a:schemeClr val="accent6"/>
-          </a:effectRef>
-          <a:fontRef idx="minor">
-            <a:schemeClr val="dk1"/>
-          </a:fontRef>
-        </p:style>
-        <p:txBody>
-          <a:bodyPr rtlCol="0" anchor="ctr"/>
-          <a:lstStyle/>
-          <a:p>
-            <a:pPr algn="ctr"/>
-            <a:r>
-              <a:rPr lang="zh-TW" altLang="en-US" dirty="0">
-                <a:ea typeface="標楷體" panose="03000509000000000000" pitchFamily="65" charset="-120"/>
-              </a:rPr>
-              <a:t>將</a:t>
-            </a:r>
-            <a:r>
-              <a:rPr lang="en-US" altLang="zh-TW" dirty="0">
-                <a:ea typeface="標楷體" panose="03000509000000000000" pitchFamily="65" charset="-120"/>
-              </a:rPr>
-              <a:t>0/1</a:t>
-            </a:r>
-            <a:r>
-              <a:rPr lang="zh-TW" altLang="en-US" dirty="0">
-                <a:ea typeface="標楷體" panose="03000509000000000000" pitchFamily="65" charset="-120"/>
-              </a:rPr>
-              <a:t>放入九宮格</a:t>
-            </a:r>
-            <a:r>
-              <a:rPr lang="en-US" altLang="zh-TW" dirty="0" err="1">
-                <a:ea typeface="標楷體" panose="03000509000000000000" pitchFamily="65" charset="-120"/>
-              </a:rPr>
-              <a:t>kernel.append</a:t>
-            </a:r>
-            <a:r>
-              <a:rPr lang="en-US" altLang="zh-TW" dirty="0">
-                <a:ea typeface="標楷體" panose="03000509000000000000" pitchFamily="65" charset="-120"/>
-              </a:rPr>
-              <a:t>(</a:t>
-            </a:r>
-            <a:r>
-              <a:rPr lang="zh-TW" altLang="en-US" dirty="0">
-                <a:ea typeface="標楷體" panose="03000509000000000000" pitchFamily="65" charset="-120"/>
-              </a:rPr>
-              <a:t> </a:t>
-            </a:r>
-            <a:r>
-              <a:rPr lang="en-US" altLang="zh-TW" dirty="0">
-                <a:ea typeface="標楷體" panose="03000509000000000000" pitchFamily="65" charset="-120"/>
-              </a:rPr>
-              <a:t>)</a:t>
-            </a:r>
-            <a:r>
-              <a:rPr lang="zh-TW" altLang="en-US" dirty="0">
-                <a:ea typeface="標楷體" panose="03000509000000000000" pitchFamily="65" charset="-120"/>
-              </a:rPr>
-              <a:t>，</a:t>
-            </a:r>
-            <a:endParaRPr lang="en-US" altLang="zh-TW" dirty="0">
-              <a:ea typeface="標楷體" panose="03000509000000000000" pitchFamily="65" charset="-120"/>
-            </a:endParaRPr>
-          </a:p>
-          <a:p>
-            <a:pPr algn="ctr"/>
-            <a:r>
-              <a:rPr lang="zh-TW" altLang="en-US" dirty="0">
-                <a:ea typeface="標楷體" panose="03000509000000000000" pitchFamily="65" charset="-120"/>
-              </a:rPr>
-              <a:t>換下一格</a:t>
-            </a:r>
-          </a:p>
-        </p:txBody>
-      </p:sp>
-      <p:sp>
-        <p:nvSpPr>
-          <p:cNvPr id="10" name="菱形 9">
-            <a:extLst>
-              <a:ext uri="{FF2B5EF4-FFF2-40B4-BE49-F238E27FC236}">
-                <a16:creationId xmlns:a16="http://schemas.microsoft.com/office/drawing/2014/main" id="{428DDF55-F832-48E8-A430-946A7FC11735}"/>
-              </a:ext>
-            </a:extLst>
-          </p:cNvPr>
-          <p:cNvSpPr/>
-          <p:nvPr/>
-        </p:nvSpPr>
-        <p:spPr>
-          <a:xfrm>
-            <a:off x="3780273" y="3677585"/>
-            <a:ext cx="2173385" cy="644270"/>
-          </a:xfrm>
-          <a:prstGeom prst="diamond">
-            <a:avLst/>
-          </a:prstGeom>
-        </p:spPr>
-        <p:style>
-          <a:lnRef idx="2">
-            <a:schemeClr val="accent6"/>
-          </a:lnRef>
-          <a:fillRef idx="1">
-            <a:schemeClr val="lt1"/>
-          </a:fillRef>
-          <a:effectRef idx="0">
-            <a:schemeClr val="accent6"/>
-          </a:effectRef>
-          <a:fontRef idx="minor">
-            <a:schemeClr val="dk1"/>
-          </a:fontRef>
-        </p:style>
-        <p:txBody>
-          <a:bodyPr rtlCol="0" anchor="ctr"/>
-          <a:lstStyle/>
-          <a:p>
-            <a:pPr algn="ctr"/>
-            <a:r>
-              <a:rPr lang="zh-TW" altLang="en-US" dirty="0">
-                <a:ea typeface="標楷體" panose="03000509000000000000" pitchFamily="65" charset="-120"/>
-              </a:rPr>
-              <a:t>未到橫列盡頭</a:t>
-            </a:r>
-          </a:p>
-        </p:txBody>
-      </p:sp>
-      <p:sp>
-        <p:nvSpPr>
-          <p:cNvPr id="11" name="橢圓 10">
-            <a:extLst>
-              <a:ext uri="{FF2B5EF4-FFF2-40B4-BE49-F238E27FC236}">
-                <a16:creationId xmlns:a16="http://schemas.microsoft.com/office/drawing/2014/main" id="{73753E55-6DEA-430F-898C-FCAA964E66D8}"/>
-              </a:ext>
-            </a:extLst>
-          </p:cNvPr>
-          <p:cNvSpPr/>
-          <p:nvPr/>
-        </p:nvSpPr>
-        <p:spPr>
-          <a:xfrm>
-            <a:off x="5681883" y="3432466"/>
-            <a:ext cx="784646" cy="545722"/>
-          </a:xfrm>
-          <a:prstGeom prst="ellipse">
-            <a:avLst/>
-          </a:prstGeom>
-          <a:noFill/>
-          <a:ln>
-            <a:noFill/>
-          </a:ln>
-        </p:spPr>
-        <p:style>
-          <a:lnRef idx="2">
-            <a:schemeClr val="accent1">
-              <a:shade val="50000"/>
-            </a:schemeClr>
-          </a:lnRef>
-          <a:fillRef idx="1">
-            <a:schemeClr val="accent1"/>
-          </a:fillRef>
-          <a:effectRef idx="0">
-            <a:schemeClr val="accent1"/>
-          </a:effectRef>
-          <a:fontRef idx="minor">
-            <a:schemeClr val="lt1"/>
-          </a:fontRef>
-        </p:style>
-        <p:txBody>
-          <a:bodyPr rtlCol="0" anchor="ctr"/>
-          <a:lstStyle/>
-          <a:p>
-            <a:pPr algn="ctr"/>
-            <a:r>
-              <a:rPr lang="en-US" altLang="zh-TW">
-                <a:solidFill>
-                  <a:schemeClr val="tx1"/>
-                </a:solidFill>
-              </a:rPr>
-              <a:t>Yes</a:t>
-            </a:r>
-            <a:endParaRPr lang="zh-TW" altLang="en-US" dirty="0">
-              <a:solidFill>
-                <a:schemeClr val="tx1"/>
-              </a:solidFill>
-            </a:endParaRPr>
-          </a:p>
-        </p:txBody>
-      </p:sp>
-      <p:sp>
-        <p:nvSpPr>
-          <p:cNvPr id="12" name="橢圓 11">
-            <a:extLst>
-              <a:ext uri="{FF2B5EF4-FFF2-40B4-BE49-F238E27FC236}">
-                <a16:creationId xmlns:a16="http://schemas.microsoft.com/office/drawing/2014/main" id="{C8D89599-C4E4-47F6-B36A-83DFE6D31947}"/>
-              </a:ext>
-            </a:extLst>
-          </p:cNvPr>
-          <p:cNvSpPr/>
-          <p:nvPr/>
-        </p:nvSpPr>
-        <p:spPr>
-          <a:xfrm>
-            <a:off x="4189312" y="4264410"/>
-            <a:ext cx="784646" cy="545722"/>
-          </a:xfrm>
-          <a:prstGeom prst="ellipse">
-            <a:avLst/>
-          </a:prstGeom>
-          <a:noFill/>
-          <a:ln>
-            <a:noFill/>
-          </a:ln>
-        </p:spPr>
-        <p:style>
-          <a:lnRef idx="2">
-            <a:schemeClr val="accent1">
-              <a:shade val="50000"/>
-            </a:schemeClr>
-          </a:lnRef>
-          <a:fillRef idx="1">
-            <a:schemeClr val="accent1"/>
-          </a:fillRef>
-          <a:effectRef idx="0">
-            <a:schemeClr val="accent1"/>
-          </a:effectRef>
-          <a:fontRef idx="minor">
-            <a:schemeClr val="lt1"/>
-          </a:fontRef>
-        </p:style>
-        <p:txBody>
-          <a:bodyPr rtlCol="0" anchor="ctr"/>
-          <a:lstStyle/>
-          <a:p>
-            <a:pPr algn="ctr"/>
-            <a:r>
-              <a:rPr lang="en-US" altLang="zh-TW">
-                <a:solidFill>
-                  <a:schemeClr val="tx1"/>
-                </a:solidFill>
-              </a:rPr>
-              <a:t>No</a:t>
-            </a:r>
-            <a:endParaRPr lang="zh-TW" altLang="en-US" dirty="0">
-              <a:solidFill>
-                <a:schemeClr val="tx1"/>
-              </a:solidFill>
-            </a:endParaRPr>
-          </a:p>
-        </p:txBody>
-      </p:sp>
-      <p:cxnSp>
-        <p:nvCxnSpPr>
-          <p:cNvPr id="13" name="直線單箭頭接點 12">
-            <a:extLst>
-              <a:ext uri="{FF2B5EF4-FFF2-40B4-BE49-F238E27FC236}">
-                <a16:creationId xmlns:a16="http://schemas.microsoft.com/office/drawing/2014/main" id="{3C258178-C4F0-4183-9724-7CC329236CFF}"/>
-              </a:ext>
-            </a:extLst>
-          </p:cNvPr>
-          <p:cNvCxnSpPr>
-            <a:cxnSpLocks/>
-            <a:stCxn id="8" idx="3"/>
-            <a:endCxn id="43" idx="1"/>
-          </p:cNvCxnSpPr>
-          <p:nvPr/>
-        </p:nvCxnSpPr>
-        <p:spPr>
-          <a:xfrm>
-            <a:off x="5949649" y="5387151"/>
-            <a:ext cx="686532" cy="0"/>
-          </a:xfrm>
-          <a:prstGeom prst="straightConnector1">
-            <a:avLst/>
-          </a:prstGeom>
-          <a:ln>
-            <a:tailEnd type="triangle"/>
-          </a:ln>
-        </p:spPr>
-        <p:style>
-          <a:lnRef idx="1">
-            <a:schemeClr val="accent1"/>
-          </a:lnRef>
-          <a:fillRef idx="0">
-            <a:schemeClr val="accent1"/>
-          </a:fillRef>
-          <a:effectRef idx="0">
-            <a:schemeClr val="accent1"/>
-          </a:effectRef>
-          <a:fontRef idx="minor">
-            <a:schemeClr val="tx1"/>
-          </a:fontRef>
-        </p:style>
-      </p:cxnSp>
-      <p:cxnSp>
-        <p:nvCxnSpPr>
-          <p:cNvPr id="14" name="直線單箭頭接點 13">
-            <a:extLst>
-              <a:ext uri="{FF2B5EF4-FFF2-40B4-BE49-F238E27FC236}">
-                <a16:creationId xmlns:a16="http://schemas.microsoft.com/office/drawing/2014/main" id="{83672F1C-1153-438F-9CD7-1EBC65734C81}"/>
-              </a:ext>
-            </a:extLst>
-          </p:cNvPr>
-          <p:cNvCxnSpPr>
-            <a:cxnSpLocks/>
-            <a:stCxn id="5" idx="3"/>
-            <a:endCxn id="7" idx="1"/>
-          </p:cNvCxnSpPr>
-          <p:nvPr/>
-        </p:nvCxnSpPr>
-        <p:spPr>
-          <a:xfrm flipV="1">
-            <a:off x="3678441" y="2350512"/>
-            <a:ext cx="375393" cy="2929"/>
-          </a:xfrm>
-          <a:prstGeom prst="straightConnector1">
-            <a:avLst/>
-          </a:prstGeom>
-          <a:ln>
-            <a:tailEnd type="triangle"/>
-          </a:ln>
-        </p:spPr>
-        <p:style>
-          <a:lnRef idx="1">
-            <a:schemeClr val="accent1"/>
-          </a:lnRef>
-          <a:fillRef idx="0">
-            <a:schemeClr val="accent1"/>
-          </a:fillRef>
-          <a:effectRef idx="0">
-            <a:schemeClr val="accent1"/>
-          </a:effectRef>
-          <a:fontRef idx="minor">
-            <a:schemeClr val="tx1"/>
-          </a:fontRef>
-        </p:style>
-      </p:cxnSp>
-      <p:cxnSp>
-        <p:nvCxnSpPr>
-          <p:cNvPr id="15" name="直線單箭頭接點 14">
-            <a:extLst>
-              <a:ext uri="{FF2B5EF4-FFF2-40B4-BE49-F238E27FC236}">
-                <a16:creationId xmlns:a16="http://schemas.microsoft.com/office/drawing/2014/main" id="{FC2627A4-D0F2-40FA-8073-53BB1943E04A}"/>
-              </a:ext>
-            </a:extLst>
-          </p:cNvPr>
-          <p:cNvCxnSpPr>
-            <a:cxnSpLocks/>
-            <a:stCxn id="12" idx="7"/>
-            <a:endCxn id="8" idx="0"/>
-          </p:cNvCxnSpPr>
-          <p:nvPr/>
-        </p:nvCxnSpPr>
-        <p:spPr>
-          <a:xfrm>
-            <a:off x="4859049" y="4344329"/>
-            <a:ext cx="3908" cy="769961"/>
-          </a:xfrm>
-          <a:prstGeom prst="straightConnector1">
-            <a:avLst/>
-          </a:prstGeom>
-          <a:ln>
-            <a:tailEnd type="triangle"/>
-          </a:ln>
-        </p:spPr>
-        <p:style>
-          <a:lnRef idx="1">
-            <a:schemeClr val="accent1"/>
-          </a:lnRef>
-          <a:fillRef idx="0">
-            <a:schemeClr val="accent1"/>
-          </a:fillRef>
-          <a:effectRef idx="0">
-            <a:schemeClr val="accent1"/>
-          </a:effectRef>
-          <a:fontRef idx="minor">
-            <a:schemeClr val="tx1"/>
-          </a:fontRef>
-        </p:style>
-      </p:cxnSp>
-      <p:sp>
-        <p:nvSpPr>
-          <p:cNvPr id="16" name="橢圓 15">
-            <a:extLst>
-              <a:ext uri="{FF2B5EF4-FFF2-40B4-BE49-F238E27FC236}">
-                <a16:creationId xmlns:a16="http://schemas.microsoft.com/office/drawing/2014/main" id="{F2CEC328-70A0-4BB8-9B9E-BACA94287A63}"/>
-              </a:ext>
-            </a:extLst>
-          </p:cNvPr>
-          <p:cNvSpPr/>
-          <p:nvPr/>
-        </p:nvSpPr>
-        <p:spPr>
-          <a:xfrm>
-            <a:off x="9466701" y="5152705"/>
-            <a:ext cx="784647" cy="468892"/>
-          </a:xfrm>
-          <a:prstGeom prst="ellipse">
-            <a:avLst/>
-          </a:prstGeom>
-          <a:noFill/>
-          <a:ln>
-            <a:solidFill>
-              <a:schemeClr val="tx2"/>
-            </a:solidFill>
-          </a:ln>
-        </p:spPr>
-        <p:style>
-          <a:lnRef idx="2">
-            <a:schemeClr val="accent1">
-              <a:shade val="50000"/>
-            </a:schemeClr>
-          </a:lnRef>
-          <a:fillRef idx="1">
-            <a:schemeClr val="accent1"/>
-          </a:fillRef>
-          <a:effectRef idx="0">
-            <a:schemeClr val="accent1"/>
-          </a:effectRef>
-          <a:fontRef idx="minor">
-            <a:schemeClr val="lt1"/>
-          </a:fontRef>
-        </p:style>
-        <p:txBody>
-          <a:bodyPr rtlCol="0" anchor="ctr"/>
-          <a:lstStyle/>
-          <a:p>
-            <a:pPr algn="ctr"/>
-            <a:r>
-              <a:rPr lang="en-US" altLang="zh-TW">
-                <a:solidFill>
-                  <a:schemeClr val="tx1"/>
-                </a:solidFill>
-              </a:rPr>
-              <a:t>end</a:t>
-            </a:r>
-            <a:endParaRPr lang="zh-TW" altLang="en-US" dirty="0">
-              <a:solidFill>
-                <a:schemeClr val="tx1"/>
-              </a:solidFill>
-            </a:endParaRPr>
-          </a:p>
-        </p:txBody>
-      </p:sp>
-      <p:cxnSp>
-        <p:nvCxnSpPr>
-          <p:cNvPr id="17" name="接點: 肘形 16">
-            <a:extLst>
-              <a:ext uri="{FF2B5EF4-FFF2-40B4-BE49-F238E27FC236}">
-                <a16:creationId xmlns:a16="http://schemas.microsoft.com/office/drawing/2014/main" id="{9E1FA27A-36B1-49DC-B69F-C17D666FD10D}"/>
-              </a:ext>
-            </a:extLst>
-          </p:cNvPr>
-          <p:cNvCxnSpPr>
-            <a:cxnSpLocks/>
-            <a:stCxn id="7" idx="2"/>
-            <a:endCxn id="10" idx="0"/>
-          </p:cNvCxnSpPr>
-          <p:nvPr/>
-        </p:nvCxnSpPr>
-        <p:spPr>
-          <a:xfrm rot="5400000">
-            <a:off x="4364793" y="3175412"/>
-            <a:ext cx="1004346" cy="12700"/>
-          </a:xfrm>
-          <a:prstGeom prst="bentConnector3">
-            <a:avLst>
-              <a:gd name="adj1" fmla="val 50000"/>
-            </a:avLst>
-          </a:prstGeom>
-          <a:ln>
-            <a:tailEnd type="triangle"/>
-          </a:ln>
-        </p:spPr>
-        <p:style>
-          <a:lnRef idx="1">
-            <a:schemeClr val="accent1"/>
-          </a:lnRef>
-          <a:fillRef idx="0">
-            <a:schemeClr val="accent1"/>
-          </a:fillRef>
-          <a:effectRef idx="0">
-            <a:schemeClr val="accent1"/>
-          </a:effectRef>
-          <a:fontRef idx="minor">
-            <a:schemeClr val="tx1"/>
-          </a:fontRef>
-        </p:style>
-      </p:cxnSp>
-      <p:cxnSp>
-        <p:nvCxnSpPr>
-          <p:cNvPr id="18" name="直線單箭頭接點 17">
-            <a:extLst>
-              <a:ext uri="{FF2B5EF4-FFF2-40B4-BE49-F238E27FC236}">
-                <a16:creationId xmlns:a16="http://schemas.microsoft.com/office/drawing/2014/main" id="{0004560E-C4BC-4E87-BE9C-85EA95EDE2A2}"/>
-              </a:ext>
-            </a:extLst>
-          </p:cNvPr>
-          <p:cNvCxnSpPr>
-            <a:cxnSpLocks/>
-            <a:stCxn id="10" idx="3"/>
-            <a:endCxn id="9" idx="1"/>
-          </p:cNvCxnSpPr>
-          <p:nvPr/>
-        </p:nvCxnSpPr>
-        <p:spPr>
-          <a:xfrm flipV="1">
-            <a:off x="5953658" y="3978188"/>
-            <a:ext cx="682523" cy="21532"/>
-          </a:xfrm>
-          <a:prstGeom prst="straightConnector1">
-            <a:avLst/>
-          </a:prstGeom>
-          <a:ln>
-            <a:tailEnd type="triangle"/>
-          </a:ln>
-        </p:spPr>
-        <p:style>
-          <a:lnRef idx="1">
-            <a:schemeClr val="accent1"/>
-          </a:lnRef>
-          <a:fillRef idx="0">
-            <a:schemeClr val="accent1"/>
-          </a:fillRef>
-          <a:effectRef idx="0">
-            <a:schemeClr val="accent1"/>
-          </a:effectRef>
-          <a:fontRef idx="minor">
-            <a:schemeClr val="tx1"/>
-          </a:fontRef>
-        </p:style>
-      </p:cxnSp>
-      <p:sp>
-        <p:nvSpPr>
-          <p:cNvPr id="43" name="矩形: 圓角 42">
-            <a:extLst>
-              <a:ext uri="{FF2B5EF4-FFF2-40B4-BE49-F238E27FC236}">
-                <a16:creationId xmlns:a16="http://schemas.microsoft.com/office/drawing/2014/main" id="{AEE421F1-688C-4067-9E23-2EA5CB375AD0}"/>
-              </a:ext>
-            </a:extLst>
-          </p:cNvPr>
-          <p:cNvSpPr/>
-          <p:nvPr/>
-        </p:nvSpPr>
-        <p:spPr>
-          <a:xfrm>
-            <a:off x="6636181" y="5114290"/>
-            <a:ext cx="2173385" cy="545722"/>
-          </a:xfrm>
-          <a:prstGeom prst="roundRect">
-            <a:avLst/>
-          </a:prstGeom>
-        </p:spPr>
-        <p:style>
-          <a:lnRef idx="2">
-            <a:schemeClr val="accent6"/>
-          </a:lnRef>
-          <a:fillRef idx="1">
-            <a:schemeClr val="lt1"/>
-          </a:fillRef>
-          <a:effectRef idx="0">
-            <a:schemeClr val="accent6"/>
-          </a:effectRef>
-          <a:fontRef idx="minor">
-            <a:schemeClr val="dk1"/>
-          </a:fontRef>
-        </p:style>
-        <p:txBody>
-          <a:bodyPr rtlCol="0" anchor="ctr"/>
-          <a:lstStyle/>
-          <a:p>
-            <a:pPr algn="ctr"/>
-            <a:r>
-              <a:rPr lang="zh-TW" altLang="en-US" dirty="0">
-                <a:ea typeface="標楷體" panose="03000509000000000000" pitchFamily="65" charset="-120"/>
-              </a:rPr>
-              <a:t>以</a:t>
-            </a:r>
-            <a:r>
-              <a:rPr lang="en-US" altLang="zh-TW" dirty="0">
-                <a:ea typeface="標楷體" panose="03000509000000000000" pitchFamily="65" charset="-120"/>
-              </a:rPr>
-              <a:t>cv2.calcHist()</a:t>
-            </a:r>
-            <a:r>
-              <a:rPr lang="zh-TW" altLang="en-US" dirty="0">
-                <a:ea typeface="標楷體" panose="03000509000000000000" pitchFamily="65" charset="-120"/>
-              </a:rPr>
-              <a:t>繪製</a:t>
-            </a:r>
-            <a:r>
-              <a:rPr lang="en-US" altLang="zh-TW" dirty="0" err="1">
-                <a:ea typeface="標楷體" panose="03000509000000000000" pitchFamily="65" charset="-120"/>
-              </a:rPr>
-              <a:t>img_LBP</a:t>
-            </a:r>
-            <a:r>
-              <a:rPr lang="en-US" altLang="zh-TW" dirty="0">
-                <a:ea typeface="標楷體" panose="03000509000000000000" pitchFamily="65" charset="-120"/>
-              </a:rPr>
-              <a:t>[ ][ ]</a:t>
-            </a:r>
-          </a:p>
-        </p:txBody>
-      </p:sp>
-      <p:cxnSp>
-        <p:nvCxnSpPr>
-          <p:cNvPr id="94" name="接點: 肘形 93">
-            <a:extLst>
-              <a:ext uri="{FF2B5EF4-FFF2-40B4-BE49-F238E27FC236}">
-                <a16:creationId xmlns:a16="http://schemas.microsoft.com/office/drawing/2014/main" id="{7A5D5859-46EE-4EA0-A86B-A922D1E61F21}"/>
-              </a:ext>
-            </a:extLst>
-          </p:cNvPr>
-          <p:cNvCxnSpPr>
-            <a:cxnSpLocks/>
-            <a:stCxn id="9" idx="2"/>
-            <a:endCxn id="10" idx="0"/>
-          </p:cNvCxnSpPr>
-          <p:nvPr/>
-        </p:nvCxnSpPr>
-        <p:spPr>
-          <a:xfrm rot="5400000" flipH="1">
-            <a:off x="6022213" y="2522339"/>
-            <a:ext cx="778857" cy="3089351"/>
-          </a:xfrm>
-          <a:prstGeom prst="bentConnector5">
-            <a:avLst>
-              <a:gd name="adj1" fmla="val -43029"/>
-              <a:gd name="adj2" fmla="val -66627"/>
-              <a:gd name="adj3" fmla="val 160127"/>
-            </a:avLst>
-          </a:prstGeom>
-          <a:ln>
-            <a:tailEnd type="triangle"/>
-          </a:ln>
-        </p:spPr>
-        <p:style>
-          <a:lnRef idx="1">
-            <a:schemeClr val="accent1"/>
-          </a:lnRef>
-          <a:fillRef idx="0">
-            <a:schemeClr val="accent1"/>
-          </a:fillRef>
-          <a:effectRef idx="0">
-            <a:schemeClr val="accent1"/>
-          </a:effectRef>
-          <a:fontRef idx="minor">
-            <a:schemeClr val="tx1"/>
-          </a:fontRef>
-        </p:style>
-      </p:cxnSp>
-      <p:cxnSp>
-        <p:nvCxnSpPr>
-          <p:cNvPr id="104" name="直線單箭頭接點 103">
-            <a:extLst>
-              <a:ext uri="{FF2B5EF4-FFF2-40B4-BE49-F238E27FC236}">
-                <a16:creationId xmlns:a16="http://schemas.microsoft.com/office/drawing/2014/main" id="{67FCF2BD-DF5F-4C9D-B5E0-4671F1728DD1}"/>
-              </a:ext>
-            </a:extLst>
-          </p:cNvPr>
-          <p:cNvCxnSpPr>
-            <a:cxnSpLocks/>
-            <a:stCxn id="43" idx="3"/>
-            <a:endCxn id="16" idx="2"/>
-          </p:cNvCxnSpPr>
-          <p:nvPr/>
-        </p:nvCxnSpPr>
-        <p:spPr>
-          <a:xfrm>
-            <a:off x="8809566" y="5387151"/>
-            <a:ext cx="657135" cy="0"/>
-          </a:xfrm>
-          <a:prstGeom prst="straightConnector1">
-            <a:avLst/>
-          </a:prstGeom>
-          <a:ln>
-            <a:tailEnd type="triangle"/>
-          </a:ln>
-        </p:spPr>
-        <p:style>
-          <a:lnRef idx="1">
-            <a:schemeClr val="accent1"/>
-          </a:lnRef>
-          <a:fillRef idx="0">
-            <a:schemeClr val="accent1"/>
-          </a:fillRef>
-          <a:effectRef idx="0">
-            <a:schemeClr val="accent1"/>
-          </a:effectRef>
-          <a:fontRef idx="minor">
-            <a:schemeClr val="tx1"/>
-          </a:fontRef>
-        </p:style>
-      </p:cxnSp>
-    </p:spTree>
-    <p:extLst>
-      <p:ext uri="{BB962C8B-B14F-4D97-AF65-F5344CB8AC3E}">
-        <p14:creationId xmlns:p14="http://schemas.microsoft.com/office/powerpoint/2010/main" val="4161202371"/>
-      </p:ext>
-    </p:extLst>
-  </p:cSld>
-  <p:clrMapOvr>
-    <a:masterClrMapping/>
-  </p:clrMapOvr>
-</p:sld>
-</file>
-
-<file path=ppt/slides/slide6.xml><?xml version="1.0" encoding="utf-8"?>
-<p:sld xmlns:a="http://schemas.openxmlformats.org/drawingml/2006/main" xmlns:r="http://schemas.openxmlformats.org/officeDocument/2006/relationships" xmlns:p="http://schemas.openxmlformats.org/presentationml/2006/main">
-  <p:cSld>
-    <p:spTree>
-      <p:nvGrpSpPr>
-        <p:cNvPr id="1" name=""/>
-        <p:cNvGrpSpPr/>
-        <p:nvPr/>
-      </p:nvGrpSpPr>
-      <p:grpSpPr>
-        <a:xfrm>
-          <a:off x="0" y="0"/>
-          <a:ext cx="0" cy="0"/>
-          <a:chOff x="0" y="0"/>
-          <a:chExt cx="0" cy="0"/>
-        </a:xfrm>
-      </p:grpSpPr>
-      <p:sp>
-        <p:nvSpPr>
-          <p:cNvPr id="5" name="標題 3">
-            <a:extLst>
-              <a:ext uri="{FF2B5EF4-FFF2-40B4-BE49-F238E27FC236}">
-                <a16:creationId xmlns:a16="http://schemas.microsoft.com/office/drawing/2014/main" id="{5E65A4BB-74FA-47A4-97D2-6955415EF6B6}"/>
-              </a:ext>
-            </a:extLst>
-          </p:cNvPr>
-          <p:cNvSpPr>
-            <a:spLocks noGrp="1"/>
-          </p:cNvSpPr>
-          <p:nvPr>
-            <p:ph type="title"/>
-          </p:nvPr>
-        </p:nvSpPr>
-        <p:spPr>
-          <a:xfrm>
-            <a:off x="838200" y="365125"/>
-            <a:ext cx="10515600" cy="720000"/>
-          </a:xfrm>
-        </p:spPr>
-        <p:txBody>
-          <a:bodyPr/>
-          <a:lstStyle/>
-          <a:p>
-            <a:r>
-              <a:rPr lang="zh-TW" altLang="en-US" dirty="0"/>
-              <a:t>系統分析 </a:t>
-            </a:r>
-            <a:r>
-              <a:rPr lang="en-US" altLang="zh-TW" dirty="0"/>
-              <a:t>–</a:t>
-            </a:r>
-            <a:r>
-              <a:rPr lang="zh-TW" altLang="en-US" dirty="0"/>
-              <a:t> </a:t>
-            </a:r>
-            <a:r>
-              <a:rPr lang="en-US" altLang="zh-TW" dirty="0"/>
-              <a:t>breakdown</a:t>
-            </a:r>
-            <a:r>
-              <a:rPr lang="zh-TW" altLang="en-US" dirty="0"/>
-              <a:t> </a:t>
-            </a:r>
-            <a:r>
-              <a:rPr lang="en-US" altLang="zh-TW" dirty="0"/>
-              <a:t>(</a:t>
-            </a:r>
-            <a:r>
-              <a:rPr lang="en-US" altLang="zh-TW" dirty="0">
-                <a:solidFill>
-                  <a:srgbClr val="FF0000"/>
-                </a:solidFill>
-              </a:rPr>
-              <a:t>2023/3/18</a:t>
-            </a:r>
-            <a:r>
-              <a:rPr lang="zh-TW" altLang="en-US" dirty="0">
-                <a:solidFill>
-                  <a:srgbClr val="FF0000"/>
-                </a:solidFill>
-              </a:rPr>
-              <a:t>更新</a:t>
-            </a:r>
-            <a:r>
-              <a:rPr lang="en-US" altLang="zh-TW" dirty="0"/>
-              <a:t>)</a:t>
-            </a:r>
-            <a:endParaRPr lang="zh-TW" altLang="en-US" dirty="0"/>
-          </a:p>
-        </p:txBody>
-      </p:sp>
-      <p:sp>
-        <p:nvSpPr>
-          <p:cNvPr id="6" name="文字方塊 5">
-            <a:extLst>
-              <a:ext uri="{FF2B5EF4-FFF2-40B4-BE49-F238E27FC236}">
-                <a16:creationId xmlns:a16="http://schemas.microsoft.com/office/drawing/2014/main" id="{421945B4-0BCC-4907-96E2-145A261EAA9B}"/>
-              </a:ext>
-            </a:extLst>
-          </p:cNvPr>
-          <p:cNvSpPr txBox="1"/>
-          <p:nvPr/>
-        </p:nvSpPr>
-        <p:spPr>
-          <a:xfrm>
-            <a:off x="1979720" y="1455937"/>
-            <a:ext cx="6977848" cy="338554"/>
-          </a:xfrm>
-          <a:prstGeom prst="rect">
-            <a:avLst/>
-          </a:prstGeom>
-          <a:noFill/>
-        </p:spPr>
-        <p:txBody>
-          <a:bodyPr wrap="square" rtlCol="0">
-            <a:spAutoFit/>
-          </a:bodyPr>
-          <a:lstStyle/>
-          <a:p>
-            <a:pPr marL="285750" indent="-285750">
-              <a:buFont typeface="Arial" panose="020B0604020202020204" pitchFamily="34" charset="0"/>
-              <a:buChar char="•"/>
-            </a:pPr>
-            <a:r>
-              <a:rPr lang="zh-TW" altLang="en-US" sz="1600" dirty="0">
-                <a:latin typeface="標楷體" panose="03000509000000000000" pitchFamily="65" charset="-120"/>
-                <a:ea typeface="標楷體" panose="03000509000000000000" pitchFamily="65" charset="-120"/>
-              </a:rPr>
-              <a:t>主程式、子模組</a:t>
-            </a:r>
-          </a:p>
-        </p:txBody>
-      </p:sp>
-      <p:sp>
-        <p:nvSpPr>
-          <p:cNvPr id="8" name="矩形: 圓角 7">
-            <a:extLst>
-              <a:ext uri="{FF2B5EF4-FFF2-40B4-BE49-F238E27FC236}">
-                <a16:creationId xmlns:a16="http://schemas.microsoft.com/office/drawing/2014/main" id="{20597EF4-5CE0-49A7-98BF-113F6B79B7DF}"/>
-              </a:ext>
-            </a:extLst>
-          </p:cNvPr>
-          <p:cNvSpPr/>
-          <p:nvPr/>
-        </p:nvSpPr>
-        <p:spPr>
-          <a:xfrm>
-            <a:off x="5238975" y="1950556"/>
-            <a:ext cx="1714049" cy="660323"/>
-          </a:xfrm>
-          <a:prstGeom prst="roundRect">
-            <a:avLst/>
-          </a:prstGeom>
-        </p:spPr>
-        <p:style>
-          <a:lnRef idx="2">
-            <a:schemeClr val="accent6"/>
-          </a:lnRef>
-          <a:fillRef idx="1">
-            <a:schemeClr val="lt1"/>
-          </a:fillRef>
-          <a:effectRef idx="0">
-            <a:schemeClr val="accent6"/>
-          </a:effectRef>
-          <a:fontRef idx="minor">
-            <a:schemeClr val="dk1"/>
-          </a:fontRef>
-        </p:style>
-        <p:txBody>
-          <a:bodyPr rtlCol="0" anchor="ctr"/>
-          <a:lstStyle/>
-          <a:p>
-            <a:pPr algn="ctr"/>
-            <a:r>
-              <a:rPr lang="en-US" altLang="zh-TW" dirty="0">
-                <a:ea typeface="標楷體" panose="03000509000000000000" pitchFamily="65" charset="-120"/>
-              </a:rPr>
-              <a:t>LBP,</a:t>
-            </a:r>
-            <a:r>
-              <a:rPr lang="zh-TW" altLang="en-US" dirty="0">
-                <a:ea typeface="標楷體" panose="03000509000000000000" pitchFamily="65" charset="-120"/>
-              </a:rPr>
-              <a:t> </a:t>
-            </a:r>
-            <a:r>
-              <a:rPr lang="en-US" altLang="zh-TW" dirty="0">
-                <a:ea typeface="標楷體" panose="03000509000000000000" pitchFamily="65" charset="-120"/>
-              </a:rPr>
-              <a:t>histogram generator</a:t>
-            </a:r>
-            <a:endParaRPr lang="zh-TW" altLang="en-US" dirty="0">
-              <a:ea typeface="標楷體" panose="03000509000000000000" pitchFamily="65" charset="-120"/>
-            </a:endParaRPr>
-          </a:p>
-        </p:txBody>
-      </p:sp>
-      <p:cxnSp>
-        <p:nvCxnSpPr>
-          <p:cNvPr id="9" name="直線單箭頭接點 8">
-            <a:extLst>
-              <a:ext uri="{FF2B5EF4-FFF2-40B4-BE49-F238E27FC236}">
-                <a16:creationId xmlns:a16="http://schemas.microsoft.com/office/drawing/2014/main" id="{4168B30B-87A6-42FA-93D2-A98A00AC4CBB}"/>
-              </a:ext>
-            </a:extLst>
-          </p:cNvPr>
-          <p:cNvCxnSpPr>
-            <a:cxnSpLocks/>
-            <a:stCxn id="8" idx="2"/>
-            <a:endCxn id="11" idx="0"/>
-          </p:cNvCxnSpPr>
-          <p:nvPr/>
-        </p:nvCxnSpPr>
-        <p:spPr>
-          <a:xfrm flipH="1">
-            <a:off x="4016942" y="2610879"/>
-            <a:ext cx="2079058" cy="789790"/>
-          </a:xfrm>
-          <a:prstGeom prst="straightConnector1">
-            <a:avLst/>
-          </a:prstGeom>
-          <a:ln>
-            <a:tailEnd type="triangle"/>
-          </a:ln>
-        </p:spPr>
-        <p:style>
-          <a:lnRef idx="1">
-            <a:schemeClr val="accent1"/>
-          </a:lnRef>
-          <a:fillRef idx="0">
-            <a:schemeClr val="accent1"/>
-          </a:fillRef>
-          <a:effectRef idx="0">
-            <a:schemeClr val="accent1"/>
-          </a:effectRef>
-          <a:fontRef idx="minor">
-            <a:schemeClr val="tx1"/>
-          </a:fontRef>
-        </p:style>
-      </p:cxnSp>
-      <p:sp>
-        <p:nvSpPr>
-          <p:cNvPr id="11" name="矩形: 圓角 10">
-            <a:extLst>
-              <a:ext uri="{FF2B5EF4-FFF2-40B4-BE49-F238E27FC236}">
-                <a16:creationId xmlns:a16="http://schemas.microsoft.com/office/drawing/2014/main" id="{6C435690-E9A6-49F2-B154-EF856D8B1DEF}"/>
-              </a:ext>
-            </a:extLst>
-          </p:cNvPr>
-          <p:cNvSpPr/>
-          <p:nvPr/>
-        </p:nvSpPr>
-        <p:spPr>
-          <a:xfrm>
-            <a:off x="3159917" y="3400669"/>
-            <a:ext cx="1714049" cy="660323"/>
-          </a:xfrm>
-          <a:prstGeom prst="roundRect">
-            <a:avLst/>
-          </a:prstGeom>
-        </p:spPr>
-        <p:style>
-          <a:lnRef idx="2">
-            <a:schemeClr val="accent6"/>
-          </a:lnRef>
-          <a:fillRef idx="1">
-            <a:schemeClr val="lt1"/>
-          </a:fillRef>
-          <a:effectRef idx="0">
-            <a:schemeClr val="accent6"/>
-          </a:effectRef>
-          <a:fontRef idx="minor">
-            <a:schemeClr val="dk1"/>
-          </a:fontRef>
-        </p:style>
-        <p:txBody>
-          <a:bodyPr rtlCol="0" anchor="ctr"/>
-          <a:lstStyle/>
-          <a:p>
-            <a:pPr algn="ctr"/>
-            <a:r>
-              <a:rPr lang="en-US" altLang="zh-TW" dirty="0">
-                <a:ea typeface="標楷體" panose="03000509000000000000" pitchFamily="65" charset="-120"/>
-              </a:rPr>
-              <a:t>LBP kernel</a:t>
-            </a:r>
-            <a:endParaRPr lang="zh-TW" altLang="en-US" dirty="0">
-              <a:ea typeface="標楷體" panose="03000509000000000000" pitchFamily="65" charset="-120"/>
-            </a:endParaRPr>
-          </a:p>
-        </p:txBody>
-      </p:sp>
-      <p:sp>
-        <p:nvSpPr>
-          <p:cNvPr id="12" name="橢圓 11">
-            <a:extLst>
-              <a:ext uri="{FF2B5EF4-FFF2-40B4-BE49-F238E27FC236}">
-                <a16:creationId xmlns:a16="http://schemas.microsoft.com/office/drawing/2014/main" id="{6DBF9AB5-4BBD-4686-A04D-F79BE9FAFEF4}"/>
-              </a:ext>
-            </a:extLst>
-          </p:cNvPr>
-          <p:cNvSpPr/>
-          <p:nvPr/>
-        </p:nvSpPr>
-        <p:spPr>
-          <a:xfrm>
-            <a:off x="3072130" y="4893136"/>
-            <a:ext cx="1889621" cy="930194"/>
-          </a:xfrm>
-          <a:prstGeom prst="ellipse">
-            <a:avLst/>
-          </a:prstGeom>
-          <a:noFill/>
-        </p:spPr>
-        <p:style>
-          <a:lnRef idx="2">
-            <a:schemeClr val="accent1">
-              <a:shade val="50000"/>
-            </a:schemeClr>
-          </a:lnRef>
-          <a:fillRef idx="1">
-            <a:schemeClr val="accent1"/>
-          </a:fillRef>
-          <a:effectRef idx="0">
-            <a:schemeClr val="accent1"/>
-          </a:effectRef>
-          <a:fontRef idx="minor">
-            <a:schemeClr val="lt1"/>
-          </a:fontRef>
-        </p:style>
-        <p:txBody>
-          <a:bodyPr rtlCol="0" anchor="ctr"/>
-          <a:lstStyle/>
-          <a:p>
-            <a:pPr algn="ctr"/>
-            <a:r>
-              <a:rPr lang="zh-TW" altLang="en-US" dirty="0">
-                <a:solidFill>
-                  <a:schemeClr val="tx1"/>
-                </a:solidFill>
-                <a:ea typeface="標楷體" panose="03000509000000000000" pitchFamily="65" charset="-120"/>
-              </a:rPr>
-              <a:t>右上角</a:t>
-            </a:r>
-            <a:r>
-              <a:rPr lang="en-US" altLang="zh-TW">
-                <a:solidFill>
-                  <a:schemeClr val="tx1"/>
-                </a:solidFill>
-                <a:ea typeface="標楷體" panose="03000509000000000000" pitchFamily="65" charset="-120"/>
-              </a:rPr>
-              <a:t>LSB</a:t>
-            </a:r>
-            <a:r>
-              <a:rPr lang="zh-TW" altLang="en-US">
-                <a:solidFill>
-                  <a:schemeClr val="tx1"/>
-                </a:solidFill>
-                <a:ea typeface="標楷體" panose="03000509000000000000" pitchFamily="65" charset="-120"/>
-              </a:rPr>
-              <a:t>順</a:t>
-            </a:r>
-            <a:r>
-              <a:rPr lang="zh-TW" altLang="en-US" dirty="0">
-                <a:solidFill>
-                  <a:schemeClr val="tx1"/>
-                </a:solidFill>
-                <a:ea typeface="標楷體" panose="03000509000000000000" pitchFamily="65" charset="-120"/>
-              </a:rPr>
-              <a:t>時針遞增</a:t>
-            </a:r>
-          </a:p>
-        </p:txBody>
-      </p:sp>
-      <p:cxnSp>
-        <p:nvCxnSpPr>
-          <p:cNvPr id="20" name="直線單箭頭接點 19">
-            <a:extLst>
-              <a:ext uri="{FF2B5EF4-FFF2-40B4-BE49-F238E27FC236}">
-                <a16:creationId xmlns:a16="http://schemas.microsoft.com/office/drawing/2014/main" id="{E33D1E49-37CD-4275-8B65-2CC8DD16D977}"/>
-              </a:ext>
-            </a:extLst>
-          </p:cNvPr>
-          <p:cNvCxnSpPr>
-            <a:cxnSpLocks/>
-            <a:stCxn id="11" idx="2"/>
-            <a:endCxn id="12" idx="0"/>
-          </p:cNvCxnSpPr>
-          <p:nvPr/>
-        </p:nvCxnSpPr>
-        <p:spPr>
-          <a:xfrm flipH="1">
-            <a:off x="4016941" y="4060992"/>
-            <a:ext cx="1" cy="832144"/>
-          </a:xfrm>
-          <a:prstGeom prst="straightConnector1">
-            <a:avLst/>
-          </a:prstGeom>
-          <a:ln>
-            <a:tailEnd type="triangle"/>
-          </a:ln>
-        </p:spPr>
-        <p:style>
-          <a:lnRef idx="1">
-            <a:schemeClr val="accent1"/>
-          </a:lnRef>
-          <a:fillRef idx="0">
-            <a:schemeClr val="accent1"/>
-          </a:fillRef>
-          <a:effectRef idx="0">
-            <a:schemeClr val="accent1"/>
-          </a:effectRef>
-          <a:fontRef idx="minor">
-            <a:schemeClr val="tx1"/>
-          </a:fontRef>
-        </p:style>
-      </p:cxnSp>
-      <p:sp>
-        <p:nvSpPr>
-          <p:cNvPr id="13" name="矩形: 圓角 12">
-            <a:extLst>
-              <a:ext uri="{FF2B5EF4-FFF2-40B4-BE49-F238E27FC236}">
-                <a16:creationId xmlns:a16="http://schemas.microsoft.com/office/drawing/2014/main" id="{3055B3FE-61F1-4536-B1AE-0FE3759E6EE6}"/>
-              </a:ext>
-            </a:extLst>
-          </p:cNvPr>
-          <p:cNvSpPr/>
-          <p:nvPr/>
-        </p:nvSpPr>
-        <p:spPr>
-          <a:xfrm>
-            <a:off x="1127961" y="3399147"/>
-            <a:ext cx="1714049" cy="660323"/>
-          </a:xfrm>
-          <a:prstGeom prst="roundRect">
-            <a:avLst/>
-          </a:prstGeom>
-        </p:spPr>
-        <p:style>
-          <a:lnRef idx="2">
-            <a:schemeClr val="accent6"/>
-          </a:lnRef>
-          <a:fillRef idx="1">
-            <a:schemeClr val="lt1"/>
-          </a:fillRef>
-          <a:effectRef idx="0">
-            <a:schemeClr val="accent6"/>
-          </a:effectRef>
-          <a:fontRef idx="minor">
-            <a:schemeClr val="dk1"/>
-          </a:fontRef>
-        </p:style>
-        <p:txBody>
-          <a:bodyPr rtlCol="0" anchor="ctr"/>
-          <a:lstStyle/>
-          <a:p>
-            <a:pPr algn="ctr"/>
-            <a:r>
-              <a:rPr lang="zh-TW" altLang="en-US" dirty="0">
-                <a:ea typeface="標楷體" panose="03000509000000000000" pitchFamily="65" charset="-120"/>
-              </a:rPr>
-              <a:t>讀取原塗片</a:t>
-            </a:r>
-          </a:p>
-        </p:txBody>
-      </p:sp>
-      <p:cxnSp>
-        <p:nvCxnSpPr>
-          <p:cNvPr id="14" name="直線單箭頭接點 13">
-            <a:extLst>
-              <a:ext uri="{FF2B5EF4-FFF2-40B4-BE49-F238E27FC236}">
-                <a16:creationId xmlns:a16="http://schemas.microsoft.com/office/drawing/2014/main" id="{5E11FD13-5DDC-412C-8E8C-BB8EF177A08A}"/>
-              </a:ext>
-            </a:extLst>
-          </p:cNvPr>
-          <p:cNvCxnSpPr>
-            <a:cxnSpLocks/>
-            <a:stCxn id="8" idx="2"/>
-            <a:endCxn id="13" idx="0"/>
-          </p:cNvCxnSpPr>
-          <p:nvPr/>
-        </p:nvCxnSpPr>
-        <p:spPr>
-          <a:xfrm flipH="1">
-            <a:off x="1984986" y="2610879"/>
-            <a:ext cx="4111014" cy="788268"/>
-          </a:xfrm>
-          <a:prstGeom prst="straightConnector1">
-            <a:avLst/>
-          </a:prstGeom>
-          <a:ln>
-            <a:tailEnd type="triangle"/>
-          </a:ln>
-        </p:spPr>
-        <p:style>
-          <a:lnRef idx="1">
-            <a:schemeClr val="accent1"/>
-          </a:lnRef>
-          <a:fillRef idx="0">
-            <a:schemeClr val="accent1"/>
-          </a:fillRef>
-          <a:effectRef idx="0">
-            <a:schemeClr val="accent1"/>
-          </a:effectRef>
-          <a:fontRef idx="minor">
-            <a:schemeClr val="tx1"/>
-          </a:fontRef>
-        </p:style>
-      </p:cxnSp>
-      <p:sp>
-        <p:nvSpPr>
-          <p:cNvPr id="23" name="矩形: 圓角 22">
-            <a:extLst>
-              <a:ext uri="{FF2B5EF4-FFF2-40B4-BE49-F238E27FC236}">
-                <a16:creationId xmlns:a16="http://schemas.microsoft.com/office/drawing/2014/main" id="{9D54C8EE-DDF5-4637-A7EA-ED83BA1E6779}"/>
-              </a:ext>
-            </a:extLst>
-          </p:cNvPr>
-          <p:cNvSpPr/>
-          <p:nvPr/>
-        </p:nvSpPr>
-        <p:spPr>
-          <a:xfrm>
-            <a:off x="7143049" y="3370789"/>
-            <a:ext cx="1714049" cy="660323"/>
-          </a:xfrm>
-          <a:prstGeom prst="roundRect">
-            <a:avLst/>
-          </a:prstGeom>
-        </p:spPr>
-        <p:style>
-          <a:lnRef idx="2">
-            <a:schemeClr val="accent6"/>
-          </a:lnRef>
-          <a:fillRef idx="1">
-            <a:schemeClr val="lt1"/>
-          </a:fillRef>
-          <a:effectRef idx="0">
-            <a:schemeClr val="accent6"/>
-          </a:effectRef>
-          <a:fontRef idx="minor">
-            <a:schemeClr val="dk1"/>
-          </a:fontRef>
-        </p:style>
-        <p:txBody>
-          <a:bodyPr rtlCol="0" anchor="ctr"/>
-          <a:lstStyle/>
-          <a:p>
-            <a:pPr algn="ctr"/>
-            <a:r>
-              <a:rPr lang="zh-TW" altLang="en-US" dirty="0">
-                <a:ea typeface="標楷體" panose="03000509000000000000" pitchFamily="65" charset="-120"/>
-              </a:rPr>
-              <a:t>直方圖繪製</a:t>
-            </a:r>
-          </a:p>
-        </p:txBody>
-      </p:sp>
-      <p:cxnSp>
-        <p:nvCxnSpPr>
-          <p:cNvPr id="24" name="直線單箭頭接點 23">
-            <a:extLst>
-              <a:ext uri="{FF2B5EF4-FFF2-40B4-BE49-F238E27FC236}">
-                <a16:creationId xmlns:a16="http://schemas.microsoft.com/office/drawing/2014/main" id="{07E513D7-98E1-41FA-BA82-C957EB4945E6}"/>
-              </a:ext>
-            </a:extLst>
-          </p:cNvPr>
-          <p:cNvCxnSpPr>
-            <a:cxnSpLocks/>
-            <a:stCxn id="8" idx="2"/>
-            <a:endCxn id="23" idx="0"/>
-          </p:cNvCxnSpPr>
-          <p:nvPr/>
-        </p:nvCxnSpPr>
-        <p:spPr>
-          <a:xfrm>
-            <a:off x="6096000" y="2610879"/>
-            <a:ext cx="1904074" cy="759910"/>
-          </a:xfrm>
-          <a:prstGeom prst="straightConnector1">
-            <a:avLst/>
-          </a:prstGeom>
-          <a:ln>
-            <a:tailEnd type="triangle"/>
-          </a:ln>
-        </p:spPr>
-        <p:style>
-          <a:lnRef idx="1">
-            <a:schemeClr val="accent1"/>
-          </a:lnRef>
-          <a:fillRef idx="0">
-            <a:schemeClr val="accent1"/>
-          </a:fillRef>
-          <a:effectRef idx="0">
-            <a:schemeClr val="accent1"/>
-          </a:effectRef>
-          <a:fontRef idx="minor">
-            <a:schemeClr val="tx1"/>
-          </a:fontRef>
-        </p:style>
-      </p:cxnSp>
-      <p:sp>
-        <p:nvSpPr>
-          <p:cNvPr id="28" name="矩形: 圓角 27">
-            <a:extLst>
-              <a:ext uri="{FF2B5EF4-FFF2-40B4-BE49-F238E27FC236}">
-                <a16:creationId xmlns:a16="http://schemas.microsoft.com/office/drawing/2014/main" id="{FCB71707-BD4B-4027-B91C-682B1D9267AD}"/>
-              </a:ext>
-            </a:extLst>
-          </p:cNvPr>
-          <p:cNvSpPr/>
-          <p:nvPr/>
-        </p:nvSpPr>
-        <p:spPr>
-          <a:xfrm>
-            <a:off x="9053288" y="3370789"/>
-            <a:ext cx="2010751" cy="660323"/>
-          </a:xfrm>
-          <a:prstGeom prst="roundRect">
-            <a:avLst/>
-          </a:prstGeom>
-        </p:spPr>
-        <p:style>
-          <a:lnRef idx="2">
-            <a:schemeClr val="accent6"/>
-          </a:lnRef>
-          <a:fillRef idx="1">
-            <a:schemeClr val="lt1"/>
-          </a:fillRef>
-          <a:effectRef idx="0">
-            <a:schemeClr val="accent6"/>
-          </a:effectRef>
-          <a:fontRef idx="minor">
-            <a:schemeClr val="dk1"/>
-          </a:fontRef>
-        </p:style>
-        <p:txBody>
-          <a:bodyPr rtlCol="0" anchor="ctr"/>
-          <a:lstStyle/>
-          <a:p>
-            <a:pPr algn="ctr"/>
-            <a:r>
-              <a:rPr lang="zh-TW" altLang="en-US" dirty="0">
-                <a:ea typeface="標楷體" panose="03000509000000000000" pitchFamily="65" charset="-120"/>
-              </a:rPr>
-              <a:t>圖片</a:t>
-            </a:r>
-            <a:r>
-              <a:rPr lang="zh-TW" altLang="en-US">
-                <a:ea typeface="標楷體" panose="03000509000000000000" pitchFamily="65" charset="-120"/>
-              </a:rPr>
-              <a:t>切割</a:t>
-            </a:r>
-            <a:r>
-              <a:rPr lang="en-US" altLang="zh-TW" dirty="0">
-                <a:ea typeface="標楷體" panose="03000509000000000000" pitchFamily="65" charset="-120"/>
-              </a:rPr>
-              <a:t>(</a:t>
-            </a:r>
-            <a:r>
-              <a:rPr lang="zh-TW" altLang="en-US" dirty="0">
-                <a:ea typeface="標楷體" panose="03000509000000000000" pitchFamily="65" charset="-120"/>
-              </a:rPr>
-              <a:t>遮罩</a:t>
-            </a:r>
-            <a:r>
-              <a:rPr lang="en-US" altLang="zh-TW" dirty="0">
-                <a:ea typeface="標楷體" panose="03000509000000000000" pitchFamily="65" charset="-120"/>
-              </a:rPr>
-              <a:t>)</a:t>
-            </a:r>
-            <a:r>
-              <a:rPr lang="zh-TW" altLang="en-US" dirty="0">
-                <a:ea typeface="標楷體" panose="03000509000000000000" pitchFamily="65" charset="-120"/>
-              </a:rPr>
-              <a:t>、</a:t>
-            </a:r>
-            <a:endParaRPr lang="en-US" altLang="zh-TW" dirty="0">
-              <a:ea typeface="標楷體" panose="03000509000000000000" pitchFamily="65" charset="-120"/>
-            </a:endParaRPr>
-          </a:p>
-          <a:p>
-            <a:pPr algn="ctr"/>
-            <a:r>
-              <a:rPr lang="zh-TW" altLang="en-US" dirty="0">
-                <a:ea typeface="標楷體" panose="03000509000000000000" pitchFamily="65" charset="-120"/>
-              </a:rPr>
-              <a:t>挑樣本</a:t>
-            </a:r>
-          </a:p>
-        </p:txBody>
-      </p:sp>
-      <p:sp>
-        <p:nvSpPr>
-          <p:cNvPr id="39" name="矩形: 圓角 38">
-            <a:extLst>
-              <a:ext uri="{FF2B5EF4-FFF2-40B4-BE49-F238E27FC236}">
-                <a16:creationId xmlns:a16="http://schemas.microsoft.com/office/drawing/2014/main" id="{9DECF525-C646-43E2-9775-4C58F78F7B22}"/>
-              </a:ext>
-            </a:extLst>
-          </p:cNvPr>
-          <p:cNvSpPr/>
-          <p:nvPr/>
-        </p:nvSpPr>
-        <p:spPr>
-          <a:xfrm>
-            <a:off x="5232811" y="3370464"/>
-            <a:ext cx="1714049" cy="660323"/>
-          </a:xfrm>
-          <a:prstGeom prst="roundRect">
-            <a:avLst/>
-          </a:prstGeom>
-        </p:spPr>
-        <p:style>
-          <a:lnRef idx="2">
-            <a:schemeClr val="accent6"/>
-          </a:lnRef>
-          <a:fillRef idx="1">
-            <a:schemeClr val="lt1"/>
-          </a:fillRef>
-          <a:effectRef idx="0">
-            <a:schemeClr val="accent6"/>
-          </a:effectRef>
-          <a:fontRef idx="minor">
-            <a:schemeClr val="dk1"/>
-          </a:fontRef>
-        </p:style>
-        <p:txBody>
-          <a:bodyPr rtlCol="0" anchor="ctr"/>
-          <a:lstStyle/>
-          <a:p>
-            <a:pPr algn="ctr"/>
-            <a:r>
-              <a:rPr lang="zh-TW" altLang="en-US" dirty="0">
-                <a:ea typeface="標楷體" panose="03000509000000000000" pitchFamily="65" charset="-120"/>
-              </a:rPr>
-              <a:t>各</a:t>
-            </a:r>
-            <a:r>
-              <a:rPr lang="en-US" altLang="zh-TW" dirty="0">
-                <a:ea typeface="標楷體" panose="03000509000000000000" pitchFamily="65" charset="-120"/>
-              </a:rPr>
-              <a:t>bins</a:t>
-            </a:r>
-            <a:r>
-              <a:rPr lang="zh-TW" altLang="en-US" dirty="0">
-                <a:ea typeface="標楷體" panose="03000509000000000000" pitchFamily="65" charset="-120"/>
-              </a:rPr>
-              <a:t>樣本數計數</a:t>
-            </a:r>
-          </a:p>
-        </p:txBody>
-      </p:sp>
-      <p:cxnSp>
-        <p:nvCxnSpPr>
-          <p:cNvPr id="40" name="直線單箭頭接點 39">
-            <a:extLst>
-              <a:ext uri="{FF2B5EF4-FFF2-40B4-BE49-F238E27FC236}">
-                <a16:creationId xmlns:a16="http://schemas.microsoft.com/office/drawing/2014/main" id="{A1E3A213-BB65-42CD-81FD-47B212DBC212}"/>
-              </a:ext>
-            </a:extLst>
-          </p:cNvPr>
-          <p:cNvCxnSpPr>
-            <a:cxnSpLocks/>
-            <a:stCxn id="8" idx="2"/>
-            <a:endCxn id="39" idx="0"/>
-          </p:cNvCxnSpPr>
-          <p:nvPr/>
-        </p:nvCxnSpPr>
-        <p:spPr>
-          <a:xfrm flipH="1">
-            <a:off x="6089836" y="2610879"/>
-            <a:ext cx="6164" cy="759585"/>
-          </a:xfrm>
-          <a:prstGeom prst="straightConnector1">
-            <a:avLst/>
-          </a:prstGeom>
-          <a:ln>
-            <a:tailEnd type="triangle"/>
-          </a:ln>
-        </p:spPr>
-        <p:style>
-          <a:lnRef idx="1">
-            <a:schemeClr val="accent1"/>
-          </a:lnRef>
-          <a:fillRef idx="0">
-            <a:schemeClr val="accent1"/>
-          </a:fillRef>
-          <a:effectRef idx="0">
-            <a:schemeClr val="accent1"/>
-          </a:effectRef>
-          <a:fontRef idx="minor">
-            <a:schemeClr val="tx1"/>
-          </a:fontRef>
-        </p:style>
-      </p:cxnSp>
-      <p:cxnSp>
-        <p:nvCxnSpPr>
-          <p:cNvPr id="46" name="直線單箭頭接點 45">
-            <a:extLst>
-              <a:ext uri="{FF2B5EF4-FFF2-40B4-BE49-F238E27FC236}">
-                <a16:creationId xmlns:a16="http://schemas.microsoft.com/office/drawing/2014/main" id="{262A8AE5-A044-4F68-8C0E-3381E9C987A8}"/>
-              </a:ext>
-            </a:extLst>
-          </p:cNvPr>
-          <p:cNvCxnSpPr>
-            <a:cxnSpLocks/>
-            <a:stCxn id="8" idx="2"/>
-            <a:endCxn id="28" idx="0"/>
-          </p:cNvCxnSpPr>
-          <p:nvPr/>
-        </p:nvCxnSpPr>
-        <p:spPr>
-          <a:xfrm>
-            <a:off x="6096000" y="2610879"/>
-            <a:ext cx="3962664" cy="759910"/>
-          </a:xfrm>
-          <a:prstGeom prst="straightConnector1">
-            <a:avLst/>
-          </a:prstGeom>
-          <a:ln>
-            <a:tailEnd type="triangle"/>
-          </a:ln>
-        </p:spPr>
-        <p:style>
-          <a:lnRef idx="1">
-            <a:schemeClr val="accent1"/>
-          </a:lnRef>
-          <a:fillRef idx="0">
-            <a:schemeClr val="accent1"/>
-          </a:fillRef>
-          <a:effectRef idx="0">
-            <a:schemeClr val="accent1"/>
-          </a:effectRef>
-          <a:fontRef idx="minor">
-            <a:schemeClr val="tx1"/>
-          </a:fontRef>
-        </p:style>
-      </p:cxnSp>
-      <p:sp>
-        <p:nvSpPr>
-          <p:cNvPr id="21" name="橢圓 20">
-            <a:extLst>
-              <a:ext uri="{FF2B5EF4-FFF2-40B4-BE49-F238E27FC236}">
-                <a16:creationId xmlns:a16="http://schemas.microsoft.com/office/drawing/2014/main" id="{74E20A69-CC5D-40C1-AF1A-3383B2D44A75}"/>
-              </a:ext>
-            </a:extLst>
-          </p:cNvPr>
-          <p:cNvSpPr/>
-          <p:nvPr/>
-        </p:nvSpPr>
-        <p:spPr>
-          <a:xfrm>
-            <a:off x="1034909" y="4922057"/>
-            <a:ext cx="1889621" cy="930194"/>
-          </a:xfrm>
-          <a:prstGeom prst="ellipse">
-            <a:avLst/>
-          </a:prstGeom>
-          <a:noFill/>
-        </p:spPr>
-        <p:style>
-          <a:lnRef idx="2">
-            <a:schemeClr val="accent1">
-              <a:shade val="50000"/>
-            </a:schemeClr>
-          </a:lnRef>
-          <a:fillRef idx="1">
-            <a:schemeClr val="accent1"/>
-          </a:fillRef>
-          <a:effectRef idx="0">
-            <a:schemeClr val="accent1"/>
-          </a:effectRef>
-          <a:fontRef idx="minor">
-            <a:schemeClr val="lt1"/>
-          </a:fontRef>
-        </p:style>
-        <p:txBody>
-          <a:bodyPr rtlCol="0" anchor="ctr"/>
-          <a:lstStyle/>
-          <a:p>
-            <a:pPr algn="ctr"/>
-            <a:r>
-              <a:rPr lang="zh-TW" altLang="en-US" dirty="0">
-                <a:solidFill>
-                  <a:schemeClr val="tx1"/>
-                </a:solidFill>
-                <a:ea typeface="標楷體" panose="03000509000000000000" pitchFamily="65" charset="-120"/>
-              </a:rPr>
-              <a:t>長、寬、高</a:t>
-            </a:r>
-          </a:p>
-        </p:txBody>
-      </p:sp>
-      <p:cxnSp>
-        <p:nvCxnSpPr>
-          <p:cNvPr id="22" name="直線單箭頭接點 21">
-            <a:extLst>
-              <a:ext uri="{FF2B5EF4-FFF2-40B4-BE49-F238E27FC236}">
-                <a16:creationId xmlns:a16="http://schemas.microsoft.com/office/drawing/2014/main" id="{510112FA-F445-4E1C-B039-BC5B03F81573}"/>
-              </a:ext>
-            </a:extLst>
-          </p:cNvPr>
-          <p:cNvCxnSpPr>
-            <a:cxnSpLocks/>
-          </p:cNvCxnSpPr>
-          <p:nvPr/>
-        </p:nvCxnSpPr>
-        <p:spPr>
-          <a:xfrm flipH="1">
-            <a:off x="1979720" y="4060992"/>
-            <a:ext cx="1" cy="832144"/>
-          </a:xfrm>
-          <a:prstGeom prst="straightConnector1">
-            <a:avLst/>
-          </a:prstGeom>
-          <a:ln>
-            <a:tailEnd type="triangle"/>
-          </a:ln>
-        </p:spPr>
-        <p:style>
-          <a:lnRef idx="1">
-            <a:schemeClr val="accent1"/>
-          </a:lnRef>
-          <a:fillRef idx="0">
-            <a:schemeClr val="accent1"/>
-          </a:fillRef>
-          <a:effectRef idx="0">
-            <a:schemeClr val="accent1"/>
-          </a:effectRef>
-          <a:fontRef idx="minor">
-            <a:schemeClr val="tx1"/>
-          </a:fontRef>
-        </p:style>
-      </p:cxnSp>
-    </p:spTree>
-    <p:extLst>
-      <p:ext uri="{BB962C8B-B14F-4D97-AF65-F5344CB8AC3E}">
-        <p14:creationId xmlns:p14="http://schemas.microsoft.com/office/powerpoint/2010/main" val="3406563832"/>
-      </p:ext>
-    </p:extLst>
-  </p:cSld>
-  <p:clrMapOvr>
-    <a:masterClrMapping/>
-  </p:clrMapOvr>
-</p:sld>
-</file>
-
-<file path=ppt/slides/slide7.xml><?xml version="1.0" encoding="utf-8"?>
-<p:sld xmlns:a="http://schemas.openxmlformats.org/drawingml/2006/main" xmlns:r="http://schemas.openxmlformats.org/officeDocument/2006/relationships" xmlns:p="http://schemas.openxmlformats.org/presentationml/2006/main">
-  <p:cSld>
-    <p:spTree>
-      <p:nvGrpSpPr>
-        <p:cNvPr id="1" name=""/>
-        <p:cNvGrpSpPr/>
-        <p:nvPr/>
-      </p:nvGrpSpPr>
-      <p:grpSpPr>
-        <a:xfrm>
-          <a:off x="0" y="0"/>
-          <a:ext cx="0" cy="0"/>
-          <a:chOff x="0" y="0"/>
-          <a:chExt cx="0" cy="0"/>
-        </a:xfrm>
-      </p:grpSpPr>
-      <p:pic>
-        <p:nvPicPr>
-          <p:cNvPr id="4" name="圖片 3">
-            <a:extLst>
-              <a:ext uri="{FF2B5EF4-FFF2-40B4-BE49-F238E27FC236}">
-                <a16:creationId xmlns:a16="http://schemas.microsoft.com/office/drawing/2014/main" id="{88EBE7F9-AB30-4DFB-A51D-04E7BD23265D}"/>
-              </a:ext>
-            </a:extLst>
-          </p:cNvPr>
-          <p:cNvPicPr>
-            <a:picLocks noChangeAspect="1"/>
-          </p:cNvPicPr>
-          <p:nvPr/>
-        </p:nvPicPr>
-        <p:blipFill rotWithShape="1">
-          <a:blip r:embed="rId3"/>
-          <a:srcRect l="60832"/>
-          <a:stretch/>
-        </p:blipFill>
-        <p:spPr>
-          <a:xfrm>
-            <a:off x="7332955" y="1487632"/>
-            <a:ext cx="2164212" cy="4716642"/>
-          </a:xfrm>
-          <a:prstGeom prst="rect">
-            <a:avLst/>
-          </a:prstGeom>
-        </p:spPr>
-      </p:pic>
-      <p:sp>
-        <p:nvSpPr>
-          <p:cNvPr id="3" name="標題 2"/>
-          <p:cNvSpPr>
-            <a:spLocks noGrp="1"/>
-          </p:cNvSpPr>
-          <p:nvPr>
-            <p:ph type="title"/>
-          </p:nvPr>
-        </p:nvSpPr>
-        <p:spPr>
-          <a:xfrm>
-            <a:off x="838200" y="415010"/>
-            <a:ext cx="10515600" cy="720000"/>
-          </a:xfrm>
-        </p:spPr>
-        <p:txBody>
-          <a:bodyPr>
-            <a:noAutofit/>
-          </a:bodyPr>
-          <a:lstStyle/>
-          <a:p>
-            <a:r>
-              <a:rPr lang="zh-TW" altLang="en-US" sz="3200" dirty="0"/>
-              <a:t>成果展示 </a:t>
-            </a:r>
-            <a:r>
-              <a:rPr lang="en-US" altLang="zh-TW" sz="3200" dirty="0"/>
-              <a:t>–</a:t>
-            </a:r>
-            <a:r>
-              <a:rPr lang="zh-TW" altLang="en-US" sz="3200" dirty="0"/>
-              <a:t> 全圖直方圖 </a:t>
-            </a:r>
-            <a:r>
-              <a:rPr lang="en-US" altLang="zh-TW" sz="3200" dirty="0"/>
-              <a:t>(</a:t>
-            </a:r>
-            <a:r>
-              <a:rPr lang="en-US" altLang="zh-TW" sz="3200" dirty="0">
-                <a:solidFill>
-                  <a:srgbClr val="FF0000"/>
-                </a:solidFill>
-              </a:rPr>
-              <a:t>2023/3/18</a:t>
-            </a:r>
-            <a:r>
-              <a:rPr lang="en-US" altLang="zh-TW" sz="3200" dirty="0"/>
-              <a:t>)</a:t>
-            </a:r>
-            <a:endParaRPr lang="zh-TW" altLang="en-US" sz="3200" dirty="0"/>
-          </a:p>
-        </p:txBody>
-      </p:sp>
-      <p:sp>
-        <p:nvSpPr>
-          <p:cNvPr id="15" name="文字方塊 14">
-            <a:extLst>
-              <a:ext uri="{FF2B5EF4-FFF2-40B4-BE49-F238E27FC236}">
-                <a16:creationId xmlns:a16="http://schemas.microsoft.com/office/drawing/2014/main" id="{70B178B6-F7EA-47F2-9F22-1268764DE268}"/>
-              </a:ext>
-            </a:extLst>
-          </p:cNvPr>
-          <p:cNvSpPr txBox="1"/>
-          <p:nvPr/>
-        </p:nvSpPr>
-        <p:spPr>
-          <a:xfrm>
-            <a:off x="1465923" y="1487632"/>
-            <a:ext cx="9276447" cy="646331"/>
-          </a:xfrm>
-          <a:prstGeom prst="rect">
-            <a:avLst/>
-          </a:prstGeom>
-          <a:noFill/>
-        </p:spPr>
-        <p:txBody>
-          <a:bodyPr wrap="square">
-            <a:spAutoFit/>
-          </a:bodyPr>
-          <a:lstStyle/>
-          <a:p>
-            <a:pPr marL="285750" indent="-285750">
-              <a:buFont typeface="Arial" panose="020B0604020202020204" pitchFamily="34" charset="0"/>
-              <a:buChar char="•"/>
-            </a:pPr>
-            <a:r>
-              <a:rPr lang="zh-TW" altLang="en-US" sz="1800" b="0" i="0" u="none" strike="noStrike" dirty="0">
-                <a:solidFill>
-                  <a:srgbClr val="000000"/>
-                </a:solidFill>
-                <a:effectLst/>
-                <a:latin typeface="DFKai-SB" panose="03000509000000000000" pitchFamily="65" charset="-120"/>
-                <a:ea typeface="DFKai-SB" panose="03000509000000000000" pitchFamily="65" charset="-120"/>
-              </a:rPr>
-              <a:t>原始圖片大小：</a:t>
-            </a:r>
-            <a:r>
-              <a:rPr lang="en-US" altLang="zh-TW" sz="1800" b="0" i="0" u="none" strike="noStrike" dirty="0">
-                <a:solidFill>
-                  <a:srgbClr val="000000"/>
-                </a:solidFill>
-                <a:effectLst/>
-                <a:latin typeface="DFKai-SB" panose="03000509000000000000" pitchFamily="65" charset="-120"/>
-                <a:ea typeface="DFKai-SB" panose="03000509000000000000" pitchFamily="65" charset="-120"/>
-              </a:rPr>
-              <a:t>346x519</a:t>
-            </a:r>
-            <a:endParaRPr lang="en-US" altLang="zh-TW" dirty="0">
-              <a:latin typeface="標楷體" panose="03000509000000000000" pitchFamily="65" charset="-120"/>
-              <a:ea typeface="標楷體" panose="03000509000000000000" pitchFamily="65" charset="-120"/>
-            </a:endParaRPr>
-          </a:p>
-          <a:p>
-            <a:pPr marL="285750" indent="-285750">
-              <a:buFont typeface="Arial" panose="020B0604020202020204" pitchFamily="34" charset="0"/>
-              <a:buChar char="•"/>
-            </a:pPr>
-            <a:r>
-              <a:rPr lang="zh-TW" altLang="en-US" dirty="0">
-                <a:latin typeface="標楷體" panose="03000509000000000000" pitchFamily="65" charset="-120"/>
-                <a:ea typeface="標楷體" panose="03000509000000000000" pitchFamily="65" charset="-120"/>
-              </a:rPr>
-              <a:t>對</a:t>
-            </a:r>
-            <a:r>
-              <a:rPr lang="zh-TW" altLang="en-US" dirty="0">
-                <a:solidFill>
-                  <a:srgbClr val="FF0000"/>
-                </a:solidFill>
-                <a:latin typeface="標楷體" panose="03000509000000000000" pitchFamily="65" charset="-120"/>
-                <a:ea typeface="標楷體" panose="03000509000000000000" pitchFamily="65" charset="-120"/>
-              </a:rPr>
-              <a:t>整張圖</a:t>
-            </a:r>
-            <a:r>
-              <a:rPr lang="zh-TW" altLang="en-US" dirty="0">
-                <a:latin typeface="標楷體" panose="03000509000000000000" pitchFamily="65" charset="-120"/>
-                <a:ea typeface="標楷體" panose="03000509000000000000" pitchFamily="65" charset="-120"/>
-              </a:rPr>
-              <a:t>做</a:t>
-            </a:r>
-            <a:r>
-              <a:rPr lang="en-US" altLang="zh-TW" dirty="0">
-                <a:latin typeface="標楷體" panose="03000509000000000000" pitchFamily="65" charset="-120"/>
-                <a:ea typeface="標楷體" panose="03000509000000000000" pitchFamily="65" charset="-120"/>
-              </a:rPr>
-              <a:t>LBP</a:t>
-            </a:r>
-            <a:r>
-              <a:rPr lang="zh-TW" altLang="en-US" dirty="0">
-                <a:latin typeface="標楷體" panose="03000509000000000000" pitchFamily="65" charset="-120"/>
-                <a:ea typeface="標楷體" panose="03000509000000000000" pitchFamily="65" charset="-120"/>
-              </a:rPr>
-              <a:t>直方圖</a:t>
-            </a:r>
-            <a:endParaRPr lang="zh-TW" altLang="en-US" dirty="0"/>
-          </a:p>
-        </p:txBody>
-      </p:sp>
-      <p:pic>
-        <p:nvPicPr>
-          <p:cNvPr id="5" name="圖片 4">
-            <a:extLst>
-              <a:ext uri="{FF2B5EF4-FFF2-40B4-BE49-F238E27FC236}">
-                <a16:creationId xmlns:a16="http://schemas.microsoft.com/office/drawing/2014/main" id="{E433EA9C-1033-41BA-A966-7342BFE31E46}"/>
-              </a:ext>
-            </a:extLst>
-          </p:cNvPr>
-          <p:cNvPicPr>
-            <a:picLocks noChangeAspect="1"/>
-          </p:cNvPicPr>
-          <p:nvPr/>
-        </p:nvPicPr>
-        <p:blipFill>
-          <a:blip r:embed="rId4"/>
-          <a:stretch>
-            <a:fillRect/>
-          </a:stretch>
-        </p:blipFill>
-        <p:spPr>
-          <a:xfrm>
-            <a:off x="2149264" y="2486585"/>
-            <a:ext cx="4526745" cy="3230081"/>
-          </a:xfrm>
-          <a:prstGeom prst="rect">
-            <a:avLst/>
-          </a:prstGeom>
-        </p:spPr>
-      </p:pic>
-    </p:spTree>
-    <p:extLst>
-      <p:ext uri="{BB962C8B-B14F-4D97-AF65-F5344CB8AC3E}">
-        <p14:creationId xmlns:p14="http://schemas.microsoft.com/office/powerpoint/2010/main" val="2648098688"/>
-      </p:ext>
-    </p:extLst>
-  </p:cSld>
-  <p:clrMapOvr>
-    <a:masterClrMapping/>
-  </p:clrMapOvr>
-</p:sld>
-</file>
-
-<file path=ppt/slides/slide8.xml><?xml version="1.0" encoding="utf-8"?>
-<p:sld xmlns:a="http://schemas.openxmlformats.org/drawingml/2006/main" xmlns:r="http://schemas.openxmlformats.org/officeDocument/2006/relationships" xmlns:p="http://schemas.openxmlformats.org/presentationml/2006/main">
-  <p:cSld>
-    <p:spTree>
-      <p:nvGrpSpPr>
-        <p:cNvPr id="1" name=""/>
-        <p:cNvGrpSpPr/>
-        <p:nvPr/>
-      </p:nvGrpSpPr>
-      <p:grpSpPr>
-        <a:xfrm>
-          <a:off x="0" y="0"/>
-          <a:ext cx="0" cy="0"/>
-          <a:chOff x="0" y="0"/>
-          <a:chExt cx="0" cy="0"/>
-        </a:xfrm>
-      </p:grpSpPr>
-      <p:pic>
-        <p:nvPicPr>
-          <p:cNvPr id="4" name="圖片 3">
-            <a:extLst>
-              <a:ext uri="{FF2B5EF4-FFF2-40B4-BE49-F238E27FC236}">
                 <a16:creationId xmlns:a16="http://schemas.microsoft.com/office/drawing/2014/main" id="{CFB74358-3D89-4470-B2FE-CB8B63279BFE}"/>
               </a:ext>
             </a:extLst>
@@ -8843,7 +4775,7 @@
 </p:sld>
 </file>
 
-<file path=ppt/slides/slide9.xml><?xml version="1.0" encoding="utf-8"?>
+<file path=ppt/slides/slide11.xml><?xml version="1.0" encoding="utf-8"?>
 <p:sld xmlns:a="http://schemas.openxmlformats.org/drawingml/2006/main" xmlns:r="http://schemas.openxmlformats.org/officeDocument/2006/relationships" xmlns:p="http://schemas.openxmlformats.org/presentationml/2006/main">
   <p:cSld>
     <p:spTree>
@@ -9626,6 +5558,4533 @@
     <p:extLst>
       <p:ext uri="{BB962C8B-B14F-4D97-AF65-F5344CB8AC3E}">
         <p14:creationId xmlns:p14="http://schemas.microsoft.com/office/powerpoint/2010/main" val="2949976813"/>
+      </p:ext>
+    </p:extLst>
+  </p:cSld>
+  <p:clrMapOvr>
+    <a:masterClrMapping/>
+  </p:clrMapOvr>
+</p:sld>
+</file>
+
+<file path=ppt/slides/slide12.xml><?xml version="1.0" encoding="utf-8"?>
+<p:sld xmlns:a="http://schemas.openxmlformats.org/drawingml/2006/main" xmlns:r="http://schemas.openxmlformats.org/officeDocument/2006/relationships" xmlns:p="http://schemas.openxmlformats.org/presentationml/2006/main">
+  <p:cSld>
+    <p:spTree>
+      <p:nvGrpSpPr>
+        <p:cNvPr id="1" name=""/>
+        <p:cNvGrpSpPr/>
+        <p:nvPr/>
+      </p:nvGrpSpPr>
+      <p:grpSpPr>
+        <a:xfrm>
+          <a:off x="0" y="0"/>
+          <a:ext cx="0" cy="0"/>
+          <a:chOff x="0" y="0"/>
+          <a:chExt cx="0" cy="0"/>
+        </a:xfrm>
+      </p:grpSpPr>
+      <p:pic>
+        <p:nvPicPr>
+          <p:cNvPr id="4" name="圖片 3">
+            <a:extLst>
+              <a:ext uri="{FF2B5EF4-FFF2-40B4-BE49-F238E27FC236}">
+                <a16:creationId xmlns:a16="http://schemas.microsoft.com/office/drawing/2014/main" id="{B1648CED-DA25-4333-954B-E087C091EEED}"/>
+              </a:ext>
+            </a:extLst>
+          </p:cNvPr>
+          <p:cNvPicPr>
+            <a:picLocks noChangeAspect="1"/>
+          </p:cNvPicPr>
+          <p:nvPr/>
+        </p:nvPicPr>
+        <p:blipFill>
+          <a:blip r:embed="rId3">
+            <a:extLst>
+              <a:ext uri="{28A0092B-C50C-407E-A947-70E740481C1C}">
+                <a14:useLocalDpi xmlns:a14="http://schemas.microsoft.com/office/drawing/2010/main" val="0"/>
+              </a:ext>
+            </a:extLst>
+          </a:blip>
+          <a:stretch>
+            <a:fillRect/>
+          </a:stretch>
+        </p:blipFill>
+        <p:spPr>
+          <a:xfrm>
+            <a:off x="1159501" y="2486585"/>
+            <a:ext cx="4942857" cy="3295238"/>
+          </a:xfrm>
+          <a:prstGeom prst="rect">
+            <a:avLst/>
+          </a:prstGeom>
+        </p:spPr>
+      </p:pic>
+      <p:sp>
+        <p:nvSpPr>
+          <p:cNvPr id="3" name="標題 2"/>
+          <p:cNvSpPr>
+            <a:spLocks noGrp="1"/>
+          </p:cNvSpPr>
+          <p:nvPr>
+            <p:ph type="title"/>
+          </p:nvPr>
+        </p:nvSpPr>
+        <p:spPr>
+          <a:xfrm>
+            <a:off x="838200" y="415010"/>
+            <a:ext cx="10515600" cy="720000"/>
+          </a:xfrm>
+        </p:spPr>
+        <p:txBody>
+          <a:bodyPr>
+            <a:noAutofit/>
+          </a:bodyPr>
+          <a:lstStyle/>
+          <a:p>
+            <a:r>
+              <a:rPr lang="zh-TW" altLang="en-US" sz="3200" dirty="0"/>
+              <a:t>成果展示 </a:t>
+            </a:r>
+            <a:r>
+              <a:rPr lang="en-US" altLang="zh-TW" sz="3200" dirty="0"/>
+              <a:t>–</a:t>
+            </a:r>
+            <a:r>
+              <a:rPr lang="zh-TW" altLang="en-US" sz="3200" dirty="0"/>
+              <a:t> 依特徵向量上色 </a:t>
+            </a:r>
+            <a:r>
+              <a:rPr lang="en-US" altLang="zh-TW" sz="3200" dirty="0"/>
+              <a:t>(</a:t>
+            </a:r>
+            <a:r>
+              <a:rPr lang="en-US" altLang="zh-TW" sz="3200" dirty="0">
+                <a:solidFill>
+                  <a:srgbClr val="FF0000"/>
+                </a:solidFill>
+              </a:rPr>
+              <a:t>2023/3/18</a:t>
+            </a:r>
+            <a:r>
+              <a:rPr lang="en-US" altLang="zh-TW" sz="3200" dirty="0"/>
+              <a:t>)</a:t>
+            </a:r>
+            <a:endParaRPr lang="zh-TW" altLang="en-US" sz="3200" dirty="0"/>
+          </a:p>
+        </p:txBody>
+      </p:sp>
+      <p:sp>
+        <p:nvSpPr>
+          <p:cNvPr id="15" name="文字方塊 14">
+            <a:extLst>
+              <a:ext uri="{FF2B5EF4-FFF2-40B4-BE49-F238E27FC236}">
+                <a16:creationId xmlns:a16="http://schemas.microsoft.com/office/drawing/2014/main" id="{70B178B6-F7EA-47F2-9F22-1268764DE268}"/>
+              </a:ext>
+            </a:extLst>
+          </p:cNvPr>
+          <p:cNvSpPr txBox="1"/>
+          <p:nvPr/>
+        </p:nvSpPr>
+        <p:spPr>
+          <a:xfrm>
+            <a:off x="1464135" y="1487632"/>
+            <a:ext cx="9276447" cy="646331"/>
+          </a:xfrm>
+          <a:prstGeom prst="rect">
+            <a:avLst/>
+          </a:prstGeom>
+          <a:noFill/>
+        </p:spPr>
+        <p:txBody>
+          <a:bodyPr wrap="square">
+            <a:spAutoFit/>
+          </a:bodyPr>
+          <a:lstStyle/>
+          <a:p>
+            <a:pPr marL="285750" indent="-285750">
+              <a:buFont typeface="Arial" panose="020B0604020202020204" pitchFamily="34" charset="0"/>
+              <a:buChar char="•"/>
+            </a:pPr>
+            <a:r>
+              <a:rPr lang="zh-TW" altLang="en-US" dirty="0">
+                <a:latin typeface="標楷體" panose="03000509000000000000" pitchFamily="65" charset="-120"/>
+                <a:ea typeface="標楷體" panose="03000509000000000000" pitchFamily="65" charset="-120"/>
+              </a:rPr>
+              <a:t>以標本比較各區塊的特徵向量，則塗綠相似的區塊</a:t>
+            </a:r>
+            <a:endParaRPr lang="en-US" altLang="zh-TW" dirty="0">
+              <a:latin typeface="標楷體" panose="03000509000000000000" pitchFamily="65" charset="-120"/>
+              <a:ea typeface="標楷體" panose="03000509000000000000" pitchFamily="65" charset="-120"/>
+            </a:endParaRPr>
+          </a:p>
+          <a:p>
+            <a:pPr marL="285750" indent="-285750">
+              <a:buFont typeface="Arial" panose="020B0604020202020204" pitchFamily="34" charset="0"/>
+              <a:buChar char="•"/>
+            </a:pPr>
+            <a:r>
+              <a:rPr lang="zh-TW" altLang="en-US" dirty="0">
+                <a:latin typeface="標楷體" panose="03000509000000000000" pitchFamily="65" charset="-120"/>
+                <a:ea typeface="標楷體" panose="03000509000000000000" pitchFamily="65" charset="-120"/>
+              </a:rPr>
+              <a:t>標本大小</a:t>
+            </a:r>
+            <a:r>
+              <a:rPr lang="en-US" altLang="zh-TW" dirty="0">
+                <a:latin typeface="標楷體" panose="03000509000000000000" pitchFamily="65" charset="-120"/>
+                <a:ea typeface="標楷體" panose="03000509000000000000" pitchFamily="65" charset="-120"/>
+              </a:rPr>
+              <a:t>:17x17</a:t>
+            </a:r>
+            <a:r>
+              <a:rPr lang="zh-TW" altLang="en-US" dirty="0">
+                <a:latin typeface="標楷體" panose="03000509000000000000" pitchFamily="65" charset="-120"/>
+                <a:ea typeface="標楷體" panose="03000509000000000000" pitchFamily="65" charset="-120"/>
+              </a:rPr>
+              <a:t>，</a:t>
+            </a:r>
+            <a:r>
+              <a:rPr lang="en-US" altLang="zh-TW" dirty="0"/>
+              <a:t>compare method = Bhattacharyya</a:t>
+            </a:r>
+            <a:endParaRPr lang="en-US" altLang="zh-TW" dirty="0">
+              <a:latin typeface="標楷體" panose="03000509000000000000" pitchFamily="65" charset="-120"/>
+              <a:ea typeface="標楷體" panose="03000509000000000000" pitchFamily="65" charset="-120"/>
+            </a:endParaRPr>
+          </a:p>
+        </p:txBody>
+      </p:sp>
+      <p:cxnSp>
+        <p:nvCxnSpPr>
+          <p:cNvPr id="11" name="直線單箭頭接點 10">
+            <a:extLst>
+              <a:ext uri="{FF2B5EF4-FFF2-40B4-BE49-F238E27FC236}">
+                <a16:creationId xmlns:a16="http://schemas.microsoft.com/office/drawing/2014/main" id="{9C165FB3-EE01-4D8F-B80A-E92DAFE8CC8C}"/>
+              </a:ext>
+            </a:extLst>
+          </p:cNvPr>
+          <p:cNvCxnSpPr>
+            <a:cxnSpLocks/>
+          </p:cNvCxnSpPr>
+          <p:nvPr/>
+        </p:nvCxnSpPr>
+        <p:spPr>
+          <a:xfrm>
+            <a:off x="2104008" y="2133963"/>
+            <a:ext cx="1695635" cy="2979575"/>
+          </a:xfrm>
+          <a:prstGeom prst="straightConnector1">
+            <a:avLst/>
+          </a:prstGeom>
+          <a:ln w="19050">
+            <a:tailEnd type="triangle"/>
+          </a:ln>
+        </p:spPr>
+        <p:style>
+          <a:lnRef idx="1">
+            <a:schemeClr val="accent1"/>
+          </a:lnRef>
+          <a:fillRef idx="0">
+            <a:schemeClr val="accent1"/>
+          </a:fillRef>
+          <a:effectRef idx="0">
+            <a:schemeClr val="accent1"/>
+          </a:effectRef>
+          <a:fontRef idx="minor">
+            <a:schemeClr val="tx1"/>
+          </a:fontRef>
+        </p:style>
+      </p:cxnSp>
+      <p:sp>
+        <p:nvSpPr>
+          <p:cNvPr id="8" name="文字方塊 7">
+            <a:extLst>
+              <a:ext uri="{FF2B5EF4-FFF2-40B4-BE49-F238E27FC236}">
+                <a16:creationId xmlns:a16="http://schemas.microsoft.com/office/drawing/2014/main" id="{04775546-7037-465A-AE23-CA6C4238148E}"/>
+              </a:ext>
+            </a:extLst>
+          </p:cNvPr>
+          <p:cNvSpPr txBox="1"/>
+          <p:nvPr/>
+        </p:nvSpPr>
+        <p:spPr>
+          <a:xfrm>
+            <a:off x="1828609" y="5877526"/>
+            <a:ext cx="3771902" cy="369332"/>
+          </a:xfrm>
+          <a:prstGeom prst="rect">
+            <a:avLst/>
+          </a:prstGeom>
+          <a:noFill/>
+        </p:spPr>
+        <p:txBody>
+          <a:bodyPr wrap="square">
+            <a:spAutoFit/>
+          </a:bodyPr>
+          <a:lstStyle/>
+          <a:p>
+            <a:pPr marL="285750" indent="-285750">
+              <a:buFont typeface="Arial" panose="020B0604020202020204" pitchFamily="34" charset="0"/>
+              <a:buChar char="•"/>
+            </a:pPr>
+            <a:r>
+              <a:rPr lang="zh-TW" altLang="en-US" dirty="0">
+                <a:latin typeface="標楷體" panose="03000509000000000000" pitchFamily="65" charset="-120"/>
+                <a:ea typeface="標楷體" panose="03000509000000000000" pitchFamily="65" charset="-120"/>
+              </a:rPr>
+              <a:t>向量差距 </a:t>
+            </a:r>
+            <a:r>
+              <a:rPr lang="en-US" altLang="zh-TW" dirty="0">
+                <a:latin typeface="標楷體" panose="03000509000000000000" pitchFamily="65" charset="-120"/>
+                <a:ea typeface="標楷體" panose="03000509000000000000" pitchFamily="65" charset="-120"/>
+              </a:rPr>
+              <a:t>&lt;= 0.46517225317052</a:t>
+            </a:r>
+          </a:p>
+        </p:txBody>
+      </p:sp>
+      <p:pic>
+        <p:nvPicPr>
+          <p:cNvPr id="7" name="圖片 6">
+            <a:extLst>
+              <a:ext uri="{FF2B5EF4-FFF2-40B4-BE49-F238E27FC236}">
+                <a16:creationId xmlns:a16="http://schemas.microsoft.com/office/drawing/2014/main" id="{4D8D8101-03A1-430C-A749-A165AC04CCF3}"/>
+              </a:ext>
+            </a:extLst>
+          </p:cNvPr>
+          <p:cNvPicPr>
+            <a:picLocks noChangeAspect="1"/>
+          </p:cNvPicPr>
+          <p:nvPr/>
+        </p:nvPicPr>
+        <p:blipFill>
+          <a:blip r:embed="rId4">
+            <a:extLst>
+              <a:ext uri="{28A0092B-C50C-407E-A947-70E740481C1C}">
+                <a14:useLocalDpi xmlns:a14="http://schemas.microsoft.com/office/drawing/2010/main" val="0"/>
+              </a:ext>
+            </a:extLst>
+          </a:blip>
+          <a:stretch>
+            <a:fillRect/>
+          </a:stretch>
+        </p:blipFill>
+        <p:spPr>
+          <a:xfrm>
+            <a:off x="6591490" y="2486585"/>
+            <a:ext cx="4942857" cy="3295238"/>
+          </a:xfrm>
+          <a:prstGeom prst="rect">
+            <a:avLst/>
+          </a:prstGeom>
+        </p:spPr>
+      </p:pic>
+      <p:sp>
+        <p:nvSpPr>
+          <p:cNvPr id="12" name="文字方塊 11">
+            <a:extLst>
+              <a:ext uri="{FF2B5EF4-FFF2-40B4-BE49-F238E27FC236}">
+                <a16:creationId xmlns:a16="http://schemas.microsoft.com/office/drawing/2014/main" id="{3ADBBD73-D3E4-49E2-91EC-38934B3821CC}"/>
+              </a:ext>
+            </a:extLst>
+          </p:cNvPr>
+          <p:cNvSpPr txBox="1"/>
+          <p:nvPr/>
+        </p:nvSpPr>
+        <p:spPr>
+          <a:xfrm>
+            <a:off x="6988372" y="5879773"/>
+            <a:ext cx="4149092" cy="364837"/>
+          </a:xfrm>
+          <a:prstGeom prst="rect">
+            <a:avLst/>
+          </a:prstGeom>
+          <a:noFill/>
+        </p:spPr>
+        <p:txBody>
+          <a:bodyPr wrap="square">
+            <a:spAutoFit/>
+          </a:bodyPr>
+          <a:lstStyle/>
+          <a:p>
+            <a:pPr marL="285750" indent="-285750">
+              <a:buFont typeface="Arial" panose="020B0604020202020204" pitchFamily="34" charset="0"/>
+              <a:buChar char="•"/>
+            </a:pPr>
+            <a:r>
+              <a:rPr lang="zh-TW" altLang="en-US" dirty="0">
+                <a:latin typeface="標楷體" panose="03000509000000000000" pitchFamily="65" charset="-120"/>
+                <a:ea typeface="標楷體" panose="03000509000000000000" pitchFamily="65" charset="-120"/>
+              </a:rPr>
+              <a:t>向量差距 </a:t>
+            </a:r>
+            <a:r>
+              <a:rPr lang="en-US" altLang="zh-TW" dirty="0">
+                <a:latin typeface="標楷體" panose="03000509000000000000" pitchFamily="65" charset="-120"/>
+                <a:ea typeface="標楷體" panose="03000509000000000000" pitchFamily="65" charset="-120"/>
+              </a:rPr>
+              <a:t>&lt;= 0.46524704188134297</a:t>
+            </a:r>
+            <a:r>
+              <a:rPr lang="zh-TW" altLang="en-US" dirty="0">
+                <a:latin typeface="標楷體" panose="03000509000000000000" pitchFamily="65" charset="-120"/>
+                <a:ea typeface="標楷體" panose="03000509000000000000" pitchFamily="65" charset="-120"/>
+              </a:rPr>
+              <a:t> </a:t>
+            </a:r>
+            <a:endParaRPr lang="en-US" altLang="zh-TW" dirty="0">
+              <a:latin typeface="標楷體" panose="03000509000000000000" pitchFamily="65" charset="-120"/>
+              <a:ea typeface="標楷體" panose="03000509000000000000" pitchFamily="65" charset="-120"/>
+            </a:endParaRPr>
+          </a:p>
+        </p:txBody>
+      </p:sp>
+    </p:spTree>
+    <p:extLst>
+      <p:ext uri="{BB962C8B-B14F-4D97-AF65-F5344CB8AC3E}">
+        <p14:creationId xmlns:p14="http://schemas.microsoft.com/office/powerpoint/2010/main" val="1904641623"/>
+      </p:ext>
+    </p:extLst>
+  </p:cSld>
+  <p:clrMapOvr>
+    <a:masterClrMapping/>
+  </p:clrMapOvr>
+</p:sld>
+</file>
+
+<file path=ppt/slides/slide13.xml><?xml version="1.0" encoding="utf-8"?>
+<p:sld xmlns:a="http://schemas.openxmlformats.org/drawingml/2006/main" xmlns:r="http://schemas.openxmlformats.org/officeDocument/2006/relationships" xmlns:p="http://schemas.openxmlformats.org/presentationml/2006/main">
+  <p:cSld>
+    <p:spTree>
+      <p:nvGrpSpPr>
+        <p:cNvPr id="1" name=""/>
+        <p:cNvGrpSpPr/>
+        <p:nvPr/>
+      </p:nvGrpSpPr>
+      <p:grpSpPr>
+        <a:xfrm>
+          <a:off x="0" y="0"/>
+          <a:ext cx="0" cy="0"/>
+          <a:chOff x="0" y="0"/>
+          <a:chExt cx="0" cy="0"/>
+        </a:xfrm>
+      </p:grpSpPr>
+      <p:sp>
+        <p:nvSpPr>
+          <p:cNvPr id="2" name="內容版面配置區 1"/>
+          <p:cNvSpPr>
+            <a:spLocks noGrp="1"/>
+          </p:cNvSpPr>
+          <p:nvPr>
+            <p:ph idx="1"/>
+          </p:nvPr>
+        </p:nvSpPr>
+        <p:spPr>
+          <a:xfrm>
+            <a:off x="838200" y="1201850"/>
+            <a:ext cx="10515600" cy="5037776"/>
+          </a:xfrm>
+        </p:spPr>
+        <p:txBody>
+          <a:bodyPr/>
+          <a:lstStyle/>
+          <a:p>
+            <a:r>
+              <a:rPr lang="en-US" altLang="zh-TW" dirty="0">
+                <a:cs typeface="Times New Roman" panose="02020603050405020304" pitchFamily="18" charset="0"/>
+              </a:rPr>
+              <a:t>LBP at </a:t>
+            </a:r>
+            <a:r>
+              <a:rPr lang="en-US" altLang="zh-TW" dirty="0" err="1">
+                <a:cs typeface="Times New Roman" panose="02020603050405020304" pitchFamily="18" charset="0"/>
+              </a:rPr>
+              <a:t>github</a:t>
+            </a:r>
+            <a:r>
+              <a:rPr lang="en-US" altLang="zh-TW" dirty="0">
+                <a:cs typeface="Times New Roman" panose="02020603050405020304" pitchFamily="18" charset="0"/>
+              </a:rPr>
+              <a:t> by </a:t>
+            </a:r>
+            <a:r>
+              <a:rPr lang="en-US" altLang="zh-TW" dirty="0" err="1">
+                <a:cs typeface="Times New Roman" panose="02020603050405020304" pitchFamily="18" charset="0"/>
+              </a:rPr>
+              <a:t>Arsho</a:t>
+            </a:r>
+            <a:r>
+              <a:rPr lang="en-US" altLang="zh-TW" dirty="0">
+                <a:cs typeface="Times New Roman" panose="02020603050405020304" pitchFamily="18" charset="0"/>
+              </a:rPr>
+              <a:t>: </a:t>
+            </a:r>
+            <a:r>
+              <a:rPr lang="en-US" altLang="zh-TW" dirty="0">
+                <a:hlinkClick r:id="rId2"/>
+              </a:rPr>
+              <a:t>GitHub - </a:t>
+            </a:r>
+            <a:r>
+              <a:rPr lang="en-US" altLang="zh-TW" dirty="0" err="1">
+                <a:hlinkClick r:id="rId2"/>
+              </a:rPr>
+              <a:t>arsho</a:t>
+            </a:r>
+            <a:r>
+              <a:rPr lang="en-US" altLang="zh-TW" dirty="0">
+                <a:hlinkClick r:id="rId2"/>
+              </a:rPr>
+              <a:t>/</a:t>
+            </a:r>
+            <a:r>
+              <a:rPr lang="en-US" altLang="zh-TW" dirty="0" err="1">
+                <a:hlinkClick r:id="rId2"/>
+              </a:rPr>
+              <a:t>local_binary_patterns</a:t>
+            </a:r>
+            <a:r>
+              <a:rPr lang="en-US" altLang="zh-TW" dirty="0">
+                <a:hlinkClick r:id="rId2"/>
+              </a:rPr>
+              <a:t>: Local Binary Patterns implementation using Python3 and OpenCV</a:t>
+            </a:r>
+            <a:endParaRPr lang="en-US" altLang="zh-TW" dirty="0"/>
+          </a:p>
+          <a:p>
+            <a:endParaRPr lang="en-US" altLang="zh-TW" dirty="0">
+              <a:cs typeface="Times New Roman" panose="02020603050405020304" pitchFamily="18" charset="0"/>
+            </a:endParaRPr>
+          </a:p>
+          <a:p>
+            <a:r>
+              <a:rPr lang="zh-TW" altLang="en-US" b="1" dirty="0"/>
+              <a:t>圖形遮罩</a:t>
+            </a:r>
+            <a:r>
+              <a:rPr lang="en-US" altLang="zh-TW" b="1" dirty="0"/>
+              <a:t>: </a:t>
+            </a:r>
+            <a:r>
+              <a:rPr lang="en-US" altLang="zh-TW" dirty="0">
+                <a:hlinkClick r:id="rId3"/>
+              </a:rPr>
+              <a:t>https://blog.gtwang.org/programming/python-opencv-matplotlib-plot-histogram-tutorial/</a:t>
+            </a:r>
+            <a:endParaRPr lang="en-US" altLang="zh-TW" b="1" dirty="0"/>
+          </a:p>
+          <a:p>
+            <a:endParaRPr lang="en-US" altLang="zh-TW" b="1" dirty="0"/>
+          </a:p>
+          <a:p>
+            <a:r>
+              <a:rPr lang="en-US" altLang="zh-TW" b="1" dirty="0"/>
+              <a:t>Histogram</a:t>
+            </a:r>
+          </a:p>
+          <a:p>
+            <a:pPr lvl="1"/>
+            <a:r>
+              <a:rPr lang="en-US" altLang="zh-TW" b="1" dirty="0"/>
+              <a:t>Histogram Comparison: </a:t>
+            </a:r>
+            <a:r>
+              <a:rPr lang="en-US" altLang="zh-TW" dirty="0">
+                <a:hlinkClick r:id="rId4"/>
+              </a:rPr>
+              <a:t>https://itecnote.com/tecnote/tensorflow-how-to-downgrade-cuda-and-cudnn-version-in-google-colab/</a:t>
+            </a:r>
+            <a:endParaRPr lang="en-US" altLang="zh-TW" b="1" dirty="0"/>
+          </a:p>
+          <a:p>
+            <a:pPr lvl="1"/>
+            <a:r>
+              <a:rPr lang="en-US" altLang="zh-TW" dirty="0">
+                <a:cs typeface="Times New Roman" panose="02020603050405020304" pitchFamily="18" charset="0"/>
+              </a:rPr>
+              <a:t>histogram y-axis in 0~1: </a:t>
+            </a:r>
+            <a:r>
+              <a:rPr lang="en-US" altLang="zh-TW" dirty="0">
+                <a:cs typeface="Times New Roman" panose="02020603050405020304" pitchFamily="18" charset="0"/>
+                <a:hlinkClick r:id="rId5"/>
+              </a:rPr>
+              <a:t>https://zj-image-processing.readthedocs.io/zh_CN/latest/opencv/code/[normalize]%E6%A0%87%E5%87%86%E5%8C%96%E6%95%B0%E6%8D%AE/#:~:text=0.77%20%20%20%20(10/%2012.96)-,%E5%BD%93normType%3DNORM_MINMAX%E6%97%B6%EF%BC%8C%E5%B0%86%E6%95%B0%E6%8D%AE%E7%BC%A9%E6%94%BE%E5%88%B0%5Balpha%2C%20beta%5D%E5%A4%A7%E5%B0%8F,-%EF%BC%8C%E6%AF%94%E5%A6%82</a:t>
+            </a:r>
+            <a:endParaRPr lang="en-US" altLang="zh-TW" dirty="0">
+              <a:cs typeface="Times New Roman" panose="02020603050405020304" pitchFamily="18" charset="0"/>
+            </a:endParaRPr>
+          </a:p>
+          <a:p>
+            <a:endParaRPr lang="en-US" altLang="zh-TW" dirty="0">
+              <a:cs typeface="Times New Roman" panose="02020603050405020304" pitchFamily="18" charset="0"/>
+            </a:endParaRPr>
+          </a:p>
+          <a:p>
+            <a:endParaRPr lang="en-US" altLang="zh-TW" dirty="0">
+              <a:cs typeface="Times New Roman" panose="02020603050405020304" pitchFamily="18" charset="0"/>
+            </a:endParaRPr>
+          </a:p>
+          <a:p>
+            <a:r>
+              <a:rPr lang="en-US" altLang="zh-TW" b="1" dirty="0"/>
+              <a:t>CLAHE </a:t>
+            </a:r>
+            <a:r>
+              <a:rPr lang="zh-TW" altLang="en-US" b="1" dirty="0"/>
+              <a:t>有限對比適應性長條圖均衡化</a:t>
+            </a:r>
+            <a:r>
+              <a:rPr lang="en-US" altLang="zh-TW" b="1" dirty="0">
+                <a:cs typeface="Times New Roman" panose="02020603050405020304" pitchFamily="18" charset="0"/>
+              </a:rPr>
+              <a:t>:	</a:t>
+            </a:r>
+            <a:r>
+              <a:rPr lang="zh-TW" altLang="en-US" b="1" dirty="0">
+                <a:cs typeface="Times New Roman" panose="02020603050405020304" pitchFamily="18" charset="0"/>
+              </a:rPr>
+              <a:t>    </a:t>
+            </a:r>
+            <a:r>
+              <a:rPr lang="en-US" altLang="zh-TW" dirty="0">
+                <a:cs typeface="Times New Roman" panose="02020603050405020304" pitchFamily="18" charset="0"/>
+              </a:rPr>
+              <a:t>#</a:t>
+            </a:r>
+            <a:r>
+              <a:rPr lang="zh-TW" altLang="en-US" dirty="0">
+                <a:cs typeface="Times New Roman" panose="02020603050405020304" pitchFamily="18" charset="0"/>
+              </a:rPr>
+              <a:t>未使用</a:t>
+            </a:r>
+            <a:endParaRPr lang="en-US" altLang="zh-TW" b="1" dirty="0">
+              <a:cs typeface="Times New Roman" panose="02020603050405020304" pitchFamily="18" charset="0"/>
+            </a:endParaRPr>
+          </a:p>
+          <a:p>
+            <a:pPr lvl="1"/>
+            <a:r>
+              <a:rPr lang="zh-TW" altLang="en-US" b="1" dirty="0"/>
+              <a:t>範例</a:t>
+            </a:r>
+            <a:r>
+              <a:rPr lang="en-US" altLang="zh-TW" b="1" dirty="0"/>
+              <a:t>:</a:t>
+            </a:r>
+            <a:r>
+              <a:rPr lang="zh-TW" altLang="en-US" b="1" dirty="0"/>
+              <a:t> </a:t>
+            </a:r>
+            <a:r>
+              <a:rPr lang="en-US" altLang="zh-TW" dirty="0">
+                <a:hlinkClick r:id="rId6"/>
+              </a:rPr>
+              <a:t>https://arbu00.blogspot.com/2016/11/opencv8-histogram-histograms.html</a:t>
+            </a:r>
+            <a:endParaRPr lang="en-US" altLang="zh-TW" dirty="0"/>
+          </a:p>
+          <a:p>
+            <a:pPr lvl="1"/>
+            <a:r>
+              <a:rPr lang="en-US" altLang="zh-TW" dirty="0" err="1">
+                <a:cs typeface="Times New Roman" panose="02020603050405020304" pitchFamily="18" charset="0"/>
+              </a:rPr>
+              <a:t>clahe.apply</a:t>
+            </a:r>
+            <a:r>
+              <a:rPr lang="en-US" altLang="zh-TW" dirty="0">
+                <a:cs typeface="Times New Roman" panose="02020603050405020304" pitchFamily="18" charset="0"/>
+              </a:rPr>
+              <a:t>(</a:t>
+            </a:r>
+            <a:r>
+              <a:rPr lang="zh-TW" altLang="en-US" dirty="0">
+                <a:cs typeface="Times New Roman" panose="02020603050405020304" pitchFamily="18" charset="0"/>
+              </a:rPr>
+              <a:t> </a:t>
+            </a:r>
+            <a:r>
+              <a:rPr lang="en-US" altLang="zh-TW" dirty="0">
+                <a:cs typeface="Times New Roman" panose="02020603050405020304" pitchFamily="18" charset="0"/>
+              </a:rPr>
+              <a:t>)error: </a:t>
+            </a:r>
+            <a:r>
+              <a:rPr lang="en-US" altLang="zh-TW" dirty="0">
+                <a:hlinkClick r:id="rId7"/>
+              </a:rPr>
+              <a:t>https://forums.fast.ai/t/custom-transforms-with-cv2/56589</a:t>
+            </a:r>
+            <a:endParaRPr lang="en-US" altLang="zh-TW" dirty="0">
+              <a:cs typeface="Times New Roman" panose="02020603050405020304" pitchFamily="18" charset="0"/>
+            </a:endParaRPr>
+          </a:p>
+          <a:p>
+            <a:endParaRPr lang="en-US" altLang="zh-TW" dirty="0">
+              <a:cs typeface="Times New Roman" panose="02020603050405020304" pitchFamily="18" charset="0"/>
+            </a:endParaRPr>
+          </a:p>
+        </p:txBody>
+      </p:sp>
+      <p:sp>
+        <p:nvSpPr>
+          <p:cNvPr id="3" name="標題 2"/>
+          <p:cNvSpPr>
+            <a:spLocks noGrp="1"/>
+          </p:cNvSpPr>
+          <p:nvPr>
+            <p:ph type="title"/>
+          </p:nvPr>
+        </p:nvSpPr>
+        <p:spPr/>
+        <p:txBody>
+          <a:bodyPr/>
+          <a:lstStyle/>
+          <a:p>
+            <a:r>
+              <a:rPr lang="zh-TW" altLang="en-US" dirty="0"/>
+              <a:t>參考資料</a:t>
+            </a:r>
+          </a:p>
+        </p:txBody>
+      </p:sp>
+    </p:spTree>
+    <p:extLst>
+      <p:ext uri="{BB962C8B-B14F-4D97-AF65-F5344CB8AC3E}">
+        <p14:creationId xmlns:p14="http://schemas.microsoft.com/office/powerpoint/2010/main" val="1759100234"/>
+      </p:ext>
+    </p:extLst>
+  </p:cSld>
+  <p:clrMapOvr>
+    <a:masterClrMapping/>
+  </p:clrMapOvr>
+</p:sld>
+</file>
+
+<file path=ppt/slides/slide2.xml><?xml version="1.0" encoding="utf-8"?>
+<p:sld xmlns:a="http://schemas.openxmlformats.org/drawingml/2006/main" xmlns:r="http://schemas.openxmlformats.org/officeDocument/2006/relationships" xmlns:p="http://schemas.openxmlformats.org/presentationml/2006/main">
+  <p:cSld>
+    <p:spTree>
+      <p:nvGrpSpPr>
+        <p:cNvPr id="1" name=""/>
+        <p:cNvGrpSpPr/>
+        <p:nvPr/>
+      </p:nvGrpSpPr>
+      <p:grpSpPr>
+        <a:xfrm>
+          <a:off x="0" y="0"/>
+          <a:ext cx="0" cy="0"/>
+          <a:chOff x="0" y="0"/>
+          <a:chExt cx="0" cy="0"/>
+        </a:xfrm>
+      </p:grpSpPr>
+      <p:sp>
+        <p:nvSpPr>
+          <p:cNvPr id="4" name="標題 2">
+            <a:extLst>
+              <a:ext uri="{FF2B5EF4-FFF2-40B4-BE49-F238E27FC236}">
+                <a16:creationId xmlns:a16="http://schemas.microsoft.com/office/drawing/2014/main" id="{285260DE-0C6A-4898-B343-67FA97F7243B}"/>
+              </a:ext>
+            </a:extLst>
+          </p:cNvPr>
+          <p:cNvSpPr>
+            <a:spLocks noGrp="1"/>
+          </p:cNvSpPr>
+          <p:nvPr>
+            <p:ph type="title"/>
+          </p:nvPr>
+        </p:nvSpPr>
+        <p:spPr>
+          <a:xfrm>
+            <a:off x="838200" y="365125"/>
+            <a:ext cx="10515600" cy="720000"/>
+          </a:xfrm>
+        </p:spPr>
+        <p:txBody>
+          <a:bodyPr/>
+          <a:lstStyle/>
+          <a:p>
+            <a:r>
+              <a:rPr lang="zh-TW" altLang="en-US" dirty="0"/>
+              <a:t>控管記錄 </a:t>
+            </a:r>
+            <a:r>
+              <a:rPr lang="en-US" altLang="zh-TW" dirty="0"/>
+              <a:t>-</a:t>
+            </a:r>
+            <a:r>
+              <a:rPr lang="zh-TW" altLang="en-US" dirty="0"/>
+              <a:t> </a:t>
+            </a:r>
+            <a:r>
+              <a:rPr lang="en-US" altLang="zh-TW" dirty="0"/>
+              <a:t>Git (</a:t>
+            </a:r>
+            <a:r>
+              <a:rPr lang="en-US" altLang="zh-TW" sz="4400" dirty="0"/>
+              <a:t>2023/3/24</a:t>
+            </a:r>
+            <a:r>
+              <a:rPr lang="en-US" altLang="zh-TW" dirty="0"/>
+              <a:t>)</a:t>
+            </a:r>
+            <a:endParaRPr lang="zh-TW" altLang="en-US" dirty="0"/>
+          </a:p>
+        </p:txBody>
+      </p:sp>
+      <p:pic>
+        <p:nvPicPr>
+          <p:cNvPr id="3" name="圖片 2">
+            <a:extLst>
+              <a:ext uri="{FF2B5EF4-FFF2-40B4-BE49-F238E27FC236}">
+                <a16:creationId xmlns:a16="http://schemas.microsoft.com/office/drawing/2014/main" id="{133CAD04-5115-4634-99AB-5A156923B615}"/>
+              </a:ext>
+            </a:extLst>
+          </p:cNvPr>
+          <p:cNvPicPr>
+            <a:picLocks noChangeAspect="1"/>
+          </p:cNvPicPr>
+          <p:nvPr/>
+        </p:nvPicPr>
+        <p:blipFill>
+          <a:blip r:embed="rId2"/>
+          <a:stretch>
+            <a:fillRect/>
+          </a:stretch>
+        </p:blipFill>
+        <p:spPr>
+          <a:xfrm>
+            <a:off x="3480664" y="1163461"/>
+            <a:ext cx="5230671" cy="5152516"/>
+          </a:xfrm>
+          <a:prstGeom prst="rect">
+            <a:avLst/>
+          </a:prstGeom>
+        </p:spPr>
+      </p:pic>
+    </p:spTree>
+    <p:extLst>
+      <p:ext uri="{BB962C8B-B14F-4D97-AF65-F5344CB8AC3E}">
+        <p14:creationId xmlns:p14="http://schemas.microsoft.com/office/powerpoint/2010/main" val="330639607"/>
+      </p:ext>
+    </p:extLst>
+  </p:cSld>
+  <p:clrMapOvr>
+    <a:masterClrMapping/>
+  </p:clrMapOvr>
+</p:sld>
+</file>
+
+<file path=ppt/slides/slide3.xml><?xml version="1.0" encoding="utf-8"?>
+<p:sld xmlns:a="http://schemas.openxmlformats.org/drawingml/2006/main" xmlns:r="http://schemas.openxmlformats.org/officeDocument/2006/relationships" xmlns:p="http://schemas.openxmlformats.org/presentationml/2006/main">
+  <p:cSld>
+    <p:spTree>
+      <p:nvGrpSpPr>
+        <p:cNvPr id="1" name=""/>
+        <p:cNvGrpSpPr/>
+        <p:nvPr/>
+      </p:nvGrpSpPr>
+      <p:grpSpPr>
+        <a:xfrm>
+          <a:off x="0" y="0"/>
+          <a:ext cx="0" cy="0"/>
+          <a:chOff x="0" y="0"/>
+          <a:chExt cx="0" cy="0"/>
+        </a:xfrm>
+      </p:grpSpPr>
+      <p:sp>
+        <p:nvSpPr>
+          <p:cNvPr id="4" name="內容版面配置區 1">
+            <a:extLst>
+              <a:ext uri="{FF2B5EF4-FFF2-40B4-BE49-F238E27FC236}">
+                <a16:creationId xmlns:a16="http://schemas.microsoft.com/office/drawing/2014/main" id="{76F3B330-885F-4428-BA07-B6A9DA66EA4C}"/>
+              </a:ext>
+            </a:extLst>
+          </p:cNvPr>
+          <p:cNvSpPr>
+            <a:spLocks noGrp="1"/>
+          </p:cNvSpPr>
+          <p:nvPr>
+            <p:ph idx="1"/>
+          </p:nvPr>
+        </p:nvSpPr>
+        <p:spPr>
+          <a:xfrm>
+            <a:off x="838200" y="1201850"/>
+            <a:ext cx="10515600" cy="5037776"/>
+          </a:xfrm>
+        </p:spPr>
+        <p:txBody>
+          <a:bodyPr>
+            <a:normAutofit/>
+          </a:bodyPr>
+          <a:lstStyle/>
+          <a:p>
+            <a:pPr marL="285750" lvl="1" indent="-285750"/>
+            <a:r>
+              <a:rPr lang="en-US" altLang="zh-TW" sz="2000" dirty="0"/>
+              <a:t>LBP</a:t>
+            </a:r>
+          </a:p>
+          <a:p>
+            <a:pPr marL="285750" lvl="1" indent="-285750"/>
+            <a:r>
+              <a:rPr lang="zh-TW" altLang="en-US" sz="2000" dirty="0"/>
+              <a:t>特徵向量比較</a:t>
+            </a:r>
+            <a:endParaRPr lang="en-US" altLang="zh-TW" sz="2000" dirty="0"/>
+          </a:p>
+        </p:txBody>
+      </p:sp>
+      <p:sp>
+        <p:nvSpPr>
+          <p:cNvPr id="5" name="標題 2">
+            <a:extLst>
+              <a:ext uri="{FF2B5EF4-FFF2-40B4-BE49-F238E27FC236}">
+                <a16:creationId xmlns:a16="http://schemas.microsoft.com/office/drawing/2014/main" id="{476E3D2E-3C27-4A5F-AE00-73325BBA8F05}"/>
+              </a:ext>
+            </a:extLst>
+          </p:cNvPr>
+          <p:cNvSpPr>
+            <a:spLocks noGrp="1"/>
+          </p:cNvSpPr>
+          <p:nvPr>
+            <p:ph type="title"/>
+          </p:nvPr>
+        </p:nvSpPr>
+        <p:spPr>
+          <a:xfrm>
+            <a:off x="838200" y="365125"/>
+            <a:ext cx="10515600" cy="720000"/>
+          </a:xfrm>
+        </p:spPr>
+        <p:txBody>
+          <a:bodyPr/>
+          <a:lstStyle/>
+          <a:p>
+            <a:r>
+              <a:rPr lang="zh-TW" altLang="en-US" dirty="0"/>
+              <a:t>當週進度</a:t>
+            </a:r>
+          </a:p>
+        </p:txBody>
+      </p:sp>
+    </p:spTree>
+    <p:extLst>
+      <p:ext uri="{BB962C8B-B14F-4D97-AF65-F5344CB8AC3E}">
+        <p14:creationId xmlns:p14="http://schemas.microsoft.com/office/powerpoint/2010/main" val="28410874"/>
+      </p:ext>
+    </p:extLst>
+  </p:cSld>
+  <p:clrMapOvr>
+    <a:masterClrMapping/>
+  </p:clrMapOvr>
+</p:sld>
+</file>
+
+<file path=ppt/slides/slide4.xml><?xml version="1.0" encoding="utf-8"?>
+<p:sld xmlns:a="http://schemas.openxmlformats.org/drawingml/2006/main" xmlns:r="http://schemas.openxmlformats.org/officeDocument/2006/relationships" xmlns:p="http://schemas.openxmlformats.org/presentationml/2006/main">
+  <p:cSld>
+    <p:spTree>
+      <p:nvGrpSpPr>
+        <p:cNvPr id="1" name=""/>
+        <p:cNvGrpSpPr/>
+        <p:nvPr/>
+      </p:nvGrpSpPr>
+      <p:grpSpPr>
+        <a:xfrm>
+          <a:off x="0" y="0"/>
+          <a:ext cx="0" cy="0"/>
+          <a:chOff x="0" y="0"/>
+          <a:chExt cx="0" cy="0"/>
+        </a:xfrm>
+      </p:grpSpPr>
+      <p:sp>
+        <p:nvSpPr>
+          <p:cNvPr id="4" name="標題 2">
+            <a:extLst>
+              <a:ext uri="{FF2B5EF4-FFF2-40B4-BE49-F238E27FC236}">
+                <a16:creationId xmlns:a16="http://schemas.microsoft.com/office/drawing/2014/main" id="{0B3634F5-629A-4E1C-86FC-860CF0AB087C}"/>
+              </a:ext>
+            </a:extLst>
+          </p:cNvPr>
+          <p:cNvSpPr>
+            <a:spLocks noGrp="1"/>
+          </p:cNvSpPr>
+          <p:nvPr>
+            <p:ph type="title"/>
+          </p:nvPr>
+        </p:nvSpPr>
+        <p:spPr>
+          <a:xfrm>
+            <a:off x="838200" y="365125"/>
+            <a:ext cx="10515600" cy="720000"/>
+          </a:xfrm>
+        </p:spPr>
+        <p:txBody>
+          <a:bodyPr/>
+          <a:lstStyle/>
+          <a:p>
+            <a:r>
+              <a:rPr lang="zh-TW" altLang="en-US" dirty="0"/>
+              <a:t>進度統整</a:t>
+            </a:r>
+          </a:p>
+        </p:txBody>
+      </p:sp>
+      <p:sp>
+        <p:nvSpPr>
+          <p:cNvPr id="5" name="內容版面配置區 1">
+            <a:extLst>
+              <a:ext uri="{FF2B5EF4-FFF2-40B4-BE49-F238E27FC236}">
+                <a16:creationId xmlns:a16="http://schemas.microsoft.com/office/drawing/2014/main" id="{3DF9BE36-6A88-4FE6-B3DE-4D2A51B59357}"/>
+              </a:ext>
+            </a:extLst>
+          </p:cNvPr>
+          <p:cNvSpPr txBox="1">
+            <a:spLocks/>
+          </p:cNvSpPr>
+          <p:nvPr/>
+        </p:nvSpPr>
+        <p:spPr>
+          <a:xfrm>
+            <a:off x="838200" y="1201850"/>
+            <a:ext cx="10515600" cy="5037776"/>
+          </a:xfrm>
+          <a:prstGeom prst="rect">
+            <a:avLst/>
+          </a:prstGeom>
+        </p:spPr>
+        <p:txBody>
+          <a:bodyPr vert="horz" lIns="91440" tIns="45720" rIns="91440" bIns="45720" numCol="2" rtlCol="0">
+            <a:normAutofit/>
+          </a:bodyPr>
+          <a:lstStyle>
+            <a:lvl1pPr marL="144000" indent="-144000" algn="l" defTabSz="914400" rtl="0" eaLnBrk="1" latinLnBrk="0" hangingPunct="0">
+              <a:lnSpc>
+                <a:spcPct val="90000"/>
+              </a:lnSpc>
+              <a:spcBef>
+                <a:spcPts val="300"/>
+              </a:spcBef>
+              <a:buFont typeface="Arial" panose="020B0604020202020204" pitchFamily="34" charset="0"/>
+              <a:buChar char="•"/>
+              <a:defRPr sz="1600" kern="1200" baseline="0">
+                <a:solidFill>
+                  <a:schemeClr val="tx1"/>
+                </a:solidFill>
+                <a:latin typeface="Times New Roman" panose="02020603050405020304" pitchFamily="18" charset="0"/>
+                <a:ea typeface="標楷體" panose="03000509000000000000" pitchFamily="65" charset="-120"/>
+                <a:cs typeface="+mn-cs"/>
+              </a:defRPr>
+            </a:lvl1pPr>
+            <a:lvl2pPr marL="685800" indent="-228600" algn="l" defTabSz="914400" rtl="0" eaLnBrk="1" latinLnBrk="0" hangingPunct="0">
+              <a:lnSpc>
+                <a:spcPct val="90000"/>
+              </a:lnSpc>
+              <a:spcBef>
+                <a:spcPts val="300"/>
+              </a:spcBef>
+              <a:buFont typeface="Arial" panose="020B0604020202020204" pitchFamily="34" charset="0"/>
+              <a:buChar char="•"/>
+              <a:defRPr sz="1600" kern="1200" baseline="0">
+                <a:solidFill>
+                  <a:schemeClr val="tx1"/>
+                </a:solidFill>
+                <a:latin typeface="Times New Roman" panose="02020603050405020304" pitchFamily="18" charset="0"/>
+                <a:ea typeface="標楷體" panose="03000509000000000000" pitchFamily="65" charset="-120"/>
+                <a:cs typeface="+mn-cs"/>
+              </a:defRPr>
+            </a:lvl2pPr>
+            <a:lvl3pPr marL="1143000" indent="-228600" algn="l" defTabSz="914400" rtl="0" eaLnBrk="1" latinLnBrk="0" hangingPunct="0">
+              <a:lnSpc>
+                <a:spcPct val="90000"/>
+              </a:lnSpc>
+              <a:spcBef>
+                <a:spcPts val="300"/>
+              </a:spcBef>
+              <a:buFont typeface="Arial" panose="020B0604020202020204" pitchFamily="34" charset="0"/>
+              <a:buChar char="•"/>
+              <a:defRPr sz="1600" kern="1200" baseline="0">
+                <a:solidFill>
+                  <a:schemeClr val="tx1"/>
+                </a:solidFill>
+                <a:latin typeface="Times New Roman" panose="02020603050405020304" pitchFamily="18" charset="0"/>
+                <a:ea typeface="標楷體" panose="03000509000000000000" pitchFamily="65" charset="-120"/>
+                <a:cs typeface="+mn-cs"/>
+              </a:defRPr>
+            </a:lvl3pPr>
+            <a:lvl4pPr marL="1600200" indent="-228600" algn="l" defTabSz="914400" rtl="0" eaLnBrk="1" latinLnBrk="0" hangingPunct="0">
+              <a:lnSpc>
+                <a:spcPct val="90000"/>
+              </a:lnSpc>
+              <a:spcBef>
+                <a:spcPts val="300"/>
+              </a:spcBef>
+              <a:buFont typeface="Arial" panose="020B0604020202020204" pitchFamily="34" charset="0"/>
+              <a:buChar char="•"/>
+              <a:defRPr sz="1600" kern="1200" baseline="0">
+                <a:solidFill>
+                  <a:schemeClr val="tx1"/>
+                </a:solidFill>
+                <a:latin typeface="Times New Roman" panose="02020603050405020304" pitchFamily="18" charset="0"/>
+                <a:ea typeface="標楷體" panose="03000509000000000000" pitchFamily="65" charset="-120"/>
+                <a:cs typeface="+mn-cs"/>
+              </a:defRPr>
+            </a:lvl4pPr>
+            <a:lvl5pPr marL="2057400" indent="-228600" algn="l" defTabSz="914400" rtl="0" eaLnBrk="1" latinLnBrk="0" hangingPunct="0">
+              <a:lnSpc>
+                <a:spcPct val="90000"/>
+              </a:lnSpc>
+              <a:spcBef>
+                <a:spcPts val="300"/>
+              </a:spcBef>
+              <a:buFont typeface="Arial" panose="020B0604020202020204" pitchFamily="34" charset="0"/>
+              <a:buChar char="•"/>
+              <a:defRPr sz="1600" kern="1200" baseline="0">
+                <a:solidFill>
+                  <a:schemeClr val="tx1"/>
+                </a:solidFill>
+                <a:latin typeface="Times New Roman" panose="02020603050405020304" pitchFamily="18" charset="0"/>
+                <a:ea typeface="標楷體" panose="03000509000000000000" pitchFamily="65" charset="-120"/>
+                <a:cs typeface="+mn-cs"/>
+              </a:defRPr>
+            </a:lvl5pPr>
+            <a:lvl6pPr marL="2514600" indent="-228600" algn="l" defTabSz="914400" rtl="0" eaLnBrk="1" latinLnBrk="0" hangingPunct="1">
+              <a:lnSpc>
+                <a:spcPct val="90000"/>
+              </a:lnSpc>
+              <a:spcBef>
+                <a:spcPts val="500"/>
+              </a:spcBef>
+              <a:buFont typeface="Arial" panose="020B0604020202020204" pitchFamily="34" charset="0"/>
+              <a:buChar char="•"/>
+              <a:defRPr sz="1800" kern="1200">
+                <a:solidFill>
+                  <a:schemeClr val="tx1"/>
+                </a:solidFill>
+                <a:latin typeface="+mn-lt"/>
+                <a:ea typeface="+mn-ea"/>
+                <a:cs typeface="+mn-cs"/>
+              </a:defRPr>
+            </a:lvl6pPr>
+            <a:lvl7pPr marL="2971800" indent="-228600" algn="l" defTabSz="914400" rtl="0" eaLnBrk="1" latinLnBrk="0" hangingPunct="1">
+              <a:lnSpc>
+                <a:spcPct val="90000"/>
+              </a:lnSpc>
+              <a:spcBef>
+                <a:spcPts val="500"/>
+              </a:spcBef>
+              <a:buFont typeface="Arial" panose="020B0604020202020204" pitchFamily="34" charset="0"/>
+              <a:buChar char="•"/>
+              <a:defRPr sz="1800" kern="1200">
+                <a:solidFill>
+                  <a:schemeClr val="tx1"/>
+                </a:solidFill>
+                <a:latin typeface="+mn-lt"/>
+                <a:ea typeface="+mn-ea"/>
+                <a:cs typeface="+mn-cs"/>
+              </a:defRPr>
+            </a:lvl7pPr>
+            <a:lvl8pPr marL="3429000" indent="-228600" algn="l" defTabSz="914400" rtl="0" eaLnBrk="1" latinLnBrk="0" hangingPunct="1">
+              <a:lnSpc>
+                <a:spcPct val="90000"/>
+              </a:lnSpc>
+              <a:spcBef>
+                <a:spcPts val="500"/>
+              </a:spcBef>
+              <a:buFont typeface="Arial" panose="020B0604020202020204" pitchFamily="34" charset="0"/>
+              <a:buChar char="•"/>
+              <a:defRPr sz="1800" kern="1200">
+                <a:solidFill>
+                  <a:schemeClr val="tx1"/>
+                </a:solidFill>
+                <a:latin typeface="+mn-lt"/>
+                <a:ea typeface="+mn-ea"/>
+                <a:cs typeface="+mn-cs"/>
+              </a:defRPr>
+            </a:lvl8pPr>
+            <a:lvl9pPr marL="3886200" indent="-228600" algn="l" defTabSz="914400" rtl="0" eaLnBrk="1" latinLnBrk="0" hangingPunct="1">
+              <a:lnSpc>
+                <a:spcPct val="90000"/>
+              </a:lnSpc>
+              <a:spcBef>
+                <a:spcPts val="500"/>
+              </a:spcBef>
+              <a:buFont typeface="Arial" panose="020B0604020202020204" pitchFamily="34" charset="0"/>
+              <a:buChar char="•"/>
+              <a:defRPr sz="1800" kern="1200">
+                <a:solidFill>
+                  <a:schemeClr val="tx1"/>
+                </a:solidFill>
+                <a:latin typeface="+mn-lt"/>
+                <a:ea typeface="+mn-ea"/>
+                <a:cs typeface="+mn-cs"/>
+              </a:defRPr>
+            </a:lvl9pPr>
+          </a:lstStyle>
+          <a:p>
+            <a:pPr marL="0" indent="0">
+              <a:buNone/>
+            </a:pPr>
+            <a:r>
+              <a:rPr lang="zh-TW" altLang="en-US" b="1" dirty="0"/>
+              <a:t>三月：</a:t>
+            </a:r>
+            <a:endParaRPr lang="en-US" altLang="zh-TW" b="1" dirty="0"/>
+          </a:p>
+          <a:p>
+            <a:pPr marL="144000" lvl="1" indent="-144000"/>
+            <a:r>
+              <a:rPr lang="en-US" altLang="zh-TW" b="1" dirty="0"/>
+              <a:t>2023/03/12~2023/03/18</a:t>
+            </a:r>
+            <a:r>
+              <a:rPr lang="zh-TW" altLang="en-US" b="1" dirty="0"/>
+              <a:t>：</a:t>
+            </a:r>
+            <a:endParaRPr lang="en-US" altLang="zh-TW" b="1" dirty="0"/>
+          </a:p>
+          <a:p>
+            <a:pPr marL="285750" lvl="1" indent="-285750"/>
+            <a:r>
+              <a:rPr lang="en-US" altLang="zh-TW" dirty="0"/>
+              <a:t>kernel size</a:t>
+            </a:r>
+          </a:p>
+          <a:p>
+            <a:pPr marL="285750" lvl="1" indent="-285750"/>
+            <a:r>
+              <a:rPr lang="en-US" altLang="zh-TW" dirty="0"/>
+              <a:t>AVX</a:t>
+            </a:r>
+            <a:r>
+              <a:rPr lang="zh-TW" altLang="en-US" dirty="0"/>
+              <a:t>效益量測</a:t>
+            </a:r>
+            <a:endParaRPr lang="en-US" altLang="zh-TW" dirty="0"/>
+          </a:p>
+          <a:p>
+            <a:pPr marL="285750" lvl="1" indent="-285750"/>
+            <a:endParaRPr lang="en-US" altLang="zh-TW" dirty="0"/>
+          </a:p>
+          <a:p>
+            <a:pPr marL="144000" lvl="1" indent="-144000"/>
+            <a:r>
+              <a:rPr lang="en-US" altLang="zh-TW" b="1" dirty="0"/>
+              <a:t>2023/03/16~2023/03/22</a:t>
+            </a:r>
+            <a:r>
+              <a:rPr lang="zh-TW" altLang="en-US" b="1" dirty="0"/>
+              <a:t>：</a:t>
+            </a:r>
+            <a:endParaRPr lang="en-US" altLang="zh-TW" b="1" dirty="0"/>
+          </a:p>
+          <a:p>
+            <a:pPr marL="285750" lvl="1" indent="-285750"/>
+            <a:r>
+              <a:rPr lang="en-US" altLang="zh-TW" dirty="0"/>
+              <a:t>LBP</a:t>
+            </a:r>
+          </a:p>
+          <a:p>
+            <a:pPr marL="285750" lvl="1" indent="-285750"/>
+            <a:r>
+              <a:rPr lang="zh-TW" altLang="en-US" dirty="0"/>
+              <a:t>特徵向量比較</a:t>
+            </a:r>
+            <a:endParaRPr lang="en-US" altLang="zh-TW" dirty="0"/>
+          </a:p>
+          <a:p>
+            <a:pPr marL="285750" lvl="1" indent="-285750"/>
+            <a:endParaRPr lang="en-US" altLang="zh-TW" dirty="0"/>
+          </a:p>
+          <a:p>
+            <a:pPr marL="285750" lvl="1" indent="-285750"/>
+            <a:endParaRPr lang="en-US" altLang="zh-TW" dirty="0"/>
+          </a:p>
+          <a:p>
+            <a:pPr marL="285750" lvl="1" indent="-285750"/>
+            <a:endParaRPr lang="en-US" altLang="zh-TW" dirty="0"/>
+          </a:p>
+          <a:p>
+            <a:pPr marL="285750" lvl="1" indent="-285750"/>
+            <a:endParaRPr lang="en-US" altLang="zh-TW" dirty="0"/>
+          </a:p>
+          <a:p>
+            <a:endParaRPr lang="en-US" altLang="zh-TW" dirty="0"/>
+          </a:p>
+        </p:txBody>
+      </p:sp>
+    </p:spTree>
+    <p:extLst>
+      <p:ext uri="{BB962C8B-B14F-4D97-AF65-F5344CB8AC3E}">
+        <p14:creationId xmlns:p14="http://schemas.microsoft.com/office/powerpoint/2010/main" val="3132535705"/>
+      </p:ext>
+    </p:extLst>
+  </p:cSld>
+  <p:clrMapOvr>
+    <a:masterClrMapping/>
+  </p:clrMapOvr>
+</p:sld>
+</file>
+
+<file path=ppt/slides/slide5.xml><?xml version="1.0" encoding="utf-8"?>
+<p:sld xmlns:a="http://schemas.openxmlformats.org/drawingml/2006/main" xmlns:r="http://schemas.openxmlformats.org/officeDocument/2006/relationships" xmlns:p="http://schemas.openxmlformats.org/presentationml/2006/main">
+  <p:cSld>
+    <p:spTree>
+      <p:nvGrpSpPr>
+        <p:cNvPr id="1" name=""/>
+        <p:cNvGrpSpPr/>
+        <p:nvPr/>
+      </p:nvGrpSpPr>
+      <p:grpSpPr>
+        <a:xfrm>
+          <a:off x="0" y="0"/>
+          <a:ext cx="0" cy="0"/>
+          <a:chOff x="0" y="0"/>
+          <a:chExt cx="0" cy="0"/>
+        </a:xfrm>
+      </p:grpSpPr>
+      <p:sp>
+        <p:nvSpPr>
+          <p:cNvPr id="4" name="標題 2">
+            <a:extLst>
+              <a:ext uri="{FF2B5EF4-FFF2-40B4-BE49-F238E27FC236}">
+                <a16:creationId xmlns:a16="http://schemas.microsoft.com/office/drawing/2014/main" id="{4F40BFA3-305F-4131-B4C5-3D1EAE8B2854}"/>
+              </a:ext>
+            </a:extLst>
+          </p:cNvPr>
+          <p:cNvSpPr>
+            <a:spLocks noGrp="1"/>
+          </p:cNvSpPr>
+          <p:nvPr>
+            <p:ph type="title"/>
+          </p:nvPr>
+        </p:nvSpPr>
+        <p:spPr>
+          <a:xfrm>
+            <a:off x="838200" y="329614"/>
+            <a:ext cx="10515600" cy="720000"/>
+          </a:xfrm>
+        </p:spPr>
+        <p:txBody>
+          <a:bodyPr>
+            <a:noAutofit/>
+          </a:bodyPr>
+          <a:lstStyle/>
+          <a:p>
+            <a:r>
+              <a:rPr lang="zh-TW" altLang="en-US" sz="3600" dirty="0"/>
+              <a:t>需求列表 </a:t>
+            </a:r>
+            <a:r>
+              <a:rPr lang="en-US" altLang="zh-TW" sz="3600" dirty="0"/>
+              <a:t>– </a:t>
+            </a:r>
+            <a:r>
+              <a:rPr lang="zh-TW" altLang="en-US" sz="3600" dirty="0"/>
+              <a:t>硬體與環境需求 </a:t>
+            </a:r>
+            <a:r>
+              <a:rPr lang="en-US" altLang="zh-TW" sz="3600" dirty="0"/>
+              <a:t>(2023/3/18</a:t>
+            </a:r>
+            <a:r>
+              <a:rPr lang="zh-TW" altLang="en-US" sz="3600" dirty="0"/>
+              <a:t>更新</a:t>
+            </a:r>
+            <a:r>
+              <a:rPr lang="en-US" altLang="zh-TW" sz="3600" dirty="0"/>
+              <a:t>)</a:t>
+            </a:r>
+            <a:endParaRPr lang="zh-TW" altLang="en-US" sz="3600" dirty="0"/>
+          </a:p>
+        </p:txBody>
+      </p:sp>
+      <p:sp>
+        <p:nvSpPr>
+          <p:cNvPr id="5" name="內容版面配置區 1">
+            <a:extLst>
+              <a:ext uri="{FF2B5EF4-FFF2-40B4-BE49-F238E27FC236}">
+                <a16:creationId xmlns:a16="http://schemas.microsoft.com/office/drawing/2014/main" id="{6D844ED4-E8CD-4885-AB8D-34F97BC4FD59}"/>
+              </a:ext>
+            </a:extLst>
+          </p:cNvPr>
+          <p:cNvSpPr txBox="1">
+            <a:spLocks/>
+          </p:cNvSpPr>
+          <p:nvPr/>
+        </p:nvSpPr>
+        <p:spPr>
+          <a:xfrm>
+            <a:off x="826698" y="1204074"/>
+            <a:ext cx="5496464" cy="4997550"/>
+          </a:xfrm>
+          <a:prstGeom prst="rect">
+            <a:avLst/>
+          </a:prstGeom>
+        </p:spPr>
+        <p:txBody>
+          <a:bodyPr vert="horz" lIns="91440" tIns="45720" rIns="91440" bIns="45720" numCol="1" rtlCol="0">
+            <a:normAutofit/>
+          </a:bodyPr>
+          <a:lstStyle>
+            <a:lvl1pPr marL="144000" indent="-144000" algn="l" defTabSz="914400" rtl="0" eaLnBrk="1" latinLnBrk="0" hangingPunct="0">
+              <a:lnSpc>
+                <a:spcPct val="90000"/>
+              </a:lnSpc>
+              <a:spcBef>
+                <a:spcPts val="300"/>
+              </a:spcBef>
+              <a:buFont typeface="Arial" panose="020B0604020202020204" pitchFamily="34" charset="0"/>
+              <a:buChar char="•"/>
+              <a:defRPr sz="1600" kern="1200" baseline="0">
+                <a:solidFill>
+                  <a:schemeClr val="tx1"/>
+                </a:solidFill>
+                <a:latin typeface="Times New Roman" panose="02020603050405020304" pitchFamily="18" charset="0"/>
+                <a:ea typeface="標楷體" panose="03000509000000000000" pitchFamily="65" charset="-120"/>
+                <a:cs typeface="+mn-cs"/>
+              </a:defRPr>
+            </a:lvl1pPr>
+            <a:lvl2pPr marL="685800" indent="-228600" algn="l" defTabSz="914400" rtl="0" eaLnBrk="1" latinLnBrk="0" hangingPunct="0">
+              <a:lnSpc>
+                <a:spcPct val="90000"/>
+              </a:lnSpc>
+              <a:spcBef>
+                <a:spcPts val="300"/>
+              </a:spcBef>
+              <a:buFont typeface="Arial" panose="020B0604020202020204" pitchFamily="34" charset="0"/>
+              <a:buChar char="•"/>
+              <a:defRPr sz="1600" kern="1200" baseline="0">
+                <a:solidFill>
+                  <a:schemeClr val="tx1"/>
+                </a:solidFill>
+                <a:latin typeface="Times New Roman" panose="02020603050405020304" pitchFamily="18" charset="0"/>
+                <a:ea typeface="標楷體" panose="03000509000000000000" pitchFamily="65" charset="-120"/>
+                <a:cs typeface="+mn-cs"/>
+              </a:defRPr>
+            </a:lvl2pPr>
+            <a:lvl3pPr marL="1143000" indent="-228600" algn="l" defTabSz="914400" rtl="0" eaLnBrk="1" latinLnBrk="0" hangingPunct="0">
+              <a:lnSpc>
+                <a:spcPct val="90000"/>
+              </a:lnSpc>
+              <a:spcBef>
+                <a:spcPts val="300"/>
+              </a:spcBef>
+              <a:buFont typeface="Arial" panose="020B0604020202020204" pitchFamily="34" charset="0"/>
+              <a:buChar char="•"/>
+              <a:defRPr sz="1600" kern="1200" baseline="0">
+                <a:solidFill>
+                  <a:schemeClr val="tx1"/>
+                </a:solidFill>
+                <a:latin typeface="Times New Roman" panose="02020603050405020304" pitchFamily="18" charset="0"/>
+                <a:ea typeface="標楷體" panose="03000509000000000000" pitchFamily="65" charset="-120"/>
+                <a:cs typeface="+mn-cs"/>
+              </a:defRPr>
+            </a:lvl3pPr>
+            <a:lvl4pPr marL="1600200" indent="-228600" algn="l" defTabSz="914400" rtl="0" eaLnBrk="1" latinLnBrk="0" hangingPunct="0">
+              <a:lnSpc>
+                <a:spcPct val="90000"/>
+              </a:lnSpc>
+              <a:spcBef>
+                <a:spcPts val="300"/>
+              </a:spcBef>
+              <a:buFont typeface="Arial" panose="020B0604020202020204" pitchFamily="34" charset="0"/>
+              <a:buChar char="•"/>
+              <a:defRPr sz="1600" kern="1200" baseline="0">
+                <a:solidFill>
+                  <a:schemeClr val="tx1"/>
+                </a:solidFill>
+                <a:latin typeface="Times New Roman" panose="02020603050405020304" pitchFamily="18" charset="0"/>
+                <a:ea typeface="標楷體" panose="03000509000000000000" pitchFamily="65" charset="-120"/>
+                <a:cs typeface="+mn-cs"/>
+              </a:defRPr>
+            </a:lvl4pPr>
+            <a:lvl5pPr marL="2057400" indent="-228600" algn="l" defTabSz="914400" rtl="0" eaLnBrk="1" latinLnBrk="0" hangingPunct="0">
+              <a:lnSpc>
+                <a:spcPct val="90000"/>
+              </a:lnSpc>
+              <a:spcBef>
+                <a:spcPts val="300"/>
+              </a:spcBef>
+              <a:buFont typeface="Arial" panose="020B0604020202020204" pitchFamily="34" charset="0"/>
+              <a:buChar char="•"/>
+              <a:defRPr sz="1600" kern="1200" baseline="0">
+                <a:solidFill>
+                  <a:schemeClr val="tx1"/>
+                </a:solidFill>
+                <a:latin typeface="Times New Roman" panose="02020603050405020304" pitchFamily="18" charset="0"/>
+                <a:ea typeface="標楷體" panose="03000509000000000000" pitchFamily="65" charset="-120"/>
+                <a:cs typeface="+mn-cs"/>
+              </a:defRPr>
+            </a:lvl5pPr>
+            <a:lvl6pPr marL="2514600" indent="-228600" algn="l" defTabSz="914400" rtl="0" eaLnBrk="1" latinLnBrk="0" hangingPunct="1">
+              <a:lnSpc>
+                <a:spcPct val="90000"/>
+              </a:lnSpc>
+              <a:spcBef>
+                <a:spcPts val="500"/>
+              </a:spcBef>
+              <a:buFont typeface="Arial" panose="020B0604020202020204" pitchFamily="34" charset="0"/>
+              <a:buChar char="•"/>
+              <a:defRPr sz="1800" kern="1200">
+                <a:solidFill>
+                  <a:schemeClr val="tx1"/>
+                </a:solidFill>
+                <a:latin typeface="+mn-lt"/>
+                <a:ea typeface="+mn-ea"/>
+                <a:cs typeface="+mn-cs"/>
+              </a:defRPr>
+            </a:lvl6pPr>
+            <a:lvl7pPr marL="2971800" indent="-228600" algn="l" defTabSz="914400" rtl="0" eaLnBrk="1" latinLnBrk="0" hangingPunct="1">
+              <a:lnSpc>
+                <a:spcPct val="90000"/>
+              </a:lnSpc>
+              <a:spcBef>
+                <a:spcPts val="500"/>
+              </a:spcBef>
+              <a:buFont typeface="Arial" panose="020B0604020202020204" pitchFamily="34" charset="0"/>
+              <a:buChar char="•"/>
+              <a:defRPr sz="1800" kern="1200">
+                <a:solidFill>
+                  <a:schemeClr val="tx1"/>
+                </a:solidFill>
+                <a:latin typeface="+mn-lt"/>
+                <a:ea typeface="+mn-ea"/>
+                <a:cs typeface="+mn-cs"/>
+              </a:defRPr>
+            </a:lvl7pPr>
+            <a:lvl8pPr marL="3429000" indent="-228600" algn="l" defTabSz="914400" rtl="0" eaLnBrk="1" latinLnBrk="0" hangingPunct="1">
+              <a:lnSpc>
+                <a:spcPct val="90000"/>
+              </a:lnSpc>
+              <a:spcBef>
+                <a:spcPts val="500"/>
+              </a:spcBef>
+              <a:buFont typeface="Arial" panose="020B0604020202020204" pitchFamily="34" charset="0"/>
+              <a:buChar char="•"/>
+              <a:defRPr sz="1800" kern="1200">
+                <a:solidFill>
+                  <a:schemeClr val="tx1"/>
+                </a:solidFill>
+                <a:latin typeface="+mn-lt"/>
+                <a:ea typeface="+mn-ea"/>
+                <a:cs typeface="+mn-cs"/>
+              </a:defRPr>
+            </a:lvl8pPr>
+            <a:lvl9pPr marL="3886200" indent="-228600" algn="l" defTabSz="914400" rtl="0" eaLnBrk="1" latinLnBrk="0" hangingPunct="1">
+              <a:lnSpc>
+                <a:spcPct val="90000"/>
+              </a:lnSpc>
+              <a:spcBef>
+                <a:spcPts val="500"/>
+              </a:spcBef>
+              <a:buFont typeface="Arial" panose="020B0604020202020204" pitchFamily="34" charset="0"/>
+              <a:buChar char="•"/>
+              <a:defRPr sz="1800" kern="1200">
+                <a:solidFill>
+                  <a:schemeClr val="tx1"/>
+                </a:solidFill>
+                <a:latin typeface="+mn-lt"/>
+                <a:ea typeface="+mn-ea"/>
+                <a:cs typeface="+mn-cs"/>
+              </a:defRPr>
+            </a:lvl9pPr>
+          </a:lstStyle>
+          <a:p>
+            <a:pPr marL="0" indent="0">
+              <a:buNone/>
+            </a:pPr>
+            <a:r>
+              <a:rPr lang="zh-TW" altLang="en-US" dirty="0">
+                <a:solidFill>
+                  <a:srgbClr val="FF0000"/>
+                </a:solidFill>
+              </a:rPr>
+              <a:t>硬體列表：</a:t>
+            </a:r>
+            <a:endParaRPr lang="en-US" altLang="zh-TW" dirty="0">
+              <a:solidFill>
+                <a:srgbClr val="FF0000"/>
+              </a:solidFill>
+            </a:endParaRPr>
+          </a:p>
+          <a:p>
+            <a:pPr marL="0" indent="0">
+              <a:buNone/>
+            </a:pPr>
+            <a:r>
+              <a:rPr lang="en-US" altLang="zh-TW" dirty="0">
+                <a:solidFill>
+                  <a:srgbClr val="FF0000"/>
+                </a:solidFill>
+              </a:rPr>
+              <a:t>	</a:t>
+            </a:r>
+            <a:r>
+              <a:rPr lang="en-US" altLang="zh-TW" dirty="0"/>
+              <a:t>CPU: 11th Gen Intel(R) Core(TM) i5-1135G7 @ 2.40GHz   2.42 GHz</a:t>
+            </a:r>
+          </a:p>
+          <a:p>
+            <a:pPr marL="0" indent="0">
+              <a:buNone/>
+            </a:pPr>
+            <a:endParaRPr lang="en-US" altLang="zh-TW" dirty="0">
+              <a:solidFill>
+                <a:srgbClr val="FF0000"/>
+              </a:solidFill>
+            </a:endParaRPr>
+          </a:p>
+          <a:p>
+            <a:pPr marL="0" indent="0">
+              <a:buNone/>
+            </a:pPr>
+            <a:endParaRPr lang="en-US" altLang="zh-TW" dirty="0">
+              <a:solidFill>
+                <a:srgbClr val="FF0000"/>
+              </a:solidFill>
+            </a:endParaRPr>
+          </a:p>
+          <a:p>
+            <a:pPr marL="884700" lvl="1" indent="-342900">
+              <a:buFont typeface="+mj-lt"/>
+              <a:buAutoNum type="arabicPeriod"/>
+            </a:pPr>
+            <a:endParaRPr lang="en-US" altLang="zh-TW" dirty="0">
+              <a:solidFill>
+                <a:srgbClr val="FF0000"/>
+              </a:solidFill>
+            </a:endParaRPr>
+          </a:p>
+        </p:txBody>
+      </p:sp>
+      <p:sp>
+        <p:nvSpPr>
+          <p:cNvPr id="6" name="內容版面配置區 1">
+            <a:extLst>
+              <a:ext uri="{FF2B5EF4-FFF2-40B4-BE49-F238E27FC236}">
+                <a16:creationId xmlns:a16="http://schemas.microsoft.com/office/drawing/2014/main" id="{81B0CF6F-B3F9-4D1A-B404-B5F0E623425B}"/>
+              </a:ext>
+            </a:extLst>
+          </p:cNvPr>
+          <p:cNvSpPr txBox="1">
+            <a:spLocks/>
+          </p:cNvSpPr>
+          <p:nvPr/>
+        </p:nvSpPr>
+        <p:spPr>
+          <a:xfrm>
+            <a:off x="6323162" y="1204074"/>
+            <a:ext cx="5868838" cy="4997550"/>
+          </a:xfrm>
+          <a:prstGeom prst="rect">
+            <a:avLst/>
+          </a:prstGeom>
+        </p:spPr>
+        <p:txBody>
+          <a:bodyPr vert="horz" lIns="91440" tIns="45720" rIns="91440" bIns="45720" numCol="1" rtlCol="0">
+            <a:normAutofit/>
+          </a:bodyPr>
+          <a:lstStyle>
+            <a:lvl1pPr marL="144000" indent="-144000" algn="l" defTabSz="914400" rtl="0" eaLnBrk="1" latinLnBrk="0" hangingPunct="0">
+              <a:lnSpc>
+                <a:spcPct val="90000"/>
+              </a:lnSpc>
+              <a:spcBef>
+                <a:spcPts val="300"/>
+              </a:spcBef>
+              <a:buFont typeface="Arial" panose="020B0604020202020204" pitchFamily="34" charset="0"/>
+              <a:buChar char="•"/>
+              <a:defRPr sz="1600" kern="1200" baseline="0">
+                <a:solidFill>
+                  <a:schemeClr val="tx1"/>
+                </a:solidFill>
+                <a:latin typeface="Times New Roman" panose="02020603050405020304" pitchFamily="18" charset="0"/>
+                <a:ea typeface="標楷體" panose="03000509000000000000" pitchFamily="65" charset="-120"/>
+                <a:cs typeface="+mn-cs"/>
+              </a:defRPr>
+            </a:lvl1pPr>
+            <a:lvl2pPr marL="685800" indent="-228600" algn="l" defTabSz="914400" rtl="0" eaLnBrk="1" latinLnBrk="0" hangingPunct="0">
+              <a:lnSpc>
+                <a:spcPct val="90000"/>
+              </a:lnSpc>
+              <a:spcBef>
+                <a:spcPts val="300"/>
+              </a:spcBef>
+              <a:buFont typeface="Arial" panose="020B0604020202020204" pitchFamily="34" charset="0"/>
+              <a:buChar char="•"/>
+              <a:defRPr sz="1600" kern="1200" baseline="0">
+                <a:solidFill>
+                  <a:schemeClr val="tx1"/>
+                </a:solidFill>
+                <a:latin typeface="Times New Roman" panose="02020603050405020304" pitchFamily="18" charset="0"/>
+                <a:ea typeface="標楷體" panose="03000509000000000000" pitchFamily="65" charset="-120"/>
+                <a:cs typeface="+mn-cs"/>
+              </a:defRPr>
+            </a:lvl2pPr>
+            <a:lvl3pPr marL="1143000" indent="-228600" algn="l" defTabSz="914400" rtl="0" eaLnBrk="1" latinLnBrk="0" hangingPunct="0">
+              <a:lnSpc>
+                <a:spcPct val="90000"/>
+              </a:lnSpc>
+              <a:spcBef>
+                <a:spcPts val="300"/>
+              </a:spcBef>
+              <a:buFont typeface="Arial" panose="020B0604020202020204" pitchFamily="34" charset="0"/>
+              <a:buChar char="•"/>
+              <a:defRPr sz="1600" kern="1200" baseline="0">
+                <a:solidFill>
+                  <a:schemeClr val="tx1"/>
+                </a:solidFill>
+                <a:latin typeface="Times New Roman" panose="02020603050405020304" pitchFamily="18" charset="0"/>
+                <a:ea typeface="標楷體" panose="03000509000000000000" pitchFamily="65" charset="-120"/>
+                <a:cs typeface="+mn-cs"/>
+              </a:defRPr>
+            </a:lvl3pPr>
+            <a:lvl4pPr marL="1600200" indent="-228600" algn="l" defTabSz="914400" rtl="0" eaLnBrk="1" latinLnBrk="0" hangingPunct="0">
+              <a:lnSpc>
+                <a:spcPct val="90000"/>
+              </a:lnSpc>
+              <a:spcBef>
+                <a:spcPts val="300"/>
+              </a:spcBef>
+              <a:buFont typeface="Arial" panose="020B0604020202020204" pitchFamily="34" charset="0"/>
+              <a:buChar char="•"/>
+              <a:defRPr sz="1600" kern="1200" baseline="0">
+                <a:solidFill>
+                  <a:schemeClr val="tx1"/>
+                </a:solidFill>
+                <a:latin typeface="Times New Roman" panose="02020603050405020304" pitchFamily="18" charset="0"/>
+                <a:ea typeface="標楷體" panose="03000509000000000000" pitchFamily="65" charset="-120"/>
+                <a:cs typeface="+mn-cs"/>
+              </a:defRPr>
+            </a:lvl4pPr>
+            <a:lvl5pPr marL="2057400" indent="-228600" algn="l" defTabSz="914400" rtl="0" eaLnBrk="1" latinLnBrk="0" hangingPunct="0">
+              <a:lnSpc>
+                <a:spcPct val="90000"/>
+              </a:lnSpc>
+              <a:spcBef>
+                <a:spcPts val="300"/>
+              </a:spcBef>
+              <a:buFont typeface="Arial" panose="020B0604020202020204" pitchFamily="34" charset="0"/>
+              <a:buChar char="•"/>
+              <a:defRPr sz="1600" kern="1200" baseline="0">
+                <a:solidFill>
+                  <a:schemeClr val="tx1"/>
+                </a:solidFill>
+                <a:latin typeface="Times New Roman" panose="02020603050405020304" pitchFamily="18" charset="0"/>
+                <a:ea typeface="標楷體" panose="03000509000000000000" pitchFamily="65" charset="-120"/>
+                <a:cs typeface="+mn-cs"/>
+              </a:defRPr>
+            </a:lvl5pPr>
+            <a:lvl6pPr marL="2514600" indent="-228600" algn="l" defTabSz="914400" rtl="0" eaLnBrk="1" latinLnBrk="0" hangingPunct="1">
+              <a:lnSpc>
+                <a:spcPct val="90000"/>
+              </a:lnSpc>
+              <a:spcBef>
+                <a:spcPts val="500"/>
+              </a:spcBef>
+              <a:buFont typeface="Arial" panose="020B0604020202020204" pitchFamily="34" charset="0"/>
+              <a:buChar char="•"/>
+              <a:defRPr sz="1800" kern="1200">
+                <a:solidFill>
+                  <a:schemeClr val="tx1"/>
+                </a:solidFill>
+                <a:latin typeface="+mn-lt"/>
+                <a:ea typeface="+mn-ea"/>
+                <a:cs typeface="+mn-cs"/>
+              </a:defRPr>
+            </a:lvl6pPr>
+            <a:lvl7pPr marL="2971800" indent="-228600" algn="l" defTabSz="914400" rtl="0" eaLnBrk="1" latinLnBrk="0" hangingPunct="1">
+              <a:lnSpc>
+                <a:spcPct val="90000"/>
+              </a:lnSpc>
+              <a:spcBef>
+                <a:spcPts val="500"/>
+              </a:spcBef>
+              <a:buFont typeface="Arial" panose="020B0604020202020204" pitchFamily="34" charset="0"/>
+              <a:buChar char="•"/>
+              <a:defRPr sz="1800" kern="1200">
+                <a:solidFill>
+                  <a:schemeClr val="tx1"/>
+                </a:solidFill>
+                <a:latin typeface="+mn-lt"/>
+                <a:ea typeface="+mn-ea"/>
+                <a:cs typeface="+mn-cs"/>
+              </a:defRPr>
+            </a:lvl7pPr>
+            <a:lvl8pPr marL="3429000" indent="-228600" algn="l" defTabSz="914400" rtl="0" eaLnBrk="1" latinLnBrk="0" hangingPunct="1">
+              <a:lnSpc>
+                <a:spcPct val="90000"/>
+              </a:lnSpc>
+              <a:spcBef>
+                <a:spcPts val="500"/>
+              </a:spcBef>
+              <a:buFont typeface="Arial" panose="020B0604020202020204" pitchFamily="34" charset="0"/>
+              <a:buChar char="•"/>
+              <a:defRPr sz="1800" kern="1200">
+                <a:solidFill>
+                  <a:schemeClr val="tx1"/>
+                </a:solidFill>
+                <a:latin typeface="+mn-lt"/>
+                <a:ea typeface="+mn-ea"/>
+                <a:cs typeface="+mn-cs"/>
+              </a:defRPr>
+            </a:lvl8pPr>
+            <a:lvl9pPr marL="3886200" indent="-228600" algn="l" defTabSz="914400" rtl="0" eaLnBrk="1" latinLnBrk="0" hangingPunct="1">
+              <a:lnSpc>
+                <a:spcPct val="90000"/>
+              </a:lnSpc>
+              <a:spcBef>
+                <a:spcPts val="500"/>
+              </a:spcBef>
+              <a:buFont typeface="Arial" panose="020B0604020202020204" pitchFamily="34" charset="0"/>
+              <a:buChar char="•"/>
+              <a:defRPr sz="1800" kern="1200">
+                <a:solidFill>
+                  <a:schemeClr val="tx1"/>
+                </a:solidFill>
+                <a:latin typeface="+mn-lt"/>
+                <a:ea typeface="+mn-ea"/>
+                <a:cs typeface="+mn-cs"/>
+              </a:defRPr>
+            </a:lvl9pPr>
+          </a:lstStyle>
+          <a:p>
+            <a:pPr marL="0" indent="0">
+              <a:buNone/>
+            </a:pPr>
+            <a:r>
+              <a:rPr lang="zh-TW" altLang="en-US" dirty="0">
+                <a:solidFill>
+                  <a:srgbClr val="FF0000"/>
+                </a:solidFill>
+              </a:rPr>
+              <a:t>作業系統： </a:t>
+            </a:r>
+            <a:r>
+              <a:rPr lang="en-US" altLang="zh-TW" dirty="0"/>
+              <a:t>Win10</a:t>
+            </a:r>
+          </a:p>
+          <a:p>
+            <a:pPr lvl="1"/>
+            <a:endParaRPr lang="en-US" altLang="zh-TW" dirty="0">
+              <a:solidFill>
+                <a:srgbClr val="FF0000"/>
+              </a:solidFill>
+            </a:endParaRPr>
+          </a:p>
+          <a:p>
+            <a:pPr marL="0" indent="0">
+              <a:buNone/>
+            </a:pPr>
+            <a:endParaRPr lang="en-US" altLang="zh-TW" dirty="0">
+              <a:solidFill>
+                <a:srgbClr val="FF0000"/>
+              </a:solidFill>
+            </a:endParaRPr>
+          </a:p>
+          <a:p>
+            <a:pPr marL="0" indent="0">
+              <a:buNone/>
+            </a:pPr>
+            <a:endParaRPr lang="en-US" altLang="zh-TW" dirty="0">
+              <a:solidFill>
+                <a:srgbClr val="FF0000"/>
+              </a:solidFill>
+            </a:endParaRPr>
+          </a:p>
+          <a:p>
+            <a:pPr marL="0" indent="0">
+              <a:buNone/>
+            </a:pPr>
+            <a:r>
+              <a:rPr lang="zh-TW" altLang="en-US" dirty="0">
+                <a:solidFill>
+                  <a:srgbClr val="FF0000"/>
+                </a:solidFill>
+              </a:rPr>
+              <a:t>環境設定：</a:t>
+            </a:r>
+            <a:r>
+              <a:rPr lang="en-US" altLang="zh-TW" dirty="0"/>
+              <a:t>Python 3.10.4(anaconda)</a:t>
+            </a:r>
+            <a:endParaRPr lang="en-US" altLang="zh-TW" dirty="0">
+              <a:solidFill>
+                <a:srgbClr val="FF0000"/>
+              </a:solidFill>
+            </a:endParaRPr>
+          </a:p>
+          <a:p>
+            <a:pPr marL="884700" lvl="1" indent="-342900"/>
+            <a:endParaRPr lang="en-US" altLang="zh-TW" dirty="0">
+              <a:solidFill>
+                <a:srgbClr val="FF0000"/>
+              </a:solidFill>
+            </a:endParaRPr>
+          </a:p>
+          <a:p>
+            <a:pPr marL="884700" lvl="1" indent="-342900"/>
+            <a:endParaRPr lang="en-US" altLang="zh-TW" dirty="0">
+              <a:solidFill>
+                <a:srgbClr val="FF0000"/>
+              </a:solidFill>
+            </a:endParaRPr>
+          </a:p>
+          <a:p>
+            <a:pPr marL="0" indent="0">
+              <a:buNone/>
+            </a:pPr>
+            <a:r>
+              <a:rPr lang="zh-TW" altLang="en-US" dirty="0">
+                <a:solidFill>
+                  <a:srgbClr val="FF0000"/>
+                </a:solidFill>
+              </a:rPr>
+              <a:t>其他工具：</a:t>
+            </a:r>
+            <a:endParaRPr lang="en-US" altLang="zh-TW" dirty="0">
+              <a:solidFill>
+                <a:srgbClr val="FF0000"/>
+              </a:solidFill>
+            </a:endParaRPr>
+          </a:p>
+          <a:p>
+            <a:pPr lvl="1"/>
+            <a:endParaRPr lang="en-US" altLang="zh-TW" dirty="0">
+              <a:solidFill>
+                <a:srgbClr val="FF0000"/>
+              </a:solidFill>
+            </a:endParaRPr>
+          </a:p>
+        </p:txBody>
+      </p:sp>
+    </p:spTree>
+    <p:extLst>
+      <p:ext uri="{BB962C8B-B14F-4D97-AF65-F5344CB8AC3E}">
+        <p14:creationId xmlns:p14="http://schemas.microsoft.com/office/powerpoint/2010/main" val="1446253562"/>
+      </p:ext>
+    </p:extLst>
+  </p:cSld>
+  <p:clrMapOvr>
+    <a:masterClrMapping/>
+  </p:clrMapOvr>
+</p:sld>
+</file>
+
+<file path=ppt/slides/slide6.xml><?xml version="1.0" encoding="utf-8"?>
+<p:sld xmlns:a="http://schemas.openxmlformats.org/drawingml/2006/main" xmlns:r="http://schemas.openxmlformats.org/officeDocument/2006/relationships" xmlns:p="http://schemas.openxmlformats.org/presentationml/2006/main">
+  <p:cSld>
+    <p:spTree>
+      <p:nvGrpSpPr>
+        <p:cNvPr id="1" name=""/>
+        <p:cNvGrpSpPr/>
+        <p:nvPr/>
+      </p:nvGrpSpPr>
+      <p:grpSpPr>
+        <a:xfrm>
+          <a:off x="0" y="0"/>
+          <a:ext cx="0" cy="0"/>
+          <a:chOff x="0" y="0"/>
+          <a:chExt cx="0" cy="0"/>
+        </a:xfrm>
+      </p:grpSpPr>
+      <p:sp>
+        <p:nvSpPr>
+          <p:cNvPr id="3" name="標題 2"/>
+          <p:cNvSpPr>
+            <a:spLocks noGrp="1"/>
+          </p:cNvSpPr>
+          <p:nvPr>
+            <p:ph type="title"/>
+          </p:nvPr>
+        </p:nvSpPr>
+        <p:spPr/>
+        <p:txBody>
+          <a:bodyPr>
+            <a:normAutofit/>
+          </a:bodyPr>
+          <a:lstStyle/>
+          <a:p>
+            <a:r>
+              <a:rPr lang="zh-TW" altLang="en-US" sz="4000" dirty="0"/>
+              <a:t>模組列表 </a:t>
+            </a:r>
+            <a:r>
+              <a:rPr lang="en-US" altLang="zh-TW" sz="4000" dirty="0"/>
+              <a:t>(</a:t>
+            </a:r>
+            <a:r>
+              <a:rPr lang="en-US" altLang="zh-TW" sz="4000" dirty="0">
+                <a:solidFill>
+                  <a:srgbClr val="FF0000"/>
+                </a:solidFill>
+              </a:rPr>
+              <a:t>2023/3/18</a:t>
+            </a:r>
+            <a:r>
+              <a:rPr lang="zh-TW" altLang="en-US" sz="4000" dirty="0">
+                <a:solidFill>
+                  <a:srgbClr val="FF0000"/>
+                </a:solidFill>
+              </a:rPr>
+              <a:t>更新</a:t>
+            </a:r>
+            <a:r>
+              <a:rPr lang="en-US" altLang="zh-TW" sz="4000" dirty="0"/>
+              <a:t>)</a:t>
+            </a:r>
+            <a:endParaRPr lang="zh-TW" altLang="en-US" sz="4000" dirty="0"/>
+          </a:p>
+        </p:txBody>
+      </p:sp>
+      <p:sp>
+        <p:nvSpPr>
+          <p:cNvPr id="4" name="內容版面配置區 1"/>
+          <p:cNvSpPr>
+            <a:spLocks noGrp="1"/>
+          </p:cNvSpPr>
+          <p:nvPr>
+            <p:ph idx="1"/>
+          </p:nvPr>
+        </p:nvSpPr>
+        <p:spPr>
+          <a:xfrm>
+            <a:off x="838200" y="1228483"/>
+            <a:ext cx="10515600" cy="5037776"/>
+          </a:xfrm>
+        </p:spPr>
+        <p:txBody>
+          <a:bodyPr>
+            <a:normAutofit/>
+          </a:bodyPr>
+          <a:lstStyle/>
+          <a:p>
+            <a:r>
+              <a:rPr lang="zh-TW" altLang="en-US" dirty="0">
+                <a:solidFill>
+                  <a:srgbClr val="FF0000"/>
+                </a:solidFill>
+              </a:rPr>
+              <a:t>使用到之模組條列，可能包括開源</a:t>
+            </a:r>
+            <a:r>
+              <a:rPr lang="en-US" altLang="zh-TW" dirty="0">
+                <a:solidFill>
+                  <a:srgbClr val="FF0000"/>
+                </a:solidFill>
+              </a:rPr>
+              <a:t>library</a:t>
+            </a:r>
+            <a:r>
+              <a:rPr lang="zh-TW" altLang="en-US" dirty="0">
+                <a:solidFill>
+                  <a:srgbClr val="FF0000"/>
+                </a:solidFill>
+              </a:rPr>
+              <a:t>、自己寫的</a:t>
+            </a:r>
+            <a:r>
+              <a:rPr lang="en-US" altLang="zh-TW" dirty="0">
+                <a:solidFill>
+                  <a:srgbClr val="FF0000"/>
+                </a:solidFill>
+              </a:rPr>
+              <a:t>library</a:t>
+            </a:r>
+            <a:r>
+              <a:rPr lang="zh-TW" altLang="en-US" dirty="0">
+                <a:solidFill>
+                  <a:srgbClr val="FF0000"/>
+                </a:solidFill>
+              </a:rPr>
+              <a:t>等等</a:t>
+            </a:r>
+            <a:endParaRPr lang="en-US" altLang="zh-TW" dirty="0">
+              <a:solidFill>
+                <a:srgbClr val="FF0000"/>
+              </a:solidFill>
+            </a:endParaRPr>
+          </a:p>
+        </p:txBody>
+      </p:sp>
+      <p:sp>
+        <p:nvSpPr>
+          <p:cNvPr id="5" name="內容版面配置區 1">
+            <a:extLst>
+              <a:ext uri="{FF2B5EF4-FFF2-40B4-BE49-F238E27FC236}">
+                <a16:creationId xmlns:a16="http://schemas.microsoft.com/office/drawing/2014/main" id="{2316A834-2667-4ABC-A5BA-D24910490852}"/>
+              </a:ext>
+            </a:extLst>
+          </p:cNvPr>
+          <p:cNvSpPr txBox="1">
+            <a:spLocks/>
+          </p:cNvSpPr>
+          <p:nvPr/>
+        </p:nvSpPr>
+        <p:spPr>
+          <a:xfrm>
+            <a:off x="4183128" y="2623489"/>
+            <a:ext cx="6705600" cy="2523874"/>
+          </a:xfrm>
+          <a:prstGeom prst="rect">
+            <a:avLst/>
+          </a:prstGeom>
+        </p:spPr>
+        <p:txBody>
+          <a:bodyPr vert="horz" lIns="91440" tIns="45720" rIns="91440" bIns="45720" numCol="2" rtlCol="0">
+            <a:normAutofit/>
+          </a:bodyPr>
+          <a:lstStyle>
+            <a:lvl1pPr marL="144000" indent="-144000" algn="l" defTabSz="914400" rtl="0" eaLnBrk="1" latinLnBrk="0" hangingPunct="0">
+              <a:lnSpc>
+                <a:spcPct val="90000"/>
+              </a:lnSpc>
+              <a:spcBef>
+                <a:spcPts val="300"/>
+              </a:spcBef>
+              <a:buFont typeface="Arial" panose="020B0604020202020204" pitchFamily="34" charset="0"/>
+              <a:buChar char="•"/>
+              <a:defRPr sz="1600" kern="1200" baseline="0">
+                <a:solidFill>
+                  <a:schemeClr val="tx1"/>
+                </a:solidFill>
+                <a:latin typeface="Times New Roman" panose="02020603050405020304" pitchFamily="18" charset="0"/>
+                <a:ea typeface="標楷體" panose="03000509000000000000" pitchFamily="65" charset="-120"/>
+                <a:cs typeface="+mn-cs"/>
+              </a:defRPr>
+            </a:lvl1pPr>
+            <a:lvl2pPr marL="685800" indent="-228600" algn="l" defTabSz="914400" rtl="0" eaLnBrk="1" latinLnBrk="0" hangingPunct="0">
+              <a:lnSpc>
+                <a:spcPct val="90000"/>
+              </a:lnSpc>
+              <a:spcBef>
+                <a:spcPts val="300"/>
+              </a:spcBef>
+              <a:buFont typeface="Arial" panose="020B0604020202020204" pitchFamily="34" charset="0"/>
+              <a:buChar char="•"/>
+              <a:defRPr sz="1600" kern="1200" baseline="0">
+                <a:solidFill>
+                  <a:schemeClr val="tx1"/>
+                </a:solidFill>
+                <a:latin typeface="Times New Roman" panose="02020603050405020304" pitchFamily="18" charset="0"/>
+                <a:ea typeface="標楷體" panose="03000509000000000000" pitchFamily="65" charset="-120"/>
+                <a:cs typeface="+mn-cs"/>
+              </a:defRPr>
+            </a:lvl2pPr>
+            <a:lvl3pPr marL="1143000" indent="-228600" algn="l" defTabSz="914400" rtl="0" eaLnBrk="1" latinLnBrk="0" hangingPunct="0">
+              <a:lnSpc>
+                <a:spcPct val="90000"/>
+              </a:lnSpc>
+              <a:spcBef>
+                <a:spcPts val="300"/>
+              </a:spcBef>
+              <a:buFont typeface="Arial" panose="020B0604020202020204" pitchFamily="34" charset="0"/>
+              <a:buChar char="•"/>
+              <a:defRPr sz="1600" kern="1200" baseline="0">
+                <a:solidFill>
+                  <a:schemeClr val="tx1"/>
+                </a:solidFill>
+                <a:latin typeface="Times New Roman" panose="02020603050405020304" pitchFamily="18" charset="0"/>
+                <a:ea typeface="標楷體" panose="03000509000000000000" pitchFamily="65" charset="-120"/>
+                <a:cs typeface="+mn-cs"/>
+              </a:defRPr>
+            </a:lvl3pPr>
+            <a:lvl4pPr marL="1600200" indent="-228600" algn="l" defTabSz="914400" rtl="0" eaLnBrk="1" latinLnBrk="0" hangingPunct="0">
+              <a:lnSpc>
+                <a:spcPct val="90000"/>
+              </a:lnSpc>
+              <a:spcBef>
+                <a:spcPts val="300"/>
+              </a:spcBef>
+              <a:buFont typeface="Arial" panose="020B0604020202020204" pitchFamily="34" charset="0"/>
+              <a:buChar char="•"/>
+              <a:defRPr sz="1600" kern="1200" baseline="0">
+                <a:solidFill>
+                  <a:schemeClr val="tx1"/>
+                </a:solidFill>
+                <a:latin typeface="Times New Roman" panose="02020603050405020304" pitchFamily="18" charset="0"/>
+                <a:ea typeface="標楷體" panose="03000509000000000000" pitchFamily="65" charset="-120"/>
+                <a:cs typeface="+mn-cs"/>
+              </a:defRPr>
+            </a:lvl4pPr>
+            <a:lvl5pPr marL="2057400" indent="-228600" algn="l" defTabSz="914400" rtl="0" eaLnBrk="1" latinLnBrk="0" hangingPunct="0">
+              <a:lnSpc>
+                <a:spcPct val="90000"/>
+              </a:lnSpc>
+              <a:spcBef>
+                <a:spcPts val="300"/>
+              </a:spcBef>
+              <a:buFont typeface="Arial" panose="020B0604020202020204" pitchFamily="34" charset="0"/>
+              <a:buChar char="•"/>
+              <a:defRPr sz="1600" kern="1200" baseline="0">
+                <a:solidFill>
+                  <a:schemeClr val="tx1"/>
+                </a:solidFill>
+                <a:latin typeface="Times New Roman" panose="02020603050405020304" pitchFamily="18" charset="0"/>
+                <a:ea typeface="標楷體" panose="03000509000000000000" pitchFamily="65" charset="-120"/>
+                <a:cs typeface="+mn-cs"/>
+              </a:defRPr>
+            </a:lvl5pPr>
+            <a:lvl6pPr marL="2514600" indent="-228600" algn="l" defTabSz="914400" rtl="0" eaLnBrk="1" latinLnBrk="0" hangingPunct="1">
+              <a:lnSpc>
+                <a:spcPct val="90000"/>
+              </a:lnSpc>
+              <a:spcBef>
+                <a:spcPts val="500"/>
+              </a:spcBef>
+              <a:buFont typeface="Arial" panose="020B0604020202020204" pitchFamily="34" charset="0"/>
+              <a:buChar char="•"/>
+              <a:defRPr sz="1800" kern="1200">
+                <a:solidFill>
+                  <a:schemeClr val="tx1"/>
+                </a:solidFill>
+                <a:latin typeface="+mn-lt"/>
+                <a:ea typeface="+mn-ea"/>
+                <a:cs typeface="+mn-cs"/>
+              </a:defRPr>
+            </a:lvl6pPr>
+            <a:lvl7pPr marL="2971800" indent="-228600" algn="l" defTabSz="914400" rtl="0" eaLnBrk="1" latinLnBrk="0" hangingPunct="1">
+              <a:lnSpc>
+                <a:spcPct val="90000"/>
+              </a:lnSpc>
+              <a:spcBef>
+                <a:spcPts val="500"/>
+              </a:spcBef>
+              <a:buFont typeface="Arial" panose="020B0604020202020204" pitchFamily="34" charset="0"/>
+              <a:buChar char="•"/>
+              <a:defRPr sz="1800" kern="1200">
+                <a:solidFill>
+                  <a:schemeClr val="tx1"/>
+                </a:solidFill>
+                <a:latin typeface="+mn-lt"/>
+                <a:ea typeface="+mn-ea"/>
+                <a:cs typeface="+mn-cs"/>
+              </a:defRPr>
+            </a:lvl7pPr>
+            <a:lvl8pPr marL="3429000" indent="-228600" algn="l" defTabSz="914400" rtl="0" eaLnBrk="1" latinLnBrk="0" hangingPunct="1">
+              <a:lnSpc>
+                <a:spcPct val="90000"/>
+              </a:lnSpc>
+              <a:spcBef>
+                <a:spcPts val="500"/>
+              </a:spcBef>
+              <a:buFont typeface="Arial" panose="020B0604020202020204" pitchFamily="34" charset="0"/>
+              <a:buChar char="•"/>
+              <a:defRPr sz="1800" kern="1200">
+                <a:solidFill>
+                  <a:schemeClr val="tx1"/>
+                </a:solidFill>
+                <a:latin typeface="+mn-lt"/>
+                <a:ea typeface="+mn-ea"/>
+                <a:cs typeface="+mn-cs"/>
+              </a:defRPr>
+            </a:lvl8pPr>
+            <a:lvl9pPr marL="3886200" indent="-228600" algn="l" defTabSz="914400" rtl="0" eaLnBrk="1" latinLnBrk="0" hangingPunct="1">
+              <a:lnSpc>
+                <a:spcPct val="90000"/>
+              </a:lnSpc>
+              <a:spcBef>
+                <a:spcPts val="500"/>
+              </a:spcBef>
+              <a:buFont typeface="Arial" panose="020B0604020202020204" pitchFamily="34" charset="0"/>
+              <a:buChar char="•"/>
+              <a:defRPr sz="1800" kern="1200">
+                <a:solidFill>
+                  <a:schemeClr val="tx1"/>
+                </a:solidFill>
+                <a:latin typeface="+mn-lt"/>
+                <a:ea typeface="+mn-ea"/>
+                <a:cs typeface="+mn-cs"/>
+              </a:defRPr>
+            </a:lvl9pPr>
+          </a:lstStyle>
+          <a:p>
+            <a:pPr marL="285750" lvl="1" indent="-285750"/>
+            <a:r>
+              <a:rPr lang="en-US" altLang="zh-TW" dirty="0"/>
+              <a:t>import cv2</a:t>
+            </a:r>
+          </a:p>
+          <a:p>
+            <a:pPr marL="285750" lvl="1" indent="-285750"/>
+            <a:r>
+              <a:rPr lang="en-US" altLang="zh-TW" dirty="0"/>
+              <a:t>import </a:t>
+            </a:r>
+            <a:r>
+              <a:rPr lang="en-US" altLang="zh-TW" dirty="0" err="1"/>
+              <a:t>numpy</a:t>
+            </a:r>
+            <a:r>
+              <a:rPr lang="en-US" altLang="zh-TW" dirty="0"/>
+              <a:t> as np</a:t>
+            </a:r>
+          </a:p>
+          <a:p>
+            <a:pPr marL="285750" lvl="1" indent="-285750"/>
+            <a:r>
+              <a:rPr lang="en-US" altLang="zh-TW" dirty="0"/>
+              <a:t>from matplotlib import </a:t>
+            </a:r>
+            <a:r>
+              <a:rPr lang="en-US" altLang="zh-TW" dirty="0" err="1"/>
+              <a:t>pyplot</a:t>
+            </a:r>
+            <a:r>
+              <a:rPr lang="en-US" altLang="zh-TW" dirty="0"/>
+              <a:t> as </a:t>
+            </a:r>
+            <a:r>
+              <a:rPr lang="en-US" altLang="zh-TW" dirty="0" err="1"/>
+              <a:t>plt</a:t>
+            </a:r>
+            <a:endParaRPr lang="en-US" altLang="zh-TW" dirty="0"/>
+          </a:p>
+        </p:txBody>
+      </p:sp>
+    </p:spTree>
+    <p:extLst>
+      <p:ext uri="{BB962C8B-B14F-4D97-AF65-F5344CB8AC3E}">
+        <p14:creationId xmlns:p14="http://schemas.microsoft.com/office/powerpoint/2010/main" val="1406203448"/>
+      </p:ext>
+    </p:extLst>
+  </p:cSld>
+  <p:clrMapOvr>
+    <a:masterClrMapping/>
+  </p:clrMapOvr>
+</p:sld>
+</file>
+
+<file path=ppt/slides/slide7.xml><?xml version="1.0" encoding="utf-8"?>
+<p:sld xmlns:a="http://schemas.openxmlformats.org/drawingml/2006/main" xmlns:r="http://schemas.openxmlformats.org/officeDocument/2006/relationships" xmlns:p="http://schemas.openxmlformats.org/presentationml/2006/main">
+  <p:cSld>
+    <p:spTree>
+      <p:nvGrpSpPr>
+        <p:cNvPr id="1" name=""/>
+        <p:cNvGrpSpPr/>
+        <p:nvPr/>
+      </p:nvGrpSpPr>
+      <p:grpSpPr>
+        <a:xfrm>
+          <a:off x="0" y="0"/>
+          <a:ext cx="0" cy="0"/>
+          <a:chOff x="0" y="0"/>
+          <a:chExt cx="0" cy="0"/>
+        </a:xfrm>
+      </p:grpSpPr>
+      <p:sp>
+        <p:nvSpPr>
+          <p:cNvPr id="4" name="標題 3"/>
+          <p:cNvSpPr>
+            <a:spLocks noGrp="1"/>
+          </p:cNvSpPr>
+          <p:nvPr>
+            <p:ph type="title"/>
+          </p:nvPr>
+        </p:nvSpPr>
+        <p:spPr/>
+        <p:txBody>
+          <a:bodyPr/>
+          <a:lstStyle/>
+          <a:p>
+            <a:r>
+              <a:rPr lang="zh-TW" altLang="en-US" dirty="0"/>
+              <a:t>系統分析 </a:t>
+            </a:r>
+            <a:r>
+              <a:rPr lang="en-US" altLang="zh-TW" dirty="0"/>
+              <a:t>–</a:t>
+            </a:r>
+            <a:r>
+              <a:rPr lang="zh-TW" altLang="en-US" dirty="0"/>
+              <a:t> 系統流程圖 </a:t>
+            </a:r>
+            <a:r>
+              <a:rPr lang="en-US" altLang="zh-TW" dirty="0"/>
+              <a:t>(</a:t>
+            </a:r>
+            <a:r>
+              <a:rPr lang="en-US" altLang="zh-TW" dirty="0">
+                <a:solidFill>
+                  <a:srgbClr val="FF0000"/>
+                </a:solidFill>
+              </a:rPr>
+              <a:t>2023/3/18</a:t>
+            </a:r>
+            <a:r>
+              <a:rPr lang="zh-TW" altLang="en-US" dirty="0">
+                <a:solidFill>
+                  <a:srgbClr val="FF0000"/>
+                </a:solidFill>
+              </a:rPr>
+              <a:t>更新</a:t>
+            </a:r>
+            <a:r>
+              <a:rPr lang="en-US" altLang="zh-TW" dirty="0"/>
+              <a:t>)</a:t>
+            </a:r>
+            <a:endParaRPr lang="zh-TW" altLang="en-US" dirty="0"/>
+          </a:p>
+        </p:txBody>
+      </p:sp>
+      <p:sp>
+        <p:nvSpPr>
+          <p:cNvPr id="6" name="文字方塊 5">
+            <a:extLst>
+              <a:ext uri="{FF2B5EF4-FFF2-40B4-BE49-F238E27FC236}">
+                <a16:creationId xmlns:a16="http://schemas.microsoft.com/office/drawing/2014/main" id="{B65B7D2E-054F-49A2-9A43-BBF97CA689BD}"/>
+              </a:ext>
+            </a:extLst>
+          </p:cNvPr>
+          <p:cNvSpPr txBox="1"/>
+          <p:nvPr/>
+        </p:nvSpPr>
+        <p:spPr>
+          <a:xfrm>
+            <a:off x="1979720" y="1438341"/>
+            <a:ext cx="6977848" cy="369332"/>
+          </a:xfrm>
+          <a:prstGeom prst="rect">
+            <a:avLst/>
+          </a:prstGeom>
+          <a:noFill/>
+        </p:spPr>
+        <p:txBody>
+          <a:bodyPr wrap="square" rtlCol="0">
+            <a:spAutoFit/>
+          </a:bodyPr>
+          <a:lstStyle/>
+          <a:p>
+            <a:pPr marL="285750" indent="-285750">
+              <a:buFont typeface="Arial" panose="020B0604020202020204" pitchFamily="34" charset="0"/>
+              <a:buChar char="•"/>
+            </a:pPr>
+            <a:r>
+              <a:rPr lang="en-US" altLang="zh-TW" dirty="0">
+                <a:latin typeface="Times New Roman" panose="02020603050405020304" pitchFamily="18" charset="0"/>
+                <a:ea typeface="標楷體" panose="03000509000000000000" pitchFamily="65" charset="-120"/>
+              </a:rPr>
+              <a:t>Histogram generated by LBP(local binary pattern)</a:t>
+            </a:r>
+            <a:endParaRPr lang="zh-TW" altLang="en-US" dirty="0">
+              <a:latin typeface="Times New Roman" panose="02020603050405020304" pitchFamily="18" charset="0"/>
+              <a:ea typeface="標楷體" panose="03000509000000000000" pitchFamily="65" charset="-120"/>
+            </a:endParaRPr>
+          </a:p>
+        </p:txBody>
+      </p:sp>
+      <p:sp>
+        <p:nvSpPr>
+          <p:cNvPr id="5" name="矩形: 圓角 4">
+            <a:extLst>
+              <a:ext uri="{FF2B5EF4-FFF2-40B4-BE49-F238E27FC236}">
+                <a16:creationId xmlns:a16="http://schemas.microsoft.com/office/drawing/2014/main" id="{048CC75B-2FDF-43A0-A40C-D6E082F092A1}"/>
+              </a:ext>
+            </a:extLst>
+          </p:cNvPr>
+          <p:cNvSpPr/>
+          <p:nvPr/>
+        </p:nvSpPr>
+        <p:spPr>
+          <a:xfrm>
+            <a:off x="1505056" y="2080580"/>
+            <a:ext cx="2173385" cy="545722"/>
+          </a:xfrm>
+          <a:prstGeom prst="roundRect">
+            <a:avLst/>
+          </a:prstGeom>
+        </p:spPr>
+        <p:style>
+          <a:lnRef idx="2">
+            <a:schemeClr val="accent6"/>
+          </a:lnRef>
+          <a:fillRef idx="1">
+            <a:schemeClr val="lt1"/>
+          </a:fillRef>
+          <a:effectRef idx="0">
+            <a:schemeClr val="accent6"/>
+          </a:effectRef>
+          <a:fontRef idx="minor">
+            <a:schemeClr val="dk1"/>
+          </a:fontRef>
+        </p:style>
+        <p:txBody>
+          <a:bodyPr rtlCol="0" anchor="ctr"/>
+          <a:lstStyle/>
+          <a:p>
+            <a:pPr algn="ctr"/>
+            <a:r>
+              <a:rPr lang="zh-TW" altLang="en-US" dirty="0">
+                <a:ea typeface="標楷體" panose="03000509000000000000" pitchFamily="65" charset="-120"/>
+              </a:rPr>
+              <a:t>原圖片轉灰階</a:t>
+            </a:r>
+          </a:p>
+        </p:txBody>
+      </p:sp>
+      <p:sp>
+        <p:nvSpPr>
+          <p:cNvPr id="7" name="矩形: 圓角 6">
+            <a:extLst>
+              <a:ext uri="{FF2B5EF4-FFF2-40B4-BE49-F238E27FC236}">
+                <a16:creationId xmlns:a16="http://schemas.microsoft.com/office/drawing/2014/main" id="{AED6DC43-4EBA-465C-B85D-9AF7C75C7E1C}"/>
+              </a:ext>
+            </a:extLst>
+          </p:cNvPr>
+          <p:cNvSpPr/>
+          <p:nvPr/>
+        </p:nvSpPr>
+        <p:spPr>
+          <a:xfrm>
+            <a:off x="4053834" y="2027785"/>
+            <a:ext cx="1626264" cy="645454"/>
+          </a:xfrm>
+          <a:prstGeom prst="roundRect">
+            <a:avLst/>
+          </a:prstGeom>
+        </p:spPr>
+        <p:style>
+          <a:lnRef idx="2">
+            <a:schemeClr val="accent6"/>
+          </a:lnRef>
+          <a:fillRef idx="1">
+            <a:schemeClr val="lt1"/>
+          </a:fillRef>
+          <a:effectRef idx="0">
+            <a:schemeClr val="accent6"/>
+          </a:effectRef>
+          <a:fontRef idx="minor">
+            <a:schemeClr val="dk1"/>
+          </a:fontRef>
+        </p:style>
+        <p:txBody>
+          <a:bodyPr rtlCol="0" anchor="ctr"/>
+          <a:lstStyle/>
+          <a:p>
+            <a:pPr algn="ctr"/>
+            <a:r>
+              <a:rPr lang="zh-TW" altLang="en-US" dirty="0">
+                <a:ea typeface="標楷體" panose="03000509000000000000" pitchFamily="65" charset="-120"/>
+              </a:rPr>
+              <a:t>依行列掃描</a:t>
+            </a:r>
+          </a:p>
+        </p:txBody>
+      </p:sp>
+      <p:sp>
+        <p:nvSpPr>
+          <p:cNvPr id="8" name="矩形: 圓角 7">
+            <a:extLst>
+              <a:ext uri="{FF2B5EF4-FFF2-40B4-BE49-F238E27FC236}">
+                <a16:creationId xmlns:a16="http://schemas.microsoft.com/office/drawing/2014/main" id="{CCD8D571-EF36-45AB-A864-034B67F55F41}"/>
+              </a:ext>
+            </a:extLst>
+          </p:cNvPr>
+          <p:cNvSpPr/>
+          <p:nvPr/>
+        </p:nvSpPr>
+        <p:spPr>
+          <a:xfrm>
+            <a:off x="3776264" y="5114290"/>
+            <a:ext cx="2173385" cy="545722"/>
+          </a:xfrm>
+          <a:prstGeom prst="roundRect">
+            <a:avLst/>
+          </a:prstGeom>
+        </p:spPr>
+        <p:style>
+          <a:lnRef idx="2">
+            <a:schemeClr val="accent6"/>
+          </a:lnRef>
+          <a:fillRef idx="1">
+            <a:schemeClr val="lt1"/>
+          </a:fillRef>
+          <a:effectRef idx="0">
+            <a:schemeClr val="accent6"/>
+          </a:effectRef>
+          <a:fontRef idx="minor">
+            <a:schemeClr val="dk1"/>
+          </a:fontRef>
+        </p:style>
+        <p:txBody>
+          <a:bodyPr rtlCol="0" anchor="ctr"/>
+          <a:lstStyle/>
+          <a:p>
+            <a:pPr algn="ctr"/>
+            <a:r>
+              <a:rPr lang="zh-TW" altLang="en-US" dirty="0">
+                <a:ea typeface="標楷體" panose="03000509000000000000" pitchFamily="65" charset="-120"/>
+              </a:rPr>
+              <a:t>將</a:t>
+            </a:r>
+            <a:r>
+              <a:rPr lang="en-US" altLang="zh-TW" dirty="0">
+                <a:ea typeface="標楷體" panose="03000509000000000000" pitchFamily="65" charset="-120"/>
+              </a:rPr>
+              <a:t>kernel</a:t>
+            </a:r>
+            <a:r>
+              <a:rPr lang="zh-TW" altLang="en-US" dirty="0">
+                <a:ea typeface="標楷體" panose="03000509000000000000" pitchFamily="65" charset="-120"/>
+              </a:rPr>
+              <a:t>值存在</a:t>
+            </a:r>
+            <a:r>
+              <a:rPr lang="en-US" altLang="zh-TW" dirty="0" err="1">
+                <a:ea typeface="標楷體" panose="03000509000000000000" pitchFamily="65" charset="-120"/>
+              </a:rPr>
+              <a:t>img_LBP</a:t>
+            </a:r>
+            <a:r>
+              <a:rPr lang="en-US" altLang="zh-TW" dirty="0">
+                <a:ea typeface="標楷體" panose="03000509000000000000" pitchFamily="65" charset="-120"/>
+              </a:rPr>
+              <a:t>[I,</a:t>
+            </a:r>
+            <a:r>
+              <a:rPr lang="zh-TW" altLang="en-US" dirty="0">
+                <a:ea typeface="標楷體" panose="03000509000000000000" pitchFamily="65" charset="-120"/>
+              </a:rPr>
+              <a:t> </a:t>
+            </a:r>
+            <a:r>
+              <a:rPr lang="en-US" altLang="zh-TW" dirty="0">
+                <a:ea typeface="標楷體" panose="03000509000000000000" pitchFamily="65" charset="-120"/>
+              </a:rPr>
+              <a:t>j]</a:t>
+            </a:r>
+          </a:p>
+        </p:txBody>
+      </p:sp>
+      <p:sp>
+        <p:nvSpPr>
+          <p:cNvPr id="9" name="矩形: 圓角 8">
+            <a:extLst>
+              <a:ext uri="{FF2B5EF4-FFF2-40B4-BE49-F238E27FC236}">
+                <a16:creationId xmlns:a16="http://schemas.microsoft.com/office/drawing/2014/main" id="{88AC6F6D-E874-484C-AC6B-CD035E482C55}"/>
+              </a:ext>
+            </a:extLst>
+          </p:cNvPr>
+          <p:cNvSpPr/>
+          <p:nvPr/>
+        </p:nvSpPr>
+        <p:spPr>
+          <a:xfrm>
+            <a:off x="6636181" y="3499934"/>
+            <a:ext cx="2640272" cy="956508"/>
+          </a:xfrm>
+          <a:prstGeom prst="roundRect">
+            <a:avLst/>
+          </a:prstGeom>
+        </p:spPr>
+        <p:style>
+          <a:lnRef idx="2">
+            <a:schemeClr val="accent6"/>
+          </a:lnRef>
+          <a:fillRef idx="1">
+            <a:schemeClr val="lt1"/>
+          </a:fillRef>
+          <a:effectRef idx="0">
+            <a:schemeClr val="accent6"/>
+          </a:effectRef>
+          <a:fontRef idx="minor">
+            <a:schemeClr val="dk1"/>
+          </a:fontRef>
+        </p:style>
+        <p:txBody>
+          <a:bodyPr rtlCol="0" anchor="ctr"/>
+          <a:lstStyle/>
+          <a:p>
+            <a:pPr algn="ctr"/>
+            <a:r>
+              <a:rPr lang="zh-TW" altLang="en-US" dirty="0">
+                <a:ea typeface="標楷體" panose="03000509000000000000" pitchFamily="65" charset="-120"/>
+              </a:rPr>
+              <a:t>將</a:t>
+            </a:r>
+            <a:r>
+              <a:rPr lang="en-US" altLang="zh-TW" dirty="0">
+                <a:ea typeface="標楷體" panose="03000509000000000000" pitchFamily="65" charset="-120"/>
+              </a:rPr>
+              <a:t>0/1</a:t>
+            </a:r>
+            <a:r>
+              <a:rPr lang="zh-TW" altLang="en-US" dirty="0">
+                <a:ea typeface="標楷體" panose="03000509000000000000" pitchFamily="65" charset="-120"/>
+              </a:rPr>
+              <a:t>放入九宮格</a:t>
+            </a:r>
+            <a:r>
+              <a:rPr lang="en-US" altLang="zh-TW" dirty="0" err="1">
+                <a:ea typeface="標楷體" panose="03000509000000000000" pitchFamily="65" charset="-120"/>
+              </a:rPr>
+              <a:t>kernel.append</a:t>
+            </a:r>
+            <a:r>
+              <a:rPr lang="en-US" altLang="zh-TW" dirty="0">
+                <a:ea typeface="標楷體" panose="03000509000000000000" pitchFamily="65" charset="-120"/>
+              </a:rPr>
+              <a:t>(</a:t>
+            </a:r>
+            <a:r>
+              <a:rPr lang="zh-TW" altLang="en-US" dirty="0">
+                <a:ea typeface="標楷體" panose="03000509000000000000" pitchFamily="65" charset="-120"/>
+              </a:rPr>
+              <a:t> </a:t>
+            </a:r>
+            <a:r>
+              <a:rPr lang="en-US" altLang="zh-TW" dirty="0">
+                <a:ea typeface="標楷體" panose="03000509000000000000" pitchFamily="65" charset="-120"/>
+              </a:rPr>
+              <a:t>)</a:t>
+            </a:r>
+            <a:r>
+              <a:rPr lang="zh-TW" altLang="en-US" dirty="0">
+                <a:ea typeface="標楷體" panose="03000509000000000000" pitchFamily="65" charset="-120"/>
+              </a:rPr>
+              <a:t>，</a:t>
+            </a:r>
+            <a:endParaRPr lang="en-US" altLang="zh-TW" dirty="0">
+              <a:ea typeface="標楷體" panose="03000509000000000000" pitchFamily="65" charset="-120"/>
+            </a:endParaRPr>
+          </a:p>
+          <a:p>
+            <a:pPr algn="ctr"/>
+            <a:r>
+              <a:rPr lang="zh-TW" altLang="en-US" dirty="0">
+                <a:ea typeface="標楷體" panose="03000509000000000000" pitchFamily="65" charset="-120"/>
+              </a:rPr>
+              <a:t>換下一格</a:t>
+            </a:r>
+          </a:p>
+        </p:txBody>
+      </p:sp>
+      <p:sp>
+        <p:nvSpPr>
+          <p:cNvPr id="10" name="菱形 9">
+            <a:extLst>
+              <a:ext uri="{FF2B5EF4-FFF2-40B4-BE49-F238E27FC236}">
+                <a16:creationId xmlns:a16="http://schemas.microsoft.com/office/drawing/2014/main" id="{428DDF55-F832-48E8-A430-946A7FC11735}"/>
+              </a:ext>
+            </a:extLst>
+          </p:cNvPr>
+          <p:cNvSpPr/>
+          <p:nvPr/>
+        </p:nvSpPr>
+        <p:spPr>
+          <a:xfrm>
+            <a:off x="3780273" y="3677585"/>
+            <a:ext cx="2173385" cy="644270"/>
+          </a:xfrm>
+          <a:prstGeom prst="diamond">
+            <a:avLst/>
+          </a:prstGeom>
+        </p:spPr>
+        <p:style>
+          <a:lnRef idx="2">
+            <a:schemeClr val="accent6"/>
+          </a:lnRef>
+          <a:fillRef idx="1">
+            <a:schemeClr val="lt1"/>
+          </a:fillRef>
+          <a:effectRef idx="0">
+            <a:schemeClr val="accent6"/>
+          </a:effectRef>
+          <a:fontRef idx="minor">
+            <a:schemeClr val="dk1"/>
+          </a:fontRef>
+        </p:style>
+        <p:txBody>
+          <a:bodyPr rtlCol="0" anchor="ctr"/>
+          <a:lstStyle/>
+          <a:p>
+            <a:pPr algn="ctr"/>
+            <a:r>
+              <a:rPr lang="zh-TW" altLang="en-US" dirty="0">
+                <a:ea typeface="標楷體" panose="03000509000000000000" pitchFamily="65" charset="-120"/>
+              </a:rPr>
+              <a:t>未到橫列盡頭</a:t>
+            </a:r>
+          </a:p>
+        </p:txBody>
+      </p:sp>
+      <p:sp>
+        <p:nvSpPr>
+          <p:cNvPr id="11" name="橢圓 10">
+            <a:extLst>
+              <a:ext uri="{FF2B5EF4-FFF2-40B4-BE49-F238E27FC236}">
+                <a16:creationId xmlns:a16="http://schemas.microsoft.com/office/drawing/2014/main" id="{73753E55-6DEA-430F-898C-FCAA964E66D8}"/>
+              </a:ext>
+            </a:extLst>
+          </p:cNvPr>
+          <p:cNvSpPr/>
+          <p:nvPr/>
+        </p:nvSpPr>
+        <p:spPr>
+          <a:xfrm>
+            <a:off x="5681883" y="3432466"/>
+            <a:ext cx="784646" cy="545722"/>
+          </a:xfrm>
+          <a:prstGeom prst="ellipse">
+            <a:avLst/>
+          </a:prstGeom>
+          <a:noFill/>
+          <a:ln>
+            <a:noFill/>
+          </a:ln>
+        </p:spPr>
+        <p:style>
+          <a:lnRef idx="2">
+            <a:schemeClr val="accent1">
+              <a:shade val="50000"/>
+            </a:schemeClr>
+          </a:lnRef>
+          <a:fillRef idx="1">
+            <a:schemeClr val="accent1"/>
+          </a:fillRef>
+          <a:effectRef idx="0">
+            <a:schemeClr val="accent1"/>
+          </a:effectRef>
+          <a:fontRef idx="minor">
+            <a:schemeClr val="lt1"/>
+          </a:fontRef>
+        </p:style>
+        <p:txBody>
+          <a:bodyPr rtlCol="0" anchor="ctr"/>
+          <a:lstStyle/>
+          <a:p>
+            <a:pPr algn="ctr"/>
+            <a:r>
+              <a:rPr lang="en-US" altLang="zh-TW">
+                <a:solidFill>
+                  <a:schemeClr val="tx1"/>
+                </a:solidFill>
+              </a:rPr>
+              <a:t>Yes</a:t>
+            </a:r>
+            <a:endParaRPr lang="zh-TW" altLang="en-US" dirty="0">
+              <a:solidFill>
+                <a:schemeClr val="tx1"/>
+              </a:solidFill>
+            </a:endParaRPr>
+          </a:p>
+        </p:txBody>
+      </p:sp>
+      <p:sp>
+        <p:nvSpPr>
+          <p:cNvPr id="12" name="橢圓 11">
+            <a:extLst>
+              <a:ext uri="{FF2B5EF4-FFF2-40B4-BE49-F238E27FC236}">
+                <a16:creationId xmlns:a16="http://schemas.microsoft.com/office/drawing/2014/main" id="{C8D89599-C4E4-47F6-B36A-83DFE6D31947}"/>
+              </a:ext>
+            </a:extLst>
+          </p:cNvPr>
+          <p:cNvSpPr/>
+          <p:nvPr/>
+        </p:nvSpPr>
+        <p:spPr>
+          <a:xfrm>
+            <a:off x="4189312" y="4264410"/>
+            <a:ext cx="784646" cy="545722"/>
+          </a:xfrm>
+          <a:prstGeom prst="ellipse">
+            <a:avLst/>
+          </a:prstGeom>
+          <a:noFill/>
+          <a:ln>
+            <a:noFill/>
+          </a:ln>
+        </p:spPr>
+        <p:style>
+          <a:lnRef idx="2">
+            <a:schemeClr val="accent1">
+              <a:shade val="50000"/>
+            </a:schemeClr>
+          </a:lnRef>
+          <a:fillRef idx="1">
+            <a:schemeClr val="accent1"/>
+          </a:fillRef>
+          <a:effectRef idx="0">
+            <a:schemeClr val="accent1"/>
+          </a:effectRef>
+          <a:fontRef idx="minor">
+            <a:schemeClr val="lt1"/>
+          </a:fontRef>
+        </p:style>
+        <p:txBody>
+          <a:bodyPr rtlCol="0" anchor="ctr"/>
+          <a:lstStyle/>
+          <a:p>
+            <a:pPr algn="ctr"/>
+            <a:r>
+              <a:rPr lang="en-US" altLang="zh-TW">
+                <a:solidFill>
+                  <a:schemeClr val="tx1"/>
+                </a:solidFill>
+              </a:rPr>
+              <a:t>No</a:t>
+            </a:r>
+            <a:endParaRPr lang="zh-TW" altLang="en-US" dirty="0">
+              <a:solidFill>
+                <a:schemeClr val="tx1"/>
+              </a:solidFill>
+            </a:endParaRPr>
+          </a:p>
+        </p:txBody>
+      </p:sp>
+      <p:cxnSp>
+        <p:nvCxnSpPr>
+          <p:cNvPr id="13" name="直線單箭頭接點 12">
+            <a:extLst>
+              <a:ext uri="{FF2B5EF4-FFF2-40B4-BE49-F238E27FC236}">
+                <a16:creationId xmlns:a16="http://schemas.microsoft.com/office/drawing/2014/main" id="{3C258178-C4F0-4183-9724-7CC329236CFF}"/>
+              </a:ext>
+            </a:extLst>
+          </p:cNvPr>
+          <p:cNvCxnSpPr>
+            <a:cxnSpLocks/>
+            <a:stCxn id="8" idx="3"/>
+            <a:endCxn id="43" idx="1"/>
+          </p:cNvCxnSpPr>
+          <p:nvPr/>
+        </p:nvCxnSpPr>
+        <p:spPr>
+          <a:xfrm>
+            <a:off x="5949649" y="5387151"/>
+            <a:ext cx="686532" cy="0"/>
+          </a:xfrm>
+          <a:prstGeom prst="straightConnector1">
+            <a:avLst/>
+          </a:prstGeom>
+          <a:ln>
+            <a:tailEnd type="triangle"/>
+          </a:ln>
+        </p:spPr>
+        <p:style>
+          <a:lnRef idx="1">
+            <a:schemeClr val="accent1"/>
+          </a:lnRef>
+          <a:fillRef idx="0">
+            <a:schemeClr val="accent1"/>
+          </a:fillRef>
+          <a:effectRef idx="0">
+            <a:schemeClr val="accent1"/>
+          </a:effectRef>
+          <a:fontRef idx="minor">
+            <a:schemeClr val="tx1"/>
+          </a:fontRef>
+        </p:style>
+      </p:cxnSp>
+      <p:cxnSp>
+        <p:nvCxnSpPr>
+          <p:cNvPr id="14" name="直線單箭頭接點 13">
+            <a:extLst>
+              <a:ext uri="{FF2B5EF4-FFF2-40B4-BE49-F238E27FC236}">
+                <a16:creationId xmlns:a16="http://schemas.microsoft.com/office/drawing/2014/main" id="{83672F1C-1153-438F-9CD7-1EBC65734C81}"/>
+              </a:ext>
+            </a:extLst>
+          </p:cNvPr>
+          <p:cNvCxnSpPr>
+            <a:cxnSpLocks/>
+            <a:stCxn id="5" idx="3"/>
+            <a:endCxn id="7" idx="1"/>
+          </p:cNvCxnSpPr>
+          <p:nvPr/>
+        </p:nvCxnSpPr>
+        <p:spPr>
+          <a:xfrm flipV="1">
+            <a:off x="3678441" y="2350512"/>
+            <a:ext cx="375393" cy="2929"/>
+          </a:xfrm>
+          <a:prstGeom prst="straightConnector1">
+            <a:avLst/>
+          </a:prstGeom>
+          <a:ln>
+            <a:tailEnd type="triangle"/>
+          </a:ln>
+        </p:spPr>
+        <p:style>
+          <a:lnRef idx="1">
+            <a:schemeClr val="accent1"/>
+          </a:lnRef>
+          <a:fillRef idx="0">
+            <a:schemeClr val="accent1"/>
+          </a:fillRef>
+          <a:effectRef idx="0">
+            <a:schemeClr val="accent1"/>
+          </a:effectRef>
+          <a:fontRef idx="minor">
+            <a:schemeClr val="tx1"/>
+          </a:fontRef>
+        </p:style>
+      </p:cxnSp>
+      <p:cxnSp>
+        <p:nvCxnSpPr>
+          <p:cNvPr id="15" name="直線單箭頭接點 14">
+            <a:extLst>
+              <a:ext uri="{FF2B5EF4-FFF2-40B4-BE49-F238E27FC236}">
+                <a16:creationId xmlns:a16="http://schemas.microsoft.com/office/drawing/2014/main" id="{FC2627A4-D0F2-40FA-8073-53BB1943E04A}"/>
+              </a:ext>
+            </a:extLst>
+          </p:cNvPr>
+          <p:cNvCxnSpPr>
+            <a:cxnSpLocks/>
+            <a:stCxn id="12" idx="7"/>
+            <a:endCxn id="8" idx="0"/>
+          </p:cNvCxnSpPr>
+          <p:nvPr/>
+        </p:nvCxnSpPr>
+        <p:spPr>
+          <a:xfrm>
+            <a:off x="4859049" y="4344329"/>
+            <a:ext cx="3908" cy="769961"/>
+          </a:xfrm>
+          <a:prstGeom prst="straightConnector1">
+            <a:avLst/>
+          </a:prstGeom>
+          <a:ln>
+            <a:tailEnd type="triangle"/>
+          </a:ln>
+        </p:spPr>
+        <p:style>
+          <a:lnRef idx="1">
+            <a:schemeClr val="accent1"/>
+          </a:lnRef>
+          <a:fillRef idx="0">
+            <a:schemeClr val="accent1"/>
+          </a:fillRef>
+          <a:effectRef idx="0">
+            <a:schemeClr val="accent1"/>
+          </a:effectRef>
+          <a:fontRef idx="minor">
+            <a:schemeClr val="tx1"/>
+          </a:fontRef>
+        </p:style>
+      </p:cxnSp>
+      <p:sp>
+        <p:nvSpPr>
+          <p:cNvPr id="16" name="橢圓 15">
+            <a:extLst>
+              <a:ext uri="{FF2B5EF4-FFF2-40B4-BE49-F238E27FC236}">
+                <a16:creationId xmlns:a16="http://schemas.microsoft.com/office/drawing/2014/main" id="{F2CEC328-70A0-4BB8-9B9E-BACA94287A63}"/>
+              </a:ext>
+            </a:extLst>
+          </p:cNvPr>
+          <p:cNvSpPr/>
+          <p:nvPr/>
+        </p:nvSpPr>
+        <p:spPr>
+          <a:xfrm>
+            <a:off x="9466701" y="5152705"/>
+            <a:ext cx="784647" cy="468892"/>
+          </a:xfrm>
+          <a:prstGeom prst="ellipse">
+            <a:avLst/>
+          </a:prstGeom>
+          <a:noFill/>
+          <a:ln>
+            <a:solidFill>
+              <a:schemeClr val="tx2"/>
+            </a:solidFill>
+          </a:ln>
+        </p:spPr>
+        <p:style>
+          <a:lnRef idx="2">
+            <a:schemeClr val="accent1">
+              <a:shade val="50000"/>
+            </a:schemeClr>
+          </a:lnRef>
+          <a:fillRef idx="1">
+            <a:schemeClr val="accent1"/>
+          </a:fillRef>
+          <a:effectRef idx="0">
+            <a:schemeClr val="accent1"/>
+          </a:effectRef>
+          <a:fontRef idx="minor">
+            <a:schemeClr val="lt1"/>
+          </a:fontRef>
+        </p:style>
+        <p:txBody>
+          <a:bodyPr rtlCol="0" anchor="ctr"/>
+          <a:lstStyle/>
+          <a:p>
+            <a:pPr algn="ctr"/>
+            <a:r>
+              <a:rPr lang="en-US" altLang="zh-TW">
+                <a:solidFill>
+                  <a:schemeClr val="tx1"/>
+                </a:solidFill>
+              </a:rPr>
+              <a:t>end</a:t>
+            </a:r>
+            <a:endParaRPr lang="zh-TW" altLang="en-US" dirty="0">
+              <a:solidFill>
+                <a:schemeClr val="tx1"/>
+              </a:solidFill>
+            </a:endParaRPr>
+          </a:p>
+        </p:txBody>
+      </p:sp>
+      <p:cxnSp>
+        <p:nvCxnSpPr>
+          <p:cNvPr id="17" name="接點: 肘形 16">
+            <a:extLst>
+              <a:ext uri="{FF2B5EF4-FFF2-40B4-BE49-F238E27FC236}">
+                <a16:creationId xmlns:a16="http://schemas.microsoft.com/office/drawing/2014/main" id="{9E1FA27A-36B1-49DC-B69F-C17D666FD10D}"/>
+              </a:ext>
+            </a:extLst>
+          </p:cNvPr>
+          <p:cNvCxnSpPr>
+            <a:cxnSpLocks/>
+            <a:stCxn id="7" idx="2"/>
+            <a:endCxn id="10" idx="0"/>
+          </p:cNvCxnSpPr>
+          <p:nvPr/>
+        </p:nvCxnSpPr>
+        <p:spPr>
+          <a:xfrm rot="5400000">
+            <a:off x="4364793" y="3175412"/>
+            <a:ext cx="1004346" cy="12700"/>
+          </a:xfrm>
+          <a:prstGeom prst="bentConnector3">
+            <a:avLst>
+              <a:gd name="adj1" fmla="val 50000"/>
+            </a:avLst>
+          </a:prstGeom>
+          <a:ln>
+            <a:tailEnd type="triangle"/>
+          </a:ln>
+        </p:spPr>
+        <p:style>
+          <a:lnRef idx="1">
+            <a:schemeClr val="accent1"/>
+          </a:lnRef>
+          <a:fillRef idx="0">
+            <a:schemeClr val="accent1"/>
+          </a:fillRef>
+          <a:effectRef idx="0">
+            <a:schemeClr val="accent1"/>
+          </a:effectRef>
+          <a:fontRef idx="minor">
+            <a:schemeClr val="tx1"/>
+          </a:fontRef>
+        </p:style>
+      </p:cxnSp>
+      <p:cxnSp>
+        <p:nvCxnSpPr>
+          <p:cNvPr id="18" name="直線單箭頭接點 17">
+            <a:extLst>
+              <a:ext uri="{FF2B5EF4-FFF2-40B4-BE49-F238E27FC236}">
+                <a16:creationId xmlns:a16="http://schemas.microsoft.com/office/drawing/2014/main" id="{0004560E-C4BC-4E87-BE9C-85EA95EDE2A2}"/>
+              </a:ext>
+            </a:extLst>
+          </p:cNvPr>
+          <p:cNvCxnSpPr>
+            <a:cxnSpLocks/>
+            <a:stCxn id="10" idx="3"/>
+            <a:endCxn id="9" idx="1"/>
+          </p:cNvCxnSpPr>
+          <p:nvPr/>
+        </p:nvCxnSpPr>
+        <p:spPr>
+          <a:xfrm flipV="1">
+            <a:off x="5953658" y="3978188"/>
+            <a:ext cx="682523" cy="21532"/>
+          </a:xfrm>
+          <a:prstGeom prst="straightConnector1">
+            <a:avLst/>
+          </a:prstGeom>
+          <a:ln>
+            <a:tailEnd type="triangle"/>
+          </a:ln>
+        </p:spPr>
+        <p:style>
+          <a:lnRef idx="1">
+            <a:schemeClr val="accent1"/>
+          </a:lnRef>
+          <a:fillRef idx="0">
+            <a:schemeClr val="accent1"/>
+          </a:fillRef>
+          <a:effectRef idx="0">
+            <a:schemeClr val="accent1"/>
+          </a:effectRef>
+          <a:fontRef idx="minor">
+            <a:schemeClr val="tx1"/>
+          </a:fontRef>
+        </p:style>
+      </p:cxnSp>
+      <p:sp>
+        <p:nvSpPr>
+          <p:cNvPr id="43" name="矩形: 圓角 42">
+            <a:extLst>
+              <a:ext uri="{FF2B5EF4-FFF2-40B4-BE49-F238E27FC236}">
+                <a16:creationId xmlns:a16="http://schemas.microsoft.com/office/drawing/2014/main" id="{AEE421F1-688C-4067-9E23-2EA5CB375AD0}"/>
+              </a:ext>
+            </a:extLst>
+          </p:cNvPr>
+          <p:cNvSpPr/>
+          <p:nvPr/>
+        </p:nvSpPr>
+        <p:spPr>
+          <a:xfrm>
+            <a:off x="6636181" y="5114290"/>
+            <a:ext cx="2173385" cy="545722"/>
+          </a:xfrm>
+          <a:prstGeom prst="roundRect">
+            <a:avLst/>
+          </a:prstGeom>
+        </p:spPr>
+        <p:style>
+          <a:lnRef idx="2">
+            <a:schemeClr val="accent6"/>
+          </a:lnRef>
+          <a:fillRef idx="1">
+            <a:schemeClr val="lt1"/>
+          </a:fillRef>
+          <a:effectRef idx="0">
+            <a:schemeClr val="accent6"/>
+          </a:effectRef>
+          <a:fontRef idx="minor">
+            <a:schemeClr val="dk1"/>
+          </a:fontRef>
+        </p:style>
+        <p:txBody>
+          <a:bodyPr rtlCol="0" anchor="ctr"/>
+          <a:lstStyle/>
+          <a:p>
+            <a:pPr algn="ctr"/>
+            <a:r>
+              <a:rPr lang="zh-TW" altLang="en-US" dirty="0">
+                <a:ea typeface="標楷體" panose="03000509000000000000" pitchFamily="65" charset="-120"/>
+              </a:rPr>
+              <a:t>以</a:t>
+            </a:r>
+            <a:r>
+              <a:rPr lang="en-US" altLang="zh-TW" dirty="0">
+                <a:ea typeface="標楷體" panose="03000509000000000000" pitchFamily="65" charset="-120"/>
+              </a:rPr>
+              <a:t>cv2.calcHist()</a:t>
+            </a:r>
+            <a:r>
+              <a:rPr lang="zh-TW" altLang="en-US" dirty="0">
+                <a:ea typeface="標楷體" panose="03000509000000000000" pitchFamily="65" charset="-120"/>
+              </a:rPr>
+              <a:t>繪製</a:t>
+            </a:r>
+            <a:r>
+              <a:rPr lang="en-US" altLang="zh-TW" dirty="0" err="1">
+                <a:ea typeface="標楷體" panose="03000509000000000000" pitchFamily="65" charset="-120"/>
+              </a:rPr>
+              <a:t>img_LBP</a:t>
+            </a:r>
+            <a:r>
+              <a:rPr lang="en-US" altLang="zh-TW" dirty="0">
+                <a:ea typeface="標楷體" panose="03000509000000000000" pitchFamily="65" charset="-120"/>
+              </a:rPr>
+              <a:t>[ ][ ]</a:t>
+            </a:r>
+          </a:p>
+        </p:txBody>
+      </p:sp>
+      <p:cxnSp>
+        <p:nvCxnSpPr>
+          <p:cNvPr id="94" name="接點: 肘形 93">
+            <a:extLst>
+              <a:ext uri="{FF2B5EF4-FFF2-40B4-BE49-F238E27FC236}">
+                <a16:creationId xmlns:a16="http://schemas.microsoft.com/office/drawing/2014/main" id="{7A5D5859-46EE-4EA0-A86B-A922D1E61F21}"/>
+              </a:ext>
+            </a:extLst>
+          </p:cNvPr>
+          <p:cNvCxnSpPr>
+            <a:cxnSpLocks/>
+            <a:stCxn id="9" idx="2"/>
+            <a:endCxn id="10" idx="0"/>
+          </p:cNvCxnSpPr>
+          <p:nvPr/>
+        </p:nvCxnSpPr>
+        <p:spPr>
+          <a:xfrm rot="5400000" flipH="1">
+            <a:off x="6022213" y="2522339"/>
+            <a:ext cx="778857" cy="3089351"/>
+          </a:xfrm>
+          <a:prstGeom prst="bentConnector5">
+            <a:avLst>
+              <a:gd name="adj1" fmla="val -43029"/>
+              <a:gd name="adj2" fmla="val -66627"/>
+              <a:gd name="adj3" fmla="val 160127"/>
+            </a:avLst>
+          </a:prstGeom>
+          <a:ln>
+            <a:tailEnd type="triangle"/>
+          </a:ln>
+        </p:spPr>
+        <p:style>
+          <a:lnRef idx="1">
+            <a:schemeClr val="accent1"/>
+          </a:lnRef>
+          <a:fillRef idx="0">
+            <a:schemeClr val="accent1"/>
+          </a:fillRef>
+          <a:effectRef idx="0">
+            <a:schemeClr val="accent1"/>
+          </a:effectRef>
+          <a:fontRef idx="minor">
+            <a:schemeClr val="tx1"/>
+          </a:fontRef>
+        </p:style>
+      </p:cxnSp>
+      <p:cxnSp>
+        <p:nvCxnSpPr>
+          <p:cNvPr id="104" name="直線單箭頭接點 103">
+            <a:extLst>
+              <a:ext uri="{FF2B5EF4-FFF2-40B4-BE49-F238E27FC236}">
+                <a16:creationId xmlns:a16="http://schemas.microsoft.com/office/drawing/2014/main" id="{67FCF2BD-DF5F-4C9D-B5E0-4671F1728DD1}"/>
+              </a:ext>
+            </a:extLst>
+          </p:cNvPr>
+          <p:cNvCxnSpPr>
+            <a:cxnSpLocks/>
+            <a:stCxn id="43" idx="3"/>
+            <a:endCxn id="16" idx="2"/>
+          </p:cNvCxnSpPr>
+          <p:nvPr/>
+        </p:nvCxnSpPr>
+        <p:spPr>
+          <a:xfrm>
+            <a:off x="8809566" y="5387151"/>
+            <a:ext cx="657135" cy="0"/>
+          </a:xfrm>
+          <a:prstGeom prst="straightConnector1">
+            <a:avLst/>
+          </a:prstGeom>
+          <a:ln>
+            <a:tailEnd type="triangle"/>
+          </a:ln>
+        </p:spPr>
+        <p:style>
+          <a:lnRef idx="1">
+            <a:schemeClr val="accent1"/>
+          </a:lnRef>
+          <a:fillRef idx="0">
+            <a:schemeClr val="accent1"/>
+          </a:fillRef>
+          <a:effectRef idx="0">
+            <a:schemeClr val="accent1"/>
+          </a:effectRef>
+          <a:fontRef idx="minor">
+            <a:schemeClr val="tx1"/>
+          </a:fontRef>
+        </p:style>
+      </p:cxnSp>
+    </p:spTree>
+    <p:extLst>
+      <p:ext uri="{BB962C8B-B14F-4D97-AF65-F5344CB8AC3E}">
+        <p14:creationId xmlns:p14="http://schemas.microsoft.com/office/powerpoint/2010/main" val="4161202371"/>
+      </p:ext>
+    </p:extLst>
+  </p:cSld>
+  <p:clrMapOvr>
+    <a:masterClrMapping/>
+  </p:clrMapOvr>
+</p:sld>
+</file>
+
+<file path=ppt/slides/slide8.xml><?xml version="1.0" encoding="utf-8"?>
+<p:sld xmlns:a="http://schemas.openxmlformats.org/drawingml/2006/main" xmlns:r="http://schemas.openxmlformats.org/officeDocument/2006/relationships" xmlns:p="http://schemas.openxmlformats.org/presentationml/2006/main">
+  <p:cSld>
+    <p:spTree>
+      <p:nvGrpSpPr>
+        <p:cNvPr id="1" name=""/>
+        <p:cNvGrpSpPr/>
+        <p:nvPr/>
+      </p:nvGrpSpPr>
+      <p:grpSpPr>
+        <a:xfrm>
+          <a:off x="0" y="0"/>
+          <a:ext cx="0" cy="0"/>
+          <a:chOff x="0" y="0"/>
+          <a:chExt cx="0" cy="0"/>
+        </a:xfrm>
+      </p:grpSpPr>
+      <p:sp>
+        <p:nvSpPr>
+          <p:cNvPr id="5" name="標題 3">
+            <a:extLst>
+              <a:ext uri="{FF2B5EF4-FFF2-40B4-BE49-F238E27FC236}">
+                <a16:creationId xmlns:a16="http://schemas.microsoft.com/office/drawing/2014/main" id="{5E65A4BB-74FA-47A4-97D2-6955415EF6B6}"/>
+              </a:ext>
+            </a:extLst>
+          </p:cNvPr>
+          <p:cNvSpPr>
+            <a:spLocks noGrp="1"/>
+          </p:cNvSpPr>
+          <p:nvPr>
+            <p:ph type="title"/>
+          </p:nvPr>
+        </p:nvSpPr>
+        <p:spPr>
+          <a:xfrm>
+            <a:off x="838200" y="365125"/>
+            <a:ext cx="10515600" cy="720000"/>
+          </a:xfrm>
+        </p:spPr>
+        <p:txBody>
+          <a:bodyPr/>
+          <a:lstStyle/>
+          <a:p>
+            <a:r>
+              <a:rPr lang="zh-TW" altLang="en-US" dirty="0"/>
+              <a:t>系統分析 </a:t>
+            </a:r>
+            <a:r>
+              <a:rPr lang="en-US" altLang="zh-TW" dirty="0"/>
+              <a:t>–</a:t>
+            </a:r>
+            <a:r>
+              <a:rPr lang="zh-TW" altLang="en-US" dirty="0"/>
+              <a:t> </a:t>
+            </a:r>
+            <a:r>
+              <a:rPr lang="en-US" altLang="zh-TW" dirty="0"/>
+              <a:t>breakdown</a:t>
+            </a:r>
+            <a:r>
+              <a:rPr lang="zh-TW" altLang="en-US" dirty="0"/>
+              <a:t> </a:t>
+            </a:r>
+            <a:r>
+              <a:rPr lang="en-US" altLang="zh-TW" dirty="0"/>
+              <a:t>(</a:t>
+            </a:r>
+            <a:r>
+              <a:rPr lang="en-US" altLang="zh-TW" dirty="0">
+                <a:solidFill>
+                  <a:srgbClr val="FF0000"/>
+                </a:solidFill>
+              </a:rPr>
+              <a:t>2023/3/18</a:t>
+            </a:r>
+            <a:r>
+              <a:rPr lang="zh-TW" altLang="en-US" dirty="0">
+                <a:solidFill>
+                  <a:srgbClr val="FF0000"/>
+                </a:solidFill>
+              </a:rPr>
+              <a:t>更新</a:t>
+            </a:r>
+            <a:r>
+              <a:rPr lang="en-US" altLang="zh-TW" dirty="0"/>
+              <a:t>)</a:t>
+            </a:r>
+            <a:endParaRPr lang="zh-TW" altLang="en-US" dirty="0"/>
+          </a:p>
+        </p:txBody>
+      </p:sp>
+      <p:sp>
+        <p:nvSpPr>
+          <p:cNvPr id="6" name="文字方塊 5">
+            <a:extLst>
+              <a:ext uri="{FF2B5EF4-FFF2-40B4-BE49-F238E27FC236}">
+                <a16:creationId xmlns:a16="http://schemas.microsoft.com/office/drawing/2014/main" id="{421945B4-0BCC-4907-96E2-145A261EAA9B}"/>
+              </a:ext>
+            </a:extLst>
+          </p:cNvPr>
+          <p:cNvSpPr txBox="1"/>
+          <p:nvPr/>
+        </p:nvSpPr>
+        <p:spPr>
+          <a:xfrm>
+            <a:off x="1979720" y="1455937"/>
+            <a:ext cx="6977848" cy="338554"/>
+          </a:xfrm>
+          <a:prstGeom prst="rect">
+            <a:avLst/>
+          </a:prstGeom>
+          <a:noFill/>
+        </p:spPr>
+        <p:txBody>
+          <a:bodyPr wrap="square" rtlCol="0">
+            <a:spAutoFit/>
+          </a:bodyPr>
+          <a:lstStyle/>
+          <a:p>
+            <a:pPr marL="285750" indent="-285750">
+              <a:buFont typeface="Arial" panose="020B0604020202020204" pitchFamily="34" charset="0"/>
+              <a:buChar char="•"/>
+            </a:pPr>
+            <a:r>
+              <a:rPr lang="zh-TW" altLang="en-US" sz="1600" dirty="0">
+                <a:latin typeface="標楷體" panose="03000509000000000000" pitchFamily="65" charset="-120"/>
+                <a:ea typeface="標楷體" panose="03000509000000000000" pitchFamily="65" charset="-120"/>
+              </a:rPr>
+              <a:t>主程式、子模組</a:t>
+            </a:r>
+          </a:p>
+        </p:txBody>
+      </p:sp>
+      <p:sp>
+        <p:nvSpPr>
+          <p:cNvPr id="8" name="矩形: 圓角 7">
+            <a:extLst>
+              <a:ext uri="{FF2B5EF4-FFF2-40B4-BE49-F238E27FC236}">
+                <a16:creationId xmlns:a16="http://schemas.microsoft.com/office/drawing/2014/main" id="{20597EF4-5CE0-49A7-98BF-113F6B79B7DF}"/>
+              </a:ext>
+            </a:extLst>
+          </p:cNvPr>
+          <p:cNvSpPr/>
+          <p:nvPr/>
+        </p:nvSpPr>
+        <p:spPr>
+          <a:xfrm>
+            <a:off x="5238975" y="1950556"/>
+            <a:ext cx="1714049" cy="660323"/>
+          </a:xfrm>
+          <a:prstGeom prst="roundRect">
+            <a:avLst/>
+          </a:prstGeom>
+        </p:spPr>
+        <p:style>
+          <a:lnRef idx="2">
+            <a:schemeClr val="accent6"/>
+          </a:lnRef>
+          <a:fillRef idx="1">
+            <a:schemeClr val="lt1"/>
+          </a:fillRef>
+          <a:effectRef idx="0">
+            <a:schemeClr val="accent6"/>
+          </a:effectRef>
+          <a:fontRef idx="minor">
+            <a:schemeClr val="dk1"/>
+          </a:fontRef>
+        </p:style>
+        <p:txBody>
+          <a:bodyPr rtlCol="0" anchor="ctr"/>
+          <a:lstStyle/>
+          <a:p>
+            <a:pPr algn="ctr"/>
+            <a:r>
+              <a:rPr lang="en-US" altLang="zh-TW" dirty="0">
+                <a:ea typeface="標楷體" panose="03000509000000000000" pitchFamily="65" charset="-120"/>
+              </a:rPr>
+              <a:t>LBP,</a:t>
+            </a:r>
+            <a:r>
+              <a:rPr lang="zh-TW" altLang="en-US" dirty="0">
+                <a:ea typeface="標楷體" panose="03000509000000000000" pitchFamily="65" charset="-120"/>
+              </a:rPr>
+              <a:t> </a:t>
+            </a:r>
+            <a:r>
+              <a:rPr lang="en-US" altLang="zh-TW" dirty="0">
+                <a:ea typeface="標楷體" panose="03000509000000000000" pitchFamily="65" charset="-120"/>
+              </a:rPr>
+              <a:t>histogram generator</a:t>
+            </a:r>
+            <a:endParaRPr lang="zh-TW" altLang="en-US" dirty="0">
+              <a:ea typeface="標楷體" panose="03000509000000000000" pitchFamily="65" charset="-120"/>
+            </a:endParaRPr>
+          </a:p>
+        </p:txBody>
+      </p:sp>
+      <p:cxnSp>
+        <p:nvCxnSpPr>
+          <p:cNvPr id="9" name="直線單箭頭接點 8">
+            <a:extLst>
+              <a:ext uri="{FF2B5EF4-FFF2-40B4-BE49-F238E27FC236}">
+                <a16:creationId xmlns:a16="http://schemas.microsoft.com/office/drawing/2014/main" id="{4168B30B-87A6-42FA-93D2-A98A00AC4CBB}"/>
+              </a:ext>
+            </a:extLst>
+          </p:cNvPr>
+          <p:cNvCxnSpPr>
+            <a:cxnSpLocks/>
+            <a:stCxn id="8" idx="2"/>
+            <a:endCxn id="11" idx="0"/>
+          </p:cNvCxnSpPr>
+          <p:nvPr/>
+        </p:nvCxnSpPr>
+        <p:spPr>
+          <a:xfrm flipH="1">
+            <a:off x="4016942" y="2610879"/>
+            <a:ext cx="2079058" cy="789790"/>
+          </a:xfrm>
+          <a:prstGeom prst="straightConnector1">
+            <a:avLst/>
+          </a:prstGeom>
+          <a:ln>
+            <a:tailEnd type="triangle"/>
+          </a:ln>
+        </p:spPr>
+        <p:style>
+          <a:lnRef idx="1">
+            <a:schemeClr val="accent1"/>
+          </a:lnRef>
+          <a:fillRef idx="0">
+            <a:schemeClr val="accent1"/>
+          </a:fillRef>
+          <a:effectRef idx="0">
+            <a:schemeClr val="accent1"/>
+          </a:effectRef>
+          <a:fontRef idx="minor">
+            <a:schemeClr val="tx1"/>
+          </a:fontRef>
+        </p:style>
+      </p:cxnSp>
+      <p:sp>
+        <p:nvSpPr>
+          <p:cNvPr id="11" name="矩形: 圓角 10">
+            <a:extLst>
+              <a:ext uri="{FF2B5EF4-FFF2-40B4-BE49-F238E27FC236}">
+                <a16:creationId xmlns:a16="http://schemas.microsoft.com/office/drawing/2014/main" id="{6C435690-E9A6-49F2-B154-EF856D8B1DEF}"/>
+              </a:ext>
+            </a:extLst>
+          </p:cNvPr>
+          <p:cNvSpPr/>
+          <p:nvPr/>
+        </p:nvSpPr>
+        <p:spPr>
+          <a:xfrm>
+            <a:off x="3159917" y="3400669"/>
+            <a:ext cx="1714049" cy="660323"/>
+          </a:xfrm>
+          <a:prstGeom prst="roundRect">
+            <a:avLst/>
+          </a:prstGeom>
+        </p:spPr>
+        <p:style>
+          <a:lnRef idx="2">
+            <a:schemeClr val="accent6"/>
+          </a:lnRef>
+          <a:fillRef idx="1">
+            <a:schemeClr val="lt1"/>
+          </a:fillRef>
+          <a:effectRef idx="0">
+            <a:schemeClr val="accent6"/>
+          </a:effectRef>
+          <a:fontRef idx="minor">
+            <a:schemeClr val="dk1"/>
+          </a:fontRef>
+        </p:style>
+        <p:txBody>
+          <a:bodyPr rtlCol="0" anchor="ctr"/>
+          <a:lstStyle/>
+          <a:p>
+            <a:pPr algn="ctr"/>
+            <a:r>
+              <a:rPr lang="en-US" altLang="zh-TW" dirty="0">
+                <a:ea typeface="標楷體" panose="03000509000000000000" pitchFamily="65" charset="-120"/>
+              </a:rPr>
+              <a:t>LBP kernel</a:t>
+            </a:r>
+            <a:endParaRPr lang="zh-TW" altLang="en-US" dirty="0">
+              <a:ea typeface="標楷體" panose="03000509000000000000" pitchFamily="65" charset="-120"/>
+            </a:endParaRPr>
+          </a:p>
+        </p:txBody>
+      </p:sp>
+      <p:sp>
+        <p:nvSpPr>
+          <p:cNvPr id="12" name="橢圓 11">
+            <a:extLst>
+              <a:ext uri="{FF2B5EF4-FFF2-40B4-BE49-F238E27FC236}">
+                <a16:creationId xmlns:a16="http://schemas.microsoft.com/office/drawing/2014/main" id="{6DBF9AB5-4BBD-4686-A04D-F79BE9FAFEF4}"/>
+              </a:ext>
+            </a:extLst>
+          </p:cNvPr>
+          <p:cNvSpPr/>
+          <p:nvPr/>
+        </p:nvSpPr>
+        <p:spPr>
+          <a:xfrm>
+            <a:off x="3072130" y="4893136"/>
+            <a:ext cx="1889621" cy="930194"/>
+          </a:xfrm>
+          <a:prstGeom prst="ellipse">
+            <a:avLst/>
+          </a:prstGeom>
+          <a:noFill/>
+        </p:spPr>
+        <p:style>
+          <a:lnRef idx="2">
+            <a:schemeClr val="accent1">
+              <a:shade val="50000"/>
+            </a:schemeClr>
+          </a:lnRef>
+          <a:fillRef idx="1">
+            <a:schemeClr val="accent1"/>
+          </a:fillRef>
+          <a:effectRef idx="0">
+            <a:schemeClr val="accent1"/>
+          </a:effectRef>
+          <a:fontRef idx="minor">
+            <a:schemeClr val="lt1"/>
+          </a:fontRef>
+        </p:style>
+        <p:txBody>
+          <a:bodyPr rtlCol="0" anchor="ctr"/>
+          <a:lstStyle/>
+          <a:p>
+            <a:pPr algn="ctr"/>
+            <a:r>
+              <a:rPr lang="zh-TW" altLang="en-US" dirty="0">
+                <a:solidFill>
+                  <a:schemeClr val="tx1"/>
+                </a:solidFill>
+                <a:ea typeface="標楷體" panose="03000509000000000000" pitchFamily="65" charset="-120"/>
+              </a:rPr>
+              <a:t>右上角</a:t>
+            </a:r>
+            <a:r>
+              <a:rPr lang="en-US" altLang="zh-TW">
+                <a:solidFill>
+                  <a:schemeClr val="tx1"/>
+                </a:solidFill>
+                <a:ea typeface="標楷體" panose="03000509000000000000" pitchFamily="65" charset="-120"/>
+              </a:rPr>
+              <a:t>LSB</a:t>
+            </a:r>
+            <a:r>
+              <a:rPr lang="zh-TW" altLang="en-US">
+                <a:solidFill>
+                  <a:schemeClr val="tx1"/>
+                </a:solidFill>
+                <a:ea typeface="標楷體" panose="03000509000000000000" pitchFamily="65" charset="-120"/>
+              </a:rPr>
+              <a:t>順</a:t>
+            </a:r>
+            <a:r>
+              <a:rPr lang="zh-TW" altLang="en-US" dirty="0">
+                <a:solidFill>
+                  <a:schemeClr val="tx1"/>
+                </a:solidFill>
+                <a:ea typeface="標楷體" panose="03000509000000000000" pitchFamily="65" charset="-120"/>
+              </a:rPr>
+              <a:t>時針遞增</a:t>
+            </a:r>
+          </a:p>
+        </p:txBody>
+      </p:sp>
+      <p:cxnSp>
+        <p:nvCxnSpPr>
+          <p:cNvPr id="20" name="直線單箭頭接點 19">
+            <a:extLst>
+              <a:ext uri="{FF2B5EF4-FFF2-40B4-BE49-F238E27FC236}">
+                <a16:creationId xmlns:a16="http://schemas.microsoft.com/office/drawing/2014/main" id="{E33D1E49-37CD-4275-8B65-2CC8DD16D977}"/>
+              </a:ext>
+            </a:extLst>
+          </p:cNvPr>
+          <p:cNvCxnSpPr>
+            <a:cxnSpLocks/>
+            <a:stCxn id="11" idx="2"/>
+            <a:endCxn id="12" idx="0"/>
+          </p:cNvCxnSpPr>
+          <p:nvPr/>
+        </p:nvCxnSpPr>
+        <p:spPr>
+          <a:xfrm flipH="1">
+            <a:off x="4016941" y="4060992"/>
+            <a:ext cx="1" cy="832144"/>
+          </a:xfrm>
+          <a:prstGeom prst="straightConnector1">
+            <a:avLst/>
+          </a:prstGeom>
+          <a:ln>
+            <a:tailEnd type="triangle"/>
+          </a:ln>
+        </p:spPr>
+        <p:style>
+          <a:lnRef idx="1">
+            <a:schemeClr val="accent1"/>
+          </a:lnRef>
+          <a:fillRef idx="0">
+            <a:schemeClr val="accent1"/>
+          </a:fillRef>
+          <a:effectRef idx="0">
+            <a:schemeClr val="accent1"/>
+          </a:effectRef>
+          <a:fontRef idx="minor">
+            <a:schemeClr val="tx1"/>
+          </a:fontRef>
+        </p:style>
+      </p:cxnSp>
+      <p:sp>
+        <p:nvSpPr>
+          <p:cNvPr id="13" name="矩形: 圓角 12">
+            <a:extLst>
+              <a:ext uri="{FF2B5EF4-FFF2-40B4-BE49-F238E27FC236}">
+                <a16:creationId xmlns:a16="http://schemas.microsoft.com/office/drawing/2014/main" id="{3055B3FE-61F1-4536-B1AE-0FE3759E6EE6}"/>
+              </a:ext>
+            </a:extLst>
+          </p:cNvPr>
+          <p:cNvSpPr/>
+          <p:nvPr/>
+        </p:nvSpPr>
+        <p:spPr>
+          <a:xfrm>
+            <a:off x="1127961" y="3399147"/>
+            <a:ext cx="1714049" cy="660323"/>
+          </a:xfrm>
+          <a:prstGeom prst="roundRect">
+            <a:avLst/>
+          </a:prstGeom>
+        </p:spPr>
+        <p:style>
+          <a:lnRef idx="2">
+            <a:schemeClr val="accent6"/>
+          </a:lnRef>
+          <a:fillRef idx="1">
+            <a:schemeClr val="lt1"/>
+          </a:fillRef>
+          <a:effectRef idx="0">
+            <a:schemeClr val="accent6"/>
+          </a:effectRef>
+          <a:fontRef idx="minor">
+            <a:schemeClr val="dk1"/>
+          </a:fontRef>
+        </p:style>
+        <p:txBody>
+          <a:bodyPr rtlCol="0" anchor="ctr"/>
+          <a:lstStyle/>
+          <a:p>
+            <a:pPr algn="ctr"/>
+            <a:r>
+              <a:rPr lang="zh-TW" altLang="en-US" dirty="0">
+                <a:ea typeface="標楷體" panose="03000509000000000000" pitchFamily="65" charset="-120"/>
+              </a:rPr>
+              <a:t>讀取原塗片</a:t>
+            </a:r>
+          </a:p>
+        </p:txBody>
+      </p:sp>
+      <p:cxnSp>
+        <p:nvCxnSpPr>
+          <p:cNvPr id="14" name="直線單箭頭接點 13">
+            <a:extLst>
+              <a:ext uri="{FF2B5EF4-FFF2-40B4-BE49-F238E27FC236}">
+                <a16:creationId xmlns:a16="http://schemas.microsoft.com/office/drawing/2014/main" id="{5E11FD13-5DDC-412C-8E8C-BB8EF177A08A}"/>
+              </a:ext>
+            </a:extLst>
+          </p:cNvPr>
+          <p:cNvCxnSpPr>
+            <a:cxnSpLocks/>
+            <a:stCxn id="8" idx="2"/>
+            <a:endCxn id="13" idx="0"/>
+          </p:cNvCxnSpPr>
+          <p:nvPr/>
+        </p:nvCxnSpPr>
+        <p:spPr>
+          <a:xfrm flipH="1">
+            <a:off x="1984986" y="2610879"/>
+            <a:ext cx="4111014" cy="788268"/>
+          </a:xfrm>
+          <a:prstGeom prst="straightConnector1">
+            <a:avLst/>
+          </a:prstGeom>
+          <a:ln>
+            <a:tailEnd type="triangle"/>
+          </a:ln>
+        </p:spPr>
+        <p:style>
+          <a:lnRef idx="1">
+            <a:schemeClr val="accent1"/>
+          </a:lnRef>
+          <a:fillRef idx="0">
+            <a:schemeClr val="accent1"/>
+          </a:fillRef>
+          <a:effectRef idx="0">
+            <a:schemeClr val="accent1"/>
+          </a:effectRef>
+          <a:fontRef idx="minor">
+            <a:schemeClr val="tx1"/>
+          </a:fontRef>
+        </p:style>
+      </p:cxnSp>
+      <p:sp>
+        <p:nvSpPr>
+          <p:cNvPr id="23" name="矩形: 圓角 22">
+            <a:extLst>
+              <a:ext uri="{FF2B5EF4-FFF2-40B4-BE49-F238E27FC236}">
+                <a16:creationId xmlns:a16="http://schemas.microsoft.com/office/drawing/2014/main" id="{9D54C8EE-DDF5-4637-A7EA-ED83BA1E6779}"/>
+              </a:ext>
+            </a:extLst>
+          </p:cNvPr>
+          <p:cNvSpPr/>
+          <p:nvPr/>
+        </p:nvSpPr>
+        <p:spPr>
+          <a:xfrm>
+            <a:off x="7143049" y="3370789"/>
+            <a:ext cx="1714049" cy="660323"/>
+          </a:xfrm>
+          <a:prstGeom prst="roundRect">
+            <a:avLst/>
+          </a:prstGeom>
+        </p:spPr>
+        <p:style>
+          <a:lnRef idx="2">
+            <a:schemeClr val="accent6"/>
+          </a:lnRef>
+          <a:fillRef idx="1">
+            <a:schemeClr val="lt1"/>
+          </a:fillRef>
+          <a:effectRef idx="0">
+            <a:schemeClr val="accent6"/>
+          </a:effectRef>
+          <a:fontRef idx="minor">
+            <a:schemeClr val="dk1"/>
+          </a:fontRef>
+        </p:style>
+        <p:txBody>
+          <a:bodyPr rtlCol="0" anchor="ctr"/>
+          <a:lstStyle/>
+          <a:p>
+            <a:pPr algn="ctr"/>
+            <a:r>
+              <a:rPr lang="zh-TW" altLang="en-US" dirty="0">
+                <a:ea typeface="標楷體" panose="03000509000000000000" pitchFamily="65" charset="-120"/>
+              </a:rPr>
+              <a:t>直方圖繪製</a:t>
+            </a:r>
+          </a:p>
+        </p:txBody>
+      </p:sp>
+      <p:cxnSp>
+        <p:nvCxnSpPr>
+          <p:cNvPr id="24" name="直線單箭頭接點 23">
+            <a:extLst>
+              <a:ext uri="{FF2B5EF4-FFF2-40B4-BE49-F238E27FC236}">
+                <a16:creationId xmlns:a16="http://schemas.microsoft.com/office/drawing/2014/main" id="{07E513D7-98E1-41FA-BA82-C957EB4945E6}"/>
+              </a:ext>
+            </a:extLst>
+          </p:cNvPr>
+          <p:cNvCxnSpPr>
+            <a:cxnSpLocks/>
+            <a:stCxn id="8" idx="2"/>
+            <a:endCxn id="23" idx="0"/>
+          </p:cNvCxnSpPr>
+          <p:nvPr/>
+        </p:nvCxnSpPr>
+        <p:spPr>
+          <a:xfrm>
+            <a:off x="6096000" y="2610879"/>
+            <a:ext cx="1904074" cy="759910"/>
+          </a:xfrm>
+          <a:prstGeom prst="straightConnector1">
+            <a:avLst/>
+          </a:prstGeom>
+          <a:ln>
+            <a:tailEnd type="triangle"/>
+          </a:ln>
+        </p:spPr>
+        <p:style>
+          <a:lnRef idx="1">
+            <a:schemeClr val="accent1"/>
+          </a:lnRef>
+          <a:fillRef idx="0">
+            <a:schemeClr val="accent1"/>
+          </a:fillRef>
+          <a:effectRef idx="0">
+            <a:schemeClr val="accent1"/>
+          </a:effectRef>
+          <a:fontRef idx="minor">
+            <a:schemeClr val="tx1"/>
+          </a:fontRef>
+        </p:style>
+      </p:cxnSp>
+      <p:sp>
+        <p:nvSpPr>
+          <p:cNvPr id="28" name="矩形: 圓角 27">
+            <a:extLst>
+              <a:ext uri="{FF2B5EF4-FFF2-40B4-BE49-F238E27FC236}">
+                <a16:creationId xmlns:a16="http://schemas.microsoft.com/office/drawing/2014/main" id="{FCB71707-BD4B-4027-B91C-682B1D9267AD}"/>
+              </a:ext>
+            </a:extLst>
+          </p:cNvPr>
+          <p:cNvSpPr/>
+          <p:nvPr/>
+        </p:nvSpPr>
+        <p:spPr>
+          <a:xfrm>
+            <a:off x="9053288" y="3370789"/>
+            <a:ext cx="2010751" cy="660323"/>
+          </a:xfrm>
+          <a:prstGeom prst="roundRect">
+            <a:avLst/>
+          </a:prstGeom>
+        </p:spPr>
+        <p:style>
+          <a:lnRef idx="2">
+            <a:schemeClr val="accent6"/>
+          </a:lnRef>
+          <a:fillRef idx="1">
+            <a:schemeClr val="lt1"/>
+          </a:fillRef>
+          <a:effectRef idx="0">
+            <a:schemeClr val="accent6"/>
+          </a:effectRef>
+          <a:fontRef idx="minor">
+            <a:schemeClr val="dk1"/>
+          </a:fontRef>
+        </p:style>
+        <p:txBody>
+          <a:bodyPr rtlCol="0" anchor="ctr"/>
+          <a:lstStyle/>
+          <a:p>
+            <a:pPr algn="ctr"/>
+            <a:r>
+              <a:rPr lang="zh-TW" altLang="en-US" dirty="0">
+                <a:ea typeface="標楷體" panose="03000509000000000000" pitchFamily="65" charset="-120"/>
+              </a:rPr>
+              <a:t>圖片</a:t>
+            </a:r>
+            <a:r>
+              <a:rPr lang="zh-TW" altLang="en-US">
+                <a:ea typeface="標楷體" panose="03000509000000000000" pitchFamily="65" charset="-120"/>
+              </a:rPr>
+              <a:t>切割</a:t>
+            </a:r>
+            <a:r>
+              <a:rPr lang="en-US" altLang="zh-TW" dirty="0">
+                <a:ea typeface="標楷體" panose="03000509000000000000" pitchFamily="65" charset="-120"/>
+              </a:rPr>
+              <a:t>(</a:t>
+            </a:r>
+            <a:r>
+              <a:rPr lang="zh-TW" altLang="en-US" dirty="0">
+                <a:ea typeface="標楷體" panose="03000509000000000000" pitchFamily="65" charset="-120"/>
+              </a:rPr>
+              <a:t>遮罩</a:t>
+            </a:r>
+            <a:r>
+              <a:rPr lang="en-US" altLang="zh-TW" dirty="0">
+                <a:ea typeface="標楷體" panose="03000509000000000000" pitchFamily="65" charset="-120"/>
+              </a:rPr>
+              <a:t>)</a:t>
+            </a:r>
+            <a:r>
+              <a:rPr lang="zh-TW" altLang="en-US" dirty="0">
+                <a:ea typeface="標楷體" panose="03000509000000000000" pitchFamily="65" charset="-120"/>
+              </a:rPr>
+              <a:t>、</a:t>
+            </a:r>
+            <a:endParaRPr lang="en-US" altLang="zh-TW" dirty="0">
+              <a:ea typeface="標楷體" panose="03000509000000000000" pitchFamily="65" charset="-120"/>
+            </a:endParaRPr>
+          </a:p>
+          <a:p>
+            <a:pPr algn="ctr"/>
+            <a:r>
+              <a:rPr lang="zh-TW" altLang="en-US" dirty="0">
+                <a:ea typeface="標楷體" panose="03000509000000000000" pitchFamily="65" charset="-120"/>
+              </a:rPr>
+              <a:t>挑樣本</a:t>
+            </a:r>
+          </a:p>
+        </p:txBody>
+      </p:sp>
+      <p:sp>
+        <p:nvSpPr>
+          <p:cNvPr id="39" name="矩形: 圓角 38">
+            <a:extLst>
+              <a:ext uri="{FF2B5EF4-FFF2-40B4-BE49-F238E27FC236}">
+                <a16:creationId xmlns:a16="http://schemas.microsoft.com/office/drawing/2014/main" id="{9DECF525-C646-43E2-9775-4C58F78F7B22}"/>
+              </a:ext>
+            </a:extLst>
+          </p:cNvPr>
+          <p:cNvSpPr/>
+          <p:nvPr/>
+        </p:nvSpPr>
+        <p:spPr>
+          <a:xfrm>
+            <a:off x="5232811" y="3370464"/>
+            <a:ext cx="1714049" cy="660323"/>
+          </a:xfrm>
+          <a:prstGeom prst="roundRect">
+            <a:avLst/>
+          </a:prstGeom>
+        </p:spPr>
+        <p:style>
+          <a:lnRef idx="2">
+            <a:schemeClr val="accent6"/>
+          </a:lnRef>
+          <a:fillRef idx="1">
+            <a:schemeClr val="lt1"/>
+          </a:fillRef>
+          <a:effectRef idx="0">
+            <a:schemeClr val="accent6"/>
+          </a:effectRef>
+          <a:fontRef idx="minor">
+            <a:schemeClr val="dk1"/>
+          </a:fontRef>
+        </p:style>
+        <p:txBody>
+          <a:bodyPr rtlCol="0" anchor="ctr"/>
+          <a:lstStyle/>
+          <a:p>
+            <a:pPr algn="ctr"/>
+            <a:r>
+              <a:rPr lang="zh-TW" altLang="en-US" dirty="0">
+                <a:ea typeface="標楷體" panose="03000509000000000000" pitchFamily="65" charset="-120"/>
+              </a:rPr>
+              <a:t>各</a:t>
+            </a:r>
+            <a:r>
+              <a:rPr lang="en-US" altLang="zh-TW" dirty="0">
+                <a:ea typeface="標楷體" panose="03000509000000000000" pitchFamily="65" charset="-120"/>
+              </a:rPr>
+              <a:t>bins</a:t>
+            </a:r>
+            <a:r>
+              <a:rPr lang="zh-TW" altLang="en-US" dirty="0">
+                <a:ea typeface="標楷體" panose="03000509000000000000" pitchFamily="65" charset="-120"/>
+              </a:rPr>
+              <a:t>樣本數計數</a:t>
+            </a:r>
+          </a:p>
+        </p:txBody>
+      </p:sp>
+      <p:cxnSp>
+        <p:nvCxnSpPr>
+          <p:cNvPr id="40" name="直線單箭頭接點 39">
+            <a:extLst>
+              <a:ext uri="{FF2B5EF4-FFF2-40B4-BE49-F238E27FC236}">
+                <a16:creationId xmlns:a16="http://schemas.microsoft.com/office/drawing/2014/main" id="{A1E3A213-BB65-42CD-81FD-47B212DBC212}"/>
+              </a:ext>
+            </a:extLst>
+          </p:cNvPr>
+          <p:cNvCxnSpPr>
+            <a:cxnSpLocks/>
+            <a:stCxn id="8" idx="2"/>
+            <a:endCxn id="39" idx="0"/>
+          </p:cNvCxnSpPr>
+          <p:nvPr/>
+        </p:nvCxnSpPr>
+        <p:spPr>
+          <a:xfrm flipH="1">
+            <a:off x="6089836" y="2610879"/>
+            <a:ext cx="6164" cy="759585"/>
+          </a:xfrm>
+          <a:prstGeom prst="straightConnector1">
+            <a:avLst/>
+          </a:prstGeom>
+          <a:ln>
+            <a:tailEnd type="triangle"/>
+          </a:ln>
+        </p:spPr>
+        <p:style>
+          <a:lnRef idx="1">
+            <a:schemeClr val="accent1"/>
+          </a:lnRef>
+          <a:fillRef idx="0">
+            <a:schemeClr val="accent1"/>
+          </a:fillRef>
+          <a:effectRef idx="0">
+            <a:schemeClr val="accent1"/>
+          </a:effectRef>
+          <a:fontRef idx="minor">
+            <a:schemeClr val="tx1"/>
+          </a:fontRef>
+        </p:style>
+      </p:cxnSp>
+      <p:cxnSp>
+        <p:nvCxnSpPr>
+          <p:cNvPr id="46" name="直線單箭頭接點 45">
+            <a:extLst>
+              <a:ext uri="{FF2B5EF4-FFF2-40B4-BE49-F238E27FC236}">
+                <a16:creationId xmlns:a16="http://schemas.microsoft.com/office/drawing/2014/main" id="{262A8AE5-A044-4F68-8C0E-3381E9C987A8}"/>
+              </a:ext>
+            </a:extLst>
+          </p:cNvPr>
+          <p:cNvCxnSpPr>
+            <a:cxnSpLocks/>
+            <a:stCxn id="8" idx="2"/>
+            <a:endCxn id="28" idx="0"/>
+          </p:cNvCxnSpPr>
+          <p:nvPr/>
+        </p:nvCxnSpPr>
+        <p:spPr>
+          <a:xfrm>
+            <a:off x="6096000" y="2610879"/>
+            <a:ext cx="3962664" cy="759910"/>
+          </a:xfrm>
+          <a:prstGeom prst="straightConnector1">
+            <a:avLst/>
+          </a:prstGeom>
+          <a:ln>
+            <a:tailEnd type="triangle"/>
+          </a:ln>
+        </p:spPr>
+        <p:style>
+          <a:lnRef idx="1">
+            <a:schemeClr val="accent1"/>
+          </a:lnRef>
+          <a:fillRef idx="0">
+            <a:schemeClr val="accent1"/>
+          </a:fillRef>
+          <a:effectRef idx="0">
+            <a:schemeClr val="accent1"/>
+          </a:effectRef>
+          <a:fontRef idx="minor">
+            <a:schemeClr val="tx1"/>
+          </a:fontRef>
+        </p:style>
+      </p:cxnSp>
+      <p:sp>
+        <p:nvSpPr>
+          <p:cNvPr id="21" name="橢圓 20">
+            <a:extLst>
+              <a:ext uri="{FF2B5EF4-FFF2-40B4-BE49-F238E27FC236}">
+                <a16:creationId xmlns:a16="http://schemas.microsoft.com/office/drawing/2014/main" id="{74E20A69-CC5D-40C1-AF1A-3383B2D44A75}"/>
+              </a:ext>
+            </a:extLst>
+          </p:cNvPr>
+          <p:cNvSpPr/>
+          <p:nvPr/>
+        </p:nvSpPr>
+        <p:spPr>
+          <a:xfrm>
+            <a:off x="1034909" y="4922057"/>
+            <a:ext cx="1889621" cy="930194"/>
+          </a:xfrm>
+          <a:prstGeom prst="ellipse">
+            <a:avLst/>
+          </a:prstGeom>
+          <a:noFill/>
+        </p:spPr>
+        <p:style>
+          <a:lnRef idx="2">
+            <a:schemeClr val="accent1">
+              <a:shade val="50000"/>
+            </a:schemeClr>
+          </a:lnRef>
+          <a:fillRef idx="1">
+            <a:schemeClr val="accent1"/>
+          </a:fillRef>
+          <a:effectRef idx="0">
+            <a:schemeClr val="accent1"/>
+          </a:effectRef>
+          <a:fontRef idx="minor">
+            <a:schemeClr val="lt1"/>
+          </a:fontRef>
+        </p:style>
+        <p:txBody>
+          <a:bodyPr rtlCol="0" anchor="ctr"/>
+          <a:lstStyle/>
+          <a:p>
+            <a:pPr algn="ctr"/>
+            <a:r>
+              <a:rPr lang="zh-TW" altLang="en-US" dirty="0">
+                <a:solidFill>
+                  <a:schemeClr val="tx1"/>
+                </a:solidFill>
+                <a:ea typeface="標楷體" panose="03000509000000000000" pitchFamily="65" charset="-120"/>
+              </a:rPr>
+              <a:t>長、寬、高</a:t>
+            </a:r>
+          </a:p>
+        </p:txBody>
+      </p:sp>
+      <p:cxnSp>
+        <p:nvCxnSpPr>
+          <p:cNvPr id="22" name="直線單箭頭接點 21">
+            <a:extLst>
+              <a:ext uri="{FF2B5EF4-FFF2-40B4-BE49-F238E27FC236}">
+                <a16:creationId xmlns:a16="http://schemas.microsoft.com/office/drawing/2014/main" id="{510112FA-F445-4E1C-B039-BC5B03F81573}"/>
+              </a:ext>
+            </a:extLst>
+          </p:cNvPr>
+          <p:cNvCxnSpPr>
+            <a:cxnSpLocks/>
+          </p:cNvCxnSpPr>
+          <p:nvPr/>
+        </p:nvCxnSpPr>
+        <p:spPr>
+          <a:xfrm flipH="1">
+            <a:off x="1979720" y="4060992"/>
+            <a:ext cx="1" cy="832144"/>
+          </a:xfrm>
+          <a:prstGeom prst="straightConnector1">
+            <a:avLst/>
+          </a:prstGeom>
+          <a:ln>
+            <a:tailEnd type="triangle"/>
+          </a:ln>
+        </p:spPr>
+        <p:style>
+          <a:lnRef idx="1">
+            <a:schemeClr val="accent1"/>
+          </a:lnRef>
+          <a:fillRef idx="0">
+            <a:schemeClr val="accent1"/>
+          </a:fillRef>
+          <a:effectRef idx="0">
+            <a:schemeClr val="accent1"/>
+          </a:effectRef>
+          <a:fontRef idx="minor">
+            <a:schemeClr val="tx1"/>
+          </a:fontRef>
+        </p:style>
+      </p:cxnSp>
+    </p:spTree>
+    <p:extLst>
+      <p:ext uri="{BB962C8B-B14F-4D97-AF65-F5344CB8AC3E}">
+        <p14:creationId xmlns:p14="http://schemas.microsoft.com/office/powerpoint/2010/main" val="3406563832"/>
+      </p:ext>
+    </p:extLst>
+  </p:cSld>
+  <p:clrMapOvr>
+    <a:masterClrMapping/>
+  </p:clrMapOvr>
+</p:sld>
+</file>
+
+<file path=ppt/slides/slide9.xml><?xml version="1.0" encoding="utf-8"?>
+<p:sld xmlns:a="http://schemas.openxmlformats.org/drawingml/2006/main" xmlns:r="http://schemas.openxmlformats.org/officeDocument/2006/relationships" xmlns:p="http://schemas.openxmlformats.org/presentationml/2006/main">
+  <p:cSld>
+    <p:spTree>
+      <p:nvGrpSpPr>
+        <p:cNvPr id="1" name=""/>
+        <p:cNvGrpSpPr/>
+        <p:nvPr/>
+      </p:nvGrpSpPr>
+      <p:grpSpPr>
+        <a:xfrm>
+          <a:off x="0" y="0"/>
+          <a:ext cx="0" cy="0"/>
+          <a:chOff x="0" y="0"/>
+          <a:chExt cx="0" cy="0"/>
+        </a:xfrm>
+      </p:grpSpPr>
+      <p:pic>
+        <p:nvPicPr>
+          <p:cNvPr id="4" name="圖片 3">
+            <a:extLst>
+              <a:ext uri="{FF2B5EF4-FFF2-40B4-BE49-F238E27FC236}">
+                <a16:creationId xmlns:a16="http://schemas.microsoft.com/office/drawing/2014/main" id="{88EBE7F9-AB30-4DFB-A51D-04E7BD23265D}"/>
+              </a:ext>
+            </a:extLst>
+          </p:cNvPr>
+          <p:cNvPicPr>
+            <a:picLocks noChangeAspect="1"/>
+          </p:cNvPicPr>
+          <p:nvPr/>
+        </p:nvPicPr>
+        <p:blipFill rotWithShape="1">
+          <a:blip r:embed="rId3"/>
+          <a:srcRect l="60832"/>
+          <a:stretch/>
+        </p:blipFill>
+        <p:spPr>
+          <a:xfrm>
+            <a:off x="7332955" y="1487632"/>
+            <a:ext cx="2164212" cy="4716642"/>
+          </a:xfrm>
+          <a:prstGeom prst="rect">
+            <a:avLst/>
+          </a:prstGeom>
+        </p:spPr>
+      </p:pic>
+      <p:sp>
+        <p:nvSpPr>
+          <p:cNvPr id="3" name="標題 2"/>
+          <p:cNvSpPr>
+            <a:spLocks noGrp="1"/>
+          </p:cNvSpPr>
+          <p:nvPr>
+            <p:ph type="title"/>
+          </p:nvPr>
+        </p:nvSpPr>
+        <p:spPr>
+          <a:xfrm>
+            <a:off x="838200" y="415010"/>
+            <a:ext cx="10515600" cy="720000"/>
+          </a:xfrm>
+        </p:spPr>
+        <p:txBody>
+          <a:bodyPr>
+            <a:noAutofit/>
+          </a:bodyPr>
+          <a:lstStyle/>
+          <a:p>
+            <a:r>
+              <a:rPr lang="zh-TW" altLang="en-US" sz="3200" dirty="0"/>
+              <a:t>成果展示 </a:t>
+            </a:r>
+            <a:r>
+              <a:rPr lang="en-US" altLang="zh-TW" sz="3200" dirty="0"/>
+              <a:t>–</a:t>
+            </a:r>
+            <a:r>
+              <a:rPr lang="zh-TW" altLang="en-US" sz="3200" dirty="0"/>
+              <a:t> 全圖直方圖 </a:t>
+            </a:r>
+            <a:r>
+              <a:rPr lang="en-US" altLang="zh-TW" sz="3200" dirty="0"/>
+              <a:t>(</a:t>
+            </a:r>
+            <a:r>
+              <a:rPr lang="en-US" altLang="zh-TW" sz="3200" dirty="0">
+                <a:solidFill>
+                  <a:srgbClr val="FF0000"/>
+                </a:solidFill>
+              </a:rPr>
+              <a:t>2023/3/18</a:t>
+            </a:r>
+            <a:r>
+              <a:rPr lang="en-US" altLang="zh-TW" sz="3200" dirty="0"/>
+              <a:t>)</a:t>
+            </a:r>
+            <a:endParaRPr lang="zh-TW" altLang="en-US" sz="3200" dirty="0"/>
+          </a:p>
+        </p:txBody>
+      </p:sp>
+      <p:sp>
+        <p:nvSpPr>
+          <p:cNvPr id="15" name="文字方塊 14">
+            <a:extLst>
+              <a:ext uri="{FF2B5EF4-FFF2-40B4-BE49-F238E27FC236}">
+                <a16:creationId xmlns:a16="http://schemas.microsoft.com/office/drawing/2014/main" id="{70B178B6-F7EA-47F2-9F22-1268764DE268}"/>
+              </a:ext>
+            </a:extLst>
+          </p:cNvPr>
+          <p:cNvSpPr txBox="1"/>
+          <p:nvPr/>
+        </p:nvSpPr>
+        <p:spPr>
+          <a:xfrm>
+            <a:off x="1465923" y="1487632"/>
+            <a:ext cx="9276447" cy="646331"/>
+          </a:xfrm>
+          <a:prstGeom prst="rect">
+            <a:avLst/>
+          </a:prstGeom>
+          <a:noFill/>
+        </p:spPr>
+        <p:txBody>
+          <a:bodyPr wrap="square">
+            <a:spAutoFit/>
+          </a:bodyPr>
+          <a:lstStyle/>
+          <a:p>
+            <a:pPr marL="285750" indent="-285750">
+              <a:buFont typeface="Arial" panose="020B0604020202020204" pitchFamily="34" charset="0"/>
+              <a:buChar char="•"/>
+            </a:pPr>
+            <a:r>
+              <a:rPr lang="zh-TW" altLang="en-US" sz="1800" b="0" i="0" u="none" strike="noStrike" dirty="0">
+                <a:solidFill>
+                  <a:srgbClr val="000000"/>
+                </a:solidFill>
+                <a:effectLst/>
+                <a:latin typeface="DFKai-SB" panose="03000509000000000000" pitchFamily="65" charset="-120"/>
+                <a:ea typeface="DFKai-SB" panose="03000509000000000000" pitchFamily="65" charset="-120"/>
+              </a:rPr>
+              <a:t>原始圖片大小：</a:t>
+            </a:r>
+            <a:r>
+              <a:rPr lang="en-US" altLang="zh-TW" sz="1800" b="0" i="0" u="none" strike="noStrike" dirty="0">
+                <a:solidFill>
+                  <a:srgbClr val="000000"/>
+                </a:solidFill>
+                <a:effectLst/>
+                <a:latin typeface="DFKai-SB" panose="03000509000000000000" pitchFamily="65" charset="-120"/>
+                <a:ea typeface="DFKai-SB" panose="03000509000000000000" pitchFamily="65" charset="-120"/>
+              </a:rPr>
+              <a:t>346x519</a:t>
+            </a:r>
+            <a:endParaRPr lang="en-US" altLang="zh-TW" dirty="0">
+              <a:latin typeface="標楷體" panose="03000509000000000000" pitchFamily="65" charset="-120"/>
+              <a:ea typeface="標楷體" panose="03000509000000000000" pitchFamily="65" charset="-120"/>
+            </a:endParaRPr>
+          </a:p>
+          <a:p>
+            <a:pPr marL="285750" indent="-285750">
+              <a:buFont typeface="Arial" panose="020B0604020202020204" pitchFamily="34" charset="0"/>
+              <a:buChar char="•"/>
+            </a:pPr>
+            <a:r>
+              <a:rPr lang="zh-TW" altLang="en-US" dirty="0">
+                <a:latin typeface="標楷體" panose="03000509000000000000" pitchFamily="65" charset="-120"/>
+                <a:ea typeface="標楷體" panose="03000509000000000000" pitchFamily="65" charset="-120"/>
+              </a:rPr>
+              <a:t>對</a:t>
+            </a:r>
+            <a:r>
+              <a:rPr lang="zh-TW" altLang="en-US" dirty="0">
+                <a:solidFill>
+                  <a:srgbClr val="FF0000"/>
+                </a:solidFill>
+                <a:latin typeface="標楷體" panose="03000509000000000000" pitchFamily="65" charset="-120"/>
+                <a:ea typeface="標楷體" panose="03000509000000000000" pitchFamily="65" charset="-120"/>
+              </a:rPr>
+              <a:t>整張圖</a:t>
+            </a:r>
+            <a:r>
+              <a:rPr lang="zh-TW" altLang="en-US" dirty="0">
+                <a:latin typeface="標楷體" panose="03000509000000000000" pitchFamily="65" charset="-120"/>
+                <a:ea typeface="標楷體" panose="03000509000000000000" pitchFamily="65" charset="-120"/>
+              </a:rPr>
+              <a:t>做</a:t>
+            </a:r>
+            <a:r>
+              <a:rPr lang="en-US" altLang="zh-TW" dirty="0">
+                <a:latin typeface="標楷體" panose="03000509000000000000" pitchFamily="65" charset="-120"/>
+                <a:ea typeface="標楷體" panose="03000509000000000000" pitchFamily="65" charset="-120"/>
+              </a:rPr>
+              <a:t>LBP</a:t>
+            </a:r>
+            <a:r>
+              <a:rPr lang="zh-TW" altLang="en-US" dirty="0">
+                <a:latin typeface="標楷體" panose="03000509000000000000" pitchFamily="65" charset="-120"/>
+                <a:ea typeface="標楷體" panose="03000509000000000000" pitchFamily="65" charset="-120"/>
+              </a:rPr>
+              <a:t>直方圖</a:t>
+            </a:r>
+            <a:endParaRPr lang="zh-TW" altLang="en-US" dirty="0"/>
+          </a:p>
+        </p:txBody>
+      </p:sp>
+      <p:pic>
+        <p:nvPicPr>
+          <p:cNvPr id="5" name="圖片 4">
+            <a:extLst>
+              <a:ext uri="{FF2B5EF4-FFF2-40B4-BE49-F238E27FC236}">
+                <a16:creationId xmlns:a16="http://schemas.microsoft.com/office/drawing/2014/main" id="{E433EA9C-1033-41BA-A966-7342BFE31E46}"/>
+              </a:ext>
+            </a:extLst>
+          </p:cNvPr>
+          <p:cNvPicPr>
+            <a:picLocks noChangeAspect="1"/>
+          </p:cNvPicPr>
+          <p:nvPr/>
+        </p:nvPicPr>
+        <p:blipFill>
+          <a:blip r:embed="rId4"/>
+          <a:stretch>
+            <a:fillRect/>
+          </a:stretch>
+        </p:blipFill>
+        <p:spPr>
+          <a:xfrm>
+            <a:off x="2149264" y="2486585"/>
+            <a:ext cx="4526745" cy="3230081"/>
+          </a:xfrm>
+          <a:prstGeom prst="rect">
+            <a:avLst/>
+          </a:prstGeom>
+        </p:spPr>
+      </p:pic>
+    </p:spTree>
+    <p:extLst>
+      <p:ext uri="{BB962C8B-B14F-4D97-AF65-F5344CB8AC3E}">
+        <p14:creationId xmlns:p14="http://schemas.microsoft.com/office/powerpoint/2010/main" val="2648098688"/>
       </p:ext>
     </p:extLst>
   </p:cSld>

--- a/HW2/LBP_HW2.pptx
+++ b/HW2/LBP_HW2.pptx
@@ -5,10 +5,10 @@
     <p:sldMasterId id="2147483648" r:id="rId1"/>
   </p:sldMasterIdLst>
   <p:notesMasterIdLst>
-    <p:notesMasterId r:id="rId15"/>
+    <p:notesMasterId r:id="rId16"/>
   </p:notesMasterIdLst>
   <p:handoutMasterIdLst>
-    <p:handoutMasterId r:id="rId16"/>
+    <p:handoutMasterId r:id="rId17"/>
   </p:handoutMasterIdLst>
   <p:sldIdLst>
     <p:sldId id="259" r:id="rId2"/>
@@ -19,11 +19,12 @@
     <p:sldId id="614" r:id="rId7"/>
     <p:sldId id="1250" r:id="rId8"/>
     <p:sldId id="1253" r:id="rId9"/>
-    <p:sldId id="1143" r:id="rId10"/>
-    <p:sldId id="1251" r:id="rId11"/>
-    <p:sldId id="1252" r:id="rId12"/>
-    <p:sldId id="1256" r:id="rId13"/>
-    <p:sldId id="271" r:id="rId14"/>
+    <p:sldId id="1259" r:id="rId10"/>
+    <p:sldId id="1143" r:id="rId11"/>
+    <p:sldId id="1251" r:id="rId12"/>
+    <p:sldId id="1252" r:id="rId13"/>
+    <p:sldId id="1256" r:id="rId14"/>
+    <p:sldId id="271" r:id="rId15"/>
   </p:sldIdLst>
   <p:sldSz cx="12192000" cy="6858000"/>
   <p:notesSz cx="6858000" cy="9144000"/>
@@ -165,6 +166,7 @@
         </p14:section>
         <p14:section name="成果展示(2022/11/18)" id="{70DC3051-68F9-4DEC-9A31-AFAFBB0B0227}">
           <p14:sldIdLst>
+            <p14:sldId id="1259"/>
             <p14:sldId id="1143"/>
             <p14:sldId id="1251"/>
             <p14:sldId id="1252"/>
@@ -277,7 +279,7 @@
               <a:rPr lang="zh-TW" altLang="en-US" smtClean="0">
                 <a:ea typeface="標楷體" panose="03000509000000000000" pitchFamily="65" charset="-120"/>
               </a:rPr>
-              <a:t>2023/3/24</a:t>
+              <a:t>2023/3/31</a:t>
             </a:fld>
             <a:endParaRPr lang="zh-TW" altLang="en-US" dirty="0">
               <a:ea typeface="標楷體" panose="03000509000000000000" pitchFamily="65" charset="-120"/>
@@ -455,7 +457,7 @@
             <a:fld id="{2CB905C5-9D54-40E2-B40C-7996280CAB02}" type="datetimeFigureOut">
               <a:rPr lang="zh-TW" altLang="en-US" smtClean="0"/>
               <a:pPr/>
-              <a:t>2023/3/24</a:t>
+              <a:t>2023/3/31</a:t>
             </a:fld>
             <a:endParaRPr lang="zh-TW" altLang="en-US" dirty="0"/>
           </a:p>
@@ -876,7 +878,7 @@
           <a:p>
             <a:fld id="{EF8A6B0B-A5FB-4629-B823-69B1A9EB3A43}" type="slidenum">
               <a:rPr lang="zh-TW" altLang="en-US" smtClean="0"/>
-              <a:t>9</a:t>
+              <a:t>10</a:t>
             </a:fld>
             <a:endParaRPr lang="zh-TW" altLang="en-US"/>
           </a:p>
@@ -960,7 +962,7 @@
           <a:p>
             <a:fld id="{EF8A6B0B-A5FB-4629-B823-69B1A9EB3A43}" type="slidenum">
               <a:rPr lang="zh-TW" altLang="en-US" smtClean="0"/>
-              <a:t>10</a:t>
+              <a:t>11</a:t>
             </a:fld>
             <a:endParaRPr lang="zh-TW" altLang="en-US"/>
           </a:p>
@@ -1044,7 +1046,7 @@
           <a:p>
             <a:fld id="{EF8A6B0B-A5FB-4629-B823-69B1A9EB3A43}" type="slidenum">
               <a:rPr lang="zh-TW" altLang="en-US" smtClean="0"/>
-              <a:t>11</a:t>
+              <a:t>12</a:t>
             </a:fld>
             <a:endParaRPr lang="zh-TW" altLang="en-US"/>
           </a:p>
@@ -1128,7 +1130,7 @@
           <a:p>
             <a:fld id="{EF8A6B0B-A5FB-4629-B823-69B1A9EB3A43}" type="slidenum">
               <a:rPr lang="zh-TW" altLang="en-US" smtClean="0"/>
-              <a:t>12</a:t>
+              <a:t>13</a:t>
             </a:fld>
             <a:endParaRPr lang="zh-TW" altLang="en-US"/>
           </a:p>
@@ -1281,7 +1283,7 @@
           <a:p>
             <a:fld id="{0C0CC965-A63A-473D-BEFB-C8F9714D5269}" type="datetimeFigureOut">
               <a:rPr lang="zh-TW" altLang="en-US" smtClean="0"/>
-              <a:t>2023/3/24</a:t>
+              <a:t>2023/3/31</a:t>
             </a:fld>
             <a:endParaRPr lang="zh-TW" altLang="en-US"/>
           </a:p>
@@ -1449,7 +1451,7 @@
           <a:p>
             <a:fld id="{0C0CC965-A63A-473D-BEFB-C8F9714D5269}" type="datetimeFigureOut">
               <a:rPr lang="zh-TW" altLang="en-US" smtClean="0"/>
-              <a:t>2023/3/24</a:t>
+              <a:t>2023/3/31</a:t>
             </a:fld>
             <a:endParaRPr lang="zh-TW" altLang="en-US"/>
           </a:p>
@@ -1627,7 +1629,7 @@
           <a:p>
             <a:fld id="{0C0CC965-A63A-473D-BEFB-C8F9714D5269}" type="datetimeFigureOut">
               <a:rPr lang="zh-TW" altLang="en-US" smtClean="0"/>
-              <a:t>2023/3/24</a:t>
+              <a:t>2023/3/31</a:t>
             </a:fld>
             <a:endParaRPr lang="zh-TW" altLang="en-US"/>
           </a:p>
@@ -1849,7 +1851,7 @@
           <a:p>
             <a:fld id="{0C0CC965-A63A-473D-BEFB-C8F9714D5269}" type="datetimeFigureOut">
               <a:rPr lang="zh-TW" altLang="en-US" smtClean="0"/>
-              <a:t>2023/3/24</a:t>
+              <a:t>2023/3/31</a:t>
             </a:fld>
             <a:endParaRPr lang="zh-TW" altLang="en-US"/>
           </a:p>
@@ -2044,7 +2046,7 @@
           <a:p>
             <a:fld id="{0C0CC965-A63A-473D-BEFB-C8F9714D5269}" type="datetimeFigureOut">
               <a:rPr lang="zh-TW" altLang="en-US" smtClean="0"/>
-              <a:t>2023/3/24</a:t>
+              <a:t>2023/3/31</a:t>
             </a:fld>
             <a:endParaRPr lang="zh-TW" altLang="en-US"/>
           </a:p>
@@ -2289,7 +2291,7 @@
           <a:p>
             <a:fld id="{0C0CC965-A63A-473D-BEFB-C8F9714D5269}" type="datetimeFigureOut">
               <a:rPr lang="zh-TW" altLang="en-US" smtClean="0"/>
-              <a:t>2023/3/24</a:t>
+              <a:t>2023/3/31</a:t>
             </a:fld>
             <a:endParaRPr lang="zh-TW" altLang="en-US"/>
           </a:p>
@@ -2518,7 +2520,7 @@
           <a:p>
             <a:fld id="{0C0CC965-A63A-473D-BEFB-C8F9714D5269}" type="datetimeFigureOut">
               <a:rPr lang="zh-TW" altLang="en-US" smtClean="0"/>
-              <a:t>2023/3/24</a:t>
+              <a:t>2023/3/31</a:t>
             </a:fld>
             <a:endParaRPr lang="zh-TW" altLang="en-US"/>
           </a:p>
@@ -2882,7 +2884,7 @@
           <a:p>
             <a:fld id="{0C0CC965-A63A-473D-BEFB-C8F9714D5269}" type="datetimeFigureOut">
               <a:rPr lang="zh-TW" altLang="en-US" smtClean="0"/>
-              <a:t>2023/3/24</a:t>
+              <a:t>2023/3/31</a:t>
             </a:fld>
             <a:endParaRPr lang="zh-TW" altLang="en-US"/>
           </a:p>
@@ -2999,7 +3001,7 @@
           <a:p>
             <a:fld id="{0C0CC965-A63A-473D-BEFB-C8F9714D5269}" type="datetimeFigureOut">
               <a:rPr lang="zh-TW" altLang="en-US" smtClean="0"/>
-              <a:t>2023/3/24</a:t>
+              <a:t>2023/3/31</a:t>
             </a:fld>
             <a:endParaRPr lang="zh-TW" altLang="en-US"/>
           </a:p>
@@ -3094,7 +3096,7 @@
           <a:p>
             <a:fld id="{0C0CC965-A63A-473D-BEFB-C8F9714D5269}" type="datetimeFigureOut">
               <a:rPr lang="zh-TW" altLang="en-US" smtClean="0"/>
-              <a:t>2023/3/24</a:t>
+              <a:t>2023/3/31</a:t>
             </a:fld>
             <a:endParaRPr lang="zh-TW" altLang="en-US"/>
           </a:p>
@@ -3369,7 +3371,7 @@
           <a:p>
             <a:fld id="{0C0CC965-A63A-473D-BEFB-C8F9714D5269}" type="datetimeFigureOut">
               <a:rPr lang="zh-TW" altLang="en-US" smtClean="0"/>
-              <a:t>2023/3/24</a:t>
+              <a:t>2023/3/31</a:t>
             </a:fld>
             <a:endParaRPr lang="zh-TW" altLang="en-US"/>
           </a:p>
@@ -3621,7 +3623,7 @@
           <a:p>
             <a:fld id="{0C0CC965-A63A-473D-BEFB-C8F9714D5269}" type="datetimeFigureOut">
               <a:rPr lang="zh-TW" altLang="en-US" smtClean="0"/>
-              <a:t>2023/3/24</a:t>
+              <a:t>2023/3/31</a:t>
             </a:fld>
             <a:endParaRPr lang="zh-TW" altLang="en-US"/>
           </a:p>
@@ -3835,7 +3837,7 @@
             <a:fld id="{0C0CC965-A63A-473D-BEFB-C8F9714D5269}" type="datetimeFigureOut">
               <a:rPr lang="zh-TW" altLang="en-US" smtClean="0"/>
               <a:pPr/>
-              <a:t>2023/3/24</a:t>
+              <a:t>2023/3/31</a:t>
             </a:fld>
             <a:endParaRPr lang="zh-TW" altLang="en-US"/>
           </a:p>
@@ -4490,6 +4492,255 @@
           <p:cNvPr id="4" name="圖片 3">
             <a:extLst>
               <a:ext uri="{FF2B5EF4-FFF2-40B4-BE49-F238E27FC236}">
+                <a16:creationId xmlns:a16="http://schemas.microsoft.com/office/drawing/2014/main" id="{88EBE7F9-AB30-4DFB-A51D-04E7BD23265D}"/>
+              </a:ext>
+            </a:extLst>
+          </p:cNvPr>
+          <p:cNvPicPr>
+            <a:picLocks noChangeAspect="1"/>
+          </p:cNvPicPr>
+          <p:nvPr/>
+        </p:nvPicPr>
+        <p:blipFill rotWithShape="1">
+          <a:blip r:embed="rId3"/>
+          <a:srcRect l="60832"/>
+          <a:stretch/>
+        </p:blipFill>
+        <p:spPr>
+          <a:xfrm>
+            <a:off x="7332955" y="1487632"/>
+            <a:ext cx="2164212" cy="4716642"/>
+          </a:xfrm>
+          <a:prstGeom prst="rect">
+            <a:avLst/>
+          </a:prstGeom>
+        </p:spPr>
+      </p:pic>
+      <p:sp>
+        <p:nvSpPr>
+          <p:cNvPr id="3" name="標題 2"/>
+          <p:cNvSpPr>
+            <a:spLocks noGrp="1"/>
+          </p:cNvSpPr>
+          <p:nvPr>
+            <p:ph type="title"/>
+          </p:nvPr>
+        </p:nvSpPr>
+        <p:spPr>
+          <a:xfrm>
+            <a:off x="838200" y="415010"/>
+            <a:ext cx="10515600" cy="720000"/>
+          </a:xfrm>
+        </p:spPr>
+        <p:txBody>
+          <a:bodyPr>
+            <a:noAutofit/>
+          </a:bodyPr>
+          <a:lstStyle/>
+          <a:p>
+            <a:r>
+              <a:rPr lang="zh-TW" altLang="en-US" sz="3200" dirty="0"/>
+              <a:t>成果展示 </a:t>
+            </a:r>
+            <a:r>
+              <a:rPr lang="en-US" altLang="zh-TW" sz="3200" dirty="0"/>
+              <a:t>–</a:t>
+            </a:r>
+            <a:r>
+              <a:rPr lang="zh-TW" altLang="en-US" sz="3200" dirty="0"/>
+              <a:t> 全圖直方圖 </a:t>
+            </a:r>
+            <a:r>
+              <a:rPr lang="en-US" altLang="zh-TW" sz="3200" dirty="0"/>
+              <a:t>(</a:t>
+            </a:r>
+            <a:r>
+              <a:rPr lang="en-US" altLang="zh-TW" sz="3200" dirty="0">
+                <a:solidFill>
+                  <a:srgbClr val="FF0000"/>
+                </a:solidFill>
+              </a:rPr>
+              <a:t>2023/3/18</a:t>
+            </a:r>
+            <a:r>
+              <a:rPr lang="en-US" altLang="zh-TW" sz="3200" dirty="0"/>
+              <a:t>)</a:t>
+            </a:r>
+            <a:endParaRPr lang="zh-TW" altLang="en-US" sz="3200" dirty="0"/>
+          </a:p>
+        </p:txBody>
+      </p:sp>
+      <p:sp>
+        <p:nvSpPr>
+          <p:cNvPr id="15" name="文字方塊 14">
+            <a:extLst>
+              <a:ext uri="{FF2B5EF4-FFF2-40B4-BE49-F238E27FC236}">
+                <a16:creationId xmlns:a16="http://schemas.microsoft.com/office/drawing/2014/main" id="{70B178B6-F7EA-47F2-9F22-1268764DE268}"/>
+              </a:ext>
+            </a:extLst>
+          </p:cNvPr>
+          <p:cNvSpPr txBox="1"/>
+          <p:nvPr/>
+        </p:nvSpPr>
+        <p:spPr>
+          <a:xfrm>
+            <a:off x="1465923" y="1487632"/>
+            <a:ext cx="9276447" cy="646331"/>
+          </a:xfrm>
+          <a:prstGeom prst="rect">
+            <a:avLst/>
+          </a:prstGeom>
+          <a:noFill/>
+        </p:spPr>
+        <p:txBody>
+          <a:bodyPr wrap="square">
+            <a:spAutoFit/>
+          </a:bodyPr>
+          <a:lstStyle/>
+          <a:p>
+            <a:pPr marL="285750" indent="-285750">
+              <a:buFont typeface="Arial" panose="020B0604020202020204" pitchFamily="34" charset="0"/>
+              <a:buChar char="•"/>
+            </a:pPr>
+            <a:r>
+              <a:rPr lang="zh-TW" altLang="en-US" sz="1800" b="0" i="0" u="none" strike="noStrike" dirty="0">
+                <a:solidFill>
+                  <a:srgbClr val="000000"/>
+                </a:solidFill>
+                <a:effectLst/>
+                <a:latin typeface="DFKai-SB" panose="03000509000000000000" pitchFamily="65" charset="-120"/>
+                <a:ea typeface="DFKai-SB" panose="03000509000000000000" pitchFamily="65" charset="-120"/>
+              </a:rPr>
+              <a:t>原始圖片大小：</a:t>
+            </a:r>
+            <a:r>
+              <a:rPr lang="en-US" altLang="zh-TW" sz="1800" b="0" i="0" u="none" strike="noStrike" dirty="0">
+                <a:solidFill>
+                  <a:srgbClr val="000000"/>
+                </a:solidFill>
+                <a:effectLst/>
+                <a:latin typeface="DFKai-SB" panose="03000509000000000000" pitchFamily="65" charset="-120"/>
+                <a:ea typeface="DFKai-SB" panose="03000509000000000000" pitchFamily="65" charset="-120"/>
+              </a:rPr>
+              <a:t>346x519</a:t>
+            </a:r>
+            <a:endParaRPr lang="en-US" altLang="zh-TW" dirty="0">
+              <a:latin typeface="標楷體" panose="03000509000000000000" pitchFamily="65" charset="-120"/>
+              <a:ea typeface="標楷體" panose="03000509000000000000" pitchFamily="65" charset="-120"/>
+            </a:endParaRPr>
+          </a:p>
+          <a:p>
+            <a:pPr marL="285750" indent="-285750">
+              <a:buFont typeface="Arial" panose="020B0604020202020204" pitchFamily="34" charset="0"/>
+              <a:buChar char="•"/>
+            </a:pPr>
+            <a:r>
+              <a:rPr lang="zh-TW" altLang="en-US" dirty="0">
+                <a:latin typeface="標楷體" panose="03000509000000000000" pitchFamily="65" charset="-120"/>
+                <a:ea typeface="標楷體" panose="03000509000000000000" pitchFamily="65" charset="-120"/>
+              </a:rPr>
+              <a:t>對</a:t>
+            </a:r>
+            <a:r>
+              <a:rPr lang="zh-TW" altLang="en-US" dirty="0">
+                <a:solidFill>
+                  <a:srgbClr val="FF0000"/>
+                </a:solidFill>
+                <a:latin typeface="標楷體" panose="03000509000000000000" pitchFamily="65" charset="-120"/>
+                <a:ea typeface="標楷體" panose="03000509000000000000" pitchFamily="65" charset="-120"/>
+              </a:rPr>
+              <a:t>整張圖</a:t>
+            </a:r>
+            <a:r>
+              <a:rPr lang="zh-TW" altLang="en-US" dirty="0">
+                <a:latin typeface="標楷體" panose="03000509000000000000" pitchFamily="65" charset="-120"/>
+                <a:ea typeface="標楷體" panose="03000509000000000000" pitchFamily="65" charset="-120"/>
+              </a:rPr>
+              <a:t>做</a:t>
+            </a:r>
+            <a:r>
+              <a:rPr lang="en-US" altLang="zh-TW" dirty="0">
+                <a:latin typeface="標楷體" panose="03000509000000000000" pitchFamily="65" charset="-120"/>
+                <a:ea typeface="標楷體" panose="03000509000000000000" pitchFamily="65" charset="-120"/>
+              </a:rPr>
+              <a:t>LBP</a:t>
+            </a:r>
+            <a:r>
+              <a:rPr lang="zh-TW" altLang="en-US" dirty="0">
+                <a:latin typeface="標楷體" panose="03000509000000000000" pitchFamily="65" charset="-120"/>
+                <a:ea typeface="標楷體" panose="03000509000000000000" pitchFamily="65" charset="-120"/>
+              </a:rPr>
+              <a:t>直方圖</a:t>
+            </a:r>
+            <a:endParaRPr lang="zh-TW" altLang="en-US" dirty="0"/>
+          </a:p>
+        </p:txBody>
+      </p:sp>
+      <p:pic>
+        <p:nvPicPr>
+          <p:cNvPr id="5" name="圖片 4">
+            <a:extLst>
+              <a:ext uri="{FF2B5EF4-FFF2-40B4-BE49-F238E27FC236}">
+                <a16:creationId xmlns:a16="http://schemas.microsoft.com/office/drawing/2014/main" id="{E433EA9C-1033-41BA-A966-7342BFE31E46}"/>
+              </a:ext>
+            </a:extLst>
+          </p:cNvPr>
+          <p:cNvPicPr>
+            <a:picLocks noChangeAspect="1"/>
+          </p:cNvPicPr>
+          <p:nvPr/>
+        </p:nvPicPr>
+        <p:blipFill>
+          <a:blip r:embed="rId4"/>
+          <a:stretch>
+            <a:fillRect/>
+          </a:stretch>
+        </p:blipFill>
+        <p:spPr>
+          <a:xfrm>
+            <a:off x="2149264" y="2486585"/>
+            <a:ext cx="4526745" cy="3230081"/>
+          </a:xfrm>
+          <a:prstGeom prst="rect">
+            <a:avLst/>
+          </a:prstGeom>
+        </p:spPr>
+      </p:pic>
+    </p:spTree>
+    <p:extLst>
+      <p:ext uri="{BB962C8B-B14F-4D97-AF65-F5344CB8AC3E}">
+        <p14:creationId xmlns:p14="http://schemas.microsoft.com/office/powerpoint/2010/main" val="2648098688"/>
+      </p:ext>
+    </p:extLst>
+  </p:cSld>
+  <p:clrMapOvr>
+    <a:masterClrMapping/>
+  </p:clrMapOvr>
+</p:sld>
+</file>
+
+<file path=ppt/slides/slide11.xml><?xml version="1.0" encoding="utf-8"?>
+<p:sld xmlns:a="http://schemas.openxmlformats.org/drawingml/2006/main" xmlns:r="http://schemas.openxmlformats.org/officeDocument/2006/relationships" xmlns:p="http://schemas.openxmlformats.org/presentationml/2006/main">
+  <p:cSld>
+    <p:spTree>
+      <p:nvGrpSpPr>
+        <p:cNvPr id="1" name=""/>
+        <p:cNvGrpSpPr/>
+        <p:nvPr/>
+      </p:nvGrpSpPr>
+      <p:grpSpPr>
+        <a:xfrm>
+          <a:off x="0" y="0"/>
+          <a:ext cx="0" cy="0"/>
+          <a:chOff x="0" y="0"/>
+          <a:chExt cx="0" cy="0"/>
+        </a:xfrm>
+      </p:grpSpPr>
+      <p:pic>
+        <p:nvPicPr>
+          <p:cNvPr id="4" name="圖片 3">
+            <a:extLst>
+              <a:ext uri="{FF2B5EF4-FFF2-40B4-BE49-F238E27FC236}">
                 <a16:creationId xmlns:a16="http://schemas.microsoft.com/office/drawing/2014/main" id="{CFB74358-3D89-4470-B2FE-CB8B63279BFE}"/>
               </a:ext>
             </a:extLst>
@@ -4775,7 +5026,7 @@
 </p:sld>
 </file>
 
-<file path=ppt/slides/slide11.xml><?xml version="1.0" encoding="utf-8"?>
+<file path=ppt/slides/slide12.xml><?xml version="1.0" encoding="utf-8"?>
 <p:sld xmlns:a="http://schemas.openxmlformats.org/drawingml/2006/main" xmlns:r="http://schemas.openxmlformats.org/officeDocument/2006/relationships" xmlns:p="http://schemas.openxmlformats.org/presentationml/2006/main">
   <p:cSld>
     <p:spTree>
@@ -5567,7 +5818,7 @@
 </p:sld>
 </file>
 
-<file path=ppt/slides/slide12.xml><?xml version="1.0" encoding="utf-8"?>
+<file path=ppt/slides/slide13.xml><?xml version="1.0" encoding="utf-8"?>
 <p:sld xmlns:a="http://schemas.openxmlformats.org/drawingml/2006/main" xmlns:r="http://schemas.openxmlformats.org/officeDocument/2006/relationships" xmlns:p="http://schemas.openxmlformats.org/presentationml/2006/main">
   <p:cSld>
     <p:spTree>
@@ -5652,7 +5903,7 @@
             </a:r>
             <a:r>
               <a:rPr lang="zh-TW" altLang="en-US" sz="3200" dirty="0"/>
-              <a:t> 依特徵向量上色 </a:t>
+              <a:t> 區塊上色 </a:t>
             </a:r>
             <a:r>
               <a:rPr lang="en-US" altLang="zh-TW" sz="3200" dirty="0"/>
@@ -5954,7 +6205,7 @@
 </p:sld>
 </file>
 
-<file path=ppt/slides/slide13.xml><?xml version="1.0" encoding="utf-8"?>
+<file path=ppt/slides/slide14.xml><?xml version="1.0" encoding="utf-8"?>
 <p:sld xmlns:a="http://schemas.openxmlformats.org/drawingml/2006/main" xmlns:r="http://schemas.openxmlformats.org/officeDocument/2006/relationships" xmlns:p="http://schemas.openxmlformats.org/presentationml/2006/main">
   <p:cSld>
     <p:spTree>
@@ -6413,7 +6664,7 @@
         </p:nvSpPr>
         <p:spPr>
           <a:xfrm>
-            <a:off x="838200" y="1201850"/>
+            <a:off x="1386840" y="1634987"/>
             <a:ext cx="10515600" cy="5037776"/>
           </a:xfrm>
         </p:spPr>
@@ -6796,7 +7047,18 @@
               <a:rPr lang="zh-TW" altLang="en-US" dirty="0"/>
               <a:t>特徵向量比較</a:t>
             </a:r>
-            <a:endParaRPr lang="en-US" altLang="zh-TW" dirty="0"/>
+            <a:r>
+              <a:rPr lang="en-US" altLang="zh-TW" dirty="0"/>
+              <a:t>(</a:t>
+            </a:r>
+            <a:r>
+              <a:rPr lang="zh-TW" altLang="en-US" dirty="0"/>
+              <a:t>模式、數據</a:t>
+            </a:r>
+            <a:r>
+              <a:rPr lang="en-US" altLang="zh-TW" dirty="0"/>
+              <a:t>)</a:t>
+            </a:r>
           </a:p>
           <a:p>
             <a:pPr marL="285750" lvl="1" indent="-285750"/>
@@ -7547,76 +7809,6 @@
       </p:sp>
       <p:sp>
         <p:nvSpPr>
-          <p:cNvPr id="4" name="內容版面配置區 1"/>
-          <p:cNvSpPr>
-            <a:spLocks noGrp="1"/>
-          </p:cNvSpPr>
-          <p:nvPr>
-            <p:ph idx="1"/>
-          </p:nvPr>
-        </p:nvSpPr>
-        <p:spPr>
-          <a:xfrm>
-            <a:off x="838200" y="1228483"/>
-            <a:ext cx="10515600" cy="5037776"/>
-          </a:xfrm>
-        </p:spPr>
-        <p:txBody>
-          <a:bodyPr>
-            <a:normAutofit/>
-          </a:bodyPr>
-          <a:lstStyle/>
-          <a:p>
-            <a:r>
-              <a:rPr lang="zh-TW" altLang="en-US" dirty="0">
-                <a:solidFill>
-                  <a:srgbClr val="FF0000"/>
-                </a:solidFill>
-              </a:rPr>
-              <a:t>使用到之模組條列，可能包括開源</a:t>
-            </a:r>
-            <a:r>
-              <a:rPr lang="en-US" altLang="zh-TW" dirty="0">
-                <a:solidFill>
-                  <a:srgbClr val="FF0000"/>
-                </a:solidFill>
-              </a:rPr>
-              <a:t>library</a:t>
-            </a:r>
-            <a:r>
-              <a:rPr lang="zh-TW" altLang="en-US" dirty="0">
-                <a:solidFill>
-                  <a:srgbClr val="FF0000"/>
-                </a:solidFill>
-              </a:rPr>
-              <a:t>、自己寫的</a:t>
-            </a:r>
-            <a:r>
-              <a:rPr lang="en-US" altLang="zh-TW" dirty="0">
-                <a:solidFill>
-                  <a:srgbClr val="FF0000"/>
-                </a:solidFill>
-              </a:rPr>
-              <a:t>library</a:t>
-            </a:r>
-            <a:r>
-              <a:rPr lang="zh-TW" altLang="en-US" dirty="0">
-                <a:solidFill>
-                  <a:srgbClr val="FF0000"/>
-                </a:solidFill>
-              </a:rPr>
-              <a:t>等等</a:t>
-            </a:r>
-            <a:endParaRPr lang="en-US" altLang="zh-TW" dirty="0">
-              <a:solidFill>
-                <a:srgbClr val="FF0000"/>
-              </a:solidFill>
-            </a:endParaRPr>
-          </a:p>
-        </p:txBody>
-      </p:sp>
-      <p:sp>
-        <p:nvSpPr>
           <p:cNvPr id="5" name="內容版面配置區 1">
             <a:extLst>
               <a:ext uri="{FF2B5EF4-FFF2-40B4-BE49-F238E27FC236}">
@@ -7847,6 +8039,31 @@
               <a:t>plt</a:t>
             </a:r>
             <a:endParaRPr lang="en-US" altLang="zh-TW" dirty="0"/>
+          </a:p>
+        </p:txBody>
+      </p:sp>
+      <p:sp>
+        <p:nvSpPr>
+          <p:cNvPr id="6" name="內容版面配置區 5">
+            <a:extLst>
+              <a:ext uri="{FF2B5EF4-FFF2-40B4-BE49-F238E27FC236}">
+                <a16:creationId xmlns:a16="http://schemas.microsoft.com/office/drawing/2014/main" id="{1374F73F-D745-4CB9-987E-DD0E8A78735C}"/>
+              </a:ext>
+            </a:extLst>
+          </p:cNvPr>
+          <p:cNvSpPr>
+            <a:spLocks noGrp="1"/>
+          </p:cNvSpPr>
+          <p:nvPr>
+            <p:ph idx="1"/>
+          </p:nvPr>
+        </p:nvSpPr>
+        <p:spPr/>
+        <p:txBody>
+          <a:bodyPr/>
+          <a:lstStyle/>
+          <a:p>
+            <a:endParaRPr lang="zh-TW" altLang="en-US"/>
           </a:p>
         </p:txBody>
       </p:sp>
@@ -9862,229 +10079,506 @@
           <a:chExt cx="0" cy="0"/>
         </a:xfrm>
       </p:grpSpPr>
-      <p:pic>
-        <p:nvPicPr>
-          <p:cNvPr id="4" name="圖片 3">
+      <p:sp>
+        <p:nvSpPr>
+          <p:cNvPr id="4" name="內容版面配置區 1">
             <a:extLst>
               <a:ext uri="{FF2B5EF4-FFF2-40B4-BE49-F238E27FC236}">
-                <a16:creationId xmlns:a16="http://schemas.microsoft.com/office/drawing/2014/main" id="{88EBE7F9-AB30-4DFB-A51D-04E7BD23265D}"/>
+                <a16:creationId xmlns:a16="http://schemas.microsoft.com/office/drawing/2014/main" id="{21823EAA-B8DF-47BA-BF22-7282F2DE7560}"/>
               </a:ext>
             </a:extLst>
           </p:cNvPr>
-          <p:cNvPicPr>
-            <a:picLocks noChangeAspect="1"/>
-          </p:cNvPicPr>
+          <p:cNvSpPr txBox="1">
+            <a:spLocks/>
+          </p:cNvSpPr>
           <p:nvPr/>
-        </p:nvPicPr>
-        <p:blipFill rotWithShape="1">
-          <a:blip r:embed="rId3"/>
-          <a:srcRect l="60832"/>
-          <a:stretch/>
-        </p:blipFill>
+        </p:nvSpPr>
         <p:spPr>
           <a:xfrm>
-            <a:off x="7332955" y="1487632"/>
-            <a:ext cx="2164212" cy="4716642"/>
+            <a:off x="1458329" y="1479949"/>
+            <a:ext cx="9283652" cy="3278477"/>
           </a:xfrm>
           <a:prstGeom prst="rect">
             <a:avLst/>
           </a:prstGeom>
         </p:spPr>
-      </p:pic>
-      <p:sp>
-        <p:nvSpPr>
-          <p:cNvPr id="3" name="標題 2"/>
-          <p:cNvSpPr>
-            <a:spLocks noGrp="1"/>
-          </p:cNvSpPr>
-          <p:nvPr>
-            <p:ph type="title"/>
-          </p:nvPr>
-        </p:nvSpPr>
-        <p:spPr>
-          <a:xfrm>
-            <a:off x="838200" y="415010"/>
-            <a:ext cx="10515600" cy="720000"/>
-          </a:xfrm>
-        </p:spPr>
-        <p:txBody>
-          <a:bodyPr>
-            <a:noAutofit/>
+        <p:txBody>
+          <a:bodyPr vert="horz" lIns="91440" tIns="45720" rIns="91440" bIns="45720" numCol="2" rtlCol="0">
+            <a:normAutofit/>
           </a:bodyPr>
-          <a:lstStyle/>
-          <a:p>
-            <a:r>
-              <a:rPr lang="zh-TW" altLang="en-US" sz="3200" dirty="0"/>
-              <a:t>成果展示 </a:t>
-            </a:r>
-            <a:r>
-              <a:rPr lang="en-US" altLang="zh-TW" sz="3200" dirty="0"/>
-              <a:t>–</a:t>
-            </a:r>
-            <a:r>
-              <a:rPr lang="zh-TW" altLang="en-US" sz="3200" dirty="0"/>
-              <a:t> 全圖直方圖 </a:t>
-            </a:r>
-            <a:r>
-              <a:rPr lang="en-US" altLang="zh-TW" sz="3200" dirty="0"/>
-              <a:t>(</a:t>
-            </a:r>
-            <a:r>
-              <a:rPr lang="en-US" altLang="zh-TW" sz="3200" dirty="0">
+          <a:lstStyle>
+            <a:lvl1pPr marL="144000" indent="-144000" algn="l" defTabSz="914400" rtl="0" eaLnBrk="1" latinLnBrk="0" hangingPunct="0">
+              <a:lnSpc>
+                <a:spcPct val="90000"/>
+              </a:lnSpc>
+              <a:spcBef>
+                <a:spcPts val="300"/>
+              </a:spcBef>
+              <a:buFont typeface="Arial" panose="020B0604020202020204" pitchFamily="34" charset="0"/>
+              <a:buChar char="•"/>
+              <a:defRPr sz="1600" kern="1200" baseline="0">
                 <a:solidFill>
-                  <a:srgbClr val="FF0000"/>
+                  <a:schemeClr val="tx1"/>
                 </a:solidFill>
-              </a:rPr>
-              <a:t>2023/3/18</a:t>
-            </a:r>
-            <a:r>
-              <a:rPr lang="en-US" altLang="zh-TW" sz="3200" dirty="0"/>
-              <a:t>)</a:t>
-            </a:r>
-            <a:endParaRPr lang="zh-TW" altLang="en-US" sz="3200" dirty="0"/>
-          </a:p>
-        </p:txBody>
-      </p:sp>
-      <p:sp>
-        <p:nvSpPr>
-          <p:cNvPr id="15" name="文字方塊 14">
+                <a:latin typeface="Times New Roman" panose="02020603050405020304" pitchFamily="18" charset="0"/>
+                <a:ea typeface="標楷體" panose="03000509000000000000" pitchFamily="65" charset="-120"/>
+                <a:cs typeface="+mn-cs"/>
+              </a:defRPr>
+            </a:lvl1pPr>
+            <a:lvl2pPr marL="685800" indent="-228600" algn="l" defTabSz="914400" rtl="0" eaLnBrk="1" latinLnBrk="0" hangingPunct="0">
+              <a:lnSpc>
+                <a:spcPct val="90000"/>
+              </a:lnSpc>
+              <a:spcBef>
+                <a:spcPts val="300"/>
+              </a:spcBef>
+              <a:buFont typeface="Arial" panose="020B0604020202020204" pitchFamily="34" charset="0"/>
+              <a:buChar char="•"/>
+              <a:defRPr sz="1600" kern="1200" baseline="0">
+                <a:solidFill>
+                  <a:schemeClr val="tx1"/>
+                </a:solidFill>
+                <a:latin typeface="Times New Roman" panose="02020603050405020304" pitchFamily="18" charset="0"/>
+                <a:ea typeface="標楷體" panose="03000509000000000000" pitchFamily="65" charset="-120"/>
+                <a:cs typeface="+mn-cs"/>
+              </a:defRPr>
+            </a:lvl2pPr>
+            <a:lvl3pPr marL="1143000" indent="-228600" algn="l" defTabSz="914400" rtl="0" eaLnBrk="1" latinLnBrk="0" hangingPunct="0">
+              <a:lnSpc>
+                <a:spcPct val="90000"/>
+              </a:lnSpc>
+              <a:spcBef>
+                <a:spcPts val="300"/>
+              </a:spcBef>
+              <a:buFont typeface="Arial" panose="020B0604020202020204" pitchFamily="34" charset="0"/>
+              <a:buChar char="•"/>
+              <a:defRPr sz="1600" kern="1200" baseline="0">
+                <a:solidFill>
+                  <a:schemeClr val="tx1"/>
+                </a:solidFill>
+                <a:latin typeface="Times New Roman" panose="02020603050405020304" pitchFamily="18" charset="0"/>
+                <a:ea typeface="標楷體" panose="03000509000000000000" pitchFamily="65" charset="-120"/>
+                <a:cs typeface="+mn-cs"/>
+              </a:defRPr>
+            </a:lvl3pPr>
+            <a:lvl4pPr marL="1600200" indent="-228600" algn="l" defTabSz="914400" rtl="0" eaLnBrk="1" latinLnBrk="0" hangingPunct="0">
+              <a:lnSpc>
+                <a:spcPct val="90000"/>
+              </a:lnSpc>
+              <a:spcBef>
+                <a:spcPts val="300"/>
+              </a:spcBef>
+              <a:buFont typeface="Arial" panose="020B0604020202020204" pitchFamily="34" charset="0"/>
+              <a:buChar char="•"/>
+              <a:defRPr sz="1600" kern="1200" baseline="0">
+                <a:solidFill>
+                  <a:schemeClr val="tx1"/>
+                </a:solidFill>
+                <a:latin typeface="Times New Roman" panose="02020603050405020304" pitchFamily="18" charset="0"/>
+                <a:ea typeface="標楷體" panose="03000509000000000000" pitchFamily="65" charset="-120"/>
+                <a:cs typeface="+mn-cs"/>
+              </a:defRPr>
+            </a:lvl4pPr>
+            <a:lvl5pPr marL="2057400" indent="-228600" algn="l" defTabSz="914400" rtl="0" eaLnBrk="1" latinLnBrk="0" hangingPunct="0">
+              <a:lnSpc>
+                <a:spcPct val="90000"/>
+              </a:lnSpc>
+              <a:spcBef>
+                <a:spcPts val="300"/>
+              </a:spcBef>
+              <a:buFont typeface="Arial" panose="020B0604020202020204" pitchFamily="34" charset="0"/>
+              <a:buChar char="•"/>
+              <a:defRPr sz="1600" kern="1200" baseline="0">
+                <a:solidFill>
+                  <a:schemeClr val="tx1"/>
+                </a:solidFill>
+                <a:latin typeface="Times New Roman" panose="02020603050405020304" pitchFamily="18" charset="0"/>
+                <a:ea typeface="標楷體" panose="03000509000000000000" pitchFamily="65" charset="-120"/>
+                <a:cs typeface="+mn-cs"/>
+              </a:defRPr>
+            </a:lvl5pPr>
+            <a:lvl6pPr marL="2514600" indent="-228600" algn="l" defTabSz="914400" rtl="0" eaLnBrk="1" latinLnBrk="0" hangingPunct="1">
+              <a:lnSpc>
+                <a:spcPct val="90000"/>
+              </a:lnSpc>
+              <a:spcBef>
+                <a:spcPts val="500"/>
+              </a:spcBef>
+              <a:buFont typeface="Arial" panose="020B0604020202020204" pitchFamily="34" charset="0"/>
+              <a:buChar char="•"/>
+              <a:defRPr sz="1800" kern="1200">
+                <a:solidFill>
+                  <a:schemeClr val="tx1"/>
+                </a:solidFill>
+                <a:latin typeface="+mn-lt"/>
+                <a:ea typeface="+mn-ea"/>
+                <a:cs typeface="+mn-cs"/>
+              </a:defRPr>
+            </a:lvl6pPr>
+            <a:lvl7pPr marL="2971800" indent="-228600" algn="l" defTabSz="914400" rtl="0" eaLnBrk="1" latinLnBrk="0" hangingPunct="1">
+              <a:lnSpc>
+                <a:spcPct val="90000"/>
+              </a:lnSpc>
+              <a:spcBef>
+                <a:spcPts val="500"/>
+              </a:spcBef>
+              <a:buFont typeface="Arial" panose="020B0604020202020204" pitchFamily="34" charset="0"/>
+              <a:buChar char="•"/>
+              <a:defRPr sz="1800" kern="1200">
+                <a:solidFill>
+                  <a:schemeClr val="tx1"/>
+                </a:solidFill>
+                <a:latin typeface="+mn-lt"/>
+                <a:ea typeface="+mn-ea"/>
+                <a:cs typeface="+mn-cs"/>
+              </a:defRPr>
+            </a:lvl7pPr>
+            <a:lvl8pPr marL="3429000" indent="-228600" algn="l" defTabSz="914400" rtl="0" eaLnBrk="1" latinLnBrk="0" hangingPunct="1">
+              <a:lnSpc>
+                <a:spcPct val="90000"/>
+              </a:lnSpc>
+              <a:spcBef>
+                <a:spcPts val="500"/>
+              </a:spcBef>
+              <a:buFont typeface="Arial" panose="020B0604020202020204" pitchFamily="34" charset="0"/>
+              <a:buChar char="•"/>
+              <a:defRPr sz="1800" kern="1200">
+                <a:solidFill>
+                  <a:schemeClr val="tx1"/>
+                </a:solidFill>
+                <a:latin typeface="+mn-lt"/>
+                <a:ea typeface="+mn-ea"/>
+                <a:cs typeface="+mn-cs"/>
+              </a:defRPr>
+            </a:lvl8pPr>
+            <a:lvl9pPr marL="3886200" indent="-228600" algn="l" defTabSz="914400" rtl="0" eaLnBrk="1" latinLnBrk="0" hangingPunct="1">
+              <a:lnSpc>
+                <a:spcPct val="90000"/>
+              </a:lnSpc>
+              <a:spcBef>
+                <a:spcPts val="500"/>
+              </a:spcBef>
+              <a:buFont typeface="Arial" panose="020B0604020202020204" pitchFamily="34" charset="0"/>
+              <a:buChar char="•"/>
+              <a:defRPr sz="1800" kern="1200">
+                <a:solidFill>
+                  <a:schemeClr val="tx1"/>
+                </a:solidFill>
+                <a:latin typeface="+mn-lt"/>
+                <a:ea typeface="+mn-ea"/>
+                <a:cs typeface="+mn-cs"/>
+              </a:defRPr>
+            </a:lvl9pPr>
+          </a:lstStyle>
+          <a:p>
+            <a:pPr marL="285750" lvl="1" indent="-285750"/>
+            <a:endParaRPr lang="en-US" altLang="zh-TW" dirty="0"/>
+          </a:p>
+        </p:txBody>
+      </p:sp>
+      <p:sp>
+        <p:nvSpPr>
+          <p:cNvPr id="5" name="內容版面配置區 1">
             <a:extLst>
               <a:ext uri="{FF2B5EF4-FFF2-40B4-BE49-F238E27FC236}">
-                <a16:creationId xmlns:a16="http://schemas.microsoft.com/office/drawing/2014/main" id="{70B178B6-F7EA-47F2-9F22-1268764DE268}"/>
+                <a16:creationId xmlns:a16="http://schemas.microsoft.com/office/drawing/2014/main" id="{54A06951-3C5E-4E0F-94FA-F91B838A746E}"/>
               </a:ext>
             </a:extLst>
           </p:cNvPr>
-          <p:cNvSpPr txBox="1"/>
+          <p:cNvSpPr txBox="1">
+            <a:spLocks/>
+          </p:cNvSpPr>
           <p:nvPr/>
         </p:nvSpPr>
         <p:spPr>
           <a:xfrm>
-            <a:off x="1465923" y="1487632"/>
-            <a:ext cx="9276447" cy="646331"/>
-          </a:xfrm>
-          <a:prstGeom prst="rect">
-            <a:avLst/>
-          </a:prstGeom>
-          <a:noFill/>
-        </p:spPr>
-        <p:txBody>
-          <a:bodyPr wrap="square">
-            <a:spAutoFit/>
-          </a:bodyPr>
-          <a:lstStyle/>
-          <a:p>
-            <a:pPr marL="285750" indent="-285750">
-              <a:buFont typeface="Arial" panose="020B0604020202020204" pitchFamily="34" charset="0"/>
-              <a:buChar char="•"/>
-            </a:pPr>
-            <a:r>
-              <a:rPr lang="zh-TW" altLang="en-US" sz="1800" b="0" i="0" u="none" strike="noStrike" dirty="0">
-                <a:solidFill>
-                  <a:srgbClr val="000000"/>
-                </a:solidFill>
-                <a:effectLst/>
-                <a:latin typeface="DFKai-SB" panose="03000509000000000000" pitchFamily="65" charset="-120"/>
-                <a:ea typeface="DFKai-SB" panose="03000509000000000000" pitchFamily="65" charset="-120"/>
-              </a:rPr>
-              <a:t>原始圖片大小：</a:t>
-            </a:r>
-            <a:r>
-              <a:rPr lang="en-US" altLang="zh-TW" sz="1800" b="0" i="0" u="none" strike="noStrike" dirty="0">
-                <a:solidFill>
-                  <a:srgbClr val="000000"/>
-                </a:solidFill>
-                <a:effectLst/>
-                <a:latin typeface="DFKai-SB" panose="03000509000000000000" pitchFamily="65" charset="-120"/>
-                <a:ea typeface="DFKai-SB" panose="03000509000000000000" pitchFamily="65" charset="-120"/>
-              </a:rPr>
-              <a:t>346x519</a:t>
-            </a:r>
-            <a:endParaRPr lang="en-US" altLang="zh-TW" dirty="0">
-              <a:latin typeface="標楷體" panose="03000509000000000000" pitchFamily="65" charset="-120"/>
-              <a:ea typeface="標楷體" panose="03000509000000000000" pitchFamily="65" charset="-120"/>
-            </a:endParaRPr>
-          </a:p>
-          <a:p>
-            <a:pPr marL="285750" indent="-285750">
-              <a:buFont typeface="Arial" panose="020B0604020202020204" pitchFamily="34" charset="0"/>
-              <a:buChar char="•"/>
-            </a:pPr>
-            <a:r>
-              <a:rPr lang="zh-TW" altLang="en-US" dirty="0">
-                <a:latin typeface="標楷體" panose="03000509000000000000" pitchFamily="65" charset="-120"/>
-                <a:ea typeface="標楷體" panose="03000509000000000000" pitchFamily="65" charset="-120"/>
-              </a:rPr>
-              <a:t>對</a:t>
-            </a:r>
-            <a:r>
-              <a:rPr lang="zh-TW" altLang="en-US" dirty="0">
-                <a:solidFill>
-                  <a:srgbClr val="FF0000"/>
-                </a:solidFill>
-                <a:latin typeface="標楷體" panose="03000509000000000000" pitchFamily="65" charset="-120"/>
-                <a:ea typeface="標楷體" panose="03000509000000000000" pitchFamily="65" charset="-120"/>
-              </a:rPr>
-              <a:t>整張圖</a:t>
-            </a:r>
-            <a:r>
-              <a:rPr lang="zh-TW" altLang="en-US" dirty="0">
-                <a:latin typeface="標楷體" panose="03000509000000000000" pitchFamily="65" charset="-120"/>
-                <a:ea typeface="標楷體" panose="03000509000000000000" pitchFamily="65" charset="-120"/>
-              </a:rPr>
-              <a:t>做</a:t>
-            </a:r>
-            <a:r>
-              <a:rPr lang="en-US" altLang="zh-TW" dirty="0">
-                <a:latin typeface="標楷體" panose="03000509000000000000" pitchFamily="65" charset="-120"/>
-                <a:ea typeface="標楷體" panose="03000509000000000000" pitchFamily="65" charset="-120"/>
-              </a:rPr>
-              <a:t>LBP</a:t>
-            </a:r>
-            <a:r>
-              <a:rPr lang="zh-TW" altLang="en-US" dirty="0">
-                <a:latin typeface="標楷體" panose="03000509000000000000" pitchFamily="65" charset="-120"/>
-                <a:ea typeface="標楷體" panose="03000509000000000000" pitchFamily="65" charset="-120"/>
-              </a:rPr>
-              <a:t>直方圖</a:t>
-            </a:r>
-            <a:endParaRPr lang="zh-TW" altLang="en-US" dirty="0"/>
-          </a:p>
-        </p:txBody>
-      </p:sp>
-      <p:pic>
-        <p:nvPicPr>
-          <p:cNvPr id="5" name="圖片 4">
-            <a:extLst>
-              <a:ext uri="{FF2B5EF4-FFF2-40B4-BE49-F238E27FC236}">
-                <a16:creationId xmlns:a16="http://schemas.microsoft.com/office/drawing/2014/main" id="{E433EA9C-1033-41BA-A966-7342BFE31E46}"/>
-              </a:ext>
-            </a:extLst>
-          </p:cNvPr>
-          <p:cNvPicPr>
-            <a:picLocks noChangeAspect="1"/>
-          </p:cNvPicPr>
-          <p:nvPr/>
-        </p:nvPicPr>
-        <p:blipFill>
-          <a:blip r:embed="rId4"/>
-          <a:stretch>
-            <a:fillRect/>
-          </a:stretch>
-        </p:blipFill>
-        <p:spPr>
-          <a:xfrm>
-            <a:off x="2149264" y="2486585"/>
-            <a:ext cx="4526745" cy="3230081"/>
+            <a:off x="1610729" y="1632349"/>
+            <a:ext cx="9283652" cy="3278477"/>
           </a:xfrm>
           <a:prstGeom prst="rect">
             <a:avLst/>
           </a:prstGeom>
         </p:spPr>
-      </p:pic>
+        <p:txBody>
+          <a:bodyPr vert="horz" lIns="91440" tIns="45720" rIns="91440" bIns="45720" numCol="2" rtlCol="0">
+            <a:normAutofit/>
+          </a:bodyPr>
+          <a:lstStyle>
+            <a:lvl1pPr marL="144000" indent="-144000" algn="l" defTabSz="914400" rtl="0" eaLnBrk="1" latinLnBrk="0" hangingPunct="0">
+              <a:lnSpc>
+                <a:spcPct val="90000"/>
+              </a:lnSpc>
+              <a:spcBef>
+                <a:spcPts val="300"/>
+              </a:spcBef>
+              <a:buFont typeface="Arial" panose="020B0604020202020204" pitchFamily="34" charset="0"/>
+              <a:buChar char="•"/>
+              <a:defRPr sz="1600" kern="1200" baseline="0">
+                <a:solidFill>
+                  <a:schemeClr val="tx1"/>
+                </a:solidFill>
+                <a:latin typeface="Times New Roman" panose="02020603050405020304" pitchFamily="18" charset="0"/>
+                <a:ea typeface="標楷體" panose="03000509000000000000" pitchFamily="65" charset="-120"/>
+                <a:cs typeface="+mn-cs"/>
+              </a:defRPr>
+            </a:lvl1pPr>
+            <a:lvl2pPr marL="685800" indent="-228600" algn="l" defTabSz="914400" rtl="0" eaLnBrk="1" latinLnBrk="0" hangingPunct="0">
+              <a:lnSpc>
+                <a:spcPct val="90000"/>
+              </a:lnSpc>
+              <a:spcBef>
+                <a:spcPts val="300"/>
+              </a:spcBef>
+              <a:buFont typeface="Arial" panose="020B0604020202020204" pitchFamily="34" charset="0"/>
+              <a:buChar char="•"/>
+              <a:defRPr sz="1600" kern="1200" baseline="0">
+                <a:solidFill>
+                  <a:schemeClr val="tx1"/>
+                </a:solidFill>
+                <a:latin typeface="Times New Roman" panose="02020603050405020304" pitchFamily="18" charset="0"/>
+                <a:ea typeface="標楷體" panose="03000509000000000000" pitchFamily="65" charset="-120"/>
+                <a:cs typeface="+mn-cs"/>
+              </a:defRPr>
+            </a:lvl2pPr>
+            <a:lvl3pPr marL="1143000" indent="-228600" algn="l" defTabSz="914400" rtl="0" eaLnBrk="1" latinLnBrk="0" hangingPunct="0">
+              <a:lnSpc>
+                <a:spcPct val="90000"/>
+              </a:lnSpc>
+              <a:spcBef>
+                <a:spcPts val="300"/>
+              </a:spcBef>
+              <a:buFont typeface="Arial" panose="020B0604020202020204" pitchFamily="34" charset="0"/>
+              <a:buChar char="•"/>
+              <a:defRPr sz="1600" kern="1200" baseline="0">
+                <a:solidFill>
+                  <a:schemeClr val="tx1"/>
+                </a:solidFill>
+                <a:latin typeface="Times New Roman" panose="02020603050405020304" pitchFamily="18" charset="0"/>
+                <a:ea typeface="標楷體" panose="03000509000000000000" pitchFamily="65" charset="-120"/>
+                <a:cs typeface="+mn-cs"/>
+              </a:defRPr>
+            </a:lvl3pPr>
+            <a:lvl4pPr marL="1600200" indent="-228600" algn="l" defTabSz="914400" rtl="0" eaLnBrk="1" latinLnBrk="0" hangingPunct="0">
+              <a:lnSpc>
+                <a:spcPct val="90000"/>
+              </a:lnSpc>
+              <a:spcBef>
+                <a:spcPts val="300"/>
+              </a:spcBef>
+              <a:buFont typeface="Arial" panose="020B0604020202020204" pitchFamily="34" charset="0"/>
+              <a:buChar char="•"/>
+              <a:defRPr sz="1600" kern="1200" baseline="0">
+                <a:solidFill>
+                  <a:schemeClr val="tx1"/>
+                </a:solidFill>
+                <a:latin typeface="Times New Roman" panose="02020603050405020304" pitchFamily="18" charset="0"/>
+                <a:ea typeface="標楷體" panose="03000509000000000000" pitchFamily="65" charset="-120"/>
+                <a:cs typeface="+mn-cs"/>
+              </a:defRPr>
+            </a:lvl4pPr>
+            <a:lvl5pPr marL="2057400" indent="-228600" algn="l" defTabSz="914400" rtl="0" eaLnBrk="1" latinLnBrk="0" hangingPunct="0">
+              <a:lnSpc>
+                <a:spcPct val="90000"/>
+              </a:lnSpc>
+              <a:spcBef>
+                <a:spcPts val="300"/>
+              </a:spcBef>
+              <a:buFont typeface="Arial" panose="020B0604020202020204" pitchFamily="34" charset="0"/>
+              <a:buChar char="•"/>
+              <a:defRPr sz="1600" kern="1200" baseline="0">
+                <a:solidFill>
+                  <a:schemeClr val="tx1"/>
+                </a:solidFill>
+                <a:latin typeface="Times New Roman" panose="02020603050405020304" pitchFamily="18" charset="0"/>
+                <a:ea typeface="標楷體" panose="03000509000000000000" pitchFamily="65" charset="-120"/>
+                <a:cs typeface="+mn-cs"/>
+              </a:defRPr>
+            </a:lvl5pPr>
+            <a:lvl6pPr marL="2514600" indent="-228600" algn="l" defTabSz="914400" rtl="0" eaLnBrk="1" latinLnBrk="0" hangingPunct="1">
+              <a:lnSpc>
+                <a:spcPct val="90000"/>
+              </a:lnSpc>
+              <a:spcBef>
+                <a:spcPts val="500"/>
+              </a:spcBef>
+              <a:buFont typeface="Arial" panose="020B0604020202020204" pitchFamily="34" charset="0"/>
+              <a:buChar char="•"/>
+              <a:defRPr sz="1800" kern="1200">
+                <a:solidFill>
+                  <a:schemeClr val="tx1"/>
+                </a:solidFill>
+                <a:latin typeface="+mn-lt"/>
+                <a:ea typeface="+mn-ea"/>
+                <a:cs typeface="+mn-cs"/>
+              </a:defRPr>
+            </a:lvl6pPr>
+            <a:lvl7pPr marL="2971800" indent="-228600" algn="l" defTabSz="914400" rtl="0" eaLnBrk="1" latinLnBrk="0" hangingPunct="1">
+              <a:lnSpc>
+                <a:spcPct val="90000"/>
+              </a:lnSpc>
+              <a:spcBef>
+                <a:spcPts val="500"/>
+              </a:spcBef>
+              <a:buFont typeface="Arial" panose="020B0604020202020204" pitchFamily="34" charset="0"/>
+              <a:buChar char="•"/>
+              <a:defRPr sz="1800" kern="1200">
+                <a:solidFill>
+                  <a:schemeClr val="tx1"/>
+                </a:solidFill>
+                <a:latin typeface="+mn-lt"/>
+                <a:ea typeface="+mn-ea"/>
+                <a:cs typeface="+mn-cs"/>
+              </a:defRPr>
+            </a:lvl7pPr>
+            <a:lvl8pPr marL="3429000" indent="-228600" algn="l" defTabSz="914400" rtl="0" eaLnBrk="1" latinLnBrk="0" hangingPunct="1">
+              <a:lnSpc>
+                <a:spcPct val="90000"/>
+              </a:lnSpc>
+              <a:spcBef>
+                <a:spcPts val="500"/>
+              </a:spcBef>
+              <a:buFont typeface="Arial" panose="020B0604020202020204" pitchFamily="34" charset="0"/>
+              <a:buChar char="•"/>
+              <a:defRPr sz="1800" kern="1200">
+                <a:solidFill>
+                  <a:schemeClr val="tx1"/>
+                </a:solidFill>
+                <a:latin typeface="+mn-lt"/>
+                <a:ea typeface="+mn-ea"/>
+                <a:cs typeface="+mn-cs"/>
+              </a:defRPr>
+            </a:lvl8pPr>
+            <a:lvl9pPr marL="3886200" indent="-228600" algn="l" defTabSz="914400" rtl="0" eaLnBrk="1" latinLnBrk="0" hangingPunct="1">
+              <a:lnSpc>
+                <a:spcPct val="90000"/>
+              </a:lnSpc>
+              <a:spcBef>
+                <a:spcPts val="500"/>
+              </a:spcBef>
+              <a:buFont typeface="Arial" panose="020B0604020202020204" pitchFamily="34" charset="0"/>
+              <a:buChar char="•"/>
+              <a:defRPr sz="1800" kern="1200">
+                <a:solidFill>
+                  <a:schemeClr val="tx1"/>
+                </a:solidFill>
+                <a:latin typeface="+mn-lt"/>
+                <a:ea typeface="+mn-ea"/>
+                <a:cs typeface="+mn-cs"/>
+              </a:defRPr>
+            </a:lvl9pPr>
+          </a:lstStyle>
+          <a:p>
+            <a:pPr marL="285750" lvl="1" indent="-285750"/>
+            <a:r>
+              <a:rPr lang="zh-TW" altLang="en-US" sz="1800" dirty="0"/>
+              <a:t>全圖直方圖</a:t>
+            </a:r>
+            <a:endParaRPr lang="en-US" altLang="zh-TW" sz="1800" dirty="0"/>
+          </a:p>
+          <a:p>
+            <a:pPr marL="285750" lvl="1" indent="-285750"/>
+            <a:r>
+              <a:rPr lang="zh-TW" altLang="en-US" sz="1800" dirty="0"/>
+              <a:t>區塊切割</a:t>
+            </a:r>
+            <a:endParaRPr lang="en-US" altLang="zh-TW" sz="1800" dirty="0"/>
+          </a:p>
+          <a:p>
+            <a:pPr marL="285750" lvl="1" indent="-285750"/>
+            <a:r>
+              <a:rPr lang="zh-TW" altLang="en-US" sz="1800" dirty="0"/>
+              <a:t>區塊特徵向量</a:t>
+            </a:r>
+            <a:endParaRPr lang="en-US" altLang="zh-TW" sz="1800" dirty="0"/>
+          </a:p>
+          <a:p>
+            <a:pPr marL="285750" lvl="1" indent="-285750"/>
+            <a:r>
+              <a:rPr lang="zh-TW" altLang="en-US" sz="1800" dirty="0"/>
+              <a:t>區塊上色</a:t>
+            </a:r>
+            <a:endParaRPr lang="en-US" altLang="zh-TW" sz="1800" dirty="0"/>
+          </a:p>
+          <a:p>
+            <a:pPr marL="285750" lvl="1" indent="-285750"/>
+            <a:endParaRPr lang="en-US" altLang="zh-TW" dirty="0"/>
+          </a:p>
+          <a:p>
+            <a:endParaRPr lang="en-US" altLang="zh-TW" dirty="0"/>
+          </a:p>
+        </p:txBody>
+      </p:sp>
+      <p:sp>
+        <p:nvSpPr>
+          <p:cNvPr id="6" name="標題 2">
+            <a:extLst>
+              <a:ext uri="{FF2B5EF4-FFF2-40B4-BE49-F238E27FC236}">
+                <a16:creationId xmlns:a16="http://schemas.microsoft.com/office/drawing/2014/main" id="{8D8293EA-AC6A-4B69-A91C-A26C663F10F9}"/>
+              </a:ext>
+            </a:extLst>
+          </p:cNvPr>
+          <p:cNvSpPr txBox="1">
+            <a:spLocks/>
+          </p:cNvSpPr>
+          <p:nvPr/>
+        </p:nvSpPr>
+        <p:spPr>
+          <a:xfrm>
+            <a:off x="990600" y="419867"/>
+            <a:ext cx="10515600" cy="720000"/>
+          </a:xfrm>
+          <a:prstGeom prst="rect">
+            <a:avLst/>
+          </a:prstGeom>
+        </p:spPr>
+        <p:txBody>
+          <a:bodyPr vert="horz" lIns="91440" tIns="45720" rIns="91440" bIns="45720" rtlCol="0" anchor="ctr">
+            <a:noAutofit/>
+          </a:bodyPr>
+          <a:lstStyle>
+            <a:lvl1pPr algn="ctr" defTabSz="914400" rtl="0" eaLnBrk="1" latinLnBrk="0" hangingPunct="1">
+              <a:lnSpc>
+                <a:spcPct val="90000"/>
+              </a:lnSpc>
+              <a:spcBef>
+                <a:spcPct val="0"/>
+              </a:spcBef>
+              <a:buNone/>
+              <a:defRPr sz="4400" b="1" kern="1200" baseline="0">
+                <a:solidFill>
+                  <a:schemeClr val="tx1"/>
+                </a:solidFill>
+                <a:latin typeface="Times New Roman" panose="02020603050405020304" pitchFamily="18" charset="0"/>
+                <a:ea typeface="標楷體" panose="03000509000000000000" pitchFamily="65" charset="-120"/>
+                <a:cs typeface="+mj-cs"/>
+              </a:defRPr>
+            </a:lvl1pPr>
+          </a:lstStyle>
+          <a:p>
+            <a:r>
+              <a:rPr lang="zh-TW" altLang="en-US" sz="3200" dirty="0"/>
+              <a:t>成果展示 </a:t>
+            </a:r>
+            <a:r>
+              <a:rPr lang="en-US" altLang="zh-TW" sz="3200" dirty="0"/>
+              <a:t>–</a:t>
+            </a:r>
+            <a:r>
+              <a:rPr lang="zh-TW" altLang="en-US" sz="3200" dirty="0"/>
+              <a:t> 週進度項目 </a:t>
+            </a:r>
+            <a:r>
+              <a:rPr lang="en-US" altLang="zh-TW" sz="3200" dirty="0"/>
+              <a:t>(2023/3/18)</a:t>
+            </a:r>
+            <a:endParaRPr lang="zh-TW" altLang="en-US" sz="3200" dirty="0"/>
+          </a:p>
+        </p:txBody>
+      </p:sp>
     </p:spTree>
     <p:extLst>
       <p:ext uri="{BB962C8B-B14F-4D97-AF65-F5344CB8AC3E}">
-        <p14:creationId xmlns:p14="http://schemas.microsoft.com/office/powerpoint/2010/main" val="2648098688"/>
+        <p14:creationId xmlns:p14="http://schemas.microsoft.com/office/powerpoint/2010/main" val="1484177341"/>
       </p:ext>
     </p:extLst>
   </p:cSld>

--- a/HW2/LBP_HW2.pptx
+++ b/HW2/LBP_HW2.pptx
@@ -279,7 +279,7 @@
               <a:rPr lang="zh-TW" altLang="en-US" smtClean="0">
                 <a:ea typeface="標楷體" panose="03000509000000000000" pitchFamily="65" charset="-120"/>
               </a:rPr>
-              <a:t>2023/3/31</a:t>
+              <a:t>2023/4/22</a:t>
             </a:fld>
             <a:endParaRPr lang="zh-TW" altLang="en-US" dirty="0">
               <a:ea typeface="標楷體" panose="03000509000000000000" pitchFamily="65" charset="-120"/>
@@ -457,7 +457,7 @@
             <a:fld id="{2CB905C5-9D54-40E2-B40C-7996280CAB02}" type="datetimeFigureOut">
               <a:rPr lang="zh-TW" altLang="en-US" smtClean="0"/>
               <a:pPr/>
-              <a:t>2023/3/31</a:t>
+              <a:t>2023/4/22</a:t>
             </a:fld>
             <a:endParaRPr lang="zh-TW" altLang="en-US" dirty="0"/>
           </a:p>
@@ -1283,7 +1283,7 @@
           <a:p>
             <a:fld id="{0C0CC965-A63A-473D-BEFB-C8F9714D5269}" type="datetimeFigureOut">
               <a:rPr lang="zh-TW" altLang="en-US" smtClean="0"/>
-              <a:t>2023/3/31</a:t>
+              <a:t>2023/4/22</a:t>
             </a:fld>
             <a:endParaRPr lang="zh-TW" altLang="en-US"/>
           </a:p>
@@ -1451,7 +1451,7 @@
           <a:p>
             <a:fld id="{0C0CC965-A63A-473D-BEFB-C8F9714D5269}" type="datetimeFigureOut">
               <a:rPr lang="zh-TW" altLang="en-US" smtClean="0"/>
-              <a:t>2023/3/31</a:t>
+              <a:t>2023/4/22</a:t>
             </a:fld>
             <a:endParaRPr lang="zh-TW" altLang="en-US"/>
           </a:p>
@@ -1629,7 +1629,7 @@
           <a:p>
             <a:fld id="{0C0CC965-A63A-473D-BEFB-C8F9714D5269}" type="datetimeFigureOut">
               <a:rPr lang="zh-TW" altLang="en-US" smtClean="0"/>
-              <a:t>2023/3/31</a:t>
+              <a:t>2023/4/22</a:t>
             </a:fld>
             <a:endParaRPr lang="zh-TW" altLang="en-US"/>
           </a:p>
@@ -1851,7 +1851,7 @@
           <a:p>
             <a:fld id="{0C0CC965-A63A-473D-BEFB-C8F9714D5269}" type="datetimeFigureOut">
               <a:rPr lang="zh-TW" altLang="en-US" smtClean="0"/>
-              <a:t>2023/3/31</a:t>
+              <a:t>2023/4/22</a:t>
             </a:fld>
             <a:endParaRPr lang="zh-TW" altLang="en-US"/>
           </a:p>
@@ -2046,7 +2046,7 @@
           <a:p>
             <a:fld id="{0C0CC965-A63A-473D-BEFB-C8F9714D5269}" type="datetimeFigureOut">
               <a:rPr lang="zh-TW" altLang="en-US" smtClean="0"/>
-              <a:t>2023/3/31</a:t>
+              <a:t>2023/4/22</a:t>
             </a:fld>
             <a:endParaRPr lang="zh-TW" altLang="en-US"/>
           </a:p>
@@ -2291,7 +2291,7 @@
           <a:p>
             <a:fld id="{0C0CC965-A63A-473D-BEFB-C8F9714D5269}" type="datetimeFigureOut">
               <a:rPr lang="zh-TW" altLang="en-US" smtClean="0"/>
-              <a:t>2023/3/31</a:t>
+              <a:t>2023/4/22</a:t>
             </a:fld>
             <a:endParaRPr lang="zh-TW" altLang="en-US"/>
           </a:p>
@@ -2520,7 +2520,7 @@
           <a:p>
             <a:fld id="{0C0CC965-A63A-473D-BEFB-C8F9714D5269}" type="datetimeFigureOut">
               <a:rPr lang="zh-TW" altLang="en-US" smtClean="0"/>
-              <a:t>2023/3/31</a:t>
+              <a:t>2023/4/22</a:t>
             </a:fld>
             <a:endParaRPr lang="zh-TW" altLang="en-US"/>
           </a:p>
@@ -2884,7 +2884,7 @@
           <a:p>
             <a:fld id="{0C0CC965-A63A-473D-BEFB-C8F9714D5269}" type="datetimeFigureOut">
               <a:rPr lang="zh-TW" altLang="en-US" smtClean="0"/>
-              <a:t>2023/3/31</a:t>
+              <a:t>2023/4/22</a:t>
             </a:fld>
             <a:endParaRPr lang="zh-TW" altLang="en-US"/>
           </a:p>
@@ -3001,7 +3001,7 @@
           <a:p>
             <a:fld id="{0C0CC965-A63A-473D-BEFB-C8F9714D5269}" type="datetimeFigureOut">
               <a:rPr lang="zh-TW" altLang="en-US" smtClean="0"/>
-              <a:t>2023/3/31</a:t>
+              <a:t>2023/4/22</a:t>
             </a:fld>
             <a:endParaRPr lang="zh-TW" altLang="en-US"/>
           </a:p>
@@ -3096,7 +3096,7 @@
           <a:p>
             <a:fld id="{0C0CC965-A63A-473D-BEFB-C8F9714D5269}" type="datetimeFigureOut">
               <a:rPr lang="zh-TW" altLang="en-US" smtClean="0"/>
-              <a:t>2023/3/31</a:t>
+              <a:t>2023/4/22</a:t>
             </a:fld>
             <a:endParaRPr lang="zh-TW" altLang="en-US"/>
           </a:p>
@@ -3371,7 +3371,7 @@
           <a:p>
             <a:fld id="{0C0CC965-A63A-473D-BEFB-C8F9714D5269}" type="datetimeFigureOut">
               <a:rPr lang="zh-TW" altLang="en-US" smtClean="0"/>
-              <a:t>2023/3/31</a:t>
+              <a:t>2023/4/22</a:t>
             </a:fld>
             <a:endParaRPr lang="zh-TW" altLang="en-US"/>
           </a:p>
@@ -3623,7 +3623,7 @@
           <a:p>
             <a:fld id="{0C0CC965-A63A-473D-BEFB-C8F9714D5269}" type="datetimeFigureOut">
               <a:rPr lang="zh-TW" altLang="en-US" smtClean="0"/>
-              <a:t>2023/3/31</a:t>
+              <a:t>2023/4/22</a:t>
             </a:fld>
             <a:endParaRPr lang="zh-TW" altLang="en-US"/>
           </a:p>
@@ -3837,7 +3837,7 @@
             <a:fld id="{0C0CC965-A63A-473D-BEFB-C8F9714D5269}" type="datetimeFigureOut">
               <a:rPr lang="zh-TW" altLang="en-US" smtClean="0"/>
               <a:pPr/>
-              <a:t>2023/3/31</a:t>
+              <a:t>2023/4/22</a:t>
             </a:fld>
             <a:endParaRPr lang="zh-TW" altLang="en-US"/>
           </a:p>
@@ -4857,7 +4857,7 @@
                 <a:latin typeface="標楷體" panose="03000509000000000000" pitchFamily="65" charset="-120"/>
                 <a:ea typeface="標楷體" panose="03000509000000000000" pitchFamily="65" charset="-120"/>
               </a:rPr>
-              <a:t>以道路區塊為遮罩，取直方圖</a:t>
+              <a:t>以柏油路區塊為遮罩，取直方圖</a:t>
             </a:r>
             <a:endParaRPr lang="zh-TW" altLang="en-US" dirty="0"/>
           </a:p>
@@ -5226,7 +5226,7 @@
           <p:nvPr>
             <p:extLst>
               <p:ext uri="{D42A27DB-BD31-4B8C-83A1-F6EECF244321}">
-                <p14:modId xmlns:p14="http://schemas.microsoft.com/office/powerpoint/2010/main" val="3071489440"/>
+                <p14:modId xmlns:p14="http://schemas.microsoft.com/office/powerpoint/2010/main" val="2848968839"/>
               </p:ext>
             </p:extLst>
           </p:nvPr>
@@ -5336,15 +5336,15 @@
                       </a:pPr>
                       <a:r>
                         <a:rPr lang="zh-TW" altLang="en-US" sz="2000" dirty="0"/>
-                        <a:t>遮罩</a:t>
+                        <a:t>區塊</a:t>
                       </a:r>
                       <a:r>
                         <a:rPr lang="en-US" altLang="zh-TW" sz="2000" dirty="0"/>
-                        <a:t>1, </a:t>
+                        <a:t>1,</a:t>
                       </a:r>
                       <a:r>
                         <a:rPr lang="zh-TW" altLang="en-US" sz="2000" dirty="0"/>
-                        <a:t>遮罩</a:t>
+                        <a:t>區塊</a:t>
                       </a:r>
                       <a:r>
                         <a:rPr lang="en-US" altLang="zh-TW" sz="2000" dirty="0"/>
@@ -5383,15 +5383,15 @@
                       </a:pPr>
                       <a:r>
                         <a:rPr lang="zh-TW" altLang="en-US" sz="2000" dirty="0"/>
-                        <a:t>遮罩</a:t>
+                        <a:t>區塊</a:t>
                       </a:r>
                       <a:r>
                         <a:rPr lang="en-US" altLang="zh-TW" sz="2000" dirty="0"/>
-                        <a:t>2, </a:t>
+                        <a:t>2,</a:t>
                       </a:r>
                       <a:r>
                         <a:rPr lang="zh-TW" altLang="en-US" sz="2000" dirty="0"/>
-                        <a:t>遮罩</a:t>
+                        <a:t>區塊</a:t>
                       </a:r>
                       <a:r>
                         <a:rPr lang="en-US" altLang="zh-TW" sz="2000" dirty="0"/>
@@ -5426,15 +5426,15 @@
                       </a:pPr>
                       <a:r>
                         <a:rPr lang="zh-TW" altLang="en-US" sz="2000" dirty="0"/>
-                        <a:t>遮罩</a:t>
+                        <a:t>區塊</a:t>
                       </a:r>
                       <a:r>
                         <a:rPr lang="en-US" altLang="zh-TW" sz="2000" dirty="0"/>
-                        <a:t>1, </a:t>
+                        <a:t>1,</a:t>
                       </a:r>
                       <a:r>
                         <a:rPr lang="zh-TW" altLang="en-US" sz="2000" dirty="0"/>
-                        <a:t>遮罩</a:t>
+                        <a:t>區塊</a:t>
                       </a:r>
                       <a:r>
                         <a:rPr lang="en-US" altLang="zh-TW" sz="2000" dirty="0"/>
@@ -6676,17 +6676,72 @@
           <a:p>
             <a:pPr marL="285750" lvl="1" indent="-285750"/>
             <a:r>
+              <a:rPr lang="zh-TW" altLang="en-US" sz="1800" dirty="0"/>
+              <a:t>需求</a:t>
+            </a:r>
+            <a:r>
+              <a:rPr lang="en-US" altLang="zh-TW" sz="1800" dirty="0"/>
+              <a:t>: </a:t>
+            </a:r>
+          </a:p>
+          <a:p>
+            <a:pPr marL="742950" lvl="2" indent="-285750"/>
+            <a:r>
+              <a:rPr lang="zh-TW" altLang="en-US" sz="1800" dirty="0"/>
+              <a:t>限制</a:t>
+            </a:r>
+            <a:r>
+              <a:rPr lang="en-US" altLang="zh-TW" sz="1800" dirty="0"/>
+              <a:t>: </a:t>
+            </a:r>
+            <a:r>
+              <a:rPr lang="zh-TW" altLang="en-US" sz="1800" dirty="0"/>
+              <a:t>以柏油路為輸入圖片</a:t>
+            </a:r>
+            <a:endParaRPr lang="en-US" altLang="zh-TW" sz="2000" dirty="0"/>
+          </a:p>
+          <a:p>
+            <a:pPr marL="285750" lvl="1" indent="-285750"/>
+            <a:endParaRPr lang="en-US" altLang="zh-TW" sz="2000" dirty="0"/>
+          </a:p>
+          <a:p>
+            <a:pPr marL="285750" lvl="1" indent="-285750"/>
+            <a:r>
+              <a:rPr lang="zh-TW" altLang="en-US" sz="2000" dirty="0"/>
+              <a:t>功能</a:t>
+            </a:r>
+            <a:r>
               <a:rPr lang="en-US" altLang="zh-TW" sz="2000" dirty="0"/>
+              <a:t>:</a:t>
+            </a:r>
+          </a:p>
+          <a:p>
+            <a:pPr marL="742950" lvl="2" indent="-285750"/>
+            <a:r>
+              <a:rPr lang="en-US" altLang="zh-TW" sz="1800" dirty="0"/>
               <a:t>LBP</a:t>
             </a:r>
-          </a:p>
-          <a:p>
-            <a:pPr marL="285750" lvl="1" indent="-285750"/>
-            <a:r>
-              <a:rPr lang="zh-TW" altLang="en-US" sz="2000" dirty="0"/>
+            <a:endParaRPr lang="en-US" altLang="zh-TW" dirty="0"/>
+          </a:p>
+          <a:p>
+            <a:pPr marL="742950" lvl="2" indent="-285750"/>
+            <a:r>
+              <a:rPr lang="zh-TW" altLang="en-US" sz="1800" dirty="0"/>
               <a:t>特徵向量比較</a:t>
             </a:r>
-            <a:endParaRPr lang="en-US" altLang="zh-TW" sz="2000" dirty="0"/>
+            <a:r>
+              <a:rPr lang="en-US" altLang="zh-TW" sz="2000" dirty="0"/>
+              <a:t>(</a:t>
+            </a:r>
+            <a:r>
+              <a:rPr lang="zh-TW" altLang="en-US" sz="1800" dirty="0"/>
+              <a:t>模式、數據</a:t>
+            </a:r>
+            <a:r>
+              <a:rPr lang="en-US" altLang="zh-TW" sz="1800" dirty="0"/>
+              <a:t>)</a:t>
+            </a:r>
+            <a:endParaRPr lang="en-US" altLang="zh-TW" sz="2400" dirty="0"/>
           </a:p>
         </p:txBody>
       </p:sp>
@@ -6802,7 +6857,7 @@
         </p:nvSpPr>
         <p:spPr>
           <a:xfrm>
-            <a:off x="838200" y="1201850"/>
+            <a:off x="1379737" y="1694796"/>
             <a:ext cx="10515600" cy="5037776"/>
           </a:xfrm>
           <a:prstGeom prst="rect">
@@ -7037,9 +7092,18 @@
           <a:p>
             <a:pPr marL="285750" lvl="1" indent="-285750"/>
             <a:r>
+              <a:rPr lang="zh-TW" altLang="en-US" dirty="0"/>
+              <a:t>以</a:t>
+            </a:r>
+            <a:r>
               <a:rPr lang="en-US" altLang="zh-TW" dirty="0"/>
               <a:t>LBP</a:t>
             </a:r>
+            <a:r>
+              <a:rPr lang="zh-TW" altLang="en-US"/>
+              <a:t>繪製紋路的質方圖</a:t>
+            </a:r>
+            <a:endParaRPr lang="en-US" altLang="zh-TW" dirty="0"/>
           </a:p>
           <a:p>
             <a:pPr marL="285750" lvl="1" indent="-285750"/>
@@ -8042,31 +8106,6 @@
           </a:p>
         </p:txBody>
       </p:sp>
-      <p:sp>
-        <p:nvSpPr>
-          <p:cNvPr id="6" name="內容版面配置區 5">
-            <a:extLst>
-              <a:ext uri="{FF2B5EF4-FFF2-40B4-BE49-F238E27FC236}">
-                <a16:creationId xmlns:a16="http://schemas.microsoft.com/office/drawing/2014/main" id="{1374F73F-D745-4CB9-987E-DD0E8A78735C}"/>
-              </a:ext>
-            </a:extLst>
-          </p:cNvPr>
-          <p:cNvSpPr>
-            <a:spLocks noGrp="1"/>
-          </p:cNvSpPr>
-          <p:nvPr>
-            <p:ph idx="1"/>
-          </p:nvPr>
-        </p:nvSpPr>
-        <p:spPr/>
-        <p:txBody>
-          <a:bodyPr/>
-          <a:lstStyle/>
-          <a:p>
-            <a:endParaRPr lang="zh-TW" altLang="en-US"/>
-          </a:p>
-        </p:txBody>
-      </p:sp>
     </p:spTree>
     <p:extLst>
       <p:ext uri="{BB962C8B-B14F-4D97-AF65-F5344CB8AC3E}">
@@ -10495,7 +10534,7 @@
             <a:pPr marL="285750" lvl="1" indent="-285750"/>
             <a:r>
               <a:rPr lang="zh-TW" altLang="en-US" sz="1800" dirty="0"/>
-              <a:t>區塊上色</a:t>
+              <a:t>柏油路區塊上色</a:t>
             </a:r>
             <a:endParaRPr lang="en-US" altLang="zh-TW" sz="1800" dirty="0"/>
           </a:p>

--- a/HW2/LBP_HW2.pptx
+++ b/HW2/LBP_HW2.pptx
@@ -279,7 +279,7 @@
               <a:rPr lang="zh-TW" altLang="en-US" smtClean="0">
                 <a:ea typeface="標楷體" panose="03000509000000000000" pitchFamily="65" charset="-120"/>
               </a:rPr>
-              <a:t>2023/4/22</a:t>
+              <a:t>2023/4/23</a:t>
             </a:fld>
             <a:endParaRPr lang="zh-TW" altLang="en-US" dirty="0">
               <a:ea typeface="標楷體" panose="03000509000000000000" pitchFamily="65" charset="-120"/>
@@ -457,7 +457,7 @@
             <a:fld id="{2CB905C5-9D54-40E2-B40C-7996280CAB02}" type="datetimeFigureOut">
               <a:rPr lang="zh-TW" altLang="en-US" smtClean="0"/>
               <a:pPr/>
-              <a:t>2023/4/22</a:t>
+              <a:t>2023/4/23</a:t>
             </a:fld>
             <a:endParaRPr lang="zh-TW" altLang="en-US" dirty="0"/>
           </a:p>
@@ -1283,7 +1283,7 @@
           <a:p>
             <a:fld id="{0C0CC965-A63A-473D-BEFB-C8F9714D5269}" type="datetimeFigureOut">
               <a:rPr lang="zh-TW" altLang="en-US" smtClean="0"/>
-              <a:t>2023/4/22</a:t>
+              <a:t>2023/4/23</a:t>
             </a:fld>
             <a:endParaRPr lang="zh-TW" altLang="en-US"/>
           </a:p>
@@ -1451,7 +1451,7 @@
           <a:p>
             <a:fld id="{0C0CC965-A63A-473D-BEFB-C8F9714D5269}" type="datetimeFigureOut">
               <a:rPr lang="zh-TW" altLang="en-US" smtClean="0"/>
-              <a:t>2023/4/22</a:t>
+              <a:t>2023/4/23</a:t>
             </a:fld>
             <a:endParaRPr lang="zh-TW" altLang="en-US"/>
           </a:p>
@@ -1629,7 +1629,7 @@
           <a:p>
             <a:fld id="{0C0CC965-A63A-473D-BEFB-C8F9714D5269}" type="datetimeFigureOut">
               <a:rPr lang="zh-TW" altLang="en-US" smtClean="0"/>
-              <a:t>2023/4/22</a:t>
+              <a:t>2023/4/23</a:t>
             </a:fld>
             <a:endParaRPr lang="zh-TW" altLang="en-US"/>
           </a:p>
@@ -1851,7 +1851,7 @@
           <a:p>
             <a:fld id="{0C0CC965-A63A-473D-BEFB-C8F9714D5269}" type="datetimeFigureOut">
               <a:rPr lang="zh-TW" altLang="en-US" smtClean="0"/>
-              <a:t>2023/4/22</a:t>
+              <a:t>2023/4/23</a:t>
             </a:fld>
             <a:endParaRPr lang="zh-TW" altLang="en-US"/>
           </a:p>
@@ -2046,7 +2046,7 @@
           <a:p>
             <a:fld id="{0C0CC965-A63A-473D-BEFB-C8F9714D5269}" type="datetimeFigureOut">
               <a:rPr lang="zh-TW" altLang="en-US" smtClean="0"/>
-              <a:t>2023/4/22</a:t>
+              <a:t>2023/4/23</a:t>
             </a:fld>
             <a:endParaRPr lang="zh-TW" altLang="en-US"/>
           </a:p>
@@ -2291,7 +2291,7 @@
           <a:p>
             <a:fld id="{0C0CC965-A63A-473D-BEFB-C8F9714D5269}" type="datetimeFigureOut">
               <a:rPr lang="zh-TW" altLang="en-US" smtClean="0"/>
-              <a:t>2023/4/22</a:t>
+              <a:t>2023/4/23</a:t>
             </a:fld>
             <a:endParaRPr lang="zh-TW" altLang="en-US"/>
           </a:p>
@@ -2520,7 +2520,7 @@
           <a:p>
             <a:fld id="{0C0CC965-A63A-473D-BEFB-C8F9714D5269}" type="datetimeFigureOut">
               <a:rPr lang="zh-TW" altLang="en-US" smtClean="0"/>
-              <a:t>2023/4/22</a:t>
+              <a:t>2023/4/23</a:t>
             </a:fld>
             <a:endParaRPr lang="zh-TW" altLang="en-US"/>
           </a:p>
@@ -2884,7 +2884,7 @@
           <a:p>
             <a:fld id="{0C0CC965-A63A-473D-BEFB-C8F9714D5269}" type="datetimeFigureOut">
               <a:rPr lang="zh-TW" altLang="en-US" smtClean="0"/>
-              <a:t>2023/4/22</a:t>
+              <a:t>2023/4/23</a:t>
             </a:fld>
             <a:endParaRPr lang="zh-TW" altLang="en-US"/>
           </a:p>
@@ -3001,7 +3001,7 @@
           <a:p>
             <a:fld id="{0C0CC965-A63A-473D-BEFB-C8F9714D5269}" type="datetimeFigureOut">
               <a:rPr lang="zh-TW" altLang="en-US" smtClean="0"/>
-              <a:t>2023/4/22</a:t>
+              <a:t>2023/4/23</a:t>
             </a:fld>
             <a:endParaRPr lang="zh-TW" altLang="en-US"/>
           </a:p>
@@ -3096,7 +3096,7 @@
           <a:p>
             <a:fld id="{0C0CC965-A63A-473D-BEFB-C8F9714D5269}" type="datetimeFigureOut">
               <a:rPr lang="zh-TW" altLang="en-US" smtClean="0"/>
-              <a:t>2023/4/22</a:t>
+              <a:t>2023/4/23</a:t>
             </a:fld>
             <a:endParaRPr lang="zh-TW" altLang="en-US"/>
           </a:p>
@@ -3371,7 +3371,7 @@
           <a:p>
             <a:fld id="{0C0CC965-A63A-473D-BEFB-C8F9714D5269}" type="datetimeFigureOut">
               <a:rPr lang="zh-TW" altLang="en-US" smtClean="0"/>
-              <a:t>2023/4/22</a:t>
+              <a:t>2023/4/23</a:t>
             </a:fld>
             <a:endParaRPr lang="zh-TW" altLang="en-US"/>
           </a:p>
@@ -3623,7 +3623,7 @@
           <a:p>
             <a:fld id="{0C0CC965-A63A-473D-BEFB-C8F9714D5269}" type="datetimeFigureOut">
               <a:rPr lang="zh-TW" altLang="en-US" smtClean="0"/>
-              <a:t>2023/4/22</a:t>
+              <a:t>2023/4/23</a:t>
             </a:fld>
             <a:endParaRPr lang="zh-TW" altLang="en-US"/>
           </a:p>
@@ -3837,7 +3837,7 @@
             <a:fld id="{0C0CC965-A63A-473D-BEFB-C8F9714D5269}" type="datetimeFigureOut">
               <a:rPr lang="zh-TW" altLang="en-US" smtClean="0"/>
               <a:pPr/>
-              <a:t>2023/4/22</a:t>
+              <a:t>2023/4/23</a:t>
             </a:fld>
             <a:endParaRPr lang="zh-TW" altLang="en-US"/>
           </a:p>
@@ -6701,47 +6701,47 @@
             <a:endParaRPr lang="en-US" altLang="zh-TW" sz="2000" dirty="0"/>
           </a:p>
           <a:p>
-            <a:pPr marL="285750" lvl="1" indent="-285750"/>
+            <a:pPr marL="742950" lvl="2" indent="-285750"/>
+            <a:r>
+              <a:rPr lang="zh-TW" altLang="en-US" sz="1800" dirty="0"/>
+              <a:t>功能</a:t>
+            </a:r>
+            <a:r>
+              <a:rPr lang="en-US" altLang="zh-TW" sz="1800" dirty="0"/>
+              <a:t>:</a:t>
+            </a:r>
+          </a:p>
+          <a:p>
+            <a:pPr marL="1200150" lvl="3" indent="-285750"/>
+            <a:r>
+              <a:rPr lang="en-US" altLang="zh-TW" dirty="0"/>
+              <a:t>LBP</a:t>
+            </a:r>
+            <a:r>
+              <a:rPr lang="zh-TW" altLang="en-US" dirty="0"/>
+              <a:t>繪製紋路的質方圖</a:t>
+            </a:r>
+            <a:endParaRPr lang="en-US" altLang="zh-TW" dirty="0"/>
+          </a:p>
+          <a:p>
+            <a:pPr marL="1200150" lvl="3" indent="-285750"/>
+            <a:r>
+              <a:rPr lang="zh-TW" altLang="en-US" dirty="0"/>
+              <a:t>特徵向量比較</a:t>
+            </a:r>
+            <a:r>
+              <a:rPr lang="en-US" altLang="zh-TW" sz="1800" dirty="0"/>
+              <a:t>(</a:t>
+            </a:r>
+            <a:r>
+              <a:rPr lang="zh-TW" altLang="en-US" dirty="0"/>
+              <a:t>模式、數據</a:t>
+            </a:r>
+            <a:r>
+              <a:rPr lang="en-US" altLang="zh-TW" dirty="0"/>
+              <a:t>)</a:t>
+            </a:r>
             <a:endParaRPr lang="en-US" altLang="zh-TW" sz="2000" dirty="0"/>
-          </a:p>
-          <a:p>
-            <a:pPr marL="285750" lvl="1" indent="-285750"/>
-            <a:r>
-              <a:rPr lang="zh-TW" altLang="en-US" sz="2000" dirty="0"/>
-              <a:t>功能</a:t>
-            </a:r>
-            <a:r>
-              <a:rPr lang="en-US" altLang="zh-TW" sz="2000" dirty="0"/>
-              <a:t>:</a:t>
-            </a:r>
-          </a:p>
-          <a:p>
-            <a:pPr marL="742950" lvl="2" indent="-285750"/>
-            <a:r>
-              <a:rPr lang="en-US" altLang="zh-TW" sz="1800" dirty="0"/>
-              <a:t>LBP</a:t>
-            </a:r>
-            <a:endParaRPr lang="en-US" altLang="zh-TW" dirty="0"/>
-          </a:p>
-          <a:p>
-            <a:pPr marL="742950" lvl="2" indent="-285750"/>
-            <a:r>
-              <a:rPr lang="zh-TW" altLang="en-US" sz="1800" dirty="0"/>
-              <a:t>特徵向量比較</a:t>
-            </a:r>
-            <a:r>
-              <a:rPr lang="en-US" altLang="zh-TW" sz="2000" dirty="0"/>
-              <a:t>(</a:t>
-            </a:r>
-            <a:r>
-              <a:rPr lang="zh-TW" altLang="en-US" sz="1800" dirty="0"/>
-              <a:t>模式、數據</a:t>
-            </a:r>
-            <a:r>
-              <a:rPr lang="en-US" altLang="zh-TW" sz="1800" dirty="0"/>
-              <a:t>)</a:t>
-            </a:r>
-            <a:endParaRPr lang="en-US" altLang="zh-TW" sz="2400" dirty="0"/>
           </a:p>
         </p:txBody>
       </p:sp>
@@ -7100,7 +7100,7 @@
               <a:t>LBP</a:t>
             </a:r>
             <a:r>
-              <a:rPr lang="zh-TW" altLang="en-US"/>
+              <a:rPr lang="zh-TW" altLang="en-US" dirty="0"/>
               <a:t>繪製紋路的質方圖</a:t>
             </a:r>
             <a:endParaRPr lang="en-US" altLang="zh-TW" dirty="0"/>
